--- a/Course/707 Theory of Computation/Fitness Guided Path Exploration in Automated Test Generation.pptx
+++ b/Course/707 Theory of Computation/Fitness Guided Path Exploration in Automated Test Generation.pptx
@@ -4,19 +4,23 @@
   <p:sldMasterIdLst>
     <p:sldMasterId id="2147483648" r:id="rId1"/>
   </p:sldMasterIdLst>
+  <p:notesMasterIdLst>
+    <p:notesMasterId r:id="rId15"/>
+  </p:notesMasterIdLst>
   <p:sldIdLst>
     <p:sldId id="256" r:id="rId2"/>
     <p:sldId id="265" r:id="rId3"/>
-    <p:sldId id="257" r:id="rId4"/>
-    <p:sldId id="266" r:id="rId5"/>
-    <p:sldId id="267" r:id="rId6"/>
-    <p:sldId id="258" r:id="rId7"/>
-    <p:sldId id="259" r:id="rId8"/>
-    <p:sldId id="260" r:id="rId9"/>
-    <p:sldId id="261" r:id="rId10"/>
-    <p:sldId id="262" r:id="rId11"/>
-    <p:sldId id="263" r:id="rId12"/>
-    <p:sldId id="264" r:id="rId13"/>
+    <p:sldId id="270" r:id="rId4"/>
+    <p:sldId id="269" r:id="rId5"/>
+    <p:sldId id="266" r:id="rId6"/>
+    <p:sldId id="267" r:id="rId7"/>
+    <p:sldId id="258" r:id="rId8"/>
+    <p:sldId id="259" r:id="rId9"/>
+    <p:sldId id="260" r:id="rId10"/>
+    <p:sldId id="261" r:id="rId11"/>
+    <p:sldId id="262" r:id="rId12"/>
+    <p:sldId id="263" r:id="rId13"/>
+    <p:sldId id="264" r:id="rId14"/>
   </p:sldIdLst>
   <p:sldSz cx="9144000" cy="6858000" type="screen4x3"/>
   <p:notesSz cx="6858000" cy="9144000"/>
@@ -118,6 +122,791 @@
 </p:presentation>
 </file>
 
+<file path=ppt/notesMasters/notesMaster1.xml><?xml version="1.0" encoding="utf-8"?>
+<p:notesMaster xmlns:a="http://schemas.openxmlformats.org/drawingml/2006/main" xmlns:r="http://schemas.openxmlformats.org/officeDocument/2006/relationships" xmlns:p="http://schemas.openxmlformats.org/presentationml/2006/main">
+  <p:cSld>
+    <p:bg>
+      <p:bgRef idx="1001">
+        <a:schemeClr val="bg1"/>
+      </p:bgRef>
+    </p:bg>
+    <p:spTree>
+      <p:nvGrpSpPr>
+        <p:cNvPr id="1" name=""/>
+        <p:cNvGrpSpPr/>
+        <p:nvPr/>
+      </p:nvGrpSpPr>
+      <p:grpSpPr>
+        <a:xfrm>
+          <a:off x="0" y="0"/>
+          <a:ext cx="0" cy="0"/>
+          <a:chOff x="0" y="0"/>
+          <a:chExt cx="0" cy="0"/>
+        </a:xfrm>
+      </p:grpSpPr>
+      <p:sp>
+        <p:nvSpPr>
+          <p:cNvPr id="2" name="Header Placeholder 1"/>
+          <p:cNvSpPr>
+            <a:spLocks noGrp="1"/>
+          </p:cNvSpPr>
+          <p:nvPr>
+            <p:ph type="hdr" sz="quarter"/>
+          </p:nvPr>
+        </p:nvSpPr>
+        <p:spPr>
+          <a:xfrm>
+            <a:off x="0" y="0"/>
+            <a:ext cx="2971800" cy="457200"/>
+          </a:xfrm>
+          <a:prstGeom prst="rect">
+            <a:avLst/>
+          </a:prstGeom>
+        </p:spPr>
+        <p:txBody>
+          <a:bodyPr vert="horz" lIns="91440" tIns="45720" rIns="91440" bIns="45720" rtlCol="0"/>
+          <a:lstStyle>
+            <a:lvl1pPr algn="l">
+              <a:defRPr sz="1200"/>
+            </a:lvl1pPr>
+          </a:lstStyle>
+          <a:p>
+            <a:endParaRPr lang="en-US"/>
+          </a:p>
+        </p:txBody>
+      </p:sp>
+      <p:sp>
+        <p:nvSpPr>
+          <p:cNvPr id="3" name="Date Placeholder 2"/>
+          <p:cNvSpPr>
+            <a:spLocks noGrp="1"/>
+          </p:cNvSpPr>
+          <p:nvPr>
+            <p:ph type="dt" idx="1"/>
+          </p:nvPr>
+        </p:nvSpPr>
+        <p:spPr>
+          <a:xfrm>
+            <a:off x="3884613" y="0"/>
+            <a:ext cx="2971800" cy="457200"/>
+          </a:xfrm>
+          <a:prstGeom prst="rect">
+            <a:avLst/>
+          </a:prstGeom>
+        </p:spPr>
+        <p:txBody>
+          <a:bodyPr vert="horz" lIns="91440" tIns="45720" rIns="91440" bIns="45720" rtlCol="0"/>
+          <a:lstStyle>
+            <a:lvl1pPr algn="r">
+              <a:defRPr sz="1200"/>
+            </a:lvl1pPr>
+          </a:lstStyle>
+          <a:p>
+            <a:fld id="{4240BB0D-160A-4F75-95F6-7B23C6851DEC}" type="datetimeFigureOut">
+              <a:rPr lang="en-US" smtClean="0"/>
+              <a:t>4/26/2010</a:t>
+            </a:fld>
+            <a:endParaRPr lang="en-US"/>
+          </a:p>
+        </p:txBody>
+      </p:sp>
+      <p:sp>
+        <p:nvSpPr>
+          <p:cNvPr id="4" name="Slide Image Placeholder 3"/>
+          <p:cNvSpPr>
+            <a:spLocks noGrp="1" noRot="1" noChangeAspect="1"/>
+          </p:cNvSpPr>
+          <p:nvPr>
+            <p:ph type="sldImg" idx="2"/>
+          </p:nvPr>
+        </p:nvSpPr>
+        <p:spPr>
+          <a:xfrm>
+            <a:off x="1143000" y="685800"/>
+            <a:ext cx="4572000" cy="3429000"/>
+          </a:xfrm>
+          <a:prstGeom prst="rect">
+            <a:avLst/>
+          </a:prstGeom>
+          <a:noFill/>
+          <a:ln w="12700">
+            <a:solidFill>
+              <a:prstClr val="black"/>
+            </a:solidFill>
+          </a:ln>
+        </p:spPr>
+        <p:txBody>
+          <a:bodyPr vert="horz" lIns="91440" tIns="45720" rIns="91440" bIns="45720" rtlCol="0" anchor="ctr"/>
+          <a:lstStyle/>
+          <a:p>
+            <a:endParaRPr lang="en-US"/>
+          </a:p>
+        </p:txBody>
+      </p:sp>
+      <p:sp>
+        <p:nvSpPr>
+          <p:cNvPr id="5" name="Notes Placeholder 4"/>
+          <p:cNvSpPr>
+            <a:spLocks noGrp="1"/>
+          </p:cNvSpPr>
+          <p:nvPr>
+            <p:ph type="body" sz="quarter" idx="3"/>
+          </p:nvPr>
+        </p:nvSpPr>
+        <p:spPr>
+          <a:xfrm>
+            <a:off x="685800" y="4343400"/>
+            <a:ext cx="5486400" cy="4114800"/>
+          </a:xfrm>
+          <a:prstGeom prst="rect">
+            <a:avLst/>
+          </a:prstGeom>
+        </p:spPr>
+        <p:txBody>
+          <a:bodyPr vert="horz" lIns="91440" tIns="45720" rIns="91440" bIns="45720" rtlCol="0">
+            <a:normAutofit/>
+          </a:bodyPr>
+          <a:lstStyle/>
+          <a:p>
+            <a:pPr lvl="0"/>
+            <a:r>
+              <a:rPr lang="en-US" smtClean="0"/>
+              <a:t>Click to edit Master text styles</a:t>
+            </a:r>
+          </a:p>
+          <a:p>
+            <a:pPr lvl="1"/>
+            <a:r>
+              <a:rPr lang="en-US" smtClean="0"/>
+              <a:t>Second level</a:t>
+            </a:r>
+          </a:p>
+          <a:p>
+            <a:pPr lvl="2"/>
+            <a:r>
+              <a:rPr lang="en-US" smtClean="0"/>
+              <a:t>Third level</a:t>
+            </a:r>
+          </a:p>
+          <a:p>
+            <a:pPr lvl="3"/>
+            <a:r>
+              <a:rPr lang="en-US" smtClean="0"/>
+              <a:t>Fourth level</a:t>
+            </a:r>
+          </a:p>
+          <a:p>
+            <a:pPr lvl="4"/>
+            <a:r>
+              <a:rPr lang="en-US" smtClean="0"/>
+              <a:t>Fifth level</a:t>
+            </a:r>
+            <a:endParaRPr lang="en-US"/>
+          </a:p>
+        </p:txBody>
+      </p:sp>
+      <p:sp>
+        <p:nvSpPr>
+          <p:cNvPr id="6" name="Footer Placeholder 5"/>
+          <p:cNvSpPr>
+            <a:spLocks noGrp="1"/>
+          </p:cNvSpPr>
+          <p:nvPr>
+            <p:ph type="ftr" sz="quarter" idx="4"/>
+          </p:nvPr>
+        </p:nvSpPr>
+        <p:spPr>
+          <a:xfrm>
+            <a:off x="0" y="8685213"/>
+            <a:ext cx="2971800" cy="457200"/>
+          </a:xfrm>
+          <a:prstGeom prst="rect">
+            <a:avLst/>
+          </a:prstGeom>
+        </p:spPr>
+        <p:txBody>
+          <a:bodyPr vert="horz" lIns="91440" tIns="45720" rIns="91440" bIns="45720" rtlCol="0" anchor="b"/>
+          <a:lstStyle>
+            <a:lvl1pPr algn="l">
+              <a:defRPr sz="1200"/>
+            </a:lvl1pPr>
+          </a:lstStyle>
+          <a:p>
+            <a:endParaRPr lang="en-US"/>
+          </a:p>
+        </p:txBody>
+      </p:sp>
+      <p:sp>
+        <p:nvSpPr>
+          <p:cNvPr id="7" name="Slide Number Placeholder 6"/>
+          <p:cNvSpPr>
+            <a:spLocks noGrp="1"/>
+          </p:cNvSpPr>
+          <p:nvPr>
+            <p:ph type="sldNum" sz="quarter" idx="5"/>
+          </p:nvPr>
+        </p:nvSpPr>
+        <p:spPr>
+          <a:xfrm>
+            <a:off x="3884613" y="8685213"/>
+            <a:ext cx="2971800" cy="457200"/>
+          </a:xfrm>
+          <a:prstGeom prst="rect">
+            <a:avLst/>
+          </a:prstGeom>
+        </p:spPr>
+        <p:txBody>
+          <a:bodyPr vert="horz" lIns="91440" tIns="45720" rIns="91440" bIns="45720" rtlCol="0" anchor="b"/>
+          <a:lstStyle>
+            <a:lvl1pPr algn="r">
+              <a:defRPr sz="1200"/>
+            </a:lvl1pPr>
+          </a:lstStyle>
+          <a:p>
+            <a:fld id="{4C4CFC97-42CB-4889-A94D-9FF808BC3C72}" type="slidenum">
+              <a:rPr lang="en-US" smtClean="0"/>
+              <a:t>‹#›</a:t>
+            </a:fld>
+            <a:endParaRPr lang="en-US"/>
+          </a:p>
+        </p:txBody>
+      </p:sp>
+    </p:spTree>
+  </p:cSld>
+  <p:clrMap bg1="lt1" tx1="dk1" bg2="lt2" tx2="dk2" accent1="accent1" accent2="accent2" accent3="accent3" accent4="accent4" accent5="accent5" accent6="accent6" hlink="hlink" folHlink="folHlink"/>
+  <p:notesStyle>
+    <a:lvl1pPr marL="0" algn="l" defTabSz="914400" rtl="0" eaLnBrk="1" latinLnBrk="0" hangingPunct="1">
+      <a:defRPr sz="1200" kern="1200">
+        <a:solidFill>
+          <a:schemeClr val="tx1"/>
+        </a:solidFill>
+        <a:latin typeface="+mn-lt"/>
+        <a:ea typeface="+mn-ea"/>
+        <a:cs typeface="+mn-cs"/>
+      </a:defRPr>
+    </a:lvl1pPr>
+    <a:lvl2pPr marL="457200" algn="l" defTabSz="914400" rtl="0" eaLnBrk="1" latinLnBrk="0" hangingPunct="1">
+      <a:defRPr sz="1200" kern="1200">
+        <a:solidFill>
+          <a:schemeClr val="tx1"/>
+        </a:solidFill>
+        <a:latin typeface="+mn-lt"/>
+        <a:ea typeface="+mn-ea"/>
+        <a:cs typeface="+mn-cs"/>
+      </a:defRPr>
+    </a:lvl2pPr>
+    <a:lvl3pPr marL="914400" algn="l" defTabSz="914400" rtl="0" eaLnBrk="1" latinLnBrk="0" hangingPunct="1">
+      <a:defRPr sz="1200" kern="1200">
+        <a:solidFill>
+          <a:schemeClr val="tx1"/>
+        </a:solidFill>
+        <a:latin typeface="+mn-lt"/>
+        <a:ea typeface="+mn-ea"/>
+        <a:cs typeface="+mn-cs"/>
+      </a:defRPr>
+    </a:lvl3pPr>
+    <a:lvl4pPr marL="1371600" algn="l" defTabSz="914400" rtl="0" eaLnBrk="1" latinLnBrk="0" hangingPunct="1">
+      <a:defRPr sz="1200" kern="1200">
+        <a:solidFill>
+          <a:schemeClr val="tx1"/>
+        </a:solidFill>
+        <a:latin typeface="+mn-lt"/>
+        <a:ea typeface="+mn-ea"/>
+        <a:cs typeface="+mn-cs"/>
+      </a:defRPr>
+    </a:lvl4pPr>
+    <a:lvl5pPr marL="1828800" algn="l" defTabSz="914400" rtl="0" eaLnBrk="1" latinLnBrk="0" hangingPunct="1">
+      <a:defRPr sz="1200" kern="1200">
+        <a:solidFill>
+          <a:schemeClr val="tx1"/>
+        </a:solidFill>
+        <a:latin typeface="+mn-lt"/>
+        <a:ea typeface="+mn-ea"/>
+        <a:cs typeface="+mn-cs"/>
+      </a:defRPr>
+    </a:lvl5pPr>
+    <a:lvl6pPr marL="2286000" algn="l" defTabSz="914400" rtl="0" eaLnBrk="1" latinLnBrk="0" hangingPunct="1">
+      <a:defRPr sz="1200" kern="1200">
+        <a:solidFill>
+          <a:schemeClr val="tx1"/>
+        </a:solidFill>
+        <a:latin typeface="+mn-lt"/>
+        <a:ea typeface="+mn-ea"/>
+        <a:cs typeface="+mn-cs"/>
+      </a:defRPr>
+    </a:lvl6pPr>
+    <a:lvl7pPr marL="2743200" algn="l" defTabSz="914400" rtl="0" eaLnBrk="1" latinLnBrk="0" hangingPunct="1">
+      <a:defRPr sz="1200" kern="1200">
+        <a:solidFill>
+          <a:schemeClr val="tx1"/>
+        </a:solidFill>
+        <a:latin typeface="+mn-lt"/>
+        <a:ea typeface="+mn-ea"/>
+        <a:cs typeface="+mn-cs"/>
+      </a:defRPr>
+    </a:lvl7pPr>
+    <a:lvl8pPr marL="3200400" algn="l" defTabSz="914400" rtl="0" eaLnBrk="1" latinLnBrk="0" hangingPunct="1">
+      <a:defRPr sz="1200" kern="1200">
+        <a:solidFill>
+          <a:schemeClr val="tx1"/>
+        </a:solidFill>
+        <a:latin typeface="+mn-lt"/>
+        <a:ea typeface="+mn-ea"/>
+        <a:cs typeface="+mn-cs"/>
+      </a:defRPr>
+    </a:lvl8pPr>
+    <a:lvl9pPr marL="3657600" algn="l" defTabSz="914400" rtl="0" eaLnBrk="1" latinLnBrk="0" hangingPunct="1">
+      <a:defRPr sz="1200" kern="1200">
+        <a:solidFill>
+          <a:schemeClr val="tx1"/>
+        </a:solidFill>
+        <a:latin typeface="+mn-lt"/>
+        <a:ea typeface="+mn-ea"/>
+        <a:cs typeface="+mn-cs"/>
+      </a:defRPr>
+    </a:lvl9pPr>
+  </p:notesStyle>
+</p:notesMaster>
+</file>
+
+<file path=ppt/notesSlides/notesSlide1.xml><?xml version="1.0" encoding="utf-8"?>
+<p:notes xmlns:a="http://schemas.openxmlformats.org/drawingml/2006/main" xmlns:r="http://schemas.openxmlformats.org/officeDocument/2006/relationships" xmlns:p="http://schemas.openxmlformats.org/presentationml/2006/main">
+  <p:cSld>
+    <p:bg>
+      <p:bgPr>
+        <a:solidFill>
+          <a:srgbClr val="FFFFFF"/>
+        </a:solidFill>
+        <a:effectLst/>
+      </p:bgPr>
+    </p:bg>
+    <p:spTree>
+      <p:nvGrpSpPr>
+        <p:cNvPr id="1" name=""/>
+        <p:cNvGrpSpPr/>
+        <p:nvPr/>
+      </p:nvGrpSpPr>
+      <p:grpSpPr>
+        <a:xfrm>
+          <a:off x="0" y="0"/>
+          <a:ext cx="0" cy="0"/>
+          <a:chOff x="0" y="0"/>
+          <a:chExt cx="0" cy="0"/>
+        </a:xfrm>
+      </p:grpSpPr>
+      <p:sp>
+        <p:nvSpPr>
+          <p:cNvPr id="7" name="Rectangle 23"/>
+          <p:cNvSpPr>
+            <a:spLocks noGrp="1" noChangeArrowheads="1"/>
+          </p:cNvSpPr>
+          <p:nvPr>
+            <p:ph type="sldNum"/>
+          </p:nvPr>
+        </p:nvSpPr>
+        <p:spPr>
+          <a:ln/>
+        </p:spPr>
+        <p:txBody>
+          <a:bodyPr/>
+          <a:lstStyle/>
+          <a:p>
+            <a:fld id="{63FE86CD-674D-4BCD-8CA6-A8A187FE18FD}" type="slidenum">
+              <a:rPr lang="en-GB"/>
+              <a:pPr/>
+              <a:t>4</a:t>
+            </a:fld>
+            <a:endParaRPr lang="en-GB"/>
+          </a:p>
+        </p:txBody>
+      </p:sp>
+      <p:sp>
+        <p:nvSpPr>
+          <p:cNvPr id="21505" name="Text Box 1"/>
+          <p:cNvSpPr txBox="1">
+            <a:spLocks noChangeArrowheads="1"/>
+          </p:cNvSpPr>
+          <p:nvPr/>
+        </p:nvSpPr>
+        <p:spPr bwMode="auto">
+          <a:xfrm>
+            <a:off x="3881439" y="8686512"/>
+            <a:ext cx="2959753" cy="440170"/>
+          </a:xfrm>
+          <a:prstGeom prst="rect">
+            <a:avLst/>
+          </a:prstGeom>
+          <a:noFill/>
+          <a:ln w="9525">
+            <a:noFill/>
+            <a:round/>
+            <a:headEnd/>
+            <a:tailEnd/>
+          </a:ln>
+          <a:effectLst/>
+        </p:spPr>
+        <p:txBody>
+          <a:bodyPr lIns="0" tIns="0" rIns="0" bIns="0" anchor="b"/>
+          <a:lstStyle/>
+          <a:p>
+            <a:pPr algn="r">
+              <a:lnSpc>
+                <a:spcPct val="95000"/>
+              </a:lnSpc>
+              <a:tabLst>
+                <a:tab pos="0" algn="l"/>
+                <a:tab pos="410291" algn="l"/>
+                <a:tab pos="820583" algn="l"/>
+                <a:tab pos="1230874" algn="l"/>
+                <a:tab pos="1641165" algn="l"/>
+                <a:tab pos="2051456" algn="l"/>
+                <a:tab pos="2461748" algn="l"/>
+                <a:tab pos="2872039" algn="l"/>
+                <a:tab pos="3282330" algn="l"/>
+                <a:tab pos="3692622" algn="l"/>
+                <a:tab pos="4102913" algn="l"/>
+                <a:tab pos="4513204" algn="l"/>
+                <a:tab pos="4923495" algn="l"/>
+                <a:tab pos="5333787" algn="l"/>
+                <a:tab pos="5744078" algn="l"/>
+                <a:tab pos="6154369" algn="l"/>
+                <a:tab pos="6564660" algn="l"/>
+                <a:tab pos="6974952" algn="l"/>
+                <a:tab pos="7385243" algn="l"/>
+                <a:tab pos="7795534" algn="l"/>
+                <a:tab pos="8205826" algn="l"/>
+              </a:tabLst>
+            </a:pPr>
+            <a:fld id="{42F3755A-E30B-4A32-9425-397AF284C0DF}" type="slidenum">
+              <a:rPr lang="en-GB" sz="1300">
+                <a:solidFill>
+                  <a:srgbClr val="000000"/>
+                </a:solidFill>
+                <a:latin typeface="Times New Roman" pitchFamily="16" charset="0"/>
+              </a:rPr>
+              <a:pPr algn="r">
+                <a:lnSpc>
+                  <a:spcPct val="95000"/>
+                </a:lnSpc>
+                <a:tabLst>
+                  <a:tab pos="0" algn="l"/>
+                  <a:tab pos="410291" algn="l"/>
+                  <a:tab pos="820583" algn="l"/>
+                  <a:tab pos="1230874" algn="l"/>
+                  <a:tab pos="1641165" algn="l"/>
+                  <a:tab pos="2051456" algn="l"/>
+                  <a:tab pos="2461748" algn="l"/>
+                  <a:tab pos="2872039" algn="l"/>
+                  <a:tab pos="3282330" algn="l"/>
+                  <a:tab pos="3692622" algn="l"/>
+                  <a:tab pos="4102913" algn="l"/>
+                  <a:tab pos="4513204" algn="l"/>
+                  <a:tab pos="4923495" algn="l"/>
+                  <a:tab pos="5333787" algn="l"/>
+                  <a:tab pos="5744078" algn="l"/>
+                  <a:tab pos="6154369" algn="l"/>
+                  <a:tab pos="6564660" algn="l"/>
+                  <a:tab pos="6974952" algn="l"/>
+                  <a:tab pos="7385243" algn="l"/>
+                  <a:tab pos="7795534" algn="l"/>
+                  <a:tab pos="8205826" algn="l"/>
+                </a:tabLst>
+              </a:pPr>
+              <a:t>4</a:t>
+            </a:fld>
+            <a:endParaRPr lang="en-GB" sz="1300" dirty="0">
+              <a:solidFill>
+                <a:srgbClr val="000000"/>
+              </a:solidFill>
+              <a:latin typeface="Times New Roman" pitchFamily="16" charset="0"/>
+            </a:endParaRPr>
+          </a:p>
+        </p:txBody>
+      </p:sp>
+      <p:sp>
+        <p:nvSpPr>
+          <p:cNvPr id="21506" name="Text Box 2"/>
+          <p:cNvSpPr txBox="1">
+            <a:spLocks noChangeArrowheads="1"/>
+          </p:cNvSpPr>
+          <p:nvPr/>
+        </p:nvSpPr>
+        <p:spPr bwMode="auto">
+          <a:xfrm>
+            <a:off x="3881439" y="8686512"/>
+            <a:ext cx="2972360" cy="453159"/>
+          </a:xfrm>
+          <a:prstGeom prst="rect">
+            <a:avLst/>
+          </a:prstGeom>
+          <a:noFill/>
+          <a:ln w="9525">
+            <a:noFill/>
+            <a:round/>
+            <a:headEnd/>
+            <a:tailEnd/>
+          </a:ln>
+          <a:effectLst/>
+        </p:spPr>
+        <p:txBody>
+          <a:bodyPr lIns="0" tIns="0" rIns="0" bIns="0" anchor="b"/>
+          <a:lstStyle/>
+          <a:p>
+            <a:pPr algn="r">
+              <a:lnSpc>
+                <a:spcPct val="95000"/>
+              </a:lnSpc>
+              <a:tabLst>
+                <a:tab pos="0" algn="l"/>
+                <a:tab pos="410291" algn="l"/>
+                <a:tab pos="820583" algn="l"/>
+                <a:tab pos="1230874" algn="l"/>
+                <a:tab pos="1641165" algn="l"/>
+                <a:tab pos="2051456" algn="l"/>
+                <a:tab pos="2461748" algn="l"/>
+                <a:tab pos="2872039" algn="l"/>
+                <a:tab pos="3282330" algn="l"/>
+                <a:tab pos="3692622" algn="l"/>
+                <a:tab pos="4102913" algn="l"/>
+                <a:tab pos="4513204" algn="l"/>
+                <a:tab pos="4923495" algn="l"/>
+                <a:tab pos="5333787" algn="l"/>
+                <a:tab pos="5744078" algn="l"/>
+                <a:tab pos="6154369" algn="l"/>
+                <a:tab pos="6564660" algn="l"/>
+                <a:tab pos="6974952" algn="l"/>
+                <a:tab pos="7385243" algn="l"/>
+                <a:tab pos="7795534" algn="l"/>
+                <a:tab pos="8205826" algn="l"/>
+              </a:tabLst>
+            </a:pPr>
+            <a:fld id="{3D9561CD-FC3E-4C58-BE74-FE06EE4BF7AC}" type="slidenum">
+              <a:rPr lang="en-GB" sz="1300">
+                <a:solidFill>
+                  <a:srgbClr val="000000"/>
+                </a:solidFill>
+                <a:latin typeface="Times New Roman" pitchFamily="16" charset="0"/>
+              </a:rPr>
+              <a:pPr algn="r">
+                <a:lnSpc>
+                  <a:spcPct val="95000"/>
+                </a:lnSpc>
+                <a:tabLst>
+                  <a:tab pos="0" algn="l"/>
+                  <a:tab pos="410291" algn="l"/>
+                  <a:tab pos="820583" algn="l"/>
+                  <a:tab pos="1230874" algn="l"/>
+                  <a:tab pos="1641165" algn="l"/>
+                  <a:tab pos="2051456" algn="l"/>
+                  <a:tab pos="2461748" algn="l"/>
+                  <a:tab pos="2872039" algn="l"/>
+                  <a:tab pos="3282330" algn="l"/>
+                  <a:tab pos="3692622" algn="l"/>
+                  <a:tab pos="4102913" algn="l"/>
+                  <a:tab pos="4513204" algn="l"/>
+                  <a:tab pos="4923495" algn="l"/>
+                  <a:tab pos="5333787" algn="l"/>
+                  <a:tab pos="5744078" algn="l"/>
+                  <a:tab pos="6154369" algn="l"/>
+                  <a:tab pos="6564660" algn="l"/>
+                  <a:tab pos="6974952" algn="l"/>
+                  <a:tab pos="7385243" algn="l"/>
+                  <a:tab pos="7795534" algn="l"/>
+                  <a:tab pos="8205826" algn="l"/>
+                </a:tabLst>
+              </a:pPr>
+              <a:t>4</a:t>
+            </a:fld>
+            <a:endParaRPr lang="en-GB" sz="1300" dirty="0">
+              <a:solidFill>
+                <a:srgbClr val="000000"/>
+              </a:solidFill>
+              <a:latin typeface="Times New Roman" pitchFamily="16" charset="0"/>
+            </a:endParaRPr>
+          </a:p>
+        </p:txBody>
+      </p:sp>
+      <p:sp>
+        <p:nvSpPr>
+          <p:cNvPr id="21507" name="Text Box 3"/>
+          <p:cNvSpPr txBox="1">
+            <a:spLocks noChangeArrowheads="1"/>
+          </p:cNvSpPr>
+          <p:nvPr/>
+        </p:nvSpPr>
+        <p:spPr bwMode="auto">
+          <a:xfrm>
+            <a:off x="3881438" y="8686512"/>
+            <a:ext cx="2973761" cy="454602"/>
+          </a:xfrm>
+          <a:prstGeom prst="rect">
+            <a:avLst/>
+          </a:prstGeom>
+          <a:noFill/>
+          <a:ln w="9525">
+            <a:noFill/>
+            <a:round/>
+            <a:headEnd/>
+            <a:tailEnd/>
+          </a:ln>
+          <a:effectLst/>
+        </p:spPr>
+        <p:txBody>
+          <a:bodyPr lIns="0" tIns="0" rIns="0" bIns="0" anchor="b"/>
+          <a:lstStyle/>
+          <a:p>
+            <a:pPr algn="r">
+              <a:lnSpc>
+                <a:spcPct val="95000"/>
+              </a:lnSpc>
+              <a:tabLst>
+                <a:tab pos="0" algn="l"/>
+                <a:tab pos="410291" algn="l"/>
+                <a:tab pos="820583" algn="l"/>
+                <a:tab pos="1230874" algn="l"/>
+                <a:tab pos="1641165" algn="l"/>
+                <a:tab pos="2051456" algn="l"/>
+                <a:tab pos="2461748" algn="l"/>
+                <a:tab pos="2872039" algn="l"/>
+                <a:tab pos="3282330" algn="l"/>
+                <a:tab pos="3692622" algn="l"/>
+                <a:tab pos="4102913" algn="l"/>
+                <a:tab pos="4513204" algn="l"/>
+                <a:tab pos="4923495" algn="l"/>
+                <a:tab pos="5333787" algn="l"/>
+                <a:tab pos="5744078" algn="l"/>
+                <a:tab pos="6154369" algn="l"/>
+                <a:tab pos="6564660" algn="l"/>
+                <a:tab pos="6974952" algn="l"/>
+                <a:tab pos="7385243" algn="l"/>
+                <a:tab pos="7795534" algn="l"/>
+                <a:tab pos="8205826" algn="l"/>
+              </a:tabLst>
+            </a:pPr>
+            <a:fld id="{B7AF82B8-77F5-43B4-9655-43B9C6252234}" type="slidenum">
+              <a:rPr lang="en-GB" sz="1300">
+                <a:solidFill>
+                  <a:srgbClr val="000000"/>
+                </a:solidFill>
+                <a:latin typeface="Times New Roman" pitchFamily="16" charset="0"/>
+              </a:rPr>
+              <a:pPr algn="r">
+                <a:lnSpc>
+                  <a:spcPct val="95000"/>
+                </a:lnSpc>
+                <a:tabLst>
+                  <a:tab pos="0" algn="l"/>
+                  <a:tab pos="410291" algn="l"/>
+                  <a:tab pos="820583" algn="l"/>
+                  <a:tab pos="1230874" algn="l"/>
+                  <a:tab pos="1641165" algn="l"/>
+                  <a:tab pos="2051456" algn="l"/>
+                  <a:tab pos="2461748" algn="l"/>
+                  <a:tab pos="2872039" algn="l"/>
+                  <a:tab pos="3282330" algn="l"/>
+                  <a:tab pos="3692622" algn="l"/>
+                  <a:tab pos="4102913" algn="l"/>
+                  <a:tab pos="4513204" algn="l"/>
+                  <a:tab pos="4923495" algn="l"/>
+                  <a:tab pos="5333787" algn="l"/>
+                  <a:tab pos="5744078" algn="l"/>
+                  <a:tab pos="6154369" algn="l"/>
+                  <a:tab pos="6564660" algn="l"/>
+                  <a:tab pos="6974952" algn="l"/>
+                  <a:tab pos="7385243" algn="l"/>
+                  <a:tab pos="7795534" algn="l"/>
+                  <a:tab pos="8205826" algn="l"/>
+                </a:tabLst>
+              </a:pPr>
+              <a:t>4</a:t>
+            </a:fld>
+            <a:endParaRPr lang="en-GB" sz="1300" dirty="0">
+              <a:solidFill>
+                <a:srgbClr val="000000"/>
+              </a:solidFill>
+              <a:latin typeface="Times New Roman" pitchFamily="16" charset="0"/>
+            </a:endParaRPr>
+          </a:p>
+        </p:txBody>
+      </p:sp>
+      <p:sp>
+        <p:nvSpPr>
+          <p:cNvPr id="21508" name="Text Box 4"/>
+          <p:cNvSpPr txBox="1">
+            <a:spLocks noChangeArrowheads="1"/>
+          </p:cNvSpPr>
+          <p:nvPr/>
+        </p:nvSpPr>
+        <p:spPr bwMode="auto">
+          <a:xfrm>
+            <a:off x="958103" y="685512"/>
+            <a:ext cx="4944596" cy="3429000"/>
+          </a:xfrm>
+          <a:prstGeom prst="rect">
+            <a:avLst/>
+          </a:prstGeom>
+          <a:solidFill>
+            <a:srgbClr val="FFFFFF"/>
+          </a:solidFill>
+          <a:ln w="9360">
+            <a:solidFill>
+              <a:srgbClr val="000000"/>
+            </a:solidFill>
+            <a:miter lim="800000"/>
+            <a:headEnd/>
+            <a:tailEnd/>
+          </a:ln>
+          <a:effectLst/>
+        </p:spPr>
+        <p:txBody>
+          <a:bodyPr wrap="none" lIns="82058" tIns="41029" rIns="82058" bIns="41029" anchor="ctr"/>
+          <a:lstStyle/>
+          <a:p>
+            <a:endParaRPr lang="en-US"/>
+          </a:p>
+        </p:txBody>
+      </p:sp>
+      <p:sp>
+        <p:nvSpPr>
+          <p:cNvPr id="21509" name="Rectangle 5"/>
+          <p:cNvSpPr txBox="1">
+            <a:spLocks noGrp="1" noChangeArrowheads="1"/>
+          </p:cNvSpPr>
+          <p:nvPr>
+            <p:ph type="body"/>
+          </p:nvPr>
+        </p:nvSpPr>
+        <p:spPr bwMode="auto">
+          <a:xfrm>
+            <a:off x="686360" y="4342535"/>
+            <a:ext cx="5462868" cy="4089977"/>
+          </a:xfrm>
+          <a:prstGeom prst="rect">
+            <a:avLst/>
+          </a:prstGeom>
+          <a:noFill/>
+          <a:ln>
+            <a:round/>
+            <a:headEnd/>
+            <a:tailEnd/>
+          </a:ln>
+        </p:spPr>
+        <p:txBody>
+          <a:bodyPr wrap="none" anchor="ctr"/>
+          <a:lstStyle/>
+          <a:p>
+            <a:endParaRPr lang="en-US" baseline="0" dirty="0" smtClean="0"/>
+          </a:p>
+        </p:txBody>
+      </p:sp>
+    </p:spTree>
+  </p:cSld>
+  <p:clrMapOvr>
+    <a:masterClrMapping/>
+  </p:clrMapOvr>
+</p:notes>
+</file>
+
 <file path=ppt/slideLayouts/slideLayout1.xml><?xml version="1.0" encoding="utf-8"?>
 <p:sldLayout xmlns:a="http://schemas.openxmlformats.org/drawingml/2006/main" xmlns:r="http://schemas.openxmlformats.org/officeDocument/2006/relationships" xmlns:p="http://schemas.openxmlformats.org/presentationml/2006/main" type="title" preserve="1">
   <p:cSld name="标题幻灯片">
@@ -299,6 +1088,7 @@
           <a:p>
             <a:fld id="{3E2AA146-854D-444B-BCD4-2E0B71FA6C96}" type="datetimeFigureOut">
               <a:rPr lang="en-US" smtClean="0"/>
+              <a:pPr/>
               <a:t>4/26/2010</a:t>
             </a:fld>
             <a:endParaRPr lang="en-US"/>
@@ -341,6 +1131,7 @@
           <a:p>
             <a:fld id="{07C307D6-81D3-4FBB-92E0-1E4E2E2062D1}" type="slidenum">
               <a:rPr lang="en-US" smtClean="0"/>
+              <a:pPr/>
               <a:t>‹#›</a:t>
             </a:fld>
             <a:endParaRPr lang="en-US"/>
@@ -464,6 +1255,7 @@
           <a:p>
             <a:fld id="{3E2AA146-854D-444B-BCD4-2E0B71FA6C96}" type="datetimeFigureOut">
               <a:rPr lang="en-US" smtClean="0"/>
+              <a:pPr/>
               <a:t>4/26/2010</a:t>
             </a:fld>
             <a:endParaRPr lang="en-US"/>
@@ -506,6 +1298,7 @@
           <a:p>
             <a:fld id="{07C307D6-81D3-4FBB-92E0-1E4E2E2062D1}" type="slidenum">
               <a:rPr lang="en-US" smtClean="0"/>
+              <a:pPr/>
               <a:t>‹#›</a:t>
             </a:fld>
             <a:endParaRPr lang="en-US"/>
@@ -639,6 +1432,7 @@
           <a:p>
             <a:fld id="{3E2AA146-854D-444B-BCD4-2E0B71FA6C96}" type="datetimeFigureOut">
               <a:rPr lang="en-US" smtClean="0"/>
+              <a:pPr/>
               <a:t>4/26/2010</a:t>
             </a:fld>
             <a:endParaRPr lang="en-US"/>
@@ -681,6 +1475,7 @@
           <a:p>
             <a:fld id="{07C307D6-81D3-4FBB-92E0-1E4E2E2062D1}" type="slidenum">
               <a:rPr lang="en-US" smtClean="0"/>
+              <a:pPr/>
               <a:t>‹#›</a:t>
             </a:fld>
             <a:endParaRPr lang="en-US"/>
@@ -804,6 +1599,7 @@
           <a:p>
             <a:fld id="{3E2AA146-854D-444B-BCD4-2E0B71FA6C96}" type="datetimeFigureOut">
               <a:rPr lang="en-US" smtClean="0"/>
+              <a:pPr/>
               <a:t>4/26/2010</a:t>
             </a:fld>
             <a:endParaRPr lang="en-US"/>
@@ -846,6 +1642,7 @@
           <a:p>
             <a:fld id="{07C307D6-81D3-4FBB-92E0-1E4E2E2062D1}" type="slidenum">
               <a:rPr lang="en-US" smtClean="0"/>
+              <a:pPr/>
               <a:t>‹#›</a:t>
             </a:fld>
             <a:endParaRPr lang="en-US"/>
@@ -1045,6 +1842,7 @@
           <a:p>
             <a:fld id="{3E2AA146-854D-444B-BCD4-2E0B71FA6C96}" type="datetimeFigureOut">
               <a:rPr lang="en-US" smtClean="0"/>
+              <a:pPr/>
               <a:t>4/26/2010</a:t>
             </a:fld>
             <a:endParaRPr lang="en-US"/>
@@ -1087,6 +1885,7 @@
           <a:p>
             <a:fld id="{07C307D6-81D3-4FBB-92E0-1E4E2E2062D1}" type="slidenum">
               <a:rPr lang="en-US" smtClean="0"/>
+              <a:pPr/>
               <a:t>‹#›</a:t>
             </a:fld>
             <a:endParaRPr lang="en-US"/>
@@ -1328,6 +2127,7 @@
           <a:p>
             <a:fld id="{3E2AA146-854D-444B-BCD4-2E0B71FA6C96}" type="datetimeFigureOut">
               <a:rPr lang="en-US" smtClean="0"/>
+              <a:pPr/>
               <a:t>4/26/2010</a:t>
             </a:fld>
             <a:endParaRPr lang="en-US"/>
@@ -1370,6 +2170,7 @@
           <a:p>
             <a:fld id="{07C307D6-81D3-4FBB-92E0-1E4E2E2062D1}" type="slidenum">
               <a:rPr lang="en-US" smtClean="0"/>
+              <a:pPr/>
               <a:t>‹#›</a:t>
             </a:fld>
             <a:endParaRPr lang="en-US"/>
@@ -1745,6 +2546,7 @@
           <a:p>
             <a:fld id="{3E2AA146-854D-444B-BCD4-2E0B71FA6C96}" type="datetimeFigureOut">
               <a:rPr lang="en-US" smtClean="0"/>
+              <a:pPr/>
               <a:t>4/26/2010</a:t>
             </a:fld>
             <a:endParaRPr lang="en-US"/>
@@ -1787,6 +2589,7 @@
           <a:p>
             <a:fld id="{07C307D6-81D3-4FBB-92E0-1E4E2E2062D1}" type="slidenum">
               <a:rPr lang="en-US" smtClean="0"/>
+              <a:pPr/>
               <a:t>‹#›</a:t>
             </a:fld>
             <a:endParaRPr lang="en-US"/>
@@ -1858,6 +2661,7 @@
           <a:p>
             <a:fld id="{3E2AA146-854D-444B-BCD4-2E0B71FA6C96}" type="datetimeFigureOut">
               <a:rPr lang="en-US" smtClean="0"/>
+              <a:pPr/>
               <a:t>4/26/2010</a:t>
             </a:fld>
             <a:endParaRPr lang="en-US"/>
@@ -1900,6 +2704,7 @@
           <a:p>
             <a:fld id="{07C307D6-81D3-4FBB-92E0-1E4E2E2062D1}" type="slidenum">
               <a:rPr lang="en-US" smtClean="0"/>
+              <a:pPr/>
               <a:t>‹#›</a:t>
             </a:fld>
             <a:endParaRPr lang="en-US"/>
@@ -1948,6 +2753,7 @@
           <a:p>
             <a:fld id="{3E2AA146-854D-444B-BCD4-2E0B71FA6C96}" type="datetimeFigureOut">
               <a:rPr lang="en-US" smtClean="0"/>
+              <a:pPr/>
               <a:t>4/26/2010</a:t>
             </a:fld>
             <a:endParaRPr lang="en-US"/>
@@ -1990,6 +2796,7 @@
           <a:p>
             <a:fld id="{07C307D6-81D3-4FBB-92E0-1E4E2E2062D1}" type="slidenum">
               <a:rPr lang="en-US" smtClean="0"/>
+              <a:pPr/>
               <a:t>‹#›</a:t>
             </a:fld>
             <a:endParaRPr lang="en-US"/>
@@ -2220,6 +3027,7 @@
           <a:p>
             <a:fld id="{3E2AA146-854D-444B-BCD4-2E0B71FA6C96}" type="datetimeFigureOut">
               <a:rPr lang="en-US" smtClean="0"/>
+              <a:pPr/>
               <a:t>4/26/2010</a:t>
             </a:fld>
             <a:endParaRPr lang="en-US"/>
@@ -2262,6 +3070,7 @@
           <a:p>
             <a:fld id="{07C307D6-81D3-4FBB-92E0-1E4E2E2062D1}" type="slidenum">
               <a:rPr lang="en-US" smtClean="0"/>
+              <a:pPr/>
               <a:t>‹#›</a:t>
             </a:fld>
             <a:endParaRPr lang="en-US"/>
@@ -2468,6 +3277,7 @@
           <a:p>
             <a:fld id="{3E2AA146-854D-444B-BCD4-2E0B71FA6C96}" type="datetimeFigureOut">
               <a:rPr lang="en-US" smtClean="0"/>
+              <a:pPr/>
               <a:t>4/26/2010</a:t>
             </a:fld>
             <a:endParaRPr lang="en-US"/>
@@ -2510,6 +3320,7 @@
           <a:p>
             <a:fld id="{07C307D6-81D3-4FBB-92E0-1E4E2E2062D1}" type="slidenum">
               <a:rPr lang="en-US" smtClean="0"/>
+              <a:pPr/>
               <a:t>‹#›</a:t>
             </a:fld>
             <a:endParaRPr lang="en-US"/>
@@ -2681,6 +3492,7 @@
           <a:p>
             <a:fld id="{3E2AA146-854D-444B-BCD4-2E0B71FA6C96}" type="datetimeFigureOut">
               <a:rPr lang="en-US" smtClean="0"/>
+              <a:pPr/>
               <a:t>4/26/2010</a:t>
             </a:fld>
             <a:endParaRPr lang="en-US"/>
@@ -2759,6 +3571,7 @@
           <a:p>
             <a:fld id="{07C307D6-81D3-4FBB-92E0-1E4E2E2062D1}" type="slidenum">
               <a:rPr lang="en-US" smtClean="0"/>
+              <a:pPr/>
               <a:t>‹#›</a:t>
             </a:fld>
             <a:endParaRPr lang="en-US"/>
@@ -3073,11 +3886,7 @@
           <a:p>
             <a:r>
               <a:rPr lang="en-US" dirty="0" smtClean="0"/>
-              <a:t>Theory of </a:t>
-            </a:r>
-            <a:r>
-              <a:rPr lang="en-US" dirty="0" smtClean="0"/>
-              <a:t>Dynamic Symbolic Execution</a:t>
+              <a:t>Symbolic Execution in Software Engineering</a:t>
             </a:r>
             <a:endParaRPr lang="en-US" dirty="0"/>
           </a:p>
@@ -3249,6 +4058,309 @@
           <a:p>
             <a:r>
               <a:rPr lang="en-US" dirty="0" smtClean="0"/>
+              <a:t>Example</a:t>
+            </a:r>
+            <a:endParaRPr lang="en-US" dirty="0"/>
+          </a:p>
+        </p:txBody>
+      </p:sp>
+      <p:sp>
+        <p:nvSpPr>
+          <p:cNvPr id="3" name="内容占位符 2"/>
+          <p:cNvSpPr>
+            <a:spLocks noGrp="1"/>
+          </p:cNvSpPr>
+          <p:nvPr>
+            <p:ph idx="1"/>
+          </p:nvPr>
+        </p:nvSpPr>
+        <p:spPr/>
+        <p:txBody>
+          <a:bodyPr>
+            <a:normAutofit fontScale="85000" lnSpcReduction="20000"/>
+          </a:bodyPr>
+          <a:lstStyle/>
+          <a:p>
+            <a:pPr>
+              <a:buNone/>
+            </a:pPr>
+            <a:r>
+              <a:rPr lang="en-US" dirty="0" smtClean="0"/>
+              <a:t>Public  </a:t>
+            </a:r>
+            <a:r>
+              <a:rPr lang="en-US" dirty="0" err="1" smtClean="0"/>
+              <a:t>bool</a:t>
+            </a:r>
+            <a:r>
+              <a:rPr lang="en-US" dirty="0" smtClean="0"/>
+              <a:t> </a:t>
+            </a:r>
+            <a:r>
+              <a:rPr lang="en-US" dirty="0" err="1" smtClean="0"/>
+              <a:t>TestLoop</a:t>
+            </a:r>
+            <a:r>
+              <a:rPr lang="en-US" dirty="0" smtClean="0"/>
+              <a:t>(</a:t>
+            </a:r>
+            <a:r>
+              <a:rPr lang="en-US" dirty="0" err="1" smtClean="0"/>
+              <a:t>int</a:t>
+            </a:r>
+            <a:r>
+              <a:rPr lang="en-US" dirty="0" smtClean="0"/>
+              <a:t> x, </a:t>
+            </a:r>
+            <a:r>
+              <a:rPr lang="en-US" dirty="0" err="1" smtClean="0"/>
+              <a:t>int</a:t>
+            </a:r>
+            <a:r>
+              <a:rPr lang="en-US" dirty="0" smtClean="0"/>
+              <a:t>[] y){</a:t>
+            </a:r>
+          </a:p>
+          <a:p>
+            <a:pPr>
+              <a:buNone/>
+            </a:pPr>
+            <a:r>
+              <a:rPr lang="en-US" dirty="0" smtClean="0"/>
+              <a:t>	if(x==90){</a:t>
+            </a:r>
+          </a:p>
+          <a:p>
+            <a:pPr>
+              <a:buNone/>
+            </a:pPr>
+            <a:r>
+              <a:rPr lang="en-US" dirty="0" smtClean="0"/>
+              <a:t>		for(</a:t>
+            </a:r>
+            <a:r>
+              <a:rPr lang="en-US" dirty="0" err="1" smtClean="0"/>
+              <a:t>int</a:t>
+            </a:r>
+            <a:r>
+              <a:rPr lang="en-US" dirty="0" smtClean="0"/>
+              <a:t> </a:t>
+            </a:r>
+            <a:r>
+              <a:rPr lang="en-US" dirty="0" err="1" smtClean="0"/>
+              <a:t>i</a:t>
+            </a:r>
+            <a:r>
+              <a:rPr lang="en-US" dirty="0" smtClean="0"/>
+              <a:t>=0; </a:t>
+            </a:r>
+            <a:r>
+              <a:rPr lang="en-US" dirty="0" err="1" smtClean="0"/>
+              <a:t>i</a:t>
+            </a:r>
+            <a:r>
+              <a:rPr lang="en-US" dirty="0" smtClean="0"/>
+              <a:t>&lt;</a:t>
+            </a:r>
+            <a:r>
+              <a:rPr lang="en-US" dirty="0" err="1" smtClean="0"/>
+              <a:t>y.length;i</a:t>
+            </a:r>
+            <a:r>
+              <a:rPr lang="en-US" dirty="0" smtClean="0"/>
+              <a:t>++)</a:t>
+            </a:r>
+          </a:p>
+          <a:p>
+            <a:pPr>
+              <a:buNone/>
+            </a:pPr>
+            <a:r>
+              <a:rPr lang="en-US" dirty="0" smtClean="0"/>
+              <a:t>			if(y[</a:t>
+            </a:r>
+            <a:r>
+              <a:rPr lang="en-US" dirty="0" err="1" smtClean="0"/>
+              <a:t>i</a:t>
+            </a:r>
+            <a:r>
+              <a:rPr lang="en-US" dirty="0" smtClean="0"/>
+              <a:t>]==15)</a:t>
+            </a:r>
+          </a:p>
+          <a:p>
+            <a:pPr>
+              <a:buNone/>
+            </a:pPr>
+            <a:r>
+              <a:rPr lang="en-US" dirty="0" smtClean="0"/>
+              <a:t>				x++;</a:t>
+            </a:r>
+          </a:p>
+          <a:p>
+            <a:pPr>
+              <a:buNone/>
+            </a:pPr>
+            <a:r>
+              <a:rPr lang="en-US" dirty="0" smtClean="0"/>
+              <a:t>		If(x==110)</a:t>
+            </a:r>
+          </a:p>
+          <a:p>
+            <a:pPr>
+              <a:buNone/>
+            </a:pPr>
+            <a:r>
+              <a:rPr lang="en-US" dirty="0" smtClean="0"/>
+              <a:t>			return true;</a:t>
+            </a:r>
+          </a:p>
+          <a:p>
+            <a:pPr>
+              <a:buNone/>
+            </a:pPr>
+            <a:r>
+              <a:rPr lang="en-US" dirty="0" smtClean="0"/>
+              <a:t>	}</a:t>
+            </a:r>
+          </a:p>
+          <a:p>
+            <a:pPr>
+              <a:buNone/>
+            </a:pPr>
+            <a:r>
+              <a:rPr lang="en-US" dirty="0" smtClean="0"/>
+              <a:t>	return false;</a:t>
+            </a:r>
+          </a:p>
+          <a:p>
+            <a:pPr>
+              <a:buNone/>
+            </a:pPr>
+            <a:r>
+              <a:rPr lang="en-US" dirty="0" smtClean="0"/>
+              <a:t>}</a:t>
+            </a:r>
+          </a:p>
+          <a:p>
+            <a:endParaRPr lang="en-US" dirty="0"/>
+          </a:p>
+        </p:txBody>
+      </p:sp>
+      <p:pic>
+        <p:nvPicPr>
+          <p:cNvPr id="4" name="图片 3" descr="test4.JPG"/>
+          <p:cNvPicPr>
+            <a:picLocks noChangeAspect="1"/>
+          </p:cNvPicPr>
+          <p:nvPr/>
+        </p:nvPicPr>
+        <p:blipFill>
+          <a:blip r:embed="rId2"/>
+          <a:stretch>
+            <a:fillRect/>
+          </a:stretch>
+        </p:blipFill>
+        <p:spPr>
+          <a:xfrm>
+            <a:off x="5181600" y="2667000"/>
+            <a:ext cx="3248025" cy="3238500"/>
+          </a:xfrm>
+          <a:prstGeom prst="rect">
+            <a:avLst/>
+          </a:prstGeom>
+        </p:spPr>
+      </p:pic>
+      <p:sp>
+        <p:nvSpPr>
+          <p:cNvPr id="5" name="右箭头 4"/>
+          <p:cNvSpPr/>
+          <p:nvPr/>
+        </p:nvSpPr>
+        <p:spPr>
+          <a:xfrm>
+            <a:off x="990600" y="4114800"/>
+            <a:ext cx="762000" cy="381000"/>
+          </a:xfrm>
+          <a:prstGeom prst="rightArrow">
+            <a:avLst/>
+          </a:prstGeom>
+          <a:solidFill>
+            <a:schemeClr val="accent2"/>
+          </a:solidFill>
+          <a:ln>
+            <a:solidFill>
+              <a:schemeClr val="bg1"/>
+            </a:solidFill>
+          </a:ln>
+        </p:spPr>
+        <p:style>
+          <a:lnRef idx="2">
+            <a:schemeClr val="accent1">
+              <a:shade val="50000"/>
+            </a:schemeClr>
+          </a:lnRef>
+          <a:fillRef idx="1">
+            <a:schemeClr val="accent1"/>
+          </a:fillRef>
+          <a:effectRef idx="0">
+            <a:schemeClr val="accent1"/>
+          </a:effectRef>
+          <a:fontRef idx="minor">
+            <a:schemeClr val="lt1"/>
+          </a:fontRef>
+        </p:style>
+        <p:txBody>
+          <a:bodyPr rtlCol="0" anchor="ctr"/>
+          <a:lstStyle/>
+          <a:p>
+            <a:pPr algn="ctr"/>
+            <a:endParaRPr lang="en-US" sz="2000"/>
+          </a:p>
+        </p:txBody>
+      </p:sp>
+    </p:spTree>
+  </p:cSld>
+  <p:clrMapOvr>
+    <a:masterClrMapping/>
+  </p:clrMapOvr>
+</p:sld>
+</file>
+
+<file path=ppt/slides/slide11.xml><?xml version="1.0" encoding="utf-8"?>
+<p:sld xmlns:a="http://schemas.openxmlformats.org/drawingml/2006/main" xmlns:r="http://schemas.openxmlformats.org/officeDocument/2006/relationships" xmlns:p="http://schemas.openxmlformats.org/presentationml/2006/main">
+  <p:cSld>
+    <p:spTree>
+      <p:nvGrpSpPr>
+        <p:cNvPr id="1" name=""/>
+        <p:cNvGrpSpPr/>
+        <p:nvPr/>
+      </p:nvGrpSpPr>
+      <p:grpSpPr>
+        <a:xfrm>
+          <a:off x="0" y="0"/>
+          <a:ext cx="0" cy="0"/>
+          <a:chOff x="0" y="0"/>
+          <a:chExt cx="0" cy="0"/>
+        </a:xfrm>
+      </p:grpSpPr>
+      <p:sp>
+        <p:nvSpPr>
+          <p:cNvPr id="2" name="标题 1"/>
+          <p:cNvSpPr>
+            <a:spLocks noGrp="1"/>
+          </p:cNvSpPr>
+          <p:nvPr>
+            <p:ph type="title"/>
+          </p:nvPr>
+        </p:nvSpPr>
+        <p:spPr/>
+        <p:txBody>
+          <a:bodyPr/>
+          <a:lstStyle/>
+          <a:p>
+            <a:r>
+              <a:rPr lang="en-US" dirty="0" smtClean="0"/>
               <a:t>Fitness Function</a:t>
             </a:r>
             <a:endParaRPr lang="en-US" dirty="0"/>
@@ -3502,7 +4614,7 @@
 </p:sld>
 </file>
 
-<file path=ppt/slides/slide11.xml><?xml version="1.0" encoding="utf-8"?>
+<file path=ppt/slides/slide12.xml><?xml version="1.0" encoding="utf-8"?>
 <p:sld xmlns:a="http://schemas.openxmlformats.org/drawingml/2006/main" xmlns:r="http://schemas.openxmlformats.org/officeDocument/2006/relationships" xmlns:p="http://schemas.openxmlformats.org/presentationml/2006/main">
   <p:cSld>
     <p:spTree>
@@ -3808,7 +4920,7 @@
 </p:sld>
 </file>
 
-<file path=ppt/slides/slide12.xml><?xml version="1.0" encoding="utf-8"?>
+<file path=ppt/slides/slide13.xml><?xml version="1.0" encoding="utf-8"?>
 <p:sld xmlns:a="http://schemas.openxmlformats.org/drawingml/2006/main" xmlns:r="http://schemas.openxmlformats.org/officeDocument/2006/relationships" xmlns:p="http://schemas.openxmlformats.org/presentationml/2006/main">
   <p:cSld>
     <p:spTree>
@@ -3924,19 +5036,44 @@
         <p:spPr/>
         <p:txBody>
           <a:bodyPr>
-            <a:normAutofit/>
+            <a:normAutofit lnSpcReduction="10000"/>
           </a:bodyPr>
           <a:lstStyle/>
           <a:p>
             <a:r>
               <a:rPr lang="en-US" dirty="0" smtClean="0"/>
-              <a:t>Introduction to dynamic symbolic execution </a:t>
-            </a:r>
-          </a:p>
-          <a:p>
-            <a:r>
-              <a:rPr lang="en-US" dirty="0" smtClean="0"/>
-              <a:t>Path explosion problem </a:t>
+              <a:t>Introduction to </a:t>
+            </a:r>
+            <a:r>
+              <a:rPr lang="en-US" dirty="0" smtClean="0"/>
+              <a:t>symbolic </a:t>
+            </a:r>
+            <a:r>
+              <a:rPr lang="en-US" dirty="0" smtClean="0"/>
+              <a:t>execution </a:t>
+            </a:r>
+            <a:endParaRPr lang="en-US" dirty="0" smtClean="0"/>
+          </a:p>
+          <a:p>
+            <a:pPr lvl="1"/>
+            <a:r>
+              <a:rPr lang="en-US" sz="2400" dirty="0" smtClean="0"/>
+              <a:t>Test </a:t>
+            </a:r>
+            <a:r>
+              <a:rPr lang="en-US" sz="2400" dirty="0" smtClean="0"/>
+              <a:t>generation using dynamic symbolic execution</a:t>
+            </a:r>
+            <a:endParaRPr lang="en-US" sz="2400" dirty="0" smtClean="0"/>
+          </a:p>
+          <a:p>
+            <a:r>
+              <a:rPr lang="en-US" dirty="0" smtClean="0"/>
+              <a:t>Path </a:t>
+            </a:r>
+            <a:r>
+              <a:rPr lang="en-US" dirty="0" smtClean="0"/>
+              <a:t>explosion problem </a:t>
             </a:r>
           </a:p>
           <a:p>
@@ -3979,7 +5116,6 @@
               <a:rPr lang="en-US" dirty="0" smtClean="0"/>
               <a:t>Context free grammar</a:t>
             </a:r>
-            <a:endParaRPr lang="en-US" dirty="0" smtClean="0"/>
           </a:p>
           <a:p>
             <a:r>
@@ -4033,7 +5169,7 @@
       </p:grpSpPr>
       <p:sp>
         <p:nvSpPr>
-          <p:cNvPr id="2" name="标题 1"/>
+          <p:cNvPr id="2" name="Title 1"/>
           <p:cNvSpPr>
             <a:spLocks noGrp="1"/>
           </p:cNvSpPr>
@@ -4048,44 +5184,7344 @@
           <a:p>
             <a:r>
               <a:rPr lang="en-US" dirty="0" smtClean="0"/>
-              <a:t>Dynamic Symbolic Execution</a:t>
+              <a:t>Symbolic Execution</a:t>
             </a:r>
             <a:endParaRPr lang="en-US" dirty="0"/>
           </a:p>
         </p:txBody>
       </p:sp>
-      <p:pic>
-        <p:nvPicPr>
-          <p:cNvPr id="4" name="内容占位符 3" descr="dse.JPG"/>
-          <p:cNvPicPr>
-            <a:picLocks noGrp="1" noChangeAspect="1"/>
-          </p:cNvPicPr>
+      <p:sp>
+        <p:nvSpPr>
+          <p:cNvPr id="3" name="Content Placeholder 2"/>
+          <p:cNvSpPr>
+            <a:spLocks noGrp="1"/>
+          </p:cNvSpPr>
           <p:nvPr>
             <p:ph idx="1"/>
           </p:nvPr>
-        </p:nvPicPr>
-        <p:blipFill>
-          <a:blip r:embed="rId2"/>
-          <a:stretch>
-            <a:fillRect/>
-          </a:stretch>
-        </p:blipFill>
+        </p:nvSpPr>
+        <p:spPr/>
+        <p:txBody>
+          <a:bodyPr/>
+          <a:lstStyle/>
+          <a:p>
+            <a:r>
+              <a:rPr lang="en-US" dirty="0" smtClean="0"/>
+              <a:t>Symbolic execution is the analysis of programs by tracking symbolic rather than actual values.</a:t>
+            </a:r>
+          </a:p>
+          <a:p>
+            <a:r>
+              <a:rPr lang="en-US" dirty="0" smtClean="0"/>
+              <a:t>Symbolic execution is used to reason about all the inputs that take the same execution path through a program.</a:t>
+            </a:r>
+          </a:p>
+        </p:txBody>
+      </p:sp>
+      <p:sp>
+        <p:nvSpPr>
+          <p:cNvPr id="4" name="TextBox 3"/>
+          <p:cNvSpPr txBox="1"/>
+          <p:nvPr/>
+        </p:nvSpPr>
         <p:spPr>
           <a:xfrm>
-            <a:off x="609600" y="1676400"/>
-            <a:ext cx="8104340" cy="4572000"/>
+            <a:off x="4724400" y="3886200"/>
+            <a:ext cx="2743200" cy="2585323"/>
           </a:xfrm>
+          <a:prstGeom prst="rect">
+            <a:avLst/>
+          </a:prstGeom>
+          <a:noFill/>
         </p:spPr>
-      </p:pic>
+        <p:txBody>
+          <a:bodyPr wrap="square" rtlCol="0">
+            <a:spAutoFit/>
+          </a:bodyPr>
+          <a:lstStyle/>
+          <a:p>
+            <a:r>
+              <a:rPr lang="en-US" dirty="0" err="1" smtClean="0"/>
+              <a:t>int</a:t>
+            </a:r>
+            <a:r>
+              <a:rPr lang="en-US" dirty="0" smtClean="0"/>
+              <a:t> main(</a:t>
+            </a:r>
+            <a:r>
+              <a:rPr lang="en-US" dirty="0" err="1" smtClean="0"/>
+              <a:t>int</a:t>
+            </a:r>
+            <a:r>
+              <a:rPr lang="en-US" dirty="0" smtClean="0"/>
+              <a:t> y)</a:t>
+            </a:r>
+          </a:p>
+          <a:p>
+            <a:r>
+              <a:rPr lang="en-US" dirty="0" smtClean="0"/>
+              <a:t>{</a:t>
+            </a:r>
+          </a:p>
+          <a:p>
+            <a:r>
+              <a:rPr lang="en-US" dirty="0" smtClean="0"/>
+              <a:t> </a:t>
+            </a:r>
+            <a:r>
+              <a:rPr lang="en-US" dirty="0" smtClean="0"/>
+              <a:t>    y = 2 * y;</a:t>
+            </a:r>
+          </a:p>
+          <a:p>
+            <a:r>
+              <a:rPr lang="en-US" dirty="0" smtClean="0"/>
+              <a:t> </a:t>
+            </a:r>
+            <a:r>
+              <a:rPr lang="en-US" dirty="0" smtClean="0"/>
+              <a:t>    if (y == 4){</a:t>
+            </a:r>
+          </a:p>
+          <a:p>
+            <a:r>
+              <a:rPr lang="en-US" dirty="0" smtClean="0"/>
+              <a:t> </a:t>
+            </a:r>
+            <a:r>
+              <a:rPr lang="en-US" dirty="0" smtClean="0"/>
+              <a:t>         </a:t>
+            </a:r>
+            <a:r>
+              <a:rPr lang="en-US" dirty="0" err="1" smtClean="0"/>
+              <a:t>printf</a:t>
+            </a:r>
+            <a:r>
+              <a:rPr lang="en-US" dirty="0" smtClean="0"/>
+              <a:t>(“y == 4”);</a:t>
+            </a:r>
+          </a:p>
+          <a:p>
+            <a:r>
+              <a:rPr lang="en-US" dirty="0" smtClean="0"/>
+              <a:t> </a:t>
+            </a:r>
+            <a:r>
+              <a:rPr lang="en-US" dirty="0" smtClean="0"/>
+              <a:t>    }else {</a:t>
+            </a:r>
+          </a:p>
+          <a:p>
+            <a:r>
+              <a:rPr lang="en-US" dirty="0" smtClean="0"/>
+              <a:t> </a:t>
+            </a:r>
+            <a:r>
+              <a:rPr lang="en-US" dirty="0" smtClean="0"/>
+              <a:t>         </a:t>
+            </a:r>
+            <a:r>
+              <a:rPr lang="en-US" dirty="0" err="1" smtClean="0"/>
+              <a:t>printf</a:t>
+            </a:r>
+            <a:r>
+              <a:rPr lang="en-US" dirty="0" smtClean="0"/>
+              <a:t>(“y != 4”);</a:t>
+            </a:r>
+          </a:p>
+          <a:p>
+            <a:r>
+              <a:rPr lang="en-US" dirty="0" smtClean="0"/>
+              <a:t> </a:t>
+            </a:r>
+            <a:r>
+              <a:rPr lang="en-US" dirty="0" smtClean="0"/>
+              <a:t>    }</a:t>
+            </a:r>
+          </a:p>
+          <a:p>
+            <a:r>
+              <a:rPr lang="en-US" dirty="0" smtClean="0"/>
+              <a:t>}</a:t>
+            </a:r>
+            <a:endParaRPr lang="en-US" dirty="0"/>
+          </a:p>
+        </p:txBody>
+      </p:sp>
+      <p:sp>
+        <p:nvSpPr>
+          <p:cNvPr id="5" name="TextBox 4"/>
+          <p:cNvSpPr txBox="1"/>
+          <p:nvPr/>
+        </p:nvSpPr>
+        <p:spPr>
+          <a:xfrm>
+            <a:off x="7086600" y="3897868"/>
+            <a:ext cx="274434" cy="369332"/>
+          </a:xfrm>
+          <a:prstGeom prst="rect">
+            <a:avLst/>
+          </a:prstGeom>
+          <a:noFill/>
+        </p:spPr>
+        <p:txBody>
+          <a:bodyPr wrap="none" rtlCol="0">
+            <a:spAutoFit/>
+          </a:bodyPr>
+          <a:lstStyle/>
+          <a:p>
+            <a:r>
+              <a:rPr lang="en-US" dirty="0" smtClean="0"/>
+              <a:t>s</a:t>
+            </a:r>
+            <a:endParaRPr lang="en-US" dirty="0"/>
+          </a:p>
+        </p:txBody>
+      </p:sp>
+      <p:sp>
+        <p:nvSpPr>
+          <p:cNvPr id="6" name="TextBox 5"/>
+          <p:cNvSpPr txBox="1"/>
+          <p:nvPr/>
+        </p:nvSpPr>
+        <p:spPr>
+          <a:xfrm>
+            <a:off x="6934200" y="4431268"/>
+            <a:ext cx="612668" cy="369332"/>
+          </a:xfrm>
+          <a:prstGeom prst="rect">
+            <a:avLst/>
+          </a:prstGeom>
+          <a:noFill/>
+        </p:spPr>
+        <p:txBody>
+          <a:bodyPr wrap="none" rtlCol="0">
+            <a:spAutoFit/>
+          </a:bodyPr>
+          <a:lstStyle/>
+          <a:p>
+            <a:r>
+              <a:rPr lang="en-US" dirty="0" smtClean="0"/>
+              <a:t>2 * s</a:t>
+            </a:r>
+            <a:endParaRPr lang="en-US" dirty="0"/>
+          </a:p>
+        </p:txBody>
+      </p:sp>
+      <p:sp>
+        <p:nvSpPr>
+          <p:cNvPr id="7" name="TextBox 6"/>
+          <p:cNvSpPr txBox="1"/>
+          <p:nvPr/>
+        </p:nvSpPr>
+        <p:spPr>
+          <a:xfrm>
+            <a:off x="6934200" y="4800600"/>
+            <a:ext cx="1066318" cy="369332"/>
+          </a:xfrm>
+          <a:prstGeom prst="rect">
+            <a:avLst/>
+          </a:prstGeom>
+          <a:noFill/>
+        </p:spPr>
+        <p:txBody>
+          <a:bodyPr wrap="none" rtlCol="0">
+            <a:spAutoFit/>
+          </a:bodyPr>
+          <a:lstStyle/>
+          <a:p>
+            <a:r>
+              <a:rPr lang="en-US" dirty="0" smtClean="0"/>
+              <a:t>2 * s == 4</a:t>
+            </a:r>
+            <a:endParaRPr lang="en-US" dirty="0"/>
+          </a:p>
+        </p:txBody>
+      </p:sp>
+      <p:sp>
+        <p:nvSpPr>
+          <p:cNvPr id="8" name="左箭头 3"/>
+          <p:cNvSpPr/>
+          <p:nvPr/>
+        </p:nvSpPr>
+        <p:spPr>
+          <a:xfrm>
+            <a:off x="6172200" y="4038600"/>
+            <a:ext cx="762000" cy="152400"/>
+          </a:xfrm>
+          <a:prstGeom prst="leftArrow">
+            <a:avLst/>
+          </a:prstGeom>
+        </p:spPr>
+        <p:style>
+          <a:lnRef idx="2">
+            <a:schemeClr val="accent1">
+              <a:shade val="50000"/>
+            </a:schemeClr>
+          </a:lnRef>
+          <a:fillRef idx="1">
+            <a:schemeClr val="accent1"/>
+          </a:fillRef>
+          <a:effectRef idx="0">
+            <a:schemeClr val="accent1"/>
+          </a:effectRef>
+          <a:fontRef idx="minor">
+            <a:schemeClr val="lt1"/>
+          </a:fontRef>
+        </p:style>
+        <p:txBody>
+          <a:bodyPr rtlCol="0" anchor="ctr"/>
+          <a:lstStyle/>
+          <a:p>
+            <a:pPr algn="ctr"/>
+            <a:endParaRPr lang="en-US"/>
+          </a:p>
+        </p:txBody>
+      </p:sp>
+      <p:sp>
+        <p:nvSpPr>
+          <p:cNvPr id="9" name="左箭头 3"/>
+          <p:cNvSpPr/>
+          <p:nvPr/>
+        </p:nvSpPr>
+        <p:spPr>
+          <a:xfrm>
+            <a:off x="6096000" y="4572000"/>
+            <a:ext cx="762000" cy="152400"/>
+          </a:xfrm>
+          <a:prstGeom prst="leftArrow">
+            <a:avLst/>
+          </a:prstGeom>
+        </p:spPr>
+        <p:style>
+          <a:lnRef idx="2">
+            <a:schemeClr val="accent1">
+              <a:shade val="50000"/>
+            </a:schemeClr>
+          </a:lnRef>
+          <a:fillRef idx="1">
+            <a:schemeClr val="accent1"/>
+          </a:fillRef>
+          <a:effectRef idx="0">
+            <a:schemeClr val="accent1"/>
+          </a:effectRef>
+          <a:fontRef idx="minor">
+            <a:schemeClr val="lt1"/>
+          </a:fontRef>
+        </p:style>
+        <p:txBody>
+          <a:bodyPr rtlCol="0" anchor="ctr"/>
+          <a:lstStyle/>
+          <a:p>
+            <a:pPr algn="ctr"/>
+            <a:endParaRPr lang="en-US"/>
+          </a:p>
+        </p:txBody>
+      </p:sp>
+      <p:sp>
+        <p:nvSpPr>
+          <p:cNvPr id="10" name="左箭头 3"/>
+          <p:cNvSpPr/>
+          <p:nvPr/>
+        </p:nvSpPr>
+        <p:spPr>
+          <a:xfrm>
+            <a:off x="6096000" y="4876800"/>
+            <a:ext cx="762000" cy="152400"/>
+          </a:xfrm>
+          <a:prstGeom prst="leftArrow">
+            <a:avLst/>
+          </a:prstGeom>
+        </p:spPr>
+        <p:style>
+          <a:lnRef idx="2">
+            <a:schemeClr val="accent1">
+              <a:shade val="50000"/>
+            </a:schemeClr>
+          </a:lnRef>
+          <a:fillRef idx="1">
+            <a:schemeClr val="accent1"/>
+          </a:fillRef>
+          <a:effectRef idx="0">
+            <a:schemeClr val="accent1"/>
+          </a:effectRef>
+          <a:fontRef idx="minor">
+            <a:schemeClr val="lt1"/>
+          </a:fontRef>
+        </p:style>
+        <p:txBody>
+          <a:bodyPr rtlCol="0" anchor="ctr"/>
+          <a:lstStyle/>
+          <a:p>
+            <a:pPr algn="ctr"/>
+            <a:endParaRPr lang="en-US"/>
+          </a:p>
+        </p:txBody>
+      </p:sp>
+      <p:sp>
+        <p:nvSpPr>
+          <p:cNvPr id="11" name="TextBox 10"/>
+          <p:cNvSpPr txBox="1"/>
+          <p:nvPr/>
+        </p:nvSpPr>
+        <p:spPr>
+          <a:xfrm>
+            <a:off x="3124200" y="4124980"/>
+            <a:ext cx="1511889" cy="523220"/>
+          </a:xfrm>
+          <a:prstGeom prst="rect">
+            <a:avLst/>
+          </a:prstGeom>
+          <a:noFill/>
+        </p:spPr>
+        <p:txBody>
+          <a:bodyPr wrap="none" rtlCol="0">
+            <a:spAutoFit/>
+          </a:bodyPr>
+          <a:lstStyle/>
+          <a:p>
+            <a:r>
+              <a:rPr lang="en-US" sz="2800" dirty="0" smtClean="0"/>
+              <a:t>Example:</a:t>
+            </a:r>
+            <a:endParaRPr lang="en-US" sz="2800" dirty="0"/>
+          </a:p>
+        </p:txBody>
+      </p:sp>
     </p:spTree>
   </p:cSld>
   <p:clrMapOvr>
     <a:masterClrMapping/>
   </p:clrMapOvr>
+  <p:timing>
+    <p:tnLst>
+      <p:par>
+        <p:cTn id="1" dur="indefinite" restart="never" nodeType="tmRoot">
+          <p:childTnLst>
+            <p:seq concurrent="1" nextAc="seek">
+              <p:cTn id="2" dur="indefinite" nodeType="mainSeq">
+                <p:childTnLst>
+                  <p:par>
+                    <p:cTn id="3" fill="hold">
+                      <p:stCondLst>
+                        <p:cond delay="indefinite"/>
+                      </p:stCondLst>
+                      <p:childTnLst>
+                        <p:par>
+                          <p:cTn id="4" fill="hold">
+                            <p:stCondLst>
+                              <p:cond delay="0"/>
+                            </p:stCondLst>
+                            <p:childTnLst>
+                              <p:par>
+                                <p:cTn id="5" presetID="2" presetClass="entr" presetSubtype="4" fill="hold" grpId="0" nodeType="clickEffect">
+                                  <p:stCondLst>
+                                    <p:cond delay="0"/>
+                                  </p:stCondLst>
+                                  <p:childTnLst>
+                                    <p:set>
+                                      <p:cBhvr>
+                                        <p:cTn id="6" dur="1" fill="hold">
+                                          <p:stCondLst>
+                                            <p:cond delay="0"/>
+                                          </p:stCondLst>
+                                        </p:cTn>
+                                        <p:tgtEl>
+                                          <p:spTgt spid="11"/>
+                                        </p:tgtEl>
+                                        <p:attrNameLst>
+                                          <p:attrName>style.visibility</p:attrName>
+                                        </p:attrNameLst>
+                                      </p:cBhvr>
+                                      <p:to>
+                                        <p:strVal val="visible"/>
+                                      </p:to>
+                                    </p:set>
+                                    <p:anim calcmode="lin" valueType="num">
+                                      <p:cBhvr additive="base">
+                                        <p:cTn id="7" dur="500" fill="hold"/>
+                                        <p:tgtEl>
+                                          <p:spTgt spid="11"/>
+                                        </p:tgtEl>
+                                        <p:attrNameLst>
+                                          <p:attrName>ppt_x</p:attrName>
+                                        </p:attrNameLst>
+                                      </p:cBhvr>
+                                      <p:tavLst>
+                                        <p:tav tm="0">
+                                          <p:val>
+                                            <p:strVal val="#ppt_x"/>
+                                          </p:val>
+                                        </p:tav>
+                                        <p:tav tm="100000">
+                                          <p:val>
+                                            <p:strVal val="#ppt_x"/>
+                                          </p:val>
+                                        </p:tav>
+                                      </p:tavLst>
+                                    </p:anim>
+                                    <p:anim calcmode="lin" valueType="num">
+                                      <p:cBhvr additive="base">
+                                        <p:cTn id="8" dur="500" fill="hold"/>
+                                        <p:tgtEl>
+                                          <p:spTgt spid="11"/>
+                                        </p:tgtEl>
+                                        <p:attrNameLst>
+                                          <p:attrName>ppt_y</p:attrName>
+                                        </p:attrNameLst>
+                                      </p:cBhvr>
+                                      <p:tavLst>
+                                        <p:tav tm="0">
+                                          <p:val>
+                                            <p:strVal val="1+#ppt_h/2"/>
+                                          </p:val>
+                                        </p:tav>
+                                        <p:tav tm="100000">
+                                          <p:val>
+                                            <p:strVal val="#ppt_y"/>
+                                          </p:val>
+                                        </p:tav>
+                                      </p:tavLst>
+                                    </p:anim>
+                                  </p:childTnLst>
+                                </p:cTn>
+                              </p:par>
+                            </p:childTnLst>
+                          </p:cTn>
+                        </p:par>
+                      </p:childTnLst>
+                    </p:cTn>
+                  </p:par>
+                  <p:par>
+                    <p:cTn id="9" fill="hold">
+                      <p:stCondLst>
+                        <p:cond delay="indefinite"/>
+                      </p:stCondLst>
+                      <p:childTnLst>
+                        <p:par>
+                          <p:cTn id="10" fill="hold">
+                            <p:stCondLst>
+                              <p:cond delay="0"/>
+                            </p:stCondLst>
+                            <p:childTnLst>
+                              <p:par>
+                                <p:cTn id="11" presetID="2" presetClass="entr" presetSubtype="4" fill="hold" grpId="0" nodeType="clickEffect">
+                                  <p:stCondLst>
+                                    <p:cond delay="0"/>
+                                  </p:stCondLst>
+                                  <p:childTnLst>
+                                    <p:set>
+                                      <p:cBhvr>
+                                        <p:cTn id="12" dur="1" fill="hold">
+                                          <p:stCondLst>
+                                            <p:cond delay="0"/>
+                                          </p:stCondLst>
+                                        </p:cTn>
+                                        <p:tgtEl>
+                                          <p:spTgt spid="4"/>
+                                        </p:tgtEl>
+                                        <p:attrNameLst>
+                                          <p:attrName>style.visibility</p:attrName>
+                                        </p:attrNameLst>
+                                      </p:cBhvr>
+                                      <p:to>
+                                        <p:strVal val="visible"/>
+                                      </p:to>
+                                    </p:set>
+                                    <p:anim calcmode="lin" valueType="num">
+                                      <p:cBhvr additive="base">
+                                        <p:cTn id="13" dur="500" fill="hold"/>
+                                        <p:tgtEl>
+                                          <p:spTgt spid="4"/>
+                                        </p:tgtEl>
+                                        <p:attrNameLst>
+                                          <p:attrName>ppt_x</p:attrName>
+                                        </p:attrNameLst>
+                                      </p:cBhvr>
+                                      <p:tavLst>
+                                        <p:tav tm="0">
+                                          <p:val>
+                                            <p:strVal val="#ppt_x"/>
+                                          </p:val>
+                                        </p:tav>
+                                        <p:tav tm="100000">
+                                          <p:val>
+                                            <p:strVal val="#ppt_x"/>
+                                          </p:val>
+                                        </p:tav>
+                                      </p:tavLst>
+                                    </p:anim>
+                                    <p:anim calcmode="lin" valueType="num">
+                                      <p:cBhvr additive="base">
+                                        <p:cTn id="14" dur="500" fill="hold"/>
+                                        <p:tgtEl>
+                                          <p:spTgt spid="4"/>
+                                        </p:tgtEl>
+                                        <p:attrNameLst>
+                                          <p:attrName>ppt_y</p:attrName>
+                                        </p:attrNameLst>
+                                      </p:cBhvr>
+                                      <p:tavLst>
+                                        <p:tav tm="0">
+                                          <p:val>
+                                            <p:strVal val="1+#ppt_h/2"/>
+                                          </p:val>
+                                        </p:tav>
+                                        <p:tav tm="100000">
+                                          <p:val>
+                                            <p:strVal val="#ppt_y"/>
+                                          </p:val>
+                                        </p:tav>
+                                      </p:tavLst>
+                                    </p:anim>
+                                  </p:childTnLst>
+                                </p:cTn>
+                              </p:par>
+                            </p:childTnLst>
+                          </p:cTn>
+                        </p:par>
+                      </p:childTnLst>
+                    </p:cTn>
+                  </p:par>
+                  <p:par>
+                    <p:cTn id="15" fill="hold">
+                      <p:stCondLst>
+                        <p:cond delay="indefinite"/>
+                      </p:stCondLst>
+                      <p:childTnLst>
+                        <p:par>
+                          <p:cTn id="16" fill="hold">
+                            <p:stCondLst>
+                              <p:cond delay="0"/>
+                            </p:stCondLst>
+                            <p:childTnLst>
+                              <p:par>
+                                <p:cTn id="17" presetID="2" presetClass="entr" presetSubtype="2" fill="hold" grpId="0" nodeType="clickEffect">
+                                  <p:stCondLst>
+                                    <p:cond delay="0"/>
+                                  </p:stCondLst>
+                                  <p:childTnLst>
+                                    <p:set>
+                                      <p:cBhvr>
+                                        <p:cTn id="18" dur="1" fill="hold">
+                                          <p:stCondLst>
+                                            <p:cond delay="0"/>
+                                          </p:stCondLst>
+                                        </p:cTn>
+                                        <p:tgtEl>
+                                          <p:spTgt spid="8"/>
+                                        </p:tgtEl>
+                                        <p:attrNameLst>
+                                          <p:attrName>style.visibility</p:attrName>
+                                        </p:attrNameLst>
+                                      </p:cBhvr>
+                                      <p:to>
+                                        <p:strVal val="visible"/>
+                                      </p:to>
+                                    </p:set>
+                                    <p:anim calcmode="lin" valueType="num">
+                                      <p:cBhvr additive="base">
+                                        <p:cTn id="19" dur="500" fill="hold"/>
+                                        <p:tgtEl>
+                                          <p:spTgt spid="8"/>
+                                        </p:tgtEl>
+                                        <p:attrNameLst>
+                                          <p:attrName>ppt_x</p:attrName>
+                                        </p:attrNameLst>
+                                      </p:cBhvr>
+                                      <p:tavLst>
+                                        <p:tav tm="0">
+                                          <p:val>
+                                            <p:strVal val="1+#ppt_w/2"/>
+                                          </p:val>
+                                        </p:tav>
+                                        <p:tav tm="100000">
+                                          <p:val>
+                                            <p:strVal val="#ppt_x"/>
+                                          </p:val>
+                                        </p:tav>
+                                      </p:tavLst>
+                                    </p:anim>
+                                    <p:anim calcmode="lin" valueType="num">
+                                      <p:cBhvr additive="base">
+                                        <p:cTn id="20" dur="500" fill="hold"/>
+                                        <p:tgtEl>
+                                          <p:spTgt spid="8"/>
+                                        </p:tgtEl>
+                                        <p:attrNameLst>
+                                          <p:attrName>ppt_y</p:attrName>
+                                        </p:attrNameLst>
+                                      </p:cBhvr>
+                                      <p:tavLst>
+                                        <p:tav tm="0">
+                                          <p:val>
+                                            <p:strVal val="#ppt_y"/>
+                                          </p:val>
+                                        </p:tav>
+                                        <p:tav tm="100000">
+                                          <p:val>
+                                            <p:strVal val="#ppt_y"/>
+                                          </p:val>
+                                        </p:tav>
+                                      </p:tavLst>
+                                    </p:anim>
+                                  </p:childTnLst>
+                                </p:cTn>
+                              </p:par>
+                              <p:par>
+                                <p:cTn id="21" presetID="2" presetClass="entr" presetSubtype="2" fill="hold" grpId="0" nodeType="withEffect">
+                                  <p:stCondLst>
+                                    <p:cond delay="0"/>
+                                  </p:stCondLst>
+                                  <p:childTnLst>
+                                    <p:set>
+                                      <p:cBhvr>
+                                        <p:cTn id="22" dur="1" fill="hold">
+                                          <p:stCondLst>
+                                            <p:cond delay="0"/>
+                                          </p:stCondLst>
+                                        </p:cTn>
+                                        <p:tgtEl>
+                                          <p:spTgt spid="5"/>
+                                        </p:tgtEl>
+                                        <p:attrNameLst>
+                                          <p:attrName>style.visibility</p:attrName>
+                                        </p:attrNameLst>
+                                      </p:cBhvr>
+                                      <p:to>
+                                        <p:strVal val="visible"/>
+                                      </p:to>
+                                    </p:set>
+                                    <p:anim calcmode="lin" valueType="num">
+                                      <p:cBhvr additive="base">
+                                        <p:cTn id="23" dur="500" fill="hold"/>
+                                        <p:tgtEl>
+                                          <p:spTgt spid="5"/>
+                                        </p:tgtEl>
+                                        <p:attrNameLst>
+                                          <p:attrName>ppt_x</p:attrName>
+                                        </p:attrNameLst>
+                                      </p:cBhvr>
+                                      <p:tavLst>
+                                        <p:tav tm="0">
+                                          <p:val>
+                                            <p:strVal val="1+#ppt_w/2"/>
+                                          </p:val>
+                                        </p:tav>
+                                        <p:tav tm="100000">
+                                          <p:val>
+                                            <p:strVal val="#ppt_x"/>
+                                          </p:val>
+                                        </p:tav>
+                                      </p:tavLst>
+                                    </p:anim>
+                                    <p:anim calcmode="lin" valueType="num">
+                                      <p:cBhvr additive="base">
+                                        <p:cTn id="24" dur="500" fill="hold"/>
+                                        <p:tgtEl>
+                                          <p:spTgt spid="5"/>
+                                        </p:tgtEl>
+                                        <p:attrNameLst>
+                                          <p:attrName>ppt_y</p:attrName>
+                                        </p:attrNameLst>
+                                      </p:cBhvr>
+                                      <p:tavLst>
+                                        <p:tav tm="0">
+                                          <p:val>
+                                            <p:strVal val="#ppt_y"/>
+                                          </p:val>
+                                        </p:tav>
+                                        <p:tav tm="100000">
+                                          <p:val>
+                                            <p:strVal val="#ppt_y"/>
+                                          </p:val>
+                                        </p:tav>
+                                      </p:tavLst>
+                                    </p:anim>
+                                  </p:childTnLst>
+                                </p:cTn>
+                              </p:par>
+                            </p:childTnLst>
+                          </p:cTn>
+                        </p:par>
+                      </p:childTnLst>
+                    </p:cTn>
+                  </p:par>
+                  <p:par>
+                    <p:cTn id="25" fill="hold">
+                      <p:stCondLst>
+                        <p:cond delay="indefinite"/>
+                      </p:stCondLst>
+                      <p:childTnLst>
+                        <p:par>
+                          <p:cTn id="26" fill="hold">
+                            <p:stCondLst>
+                              <p:cond delay="0"/>
+                            </p:stCondLst>
+                            <p:childTnLst>
+                              <p:par>
+                                <p:cTn id="27" presetID="2" presetClass="entr" presetSubtype="2" fill="hold" grpId="0" nodeType="clickEffect">
+                                  <p:stCondLst>
+                                    <p:cond delay="0"/>
+                                  </p:stCondLst>
+                                  <p:childTnLst>
+                                    <p:set>
+                                      <p:cBhvr>
+                                        <p:cTn id="28" dur="1" fill="hold">
+                                          <p:stCondLst>
+                                            <p:cond delay="0"/>
+                                          </p:stCondLst>
+                                        </p:cTn>
+                                        <p:tgtEl>
+                                          <p:spTgt spid="9"/>
+                                        </p:tgtEl>
+                                        <p:attrNameLst>
+                                          <p:attrName>style.visibility</p:attrName>
+                                        </p:attrNameLst>
+                                      </p:cBhvr>
+                                      <p:to>
+                                        <p:strVal val="visible"/>
+                                      </p:to>
+                                    </p:set>
+                                    <p:anim calcmode="lin" valueType="num">
+                                      <p:cBhvr additive="base">
+                                        <p:cTn id="29" dur="500" fill="hold"/>
+                                        <p:tgtEl>
+                                          <p:spTgt spid="9"/>
+                                        </p:tgtEl>
+                                        <p:attrNameLst>
+                                          <p:attrName>ppt_x</p:attrName>
+                                        </p:attrNameLst>
+                                      </p:cBhvr>
+                                      <p:tavLst>
+                                        <p:tav tm="0">
+                                          <p:val>
+                                            <p:strVal val="1+#ppt_w/2"/>
+                                          </p:val>
+                                        </p:tav>
+                                        <p:tav tm="100000">
+                                          <p:val>
+                                            <p:strVal val="#ppt_x"/>
+                                          </p:val>
+                                        </p:tav>
+                                      </p:tavLst>
+                                    </p:anim>
+                                    <p:anim calcmode="lin" valueType="num">
+                                      <p:cBhvr additive="base">
+                                        <p:cTn id="30" dur="500" fill="hold"/>
+                                        <p:tgtEl>
+                                          <p:spTgt spid="9"/>
+                                        </p:tgtEl>
+                                        <p:attrNameLst>
+                                          <p:attrName>ppt_y</p:attrName>
+                                        </p:attrNameLst>
+                                      </p:cBhvr>
+                                      <p:tavLst>
+                                        <p:tav tm="0">
+                                          <p:val>
+                                            <p:strVal val="#ppt_y"/>
+                                          </p:val>
+                                        </p:tav>
+                                        <p:tav tm="100000">
+                                          <p:val>
+                                            <p:strVal val="#ppt_y"/>
+                                          </p:val>
+                                        </p:tav>
+                                      </p:tavLst>
+                                    </p:anim>
+                                  </p:childTnLst>
+                                </p:cTn>
+                              </p:par>
+                              <p:par>
+                                <p:cTn id="31" presetID="2" presetClass="entr" presetSubtype="2" fill="hold" grpId="0" nodeType="withEffect">
+                                  <p:stCondLst>
+                                    <p:cond delay="0"/>
+                                  </p:stCondLst>
+                                  <p:childTnLst>
+                                    <p:set>
+                                      <p:cBhvr>
+                                        <p:cTn id="32" dur="1" fill="hold">
+                                          <p:stCondLst>
+                                            <p:cond delay="0"/>
+                                          </p:stCondLst>
+                                        </p:cTn>
+                                        <p:tgtEl>
+                                          <p:spTgt spid="6"/>
+                                        </p:tgtEl>
+                                        <p:attrNameLst>
+                                          <p:attrName>style.visibility</p:attrName>
+                                        </p:attrNameLst>
+                                      </p:cBhvr>
+                                      <p:to>
+                                        <p:strVal val="visible"/>
+                                      </p:to>
+                                    </p:set>
+                                    <p:anim calcmode="lin" valueType="num">
+                                      <p:cBhvr additive="base">
+                                        <p:cTn id="33" dur="500" fill="hold"/>
+                                        <p:tgtEl>
+                                          <p:spTgt spid="6"/>
+                                        </p:tgtEl>
+                                        <p:attrNameLst>
+                                          <p:attrName>ppt_x</p:attrName>
+                                        </p:attrNameLst>
+                                      </p:cBhvr>
+                                      <p:tavLst>
+                                        <p:tav tm="0">
+                                          <p:val>
+                                            <p:strVal val="1+#ppt_w/2"/>
+                                          </p:val>
+                                        </p:tav>
+                                        <p:tav tm="100000">
+                                          <p:val>
+                                            <p:strVal val="#ppt_x"/>
+                                          </p:val>
+                                        </p:tav>
+                                      </p:tavLst>
+                                    </p:anim>
+                                    <p:anim calcmode="lin" valueType="num">
+                                      <p:cBhvr additive="base">
+                                        <p:cTn id="34" dur="500" fill="hold"/>
+                                        <p:tgtEl>
+                                          <p:spTgt spid="6"/>
+                                        </p:tgtEl>
+                                        <p:attrNameLst>
+                                          <p:attrName>ppt_y</p:attrName>
+                                        </p:attrNameLst>
+                                      </p:cBhvr>
+                                      <p:tavLst>
+                                        <p:tav tm="0">
+                                          <p:val>
+                                            <p:strVal val="#ppt_y"/>
+                                          </p:val>
+                                        </p:tav>
+                                        <p:tav tm="100000">
+                                          <p:val>
+                                            <p:strVal val="#ppt_y"/>
+                                          </p:val>
+                                        </p:tav>
+                                      </p:tavLst>
+                                    </p:anim>
+                                  </p:childTnLst>
+                                </p:cTn>
+                              </p:par>
+                            </p:childTnLst>
+                          </p:cTn>
+                        </p:par>
+                      </p:childTnLst>
+                    </p:cTn>
+                  </p:par>
+                  <p:par>
+                    <p:cTn id="35" fill="hold">
+                      <p:stCondLst>
+                        <p:cond delay="indefinite"/>
+                      </p:stCondLst>
+                      <p:childTnLst>
+                        <p:par>
+                          <p:cTn id="36" fill="hold">
+                            <p:stCondLst>
+                              <p:cond delay="0"/>
+                            </p:stCondLst>
+                            <p:childTnLst>
+                              <p:par>
+                                <p:cTn id="37" presetID="2" presetClass="entr" presetSubtype="2" fill="hold" grpId="0" nodeType="clickEffect">
+                                  <p:stCondLst>
+                                    <p:cond delay="0"/>
+                                  </p:stCondLst>
+                                  <p:childTnLst>
+                                    <p:set>
+                                      <p:cBhvr>
+                                        <p:cTn id="38" dur="1" fill="hold">
+                                          <p:stCondLst>
+                                            <p:cond delay="0"/>
+                                          </p:stCondLst>
+                                        </p:cTn>
+                                        <p:tgtEl>
+                                          <p:spTgt spid="10"/>
+                                        </p:tgtEl>
+                                        <p:attrNameLst>
+                                          <p:attrName>style.visibility</p:attrName>
+                                        </p:attrNameLst>
+                                      </p:cBhvr>
+                                      <p:to>
+                                        <p:strVal val="visible"/>
+                                      </p:to>
+                                    </p:set>
+                                    <p:anim calcmode="lin" valueType="num">
+                                      <p:cBhvr additive="base">
+                                        <p:cTn id="39" dur="500" fill="hold"/>
+                                        <p:tgtEl>
+                                          <p:spTgt spid="10"/>
+                                        </p:tgtEl>
+                                        <p:attrNameLst>
+                                          <p:attrName>ppt_x</p:attrName>
+                                        </p:attrNameLst>
+                                      </p:cBhvr>
+                                      <p:tavLst>
+                                        <p:tav tm="0">
+                                          <p:val>
+                                            <p:strVal val="1+#ppt_w/2"/>
+                                          </p:val>
+                                        </p:tav>
+                                        <p:tav tm="100000">
+                                          <p:val>
+                                            <p:strVal val="#ppt_x"/>
+                                          </p:val>
+                                        </p:tav>
+                                      </p:tavLst>
+                                    </p:anim>
+                                    <p:anim calcmode="lin" valueType="num">
+                                      <p:cBhvr additive="base">
+                                        <p:cTn id="40" dur="500" fill="hold"/>
+                                        <p:tgtEl>
+                                          <p:spTgt spid="10"/>
+                                        </p:tgtEl>
+                                        <p:attrNameLst>
+                                          <p:attrName>ppt_y</p:attrName>
+                                        </p:attrNameLst>
+                                      </p:cBhvr>
+                                      <p:tavLst>
+                                        <p:tav tm="0">
+                                          <p:val>
+                                            <p:strVal val="#ppt_y"/>
+                                          </p:val>
+                                        </p:tav>
+                                        <p:tav tm="100000">
+                                          <p:val>
+                                            <p:strVal val="#ppt_y"/>
+                                          </p:val>
+                                        </p:tav>
+                                      </p:tavLst>
+                                    </p:anim>
+                                  </p:childTnLst>
+                                </p:cTn>
+                              </p:par>
+                              <p:par>
+                                <p:cTn id="41" presetID="2" presetClass="entr" presetSubtype="2" fill="hold" grpId="0" nodeType="withEffect">
+                                  <p:stCondLst>
+                                    <p:cond delay="0"/>
+                                  </p:stCondLst>
+                                  <p:childTnLst>
+                                    <p:set>
+                                      <p:cBhvr>
+                                        <p:cTn id="42" dur="1" fill="hold">
+                                          <p:stCondLst>
+                                            <p:cond delay="0"/>
+                                          </p:stCondLst>
+                                        </p:cTn>
+                                        <p:tgtEl>
+                                          <p:spTgt spid="7"/>
+                                        </p:tgtEl>
+                                        <p:attrNameLst>
+                                          <p:attrName>style.visibility</p:attrName>
+                                        </p:attrNameLst>
+                                      </p:cBhvr>
+                                      <p:to>
+                                        <p:strVal val="visible"/>
+                                      </p:to>
+                                    </p:set>
+                                    <p:anim calcmode="lin" valueType="num">
+                                      <p:cBhvr additive="base">
+                                        <p:cTn id="43" dur="500" fill="hold"/>
+                                        <p:tgtEl>
+                                          <p:spTgt spid="7"/>
+                                        </p:tgtEl>
+                                        <p:attrNameLst>
+                                          <p:attrName>ppt_x</p:attrName>
+                                        </p:attrNameLst>
+                                      </p:cBhvr>
+                                      <p:tavLst>
+                                        <p:tav tm="0">
+                                          <p:val>
+                                            <p:strVal val="1+#ppt_w/2"/>
+                                          </p:val>
+                                        </p:tav>
+                                        <p:tav tm="100000">
+                                          <p:val>
+                                            <p:strVal val="#ppt_x"/>
+                                          </p:val>
+                                        </p:tav>
+                                      </p:tavLst>
+                                    </p:anim>
+                                    <p:anim calcmode="lin" valueType="num">
+                                      <p:cBhvr additive="base">
+                                        <p:cTn id="44" dur="500" fill="hold"/>
+                                        <p:tgtEl>
+                                          <p:spTgt spid="7"/>
+                                        </p:tgtEl>
+                                        <p:attrNameLst>
+                                          <p:attrName>ppt_y</p:attrName>
+                                        </p:attrNameLst>
+                                      </p:cBhvr>
+                                      <p:tavLst>
+                                        <p:tav tm="0">
+                                          <p:val>
+                                            <p:strVal val="#ppt_y"/>
+                                          </p:val>
+                                        </p:tav>
+                                        <p:tav tm="100000">
+                                          <p:val>
+                                            <p:strVal val="#ppt_y"/>
+                                          </p:val>
+                                        </p:tav>
+                                      </p:tavLst>
+                                    </p:anim>
+                                  </p:childTnLst>
+                                </p:cTn>
+                              </p:par>
+                            </p:childTnLst>
+                          </p:cTn>
+                        </p:par>
+                      </p:childTnLst>
+                    </p:cTn>
+                  </p:par>
+                </p:childTnLst>
+              </p:cTn>
+              <p:prevCondLst>
+                <p:cond evt="onPrev" delay="0">
+                  <p:tgtEl>
+                    <p:sldTgt/>
+                  </p:tgtEl>
+                </p:cond>
+              </p:prevCondLst>
+              <p:nextCondLst>
+                <p:cond evt="onNext" delay="0">
+                  <p:tgtEl>
+                    <p:sldTgt/>
+                  </p:tgtEl>
+                </p:cond>
+              </p:nextCondLst>
+            </p:seq>
+          </p:childTnLst>
+        </p:cTn>
+      </p:par>
+    </p:tnLst>
+    <p:bldLst>
+      <p:bldP spid="4" grpId="0"/>
+      <p:bldP spid="5" grpId="0"/>
+      <p:bldP spid="6" grpId="0"/>
+      <p:bldP spid="7" grpId="0"/>
+      <p:bldP spid="8" grpId="0" animBg="1"/>
+      <p:bldP spid="9" grpId="0" animBg="1"/>
+      <p:bldP spid="10" grpId="0" animBg="1"/>
+      <p:bldP spid="11" grpId="0"/>
+    </p:bldLst>
+  </p:timing>
 </p:sld>
 </file>
 
 <file path=ppt/slides/slide4.xml><?xml version="1.0" encoding="utf-8"?>
+<p:sld xmlns:a="http://schemas.openxmlformats.org/drawingml/2006/main" xmlns:r="http://schemas.openxmlformats.org/officeDocument/2006/relationships" xmlns:p="http://schemas.openxmlformats.org/presentationml/2006/main">
+  <p:cSld>
+    <p:spTree>
+      <p:nvGrpSpPr>
+        <p:cNvPr id="1" name=""/>
+        <p:cNvGrpSpPr/>
+        <p:nvPr/>
+      </p:nvGrpSpPr>
+      <p:grpSpPr>
+        <a:xfrm>
+          <a:off x="0" y="0"/>
+          <a:ext cx="0" cy="0"/>
+          <a:chOff x="0" y="0"/>
+          <a:chExt cx="0" cy="0"/>
+        </a:xfrm>
+      </p:grpSpPr>
+      <p:sp>
+        <p:nvSpPr>
+          <p:cNvPr id="6145" name="Text Box 1"/>
+          <p:cNvSpPr txBox="1">
+            <a:spLocks noChangeArrowheads="1"/>
+          </p:cNvSpPr>
+          <p:nvPr/>
+        </p:nvSpPr>
+        <p:spPr bwMode="auto">
+          <a:xfrm>
+            <a:off x="6556321" y="6247376"/>
+            <a:ext cx="2126880" cy="469489"/>
+          </a:xfrm>
+          <a:prstGeom prst="rect">
+            <a:avLst/>
+          </a:prstGeom>
+          <a:noFill/>
+          <a:ln w="9525">
+            <a:noFill/>
+            <a:round/>
+            <a:headEnd/>
+            <a:tailEnd/>
+          </a:ln>
+          <a:effectLst/>
+        </p:spPr>
+        <p:txBody>
+          <a:bodyPr lIns="0" tIns="0" rIns="0" bIns="0"/>
+          <a:lstStyle/>
+          <a:p>
+            <a:pPr algn="r">
+              <a:lnSpc>
+                <a:spcPct val="95000"/>
+              </a:lnSpc>
+              <a:tabLst>
+                <a:tab pos="0" algn="l"/>
+                <a:tab pos="414726" algn="l"/>
+                <a:tab pos="829452" algn="l"/>
+                <a:tab pos="1244178" algn="l"/>
+                <a:tab pos="1658904" algn="l"/>
+                <a:tab pos="2073631" algn="l"/>
+                <a:tab pos="2488357" algn="l"/>
+                <a:tab pos="2903083" algn="l"/>
+                <a:tab pos="3317809" algn="l"/>
+                <a:tab pos="3732535" algn="l"/>
+                <a:tab pos="4147261" algn="l"/>
+                <a:tab pos="4561987" algn="l"/>
+                <a:tab pos="4976713" algn="l"/>
+                <a:tab pos="5391440" algn="l"/>
+                <a:tab pos="5806166" algn="l"/>
+                <a:tab pos="6220892" algn="l"/>
+                <a:tab pos="6635618" algn="l"/>
+                <a:tab pos="7050344" algn="l"/>
+                <a:tab pos="7465070" algn="l"/>
+                <a:tab pos="7879796" algn="l"/>
+                <a:tab pos="8294522" algn="l"/>
+              </a:tabLst>
+            </a:pPr>
+            <a:fld id="{AA7B44A2-AA83-4E64-9E0A-11BC62D8DD49}" type="slidenum">
+              <a:rPr lang="en-GB" sz="1300">
+                <a:solidFill>
+                  <a:srgbClr val="000000"/>
+                </a:solidFill>
+                <a:latin typeface="Times New Roman" pitchFamily="16" charset="0"/>
+              </a:rPr>
+              <a:pPr algn="r">
+                <a:lnSpc>
+                  <a:spcPct val="95000"/>
+                </a:lnSpc>
+                <a:tabLst>
+                  <a:tab pos="0" algn="l"/>
+                  <a:tab pos="414726" algn="l"/>
+                  <a:tab pos="829452" algn="l"/>
+                  <a:tab pos="1244178" algn="l"/>
+                  <a:tab pos="1658904" algn="l"/>
+                  <a:tab pos="2073631" algn="l"/>
+                  <a:tab pos="2488357" algn="l"/>
+                  <a:tab pos="2903083" algn="l"/>
+                  <a:tab pos="3317809" algn="l"/>
+                  <a:tab pos="3732535" algn="l"/>
+                  <a:tab pos="4147261" algn="l"/>
+                  <a:tab pos="4561987" algn="l"/>
+                  <a:tab pos="4976713" algn="l"/>
+                  <a:tab pos="5391440" algn="l"/>
+                  <a:tab pos="5806166" algn="l"/>
+                  <a:tab pos="6220892" algn="l"/>
+                  <a:tab pos="6635618" algn="l"/>
+                  <a:tab pos="7050344" algn="l"/>
+                  <a:tab pos="7465070" algn="l"/>
+                  <a:tab pos="7879796" algn="l"/>
+                  <a:tab pos="8294522" algn="l"/>
+                </a:tabLst>
+              </a:pPr>
+              <a:t>4</a:t>
+            </a:fld>
+            <a:endParaRPr lang="en-GB" sz="1300" dirty="0">
+              <a:solidFill>
+                <a:srgbClr val="000000"/>
+              </a:solidFill>
+              <a:latin typeface="Times New Roman" pitchFamily="16" charset="0"/>
+            </a:endParaRPr>
+          </a:p>
+        </p:txBody>
+      </p:sp>
+      <p:sp>
+        <p:nvSpPr>
+          <p:cNvPr id="41" name="Rounded Rectangle 40"/>
+          <p:cNvSpPr/>
+          <p:nvPr/>
+        </p:nvSpPr>
+        <p:spPr bwMode="auto">
+          <a:xfrm>
+            <a:off x="76200" y="1473875"/>
+            <a:ext cx="3814763" cy="2157395"/>
+          </a:xfrm>
+          <a:prstGeom prst="roundRect">
+            <a:avLst/>
+          </a:prstGeom>
+          <a:solidFill>
+            <a:schemeClr val="tx2">
+              <a:lumMod val="40000"/>
+              <a:lumOff val="60000"/>
+            </a:schemeClr>
+          </a:solidFill>
+          <a:ln>
+            <a:headEnd type="none" w="med" len="med"/>
+            <a:tailEnd type="none" w="med" len="med"/>
+          </a:ln>
+        </p:spPr>
+        <p:style>
+          <a:lnRef idx="1">
+            <a:schemeClr val="accent2"/>
+          </a:lnRef>
+          <a:fillRef idx="2">
+            <a:schemeClr val="accent2"/>
+          </a:fillRef>
+          <a:effectRef idx="1">
+            <a:schemeClr val="accent2"/>
+          </a:effectRef>
+          <a:fontRef idx="minor">
+            <a:schemeClr val="dk1"/>
+          </a:fontRef>
+        </p:style>
+        <p:txBody>
+          <a:bodyPr vert="horz" wrap="square" lIns="109728" tIns="54864" rIns="109728" bIns="54864" numCol="1" rtlCol="0" anchor="ctr" anchorCtr="0" compatLnSpc="1">
+            <a:prstTxWarp prst="textNoShape">
+              <a:avLst/>
+            </a:prstTxWarp>
+          </a:bodyPr>
+          <a:lstStyle/>
+          <a:p>
+            <a:pPr marL="0" marR="0" indent="0" algn="ctr" defTabSz="1096963" rtl="0" eaLnBrk="1" fontAlgn="base" latinLnBrk="0" hangingPunct="1">
+              <a:lnSpc>
+                <a:spcPct val="100000"/>
+              </a:lnSpc>
+              <a:spcBef>
+                <a:spcPct val="0"/>
+              </a:spcBef>
+              <a:spcAft>
+                <a:spcPct val="0"/>
+              </a:spcAft>
+              <a:buClrTx/>
+              <a:buSzTx/>
+              <a:buFontTx/>
+              <a:buNone/>
+              <a:tabLst/>
+            </a:pPr>
+            <a:endParaRPr kumimoji="0" lang="en-US" sz="2800" b="0" i="0" u="none" strike="noStrike" cap="none" normalizeH="0" baseline="0" dirty="0" smtClean="0">
+              <a:solidFill>
+                <a:schemeClr val="tx1"/>
+              </a:solidFill>
+              <a:effectLst>
+                <a:outerShdw blurRad="38100" dist="38100" dir="2700000" algn="tl">
+                  <a:srgbClr val="000000">
+                    <a:alpha val="43137"/>
+                  </a:srgbClr>
+                </a:outerShdw>
+              </a:effectLst>
+              <a:latin typeface="Segoe" pitchFamily="34" charset="0"/>
+            </a:endParaRPr>
+          </a:p>
+        </p:txBody>
+      </p:sp>
+      <p:sp>
+        <p:nvSpPr>
+          <p:cNvPr id="42" name="Curved Right Arrow 41"/>
+          <p:cNvSpPr/>
+          <p:nvPr/>
+        </p:nvSpPr>
+        <p:spPr bwMode="auto">
+          <a:xfrm>
+            <a:off x="247650" y="2367217"/>
+            <a:ext cx="228600" cy="265908"/>
+          </a:xfrm>
+          <a:prstGeom prst="curvedRightArrow">
+            <a:avLst/>
+          </a:prstGeom>
+          <a:ln>
+            <a:headEnd type="none" w="med" len="med"/>
+            <a:tailEnd type="none" w="med" len="med"/>
+          </a:ln>
+        </p:spPr>
+        <p:style>
+          <a:lnRef idx="0">
+            <a:schemeClr val="accent2"/>
+          </a:lnRef>
+          <a:fillRef idx="3">
+            <a:schemeClr val="accent2"/>
+          </a:fillRef>
+          <a:effectRef idx="3">
+            <a:schemeClr val="accent2"/>
+          </a:effectRef>
+          <a:fontRef idx="minor">
+            <a:schemeClr val="lt1"/>
+          </a:fontRef>
+        </p:style>
+        <p:txBody>
+          <a:bodyPr vert="horz" wrap="square" lIns="109728" tIns="54864" rIns="109728" bIns="54864" numCol="1" rtlCol="0" anchor="ctr" anchorCtr="0" compatLnSpc="1">
+            <a:prstTxWarp prst="textNoShape">
+              <a:avLst/>
+            </a:prstTxWarp>
+          </a:bodyPr>
+          <a:lstStyle/>
+          <a:p>
+            <a:pPr marL="0" marR="0" indent="0" algn="ctr" defTabSz="1096963" rtl="0" eaLnBrk="1" fontAlgn="base" latinLnBrk="0" hangingPunct="1">
+              <a:lnSpc>
+                <a:spcPct val="100000"/>
+              </a:lnSpc>
+              <a:spcBef>
+                <a:spcPct val="0"/>
+              </a:spcBef>
+              <a:spcAft>
+                <a:spcPct val="0"/>
+              </a:spcAft>
+              <a:buClrTx/>
+              <a:buSzTx/>
+              <a:buFontTx/>
+              <a:buNone/>
+              <a:tabLst/>
+            </a:pPr>
+            <a:endParaRPr kumimoji="0" lang="en-US" sz="2800" b="0" i="0" u="none" strike="noStrike" cap="none" normalizeH="0" baseline="0" dirty="0" smtClean="0">
+              <a:solidFill>
+                <a:schemeClr val="tx1"/>
+              </a:solidFill>
+              <a:effectLst>
+                <a:outerShdw blurRad="38100" dist="38100" dir="2700000" algn="tl">
+                  <a:srgbClr val="000000">
+                    <a:alpha val="43137"/>
+                  </a:srgbClr>
+                </a:outerShdw>
+              </a:effectLst>
+              <a:latin typeface="Segoe" pitchFamily="34" charset="0"/>
+            </a:endParaRPr>
+          </a:p>
+        </p:txBody>
+      </p:sp>
+      <p:sp>
+        <p:nvSpPr>
+          <p:cNvPr id="43" name="Curved Right Arrow 42"/>
+          <p:cNvSpPr/>
+          <p:nvPr/>
+        </p:nvSpPr>
+        <p:spPr bwMode="auto">
+          <a:xfrm>
+            <a:off x="247650" y="2038533"/>
+            <a:ext cx="228600" cy="335280"/>
+          </a:xfrm>
+          <a:prstGeom prst="curvedRightArrow">
+            <a:avLst/>
+          </a:prstGeom>
+          <a:ln>
+            <a:headEnd type="none" w="med" len="med"/>
+            <a:tailEnd type="none" w="med" len="med"/>
+          </a:ln>
+        </p:spPr>
+        <p:style>
+          <a:lnRef idx="0">
+            <a:schemeClr val="accent2"/>
+          </a:lnRef>
+          <a:fillRef idx="3">
+            <a:schemeClr val="accent2"/>
+          </a:fillRef>
+          <a:effectRef idx="3">
+            <a:schemeClr val="accent2"/>
+          </a:effectRef>
+          <a:fontRef idx="minor">
+            <a:schemeClr val="lt1"/>
+          </a:fontRef>
+        </p:style>
+        <p:txBody>
+          <a:bodyPr vert="horz" wrap="square" lIns="109728" tIns="54864" rIns="109728" bIns="54864" numCol="1" rtlCol="0" anchor="ctr" anchorCtr="0" compatLnSpc="1">
+            <a:prstTxWarp prst="textNoShape">
+              <a:avLst/>
+            </a:prstTxWarp>
+          </a:bodyPr>
+          <a:lstStyle/>
+          <a:p>
+            <a:pPr marL="0" marR="0" indent="0" algn="ctr" defTabSz="1096963" rtl="0" eaLnBrk="1" fontAlgn="base" latinLnBrk="0" hangingPunct="1">
+              <a:lnSpc>
+                <a:spcPct val="100000"/>
+              </a:lnSpc>
+              <a:spcBef>
+                <a:spcPct val="0"/>
+              </a:spcBef>
+              <a:spcAft>
+                <a:spcPct val="0"/>
+              </a:spcAft>
+              <a:buClrTx/>
+              <a:buSzTx/>
+              <a:buFontTx/>
+              <a:buNone/>
+              <a:tabLst/>
+            </a:pPr>
+            <a:endParaRPr kumimoji="0" lang="en-US" sz="2800" b="0" i="0" u="none" strike="noStrike" cap="none" normalizeH="0" baseline="0" dirty="0" smtClean="0">
+              <a:solidFill>
+                <a:schemeClr val="tx1"/>
+              </a:solidFill>
+              <a:effectLst>
+                <a:outerShdw blurRad="38100" dist="38100" dir="2700000" algn="tl">
+                  <a:srgbClr val="000000">
+                    <a:alpha val="43137"/>
+                  </a:srgbClr>
+                </a:outerShdw>
+              </a:effectLst>
+              <a:latin typeface="Segoe" pitchFamily="34" charset="0"/>
+            </a:endParaRPr>
+          </a:p>
+        </p:txBody>
+      </p:sp>
+      <p:sp>
+        <p:nvSpPr>
+          <p:cNvPr id="44" name="Curved Right Arrow 43"/>
+          <p:cNvSpPr/>
+          <p:nvPr/>
+        </p:nvSpPr>
+        <p:spPr bwMode="auto">
+          <a:xfrm>
+            <a:off x="236274" y="2656097"/>
+            <a:ext cx="228600" cy="265908"/>
+          </a:xfrm>
+          <a:prstGeom prst="curvedRightArrow">
+            <a:avLst/>
+          </a:prstGeom>
+          <a:ln>
+            <a:headEnd type="none" w="med" len="med"/>
+            <a:tailEnd type="none" w="med" len="med"/>
+          </a:ln>
+        </p:spPr>
+        <p:style>
+          <a:lnRef idx="0">
+            <a:schemeClr val="accent2"/>
+          </a:lnRef>
+          <a:fillRef idx="3">
+            <a:schemeClr val="accent2"/>
+          </a:fillRef>
+          <a:effectRef idx="3">
+            <a:schemeClr val="accent2"/>
+          </a:effectRef>
+          <a:fontRef idx="minor">
+            <a:schemeClr val="lt1"/>
+          </a:fontRef>
+        </p:style>
+        <p:txBody>
+          <a:bodyPr vert="horz" wrap="square" lIns="109728" tIns="54864" rIns="109728" bIns="54864" numCol="1" rtlCol="0" anchor="ctr" anchorCtr="0" compatLnSpc="1">
+            <a:prstTxWarp prst="textNoShape">
+              <a:avLst/>
+            </a:prstTxWarp>
+          </a:bodyPr>
+          <a:lstStyle/>
+          <a:p>
+            <a:pPr marL="0" marR="0" indent="0" algn="ctr" defTabSz="1096963" rtl="0" eaLnBrk="1" fontAlgn="base" latinLnBrk="0" hangingPunct="1">
+              <a:lnSpc>
+                <a:spcPct val="100000"/>
+              </a:lnSpc>
+              <a:spcBef>
+                <a:spcPct val="0"/>
+              </a:spcBef>
+              <a:spcAft>
+                <a:spcPct val="0"/>
+              </a:spcAft>
+              <a:buClrTx/>
+              <a:buSzTx/>
+              <a:buFontTx/>
+              <a:buNone/>
+              <a:tabLst/>
+            </a:pPr>
+            <a:endParaRPr kumimoji="0" lang="en-US" sz="2800" b="0" i="0" u="none" strike="noStrike" cap="none" normalizeH="0" baseline="0" dirty="0" smtClean="0">
+              <a:solidFill>
+                <a:schemeClr val="tx1"/>
+              </a:solidFill>
+              <a:effectLst>
+                <a:outerShdw blurRad="38100" dist="38100" dir="2700000" algn="tl">
+                  <a:srgbClr val="000000">
+                    <a:alpha val="43137"/>
+                  </a:srgbClr>
+                </a:outerShdw>
+              </a:effectLst>
+              <a:latin typeface="Segoe" pitchFamily="34" charset="0"/>
+            </a:endParaRPr>
+          </a:p>
+        </p:txBody>
+      </p:sp>
+      <p:sp>
+        <p:nvSpPr>
+          <p:cNvPr id="45" name="Curved Right Arrow 44"/>
+          <p:cNvSpPr/>
+          <p:nvPr/>
+        </p:nvSpPr>
+        <p:spPr bwMode="auto">
+          <a:xfrm>
+            <a:off x="231722" y="2938153"/>
+            <a:ext cx="228600" cy="265908"/>
+          </a:xfrm>
+          <a:prstGeom prst="curvedRightArrow">
+            <a:avLst/>
+          </a:prstGeom>
+          <a:ln>
+            <a:headEnd type="none" w="med" len="med"/>
+            <a:tailEnd type="none" w="med" len="med"/>
+          </a:ln>
+        </p:spPr>
+        <p:style>
+          <a:lnRef idx="0">
+            <a:schemeClr val="accent2"/>
+          </a:lnRef>
+          <a:fillRef idx="3">
+            <a:schemeClr val="accent2"/>
+          </a:fillRef>
+          <a:effectRef idx="3">
+            <a:schemeClr val="accent2"/>
+          </a:effectRef>
+          <a:fontRef idx="minor">
+            <a:schemeClr val="lt1"/>
+          </a:fontRef>
+        </p:style>
+        <p:txBody>
+          <a:bodyPr vert="horz" wrap="square" lIns="109728" tIns="54864" rIns="109728" bIns="54864" numCol="1" rtlCol="0" anchor="ctr" anchorCtr="0" compatLnSpc="1">
+            <a:prstTxWarp prst="textNoShape">
+              <a:avLst/>
+            </a:prstTxWarp>
+          </a:bodyPr>
+          <a:lstStyle/>
+          <a:p>
+            <a:pPr marL="0" marR="0" indent="0" algn="ctr" defTabSz="1096963" rtl="0" eaLnBrk="1" fontAlgn="base" latinLnBrk="0" hangingPunct="1">
+              <a:lnSpc>
+                <a:spcPct val="100000"/>
+              </a:lnSpc>
+              <a:spcBef>
+                <a:spcPct val="0"/>
+              </a:spcBef>
+              <a:spcAft>
+                <a:spcPct val="0"/>
+              </a:spcAft>
+              <a:buClrTx/>
+              <a:buSzTx/>
+              <a:buFontTx/>
+              <a:buNone/>
+              <a:tabLst/>
+            </a:pPr>
+            <a:endParaRPr kumimoji="0" lang="en-US" sz="2800" b="0" i="0" u="none" strike="noStrike" cap="none" normalizeH="0" baseline="0" dirty="0" smtClean="0">
+              <a:solidFill>
+                <a:schemeClr val="tx1"/>
+              </a:solidFill>
+              <a:effectLst>
+                <a:outerShdw blurRad="38100" dist="38100" dir="2700000" algn="tl">
+                  <a:srgbClr val="000000">
+                    <a:alpha val="43137"/>
+                  </a:srgbClr>
+                </a:outerShdw>
+              </a:effectLst>
+              <a:latin typeface="Segoe" pitchFamily="34" charset="0"/>
+            </a:endParaRPr>
+          </a:p>
+        </p:txBody>
+      </p:sp>
+      <p:sp>
+        <p:nvSpPr>
+          <p:cNvPr id="46" name="TextBox 45"/>
+          <p:cNvSpPr txBox="1"/>
+          <p:nvPr/>
+        </p:nvSpPr>
+        <p:spPr>
+          <a:xfrm>
+            <a:off x="152400" y="1626275"/>
+            <a:ext cx="3814763" cy="2031325"/>
+          </a:xfrm>
+          <a:prstGeom prst="rect">
+            <a:avLst/>
+          </a:prstGeom>
+          <a:noFill/>
+        </p:spPr>
+        <p:txBody>
+          <a:bodyPr wrap="square" rtlCol="0">
+            <a:spAutoFit/>
+          </a:bodyPr>
+          <a:lstStyle/>
+          <a:p>
+            <a:r>
+              <a:rPr lang="en-US" dirty="0" smtClean="0">
+                <a:latin typeface="Lucida Console" pitchFamily="49" charset="0"/>
+              </a:rPr>
+              <a:t>void </a:t>
+            </a:r>
+            <a:r>
+              <a:rPr lang="en-US" dirty="0" err="1" smtClean="0">
+                <a:latin typeface="Lucida Console" pitchFamily="49" charset="0"/>
+              </a:rPr>
+              <a:t>CoverMe</a:t>
+            </a:r>
+            <a:r>
+              <a:rPr lang="en-US" dirty="0" smtClean="0">
+                <a:latin typeface="Lucida Console" pitchFamily="49" charset="0"/>
+              </a:rPr>
+              <a:t>(</a:t>
+            </a:r>
+            <a:r>
+              <a:rPr lang="en-US" dirty="0" err="1" smtClean="0">
+                <a:latin typeface="Lucida Console" pitchFamily="49" charset="0"/>
+              </a:rPr>
+              <a:t>int</a:t>
+            </a:r>
+            <a:r>
+              <a:rPr lang="en-US" dirty="0" smtClean="0">
+                <a:latin typeface="Lucida Console" pitchFamily="49" charset="0"/>
+              </a:rPr>
+              <a:t>[] a)</a:t>
+            </a:r>
+          </a:p>
+          <a:p>
+            <a:r>
+              <a:rPr lang="en-US" dirty="0" smtClean="0">
+                <a:latin typeface="Lucida Console" pitchFamily="49" charset="0"/>
+              </a:rPr>
+              <a:t>{</a:t>
+            </a:r>
+          </a:p>
+          <a:p>
+            <a:r>
+              <a:rPr lang="en-US" dirty="0" smtClean="0">
+                <a:latin typeface="Lucida Console" pitchFamily="49" charset="0"/>
+              </a:rPr>
+              <a:t>  if (a == null) return;</a:t>
+            </a:r>
+          </a:p>
+          <a:p>
+            <a:r>
+              <a:rPr lang="en-US" dirty="0" smtClean="0">
+                <a:latin typeface="Lucida Console" pitchFamily="49" charset="0"/>
+              </a:rPr>
+              <a:t>  if (</a:t>
+            </a:r>
+            <a:r>
+              <a:rPr lang="en-US" dirty="0" err="1" smtClean="0">
+                <a:latin typeface="Lucida Console" pitchFamily="49" charset="0"/>
+              </a:rPr>
+              <a:t>a.Length</a:t>
+            </a:r>
+            <a:r>
+              <a:rPr lang="en-US" dirty="0" smtClean="0">
+                <a:latin typeface="Lucida Console" pitchFamily="49" charset="0"/>
+              </a:rPr>
+              <a:t> &gt; 0)</a:t>
+            </a:r>
+          </a:p>
+          <a:p>
+            <a:r>
+              <a:rPr lang="en-US" dirty="0" smtClean="0">
+                <a:latin typeface="Lucida Console" pitchFamily="49" charset="0"/>
+              </a:rPr>
+              <a:t>    if (a[0] == </a:t>
+            </a:r>
+            <a:r>
+              <a:rPr lang="en-US" spc="-150" dirty="0" smtClean="0">
+                <a:latin typeface="Lucida Console" pitchFamily="49" charset="0"/>
+              </a:rPr>
+              <a:t>1234567890</a:t>
+            </a:r>
+            <a:r>
+              <a:rPr lang="en-US" dirty="0" smtClean="0">
+                <a:latin typeface="Lucida Console" pitchFamily="49" charset="0"/>
+              </a:rPr>
+              <a:t>)</a:t>
+            </a:r>
+          </a:p>
+          <a:p>
+            <a:r>
+              <a:rPr lang="en-US" dirty="0" smtClean="0">
+                <a:latin typeface="Lucida Console" pitchFamily="49" charset="0"/>
+              </a:rPr>
+              <a:t>      </a:t>
+            </a:r>
+            <a:r>
+              <a:rPr lang="en-US" spc="-300" dirty="0" smtClean="0">
+                <a:latin typeface="Lucida Console" pitchFamily="49" charset="0"/>
+              </a:rPr>
+              <a:t>throw new Exception("bug");</a:t>
+            </a:r>
+          </a:p>
+          <a:p>
+            <a:r>
+              <a:rPr lang="en-US" dirty="0" smtClean="0">
+                <a:latin typeface="Lucida Console" pitchFamily="49" charset="0"/>
+              </a:rPr>
+              <a:t>}</a:t>
+            </a:r>
+          </a:p>
+        </p:txBody>
+      </p:sp>
+      <p:sp>
+        <p:nvSpPr>
+          <p:cNvPr id="47" name="Oval 46"/>
+          <p:cNvSpPr/>
+          <p:nvPr/>
+        </p:nvSpPr>
+        <p:spPr bwMode="auto">
+          <a:xfrm>
+            <a:off x="900132" y="5138734"/>
+            <a:ext cx="1809749" cy="614363"/>
+          </a:xfrm>
+          <a:prstGeom prst="ellipse">
+            <a:avLst/>
+          </a:prstGeom>
+          <a:solidFill>
+            <a:schemeClr val="tx2">
+              <a:lumMod val="60000"/>
+              <a:lumOff val="40000"/>
+            </a:schemeClr>
+          </a:solidFill>
+          <a:ln>
+            <a:headEnd type="none" w="med" len="med"/>
+            <a:tailEnd type="none" w="med" len="med"/>
+          </a:ln>
+        </p:spPr>
+        <p:style>
+          <a:lnRef idx="1">
+            <a:schemeClr val="accent2"/>
+          </a:lnRef>
+          <a:fillRef idx="2">
+            <a:schemeClr val="accent2"/>
+          </a:fillRef>
+          <a:effectRef idx="1">
+            <a:schemeClr val="accent2"/>
+          </a:effectRef>
+          <a:fontRef idx="minor">
+            <a:schemeClr val="dk1"/>
+          </a:fontRef>
+        </p:style>
+        <p:txBody>
+          <a:bodyPr vert="horz" wrap="square" lIns="109728" tIns="54864" rIns="109728" bIns="54864" numCol="1" rtlCol="0" anchor="ctr" anchorCtr="0" compatLnSpc="1">
+            <a:prstTxWarp prst="textNoShape">
+              <a:avLst/>
+            </a:prstTxWarp>
+          </a:bodyPr>
+          <a:lstStyle/>
+          <a:p>
+            <a:pPr algn="ctr" defTabSz="1096963" fontAlgn="base">
+              <a:spcBef>
+                <a:spcPct val="0"/>
+              </a:spcBef>
+              <a:spcAft>
+                <a:spcPct val="0"/>
+              </a:spcAft>
+            </a:pPr>
+            <a:r>
+              <a:rPr lang="en-US" sz="1600" spc="-150" dirty="0" err="1" smtClean="0">
+                <a:solidFill>
+                  <a:schemeClr val="tx1"/>
+                </a:solidFill>
+                <a:latin typeface="Lucida Console" pitchFamily="49" charset="0"/>
+              </a:rPr>
+              <a:t>a.Length</a:t>
+            </a:r>
+            <a:r>
+              <a:rPr lang="en-US" sz="1600" spc="-150" dirty="0" smtClean="0">
+                <a:solidFill>
+                  <a:schemeClr val="tx1"/>
+                </a:solidFill>
+                <a:latin typeface="Lucida Console" pitchFamily="49" charset="0"/>
+              </a:rPr>
+              <a:t>&gt;0</a:t>
+            </a:r>
+            <a:endParaRPr kumimoji="0" lang="en-US" sz="1600" b="0" i="0" u="none" strike="noStrike" cap="none" spc="-150" normalizeH="0" baseline="0" dirty="0" smtClean="0">
+              <a:solidFill>
+                <a:schemeClr val="tx1"/>
+              </a:solidFill>
+              <a:effectLst>
+                <a:outerShdw blurRad="38100" dist="38100" dir="2700000" algn="tl">
+                  <a:srgbClr val="000000">
+                    <a:alpha val="43137"/>
+                  </a:srgbClr>
+                </a:outerShdw>
+              </a:effectLst>
+              <a:latin typeface="Segoe" pitchFamily="34" charset="0"/>
+            </a:endParaRPr>
+          </a:p>
+        </p:txBody>
+      </p:sp>
+      <p:sp>
+        <p:nvSpPr>
+          <p:cNvPr id="48" name="Oval 47"/>
+          <p:cNvSpPr/>
+          <p:nvPr/>
+        </p:nvSpPr>
+        <p:spPr bwMode="auto">
+          <a:xfrm>
+            <a:off x="2290764" y="5848350"/>
+            <a:ext cx="1824029" cy="614363"/>
+          </a:xfrm>
+          <a:prstGeom prst="ellipse">
+            <a:avLst/>
+          </a:prstGeom>
+          <a:solidFill>
+            <a:schemeClr val="tx2">
+              <a:lumMod val="60000"/>
+              <a:lumOff val="40000"/>
+            </a:schemeClr>
+          </a:solidFill>
+          <a:ln>
+            <a:headEnd type="none" w="med" len="med"/>
+            <a:tailEnd type="none" w="med" len="med"/>
+          </a:ln>
+        </p:spPr>
+        <p:style>
+          <a:lnRef idx="1">
+            <a:schemeClr val="accent2"/>
+          </a:lnRef>
+          <a:fillRef idx="2">
+            <a:schemeClr val="accent2"/>
+          </a:fillRef>
+          <a:effectRef idx="1">
+            <a:schemeClr val="accent2"/>
+          </a:effectRef>
+          <a:fontRef idx="minor">
+            <a:schemeClr val="dk1"/>
+          </a:fontRef>
+        </p:style>
+        <p:txBody>
+          <a:bodyPr vert="horz" wrap="square" lIns="109728" tIns="54864" rIns="109728" bIns="54864" numCol="1" rtlCol="0" anchor="ctr" anchorCtr="0" compatLnSpc="1">
+            <a:prstTxWarp prst="textNoShape">
+              <a:avLst/>
+            </a:prstTxWarp>
+          </a:bodyPr>
+          <a:lstStyle/>
+          <a:p>
+            <a:pPr algn="ctr" defTabSz="1096963" fontAlgn="base">
+              <a:spcBef>
+                <a:spcPct val="0"/>
+              </a:spcBef>
+              <a:spcAft>
+                <a:spcPct val="0"/>
+              </a:spcAft>
+            </a:pPr>
+            <a:r>
+              <a:rPr lang="en-US" sz="1600" spc="-150" dirty="0" smtClean="0">
+                <a:solidFill>
+                  <a:schemeClr val="tx1"/>
+                </a:solidFill>
+                <a:latin typeface="Lucida Console" pitchFamily="49" charset="0"/>
+              </a:rPr>
+              <a:t>a[0]==123…</a:t>
+            </a:r>
+            <a:endParaRPr kumimoji="0" lang="en-US" sz="1600" b="0" i="0" u="none" strike="noStrike" cap="none" spc="-150" normalizeH="0" baseline="0" dirty="0" smtClean="0">
+              <a:solidFill>
+                <a:schemeClr val="tx1"/>
+              </a:solidFill>
+              <a:effectLst>
+                <a:outerShdw blurRad="38100" dist="38100" dir="2700000" algn="tl">
+                  <a:srgbClr val="000000">
+                    <a:alpha val="43137"/>
+                  </a:srgbClr>
+                </a:outerShdw>
+              </a:effectLst>
+              <a:latin typeface="Lucida Console" pitchFamily="49" charset="0"/>
+            </a:endParaRPr>
+          </a:p>
+        </p:txBody>
+      </p:sp>
+      <p:cxnSp>
+        <p:nvCxnSpPr>
+          <p:cNvPr id="49" name="Straight Arrow Connector 48"/>
+          <p:cNvCxnSpPr>
+            <a:endCxn id="47" idx="0"/>
+          </p:cNvCxnSpPr>
+          <p:nvPr/>
+        </p:nvCxnSpPr>
+        <p:spPr>
+          <a:xfrm rot="5400000">
+            <a:off x="2045142" y="4727668"/>
+            <a:ext cx="170931" cy="651200"/>
+          </a:xfrm>
+          <a:prstGeom prst="straightConnector1">
+            <a:avLst/>
+          </a:prstGeom>
+          <a:ln>
+            <a:solidFill>
+              <a:schemeClr val="tx1"/>
+            </a:solidFill>
+            <a:tailEnd type="arrow"/>
+          </a:ln>
+        </p:spPr>
+        <p:style>
+          <a:lnRef idx="1">
+            <a:schemeClr val="accent1"/>
+          </a:lnRef>
+          <a:fillRef idx="0">
+            <a:schemeClr val="accent1"/>
+          </a:fillRef>
+          <a:effectRef idx="0">
+            <a:schemeClr val="accent1"/>
+          </a:effectRef>
+          <a:fontRef idx="minor">
+            <a:schemeClr val="tx1"/>
+          </a:fontRef>
+        </p:style>
+      </p:cxnSp>
+      <p:cxnSp>
+        <p:nvCxnSpPr>
+          <p:cNvPr id="50" name="Straight Arrow Connector 49"/>
+          <p:cNvCxnSpPr>
+            <a:stCxn id="47" idx="5"/>
+            <a:endCxn id="48" idx="0"/>
+          </p:cNvCxnSpPr>
+          <p:nvPr/>
+        </p:nvCxnSpPr>
+        <p:spPr>
+          <a:xfrm rot="16200000" flipH="1">
+            <a:off x="2731202" y="5376773"/>
+            <a:ext cx="185224" cy="757930"/>
+          </a:xfrm>
+          <a:prstGeom prst="straightConnector1">
+            <a:avLst/>
+          </a:prstGeom>
+          <a:ln>
+            <a:solidFill>
+              <a:schemeClr val="tx1"/>
+            </a:solidFill>
+            <a:tailEnd type="arrow"/>
+          </a:ln>
+        </p:spPr>
+        <p:style>
+          <a:lnRef idx="1">
+            <a:schemeClr val="accent1"/>
+          </a:lnRef>
+          <a:fillRef idx="0">
+            <a:schemeClr val="accent1"/>
+          </a:fillRef>
+          <a:effectRef idx="0">
+            <a:schemeClr val="accent1"/>
+          </a:effectRef>
+          <a:fontRef idx="minor">
+            <a:schemeClr val="tx1"/>
+          </a:fontRef>
+        </p:style>
+      </p:cxnSp>
+      <p:sp>
+        <p:nvSpPr>
+          <p:cNvPr id="51" name="Rectangle 50"/>
+          <p:cNvSpPr/>
+          <p:nvPr/>
+        </p:nvSpPr>
+        <p:spPr>
+          <a:xfrm>
+            <a:off x="2735561" y="5411270"/>
+            <a:ext cx="285655" cy="369332"/>
+          </a:xfrm>
+          <a:prstGeom prst="rect">
+            <a:avLst/>
+          </a:prstGeom>
+        </p:spPr>
+        <p:txBody>
+          <a:bodyPr wrap="none">
+            <a:spAutoFit/>
+          </a:bodyPr>
+          <a:lstStyle/>
+          <a:p>
+            <a:pPr algn="ctr" defTabSz="1096963" fontAlgn="base">
+              <a:spcBef>
+                <a:spcPct val="0"/>
+              </a:spcBef>
+              <a:spcAft>
+                <a:spcPct val="0"/>
+              </a:spcAft>
+            </a:pPr>
+            <a:r>
+              <a:rPr lang="en-US" spc="-300" dirty="0" smtClean="0">
+                <a:latin typeface="Lucida Console" pitchFamily="49" charset="0"/>
+              </a:rPr>
+              <a:t>T</a:t>
+            </a:r>
+            <a:endParaRPr lang="en-US" spc="-300" dirty="0" smtClean="0">
+              <a:effectLst>
+                <a:outerShdw blurRad="38100" dist="38100" dir="2700000" algn="tl">
+                  <a:srgbClr val="000000">
+                    <a:alpha val="43137"/>
+                  </a:srgbClr>
+                </a:outerShdw>
+              </a:effectLst>
+              <a:latin typeface="Segoe" pitchFamily="34" charset="0"/>
+            </a:endParaRPr>
+          </a:p>
+        </p:txBody>
+      </p:sp>
+      <p:sp>
+        <p:nvSpPr>
+          <p:cNvPr id="52" name="Rectangle 51"/>
+          <p:cNvSpPr/>
+          <p:nvPr/>
+        </p:nvSpPr>
+        <p:spPr>
+          <a:xfrm>
+            <a:off x="659114" y="5449369"/>
+            <a:ext cx="285655" cy="369332"/>
+          </a:xfrm>
+          <a:prstGeom prst="rect">
+            <a:avLst/>
+          </a:prstGeom>
+        </p:spPr>
+        <p:txBody>
+          <a:bodyPr wrap="none">
+            <a:spAutoFit/>
+          </a:bodyPr>
+          <a:lstStyle/>
+          <a:p>
+            <a:pPr algn="ctr" defTabSz="1096963" fontAlgn="base">
+              <a:spcBef>
+                <a:spcPct val="0"/>
+              </a:spcBef>
+              <a:spcAft>
+                <a:spcPct val="0"/>
+              </a:spcAft>
+            </a:pPr>
+            <a:r>
+              <a:rPr lang="en-US" spc="-300" dirty="0" smtClean="0">
+                <a:latin typeface="Lucida Console" pitchFamily="49" charset="0"/>
+              </a:rPr>
+              <a:t>F</a:t>
+            </a:r>
+            <a:endParaRPr lang="en-US" spc="-300" dirty="0" smtClean="0">
+              <a:effectLst>
+                <a:outerShdw blurRad="38100" dist="38100" dir="2700000" algn="tl">
+                  <a:srgbClr val="000000">
+                    <a:alpha val="43137"/>
+                  </a:srgbClr>
+                </a:outerShdw>
+              </a:effectLst>
+              <a:latin typeface="Segoe" pitchFamily="34" charset="0"/>
+            </a:endParaRPr>
+          </a:p>
+        </p:txBody>
+      </p:sp>
+      <p:sp>
+        <p:nvSpPr>
+          <p:cNvPr id="53" name="Rectangle 52"/>
+          <p:cNvSpPr/>
+          <p:nvPr/>
+        </p:nvSpPr>
+        <p:spPr>
+          <a:xfrm>
+            <a:off x="3654726" y="4744520"/>
+            <a:ext cx="285655" cy="369332"/>
+          </a:xfrm>
+          <a:prstGeom prst="rect">
+            <a:avLst/>
+          </a:prstGeom>
+        </p:spPr>
+        <p:txBody>
+          <a:bodyPr wrap="none">
+            <a:spAutoFit/>
+          </a:bodyPr>
+          <a:lstStyle/>
+          <a:p>
+            <a:pPr algn="ctr" defTabSz="1096963" fontAlgn="base">
+              <a:spcBef>
+                <a:spcPct val="0"/>
+              </a:spcBef>
+              <a:spcAft>
+                <a:spcPct val="0"/>
+              </a:spcAft>
+            </a:pPr>
+            <a:r>
+              <a:rPr lang="en-US" spc="-300" dirty="0" smtClean="0">
+                <a:latin typeface="Lucida Console" pitchFamily="49" charset="0"/>
+              </a:rPr>
+              <a:t>T</a:t>
+            </a:r>
+            <a:endParaRPr lang="en-US" spc="-300" dirty="0" smtClean="0">
+              <a:effectLst>
+                <a:outerShdw blurRad="38100" dist="38100" dir="2700000" algn="tl">
+                  <a:srgbClr val="000000">
+                    <a:alpha val="43137"/>
+                  </a:srgbClr>
+                </a:outerShdw>
+              </a:effectLst>
+              <a:latin typeface="Segoe" pitchFamily="34" charset="0"/>
+            </a:endParaRPr>
+          </a:p>
+        </p:txBody>
+      </p:sp>
+      <p:sp>
+        <p:nvSpPr>
+          <p:cNvPr id="54" name="Rectangle 53"/>
+          <p:cNvSpPr/>
+          <p:nvPr/>
+        </p:nvSpPr>
+        <p:spPr>
+          <a:xfrm>
+            <a:off x="1925939" y="6187558"/>
+            <a:ext cx="285655" cy="369332"/>
+          </a:xfrm>
+          <a:prstGeom prst="rect">
+            <a:avLst/>
+          </a:prstGeom>
+        </p:spPr>
+        <p:txBody>
+          <a:bodyPr wrap="none">
+            <a:spAutoFit/>
+          </a:bodyPr>
+          <a:lstStyle/>
+          <a:p>
+            <a:pPr algn="ctr" defTabSz="1096963" fontAlgn="base">
+              <a:spcBef>
+                <a:spcPct val="0"/>
+              </a:spcBef>
+              <a:spcAft>
+                <a:spcPct val="0"/>
+              </a:spcAft>
+            </a:pPr>
+            <a:r>
+              <a:rPr lang="en-US" spc="-300" dirty="0" smtClean="0">
+                <a:latin typeface="Lucida Console" pitchFamily="49" charset="0"/>
+              </a:rPr>
+              <a:t>F</a:t>
+            </a:r>
+            <a:endParaRPr lang="en-US" spc="-300" dirty="0" smtClean="0">
+              <a:effectLst>
+                <a:outerShdw blurRad="38100" dist="38100" dir="2700000" algn="tl">
+                  <a:srgbClr val="000000">
+                    <a:alpha val="43137"/>
+                  </a:srgbClr>
+                </a:outerShdw>
+              </a:effectLst>
+              <a:latin typeface="Segoe" pitchFamily="34" charset="0"/>
+            </a:endParaRPr>
+          </a:p>
+        </p:txBody>
+      </p:sp>
+      <p:sp>
+        <p:nvSpPr>
+          <p:cNvPr id="55" name="Rectangle 54"/>
+          <p:cNvSpPr/>
+          <p:nvPr/>
+        </p:nvSpPr>
+        <p:spPr>
+          <a:xfrm>
+            <a:off x="1964039" y="4754045"/>
+            <a:ext cx="285655" cy="369332"/>
+          </a:xfrm>
+          <a:prstGeom prst="rect">
+            <a:avLst/>
+          </a:prstGeom>
+        </p:spPr>
+        <p:txBody>
+          <a:bodyPr wrap="none">
+            <a:spAutoFit/>
+          </a:bodyPr>
+          <a:lstStyle/>
+          <a:p>
+            <a:pPr algn="ctr" defTabSz="1096963" fontAlgn="base">
+              <a:spcBef>
+                <a:spcPct val="0"/>
+              </a:spcBef>
+              <a:spcAft>
+                <a:spcPct val="0"/>
+              </a:spcAft>
+            </a:pPr>
+            <a:r>
+              <a:rPr lang="en-US" spc="-300" dirty="0" smtClean="0">
+                <a:latin typeface="Lucida Console" pitchFamily="49" charset="0"/>
+              </a:rPr>
+              <a:t>F</a:t>
+            </a:r>
+            <a:endParaRPr lang="en-US" spc="-300" dirty="0" smtClean="0">
+              <a:effectLst>
+                <a:outerShdw blurRad="38100" dist="38100" dir="2700000" algn="tl">
+                  <a:srgbClr val="000000">
+                    <a:alpha val="43137"/>
+                  </a:srgbClr>
+                </a:outerShdw>
+              </a:effectLst>
+              <a:latin typeface="Segoe" pitchFamily="34" charset="0"/>
+            </a:endParaRPr>
+          </a:p>
+        </p:txBody>
+      </p:sp>
+      <p:cxnSp>
+        <p:nvCxnSpPr>
+          <p:cNvPr id="56" name="Straight Arrow Connector 55"/>
+          <p:cNvCxnSpPr>
+            <a:stCxn id="47" idx="3"/>
+          </p:cNvCxnSpPr>
+          <p:nvPr/>
+        </p:nvCxnSpPr>
+        <p:spPr>
+          <a:xfrm rot="5400000">
+            <a:off x="768588" y="5451772"/>
+            <a:ext cx="185222" cy="607931"/>
+          </a:xfrm>
+          <a:prstGeom prst="straightConnector1">
+            <a:avLst/>
+          </a:prstGeom>
+          <a:ln>
+            <a:solidFill>
+              <a:schemeClr val="tx1"/>
+            </a:solidFill>
+            <a:tailEnd type="arrow"/>
+          </a:ln>
+        </p:spPr>
+        <p:style>
+          <a:lnRef idx="1">
+            <a:schemeClr val="accent1"/>
+          </a:lnRef>
+          <a:fillRef idx="0">
+            <a:schemeClr val="accent1"/>
+          </a:fillRef>
+          <a:effectRef idx="0">
+            <a:schemeClr val="accent1"/>
+          </a:effectRef>
+          <a:fontRef idx="minor">
+            <a:schemeClr val="tx1"/>
+          </a:fontRef>
+        </p:style>
+      </p:cxnSp>
+      <p:sp>
+        <p:nvSpPr>
+          <p:cNvPr id="58" name="Oval 57"/>
+          <p:cNvSpPr/>
+          <p:nvPr/>
+        </p:nvSpPr>
+        <p:spPr bwMode="auto">
+          <a:xfrm>
+            <a:off x="4200543" y="5114922"/>
+            <a:ext cx="271462" cy="228600"/>
+          </a:xfrm>
+          <a:prstGeom prst="ellipse">
+            <a:avLst/>
+          </a:prstGeom>
+          <a:solidFill>
+            <a:schemeClr val="tx2">
+              <a:lumMod val="60000"/>
+              <a:lumOff val="40000"/>
+            </a:schemeClr>
+          </a:solidFill>
+          <a:ln>
+            <a:solidFill>
+              <a:schemeClr val="tx2">
+                <a:lumMod val="50000"/>
+              </a:schemeClr>
+            </a:solidFill>
+            <a:headEnd type="none" w="med" len="med"/>
+            <a:tailEnd type="none" w="med" len="med"/>
+          </a:ln>
+        </p:spPr>
+        <p:style>
+          <a:lnRef idx="2">
+            <a:schemeClr val="accent2">
+              <a:shade val="50000"/>
+            </a:schemeClr>
+          </a:lnRef>
+          <a:fillRef idx="1">
+            <a:schemeClr val="accent2"/>
+          </a:fillRef>
+          <a:effectRef idx="0">
+            <a:schemeClr val="accent2"/>
+          </a:effectRef>
+          <a:fontRef idx="minor">
+            <a:schemeClr val="lt1"/>
+          </a:fontRef>
+        </p:style>
+        <p:txBody>
+          <a:bodyPr vert="horz" wrap="square" lIns="109728" tIns="54864" rIns="109728" bIns="54864" numCol="1" rtlCol="0" anchor="ctr" anchorCtr="0" compatLnSpc="1">
+            <a:prstTxWarp prst="textNoShape">
+              <a:avLst/>
+            </a:prstTxWarp>
+          </a:bodyPr>
+          <a:lstStyle/>
+          <a:p>
+            <a:pPr marL="0" marR="0" indent="0" algn="ctr" defTabSz="1096963" rtl="0" eaLnBrk="1" fontAlgn="base" latinLnBrk="0" hangingPunct="1">
+              <a:lnSpc>
+                <a:spcPct val="100000"/>
+              </a:lnSpc>
+              <a:spcBef>
+                <a:spcPct val="0"/>
+              </a:spcBef>
+              <a:spcAft>
+                <a:spcPct val="0"/>
+              </a:spcAft>
+              <a:buClrTx/>
+              <a:buSzTx/>
+              <a:buFontTx/>
+              <a:buNone/>
+              <a:tabLst/>
+            </a:pPr>
+            <a:endParaRPr kumimoji="0" lang="en-US" sz="2800" b="0" i="0" u="none" strike="noStrike" cap="none" normalizeH="0" baseline="0" dirty="0" smtClean="0">
+              <a:solidFill>
+                <a:schemeClr val="tx1"/>
+              </a:solidFill>
+              <a:effectLst>
+                <a:outerShdw blurRad="38100" dist="38100" dir="2700000" algn="tl">
+                  <a:srgbClr val="000000">
+                    <a:alpha val="43137"/>
+                  </a:srgbClr>
+                </a:outerShdw>
+              </a:effectLst>
+              <a:latin typeface="Segoe" pitchFamily="34" charset="0"/>
+            </a:endParaRPr>
+          </a:p>
+        </p:txBody>
+      </p:sp>
+      <p:sp>
+        <p:nvSpPr>
+          <p:cNvPr id="59" name="Oval 58"/>
+          <p:cNvSpPr/>
+          <p:nvPr/>
+        </p:nvSpPr>
+        <p:spPr bwMode="auto">
+          <a:xfrm>
+            <a:off x="300037" y="5824538"/>
+            <a:ext cx="271462" cy="228600"/>
+          </a:xfrm>
+          <a:prstGeom prst="ellipse">
+            <a:avLst/>
+          </a:prstGeom>
+          <a:solidFill>
+            <a:schemeClr val="tx2">
+              <a:lumMod val="60000"/>
+              <a:lumOff val="40000"/>
+            </a:schemeClr>
+          </a:solidFill>
+          <a:ln>
+            <a:solidFill>
+              <a:schemeClr val="tx2">
+                <a:lumMod val="50000"/>
+              </a:schemeClr>
+            </a:solidFill>
+            <a:headEnd type="none" w="med" len="med"/>
+            <a:tailEnd type="none" w="med" len="med"/>
+          </a:ln>
+        </p:spPr>
+        <p:style>
+          <a:lnRef idx="2">
+            <a:schemeClr val="accent2">
+              <a:shade val="50000"/>
+            </a:schemeClr>
+          </a:lnRef>
+          <a:fillRef idx="1">
+            <a:schemeClr val="accent2"/>
+          </a:fillRef>
+          <a:effectRef idx="0">
+            <a:schemeClr val="accent2"/>
+          </a:effectRef>
+          <a:fontRef idx="minor">
+            <a:schemeClr val="lt1"/>
+          </a:fontRef>
+        </p:style>
+        <p:txBody>
+          <a:bodyPr vert="horz" wrap="square" lIns="109728" tIns="54864" rIns="109728" bIns="54864" numCol="1" rtlCol="0" anchor="ctr" anchorCtr="0" compatLnSpc="1">
+            <a:prstTxWarp prst="textNoShape">
+              <a:avLst/>
+            </a:prstTxWarp>
+          </a:bodyPr>
+          <a:lstStyle/>
+          <a:p>
+            <a:pPr marL="0" marR="0" indent="0" algn="ctr" defTabSz="1096963" rtl="0" eaLnBrk="1" fontAlgn="base" latinLnBrk="0" hangingPunct="1">
+              <a:lnSpc>
+                <a:spcPct val="100000"/>
+              </a:lnSpc>
+              <a:spcBef>
+                <a:spcPct val="0"/>
+              </a:spcBef>
+              <a:spcAft>
+                <a:spcPct val="0"/>
+              </a:spcAft>
+              <a:buClrTx/>
+              <a:buSzTx/>
+              <a:buFontTx/>
+              <a:buNone/>
+              <a:tabLst/>
+            </a:pPr>
+            <a:endParaRPr kumimoji="0" lang="en-US" sz="2800" b="0" i="0" u="none" strike="noStrike" cap="none" normalizeH="0" baseline="0" dirty="0" smtClean="0">
+              <a:solidFill>
+                <a:schemeClr val="tx1"/>
+              </a:solidFill>
+              <a:effectLst>
+                <a:outerShdw blurRad="38100" dist="38100" dir="2700000" algn="tl">
+                  <a:srgbClr val="000000">
+                    <a:alpha val="43137"/>
+                  </a:srgbClr>
+                </a:outerShdw>
+              </a:effectLst>
+              <a:latin typeface="Segoe" pitchFamily="34" charset="0"/>
+            </a:endParaRPr>
+          </a:p>
+        </p:txBody>
+      </p:sp>
+      <p:sp>
+        <p:nvSpPr>
+          <p:cNvPr id="60" name="Oval 59"/>
+          <p:cNvSpPr/>
+          <p:nvPr/>
+        </p:nvSpPr>
+        <p:spPr bwMode="auto">
+          <a:xfrm>
+            <a:off x="4600577" y="6515096"/>
+            <a:ext cx="271462" cy="228600"/>
+          </a:xfrm>
+          <a:prstGeom prst="ellipse">
+            <a:avLst/>
+          </a:prstGeom>
+          <a:ln>
+            <a:headEnd type="none" w="med" len="med"/>
+            <a:tailEnd type="none" w="med" len="med"/>
+          </a:ln>
+        </p:spPr>
+        <p:style>
+          <a:lnRef idx="2">
+            <a:schemeClr val="accent3">
+              <a:shade val="50000"/>
+            </a:schemeClr>
+          </a:lnRef>
+          <a:fillRef idx="1">
+            <a:schemeClr val="accent3"/>
+          </a:fillRef>
+          <a:effectRef idx="0">
+            <a:schemeClr val="accent3"/>
+          </a:effectRef>
+          <a:fontRef idx="minor">
+            <a:schemeClr val="lt1"/>
+          </a:fontRef>
+        </p:style>
+        <p:txBody>
+          <a:bodyPr vert="horz" wrap="square" lIns="109728" tIns="54864" rIns="109728" bIns="54864" numCol="1" rtlCol="0" anchor="ctr" anchorCtr="0" compatLnSpc="1">
+            <a:prstTxWarp prst="textNoShape">
+              <a:avLst/>
+            </a:prstTxWarp>
+          </a:bodyPr>
+          <a:lstStyle/>
+          <a:p>
+            <a:pPr marL="0" marR="0" indent="0" algn="ctr" defTabSz="1096963" rtl="0" eaLnBrk="1" fontAlgn="base" latinLnBrk="0" hangingPunct="1">
+              <a:lnSpc>
+                <a:spcPct val="100000"/>
+              </a:lnSpc>
+              <a:spcBef>
+                <a:spcPct val="0"/>
+              </a:spcBef>
+              <a:spcAft>
+                <a:spcPct val="0"/>
+              </a:spcAft>
+              <a:buClrTx/>
+              <a:buSzTx/>
+              <a:buFontTx/>
+              <a:buNone/>
+              <a:tabLst/>
+            </a:pPr>
+            <a:endParaRPr kumimoji="0" lang="en-US" sz="2800" b="0" i="0" u="none" strike="noStrike" cap="none" normalizeH="0" baseline="0" dirty="0" smtClean="0">
+              <a:solidFill>
+                <a:schemeClr val="tx1"/>
+              </a:solidFill>
+              <a:effectLst>
+                <a:outerShdw blurRad="38100" dist="38100" dir="2700000" algn="tl">
+                  <a:srgbClr val="000000">
+                    <a:alpha val="43137"/>
+                  </a:srgbClr>
+                </a:outerShdw>
+              </a:effectLst>
+              <a:latin typeface="Segoe" pitchFamily="34" charset="0"/>
+            </a:endParaRPr>
+          </a:p>
+        </p:txBody>
+      </p:sp>
+      <p:sp>
+        <p:nvSpPr>
+          <p:cNvPr id="61" name="Oval 60"/>
+          <p:cNvSpPr/>
+          <p:nvPr/>
+        </p:nvSpPr>
+        <p:spPr bwMode="auto">
+          <a:xfrm>
+            <a:off x="2257433" y="4443411"/>
+            <a:ext cx="1357312" cy="614363"/>
+          </a:xfrm>
+          <a:prstGeom prst="ellipse">
+            <a:avLst/>
+          </a:prstGeom>
+          <a:solidFill>
+            <a:schemeClr val="tx2">
+              <a:lumMod val="60000"/>
+              <a:lumOff val="40000"/>
+            </a:schemeClr>
+          </a:solidFill>
+          <a:ln>
+            <a:headEnd type="none" w="med" len="med"/>
+            <a:tailEnd type="none" w="med" len="med"/>
+          </a:ln>
+        </p:spPr>
+        <p:style>
+          <a:lnRef idx="1">
+            <a:schemeClr val="accent2"/>
+          </a:lnRef>
+          <a:fillRef idx="2">
+            <a:schemeClr val="accent2"/>
+          </a:fillRef>
+          <a:effectRef idx="1">
+            <a:schemeClr val="accent2"/>
+          </a:effectRef>
+          <a:fontRef idx="minor">
+            <a:schemeClr val="dk1"/>
+          </a:fontRef>
+        </p:style>
+        <p:txBody>
+          <a:bodyPr vert="horz" wrap="square" lIns="109728" tIns="54864" rIns="109728" bIns="54864" numCol="1" rtlCol="0" anchor="ctr" anchorCtr="0" compatLnSpc="1">
+            <a:prstTxWarp prst="textNoShape">
+              <a:avLst/>
+            </a:prstTxWarp>
+          </a:bodyPr>
+          <a:lstStyle/>
+          <a:p>
+            <a:pPr algn="ctr" defTabSz="1096963" fontAlgn="base">
+              <a:spcBef>
+                <a:spcPct val="0"/>
+              </a:spcBef>
+              <a:spcAft>
+                <a:spcPct val="0"/>
+              </a:spcAft>
+            </a:pPr>
+            <a:r>
+              <a:rPr lang="en-US" sz="1600" spc="-150" dirty="0" smtClean="0">
+                <a:solidFill>
+                  <a:schemeClr val="tx1"/>
+                </a:solidFill>
+                <a:latin typeface="Lucida Console" pitchFamily="49" charset="0"/>
+              </a:rPr>
+              <a:t>a==null</a:t>
+            </a:r>
+            <a:endParaRPr kumimoji="0" lang="en-US" sz="1600" b="0" i="0" u="none" strike="noStrike" cap="none" spc="-150" normalizeH="0" baseline="0" dirty="0" smtClean="0">
+              <a:solidFill>
+                <a:schemeClr val="tx1"/>
+              </a:solidFill>
+              <a:effectLst>
+                <a:outerShdw blurRad="38100" dist="38100" dir="2700000" algn="tl">
+                  <a:srgbClr val="000000">
+                    <a:alpha val="43137"/>
+                  </a:srgbClr>
+                </a:outerShdw>
+              </a:effectLst>
+              <a:latin typeface="Segoe" pitchFamily="34" charset="0"/>
+            </a:endParaRPr>
+          </a:p>
+        </p:txBody>
+      </p:sp>
+      <p:cxnSp>
+        <p:nvCxnSpPr>
+          <p:cNvPr id="62" name="Straight Arrow Connector 61"/>
+          <p:cNvCxnSpPr/>
+          <p:nvPr/>
+        </p:nvCxnSpPr>
+        <p:spPr>
+          <a:xfrm rot="16200000" flipH="1">
+            <a:off x="3691831" y="4691943"/>
+            <a:ext cx="213798" cy="765518"/>
+          </a:xfrm>
+          <a:prstGeom prst="straightConnector1">
+            <a:avLst/>
+          </a:prstGeom>
+          <a:ln>
+            <a:solidFill>
+              <a:schemeClr val="tx1"/>
+            </a:solidFill>
+            <a:tailEnd type="arrow"/>
+          </a:ln>
+        </p:spPr>
+        <p:style>
+          <a:lnRef idx="1">
+            <a:schemeClr val="accent1"/>
+          </a:lnRef>
+          <a:fillRef idx="0">
+            <a:schemeClr val="accent1"/>
+          </a:fillRef>
+          <a:effectRef idx="0">
+            <a:schemeClr val="accent1"/>
+          </a:effectRef>
+          <a:fontRef idx="minor">
+            <a:schemeClr val="tx1"/>
+          </a:fontRef>
+        </p:style>
+      </p:cxnSp>
+      <p:cxnSp>
+        <p:nvCxnSpPr>
+          <p:cNvPr id="63" name="Straight Arrow Connector 62"/>
+          <p:cNvCxnSpPr/>
+          <p:nvPr/>
+        </p:nvCxnSpPr>
+        <p:spPr>
+          <a:xfrm rot="16200000" flipH="1">
+            <a:off x="4171986" y="6076986"/>
+            <a:ext cx="213797" cy="738630"/>
+          </a:xfrm>
+          <a:prstGeom prst="straightConnector1">
+            <a:avLst/>
+          </a:prstGeom>
+          <a:ln>
+            <a:solidFill>
+              <a:schemeClr val="tx1"/>
+            </a:solidFill>
+            <a:tailEnd type="arrow"/>
+          </a:ln>
+        </p:spPr>
+        <p:style>
+          <a:lnRef idx="1">
+            <a:schemeClr val="accent1"/>
+          </a:lnRef>
+          <a:fillRef idx="0">
+            <a:schemeClr val="accent1"/>
+          </a:fillRef>
+          <a:effectRef idx="0">
+            <a:schemeClr val="accent1"/>
+          </a:effectRef>
+          <a:fontRef idx="minor">
+            <a:schemeClr val="tx1"/>
+          </a:fontRef>
+        </p:style>
+      </p:cxnSp>
+      <p:cxnSp>
+        <p:nvCxnSpPr>
+          <p:cNvPr id="64" name="Straight Arrow Connector 63"/>
+          <p:cNvCxnSpPr/>
+          <p:nvPr/>
+        </p:nvCxnSpPr>
+        <p:spPr>
+          <a:xfrm rot="5400000">
+            <a:off x="2048337" y="6143683"/>
+            <a:ext cx="189980" cy="629054"/>
+          </a:xfrm>
+          <a:prstGeom prst="straightConnector1">
+            <a:avLst/>
+          </a:prstGeom>
+          <a:ln>
+            <a:solidFill>
+              <a:schemeClr val="tx1"/>
+            </a:solidFill>
+            <a:tailEnd type="arrow"/>
+          </a:ln>
+        </p:spPr>
+        <p:style>
+          <a:lnRef idx="1">
+            <a:schemeClr val="accent1"/>
+          </a:lnRef>
+          <a:fillRef idx="0">
+            <a:schemeClr val="accent1"/>
+          </a:fillRef>
+          <a:effectRef idx="0">
+            <a:schemeClr val="accent1"/>
+          </a:effectRef>
+          <a:fontRef idx="minor">
+            <a:schemeClr val="tx1"/>
+          </a:fontRef>
+        </p:style>
+      </p:cxnSp>
+      <p:sp>
+        <p:nvSpPr>
+          <p:cNvPr id="65" name="Oval 64"/>
+          <p:cNvSpPr/>
+          <p:nvPr/>
+        </p:nvSpPr>
+        <p:spPr bwMode="auto">
+          <a:xfrm>
+            <a:off x="1600200" y="6491291"/>
+            <a:ext cx="271462" cy="228600"/>
+          </a:xfrm>
+          <a:prstGeom prst="ellipse">
+            <a:avLst/>
+          </a:prstGeom>
+          <a:solidFill>
+            <a:schemeClr val="tx2">
+              <a:lumMod val="60000"/>
+              <a:lumOff val="40000"/>
+            </a:schemeClr>
+          </a:solidFill>
+          <a:ln>
+            <a:solidFill>
+              <a:schemeClr val="tx2">
+                <a:lumMod val="50000"/>
+              </a:schemeClr>
+            </a:solidFill>
+            <a:headEnd type="none" w="med" len="med"/>
+            <a:tailEnd type="none" w="med" len="med"/>
+          </a:ln>
+        </p:spPr>
+        <p:style>
+          <a:lnRef idx="2">
+            <a:schemeClr val="accent2">
+              <a:shade val="50000"/>
+            </a:schemeClr>
+          </a:lnRef>
+          <a:fillRef idx="1">
+            <a:schemeClr val="accent2"/>
+          </a:fillRef>
+          <a:effectRef idx="0">
+            <a:schemeClr val="accent2"/>
+          </a:effectRef>
+          <a:fontRef idx="minor">
+            <a:schemeClr val="lt1"/>
+          </a:fontRef>
+        </p:style>
+        <p:txBody>
+          <a:bodyPr vert="horz" wrap="square" lIns="109728" tIns="54864" rIns="109728" bIns="54864" numCol="1" rtlCol="0" anchor="ctr" anchorCtr="0" compatLnSpc="1">
+            <a:prstTxWarp prst="textNoShape">
+              <a:avLst/>
+            </a:prstTxWarp>
+          </a:bodyPr>
+          <a:lstStyle/>
+          <a:p>
+            <a:pPr marL="0" marR="0" indent="0" algn="ctr" defTabSz="1096963" rtl="0" eaLnBrk="1" fontAlgn="base" latinLnBrk="0" hangingPunct="1">
+              <a:lnSpc>
+                <a:spcPct val="100000"/>
+              </a:lnSpc>
+              <a:spcBef>
+                <a:spcPct val="0"/>
+              </a:spcBef>
+              <a:spcAft>
+                <a:spcPct val="0"/>
+              </a:spcAft>
+              <a:buClrTx/>
+              <a:buSzTx/>
+              <a:buFontTx/>
+              <a:buNone/>
+              <a:tabLst/>
+            </a:pPr>
+            <a:endParaRPr kumimoji="0" lang="en-US" sz="2800" b="0" i="0" u="none" strike="noStrike" cap="none" normalizeH="0" baseline="0" dirty="0" smtClean="0">
+              <a:solidFill>
+                <a:schemeClr val="tx1"/>
+              </a:solidFill>
+              <a:effectLst>
+                <a:outerShdw blurRad="38100" dist="38100" dir="2700000" algn="tl">
+                  <a:srgbClr val="000000">
+                    <a:alpha val="43137"/>
+                  </a:srgbClr>
+                </a:outerShdw>
+              </a:effectLst>
+              <a:latin typeface="Segoe" pitchFamily="34" charset="0"/>
+            </a:endParaRPr>
+          </a:p>
+        </p:txBody>
+      </p:sp>
+      <p:sp>
+        <p:nvSpPr>
+          <p:cNvPr id="66" name="Rectangle 65"/>
+          <p:cNvSpPr/>
+          <p:nvPr/>
+        </p:nvSpPr>
+        <p:spPr>
+          <a:xfrm>
+            <a:off x="4126214" y="6187558"/>
+            <a:ext cx="285655" cy="369332"/>
+          </a:xfrm>
+          <a:prstGeom prst="rect">
+            <a:avLst/>
+          </a:prstGeom>
+        </p:spPr>
+        <p:txBody>
+          <a:bodyPr wrap="none">
+            <a:spAutoFit/>
+          </a:bodyPr>
+          <a:lstStyle/>
+          <a:p>
+            <a:pPr algn="ctr" defTabSz="1096963" fontAlgn="base">
+              <a:spcBef>
+                <a:spcPct val="0"/>
+              </a:spcBef>
+              <a:spcAft>
+                <a:spcPct val="0"/>
+              </a:spcAft>
+            </a:pPr>
+            <a:r>
+              <a:rPr lang="en-US" spc="-300" dirty="0" smtClean="0">
+                <a:latin typeface="Lucida Console" pitchFamily="49" charset="0"/>
+              </a:rPr>
+              <a:t>T</a:t>
+            </a:r>
+            <a:endParaRPr lang="en-US" spc="-300" dirty="0" smtClean="0">
+              <a:effectLst>
+                <a:outerShdw blurRad="38100" dist="38100" dir="2700000" algn="tl">
+                  <a:srgbClr val="000000">
+                    <a:alpha val="43137"/>
+                  </a:srgbClr>
+                </a:outerShdw>
+              </a:effectLst>
+              <a:latin typeface="Segoe" pitchFamily="34" charset="0"/>
+            </a:endParaRPr>
+          </a:p>
+        </p:txBody>
+      </p:sp>
+      <p:sp>
+        <p:nvSpPr>
+          <p:cNvPr id="67" name="Content Placeholder 7"/>
+          <p:cNvSpPr txBox="1">
+            <a:spLocks/>
+          </p:cNvSpPr>
+          <p:nvPr/>
+        </p:nvSpPr>
+        <p:spPr>
+          <a:xfrm>
+            <a:off x="4267200" y="1809062"/>
+            <a:ext cx="1893590" cy="3143938"/>
+          </a:xfrm>
+          <a:prstGeom prst="rect">
+            <a:avLst/>
+          </a:prstGeom>
+          <a:ln>
+            <a:noFill/>
+          </a:ln>
+        </p:spPr>
+        <p:txBody>
+          <a:bodyPr/>
+          <a:lstStyle/>
+          <a:p>
+            <a:pPr marL="342900" marR="0" lvl="0" indent="-342900" algn="l" defTabSz="914400" rtl="0" eaLnBrk="1" fontAlgn="auto" latinLnBrk="0" hangingPunct="1">
+              <a:lnSpc>
+                <a:spcPct val="100000"/>
+              </a:lnSpc>
+              <a:spcBef>
+                <a:spcPct val="20000"/>
+              </a:spcBef>
+              <a:spcAft>
+                <a:spcPts val="0"/>
+              </a:spcAft>
+              <a:buClrTx/>
+              <a:buSzTx/>
+              <a:buFont typeface="Arial" pitchFamily="34" charset="0"/>
+              <a:buNone/>
+              <a:tabLst/>
+              <a:defRPr/>
+            </a:pPr>
+            <a:r>
+              <a:rPr kumimoji="0" lang="en-US" sz="1600" b="1" i="0" u="none" strike="noStrike" kern="1200" cap="none" spc="0" normalizeH="0" baseline="0" noProof="0" dirty="0" smtClean="0">
+                <a:ln>
+                  <a:noFill/>
+                </a:ln>
+                <a:solidFill>
+                  <a:schemeClr val="tx1"/>
+                </a:solidFill>
+                <a:effectLst/>
+                <a:uLnTx/>
+                <a:uFillTx/>
+                <a:latin typeface="+mn-lt"/>
+                <a:ea typeface="+mn-ea"/>
+                <a:cs typeface="+mn-cs"/>
+              </a:rPr>
+              <a:t>Constraints to solve</a:t>
+            </a:r>
+            <a:r>
+              <a:rPr kumimoji="0" lang="en-US" sz="1600" b="1" i="0" u="none" strike="noStrike" kern="1200" cap="none" spc="0" normalizeH="0" baseline="0" noProof="0" dirty="0" smtClean="0">
+                <a:ln>
+                  <a:noFill/>
+                </a:ln>
+                <a:solidFill>
+                  <a:schemeClr val="tx1"/>
+                </a:solidFill>
+                <a:effectLst/>
+                <a:uLnTx/>
+                <a:uFillTx/>
+                <a:latin typeface="Lucida Console" pitchFamily="49" charset="0"/>
+                <a:ea typeface="+mn-ea"/>
+                <a:cs typeface="+mn-cs"/>
+              </a:rPr>
+              <a:t>           </a:t>
+            </a:r>
+          </a:p>
+          <a:p>
+            <a:pPr marL="342900" marR="0" lvl="0" indent="-342900" algn="l" defTabSz="914400" rtl="0" eaLnBrk="1" fontAlgn="auto" latinLnBrk="0" hangingPunct="1">
+              <a:lnSpc>
+                <a:spcPct val="100000"/>
+              </a:lnSpc>
+              <a:spcBef>
+                <a:spcPct val="20000"/>
+              </a:spcBef>
+              <a:spcAft>
+                <a:spcPts val="0"/>
+              </a:spcAft>
+              <a:buClrTx/>
+              <a:buSzTx/>
+              <a:buFont typeface="Arial" pitchFamily="34" charset="0"/>
+              <a:buNone/>
+              <a:tabLst/>
+              <a:defRPr/>
+            </a:pPr>
+            <a:endParaRPr kumimoji="0" lang="en-US" sz="900" b="0" i="0" u="none" strike="noStrike" kern="1200" cap="none" spc="0" normalizeH="0" baseline="0" noProof="0" dirty="0" smtClean="0">
+              <a:ln>
+                <a:noFill/>
+              </a:ln>
+              <a:solidFill>
+                <a:schemeClr val="tx1"/>
+              </a:solidFill>
+              <a:effectLst/>
+              <a:uLnTx/>
+              <a:uFillTx/>
+              <a:latin typeface="Lucida Console" pitchFamily="49" charset="0"/>
+              <a:ea typeface="+mn-ea"/>
+              <a:cs typeface="+mn-cs"/>
+            </a:endParaRPr>
+          </a:p>
+          <a:p>
+            <a:pPr marL="342900" marR="0" lvl="0" indent="-342900" algn="l" defTabSz="914400" rtl="0" eaLnBrk="1" fontAlgn="auto" latinLnBrk="0" hangingPunct="1">
+              <a:lnSpc>
+                <a:spcPct val="100000"/>
+              </a:lnSpc>
+              <a:spcBef>
+                <a:spcPct val="20000"/>
+              </a:spcBef>
+              <a:spcAft>
+                <a:spcPts val="0"/>
+              </a:spcAft>
+              <a:buClrTx/>
+              <a:buSzTx/>
+              <a:buFont typeface="Arial" pitchFamily="34" charset="0"/>
+              <a:buNone/>
+              <a:tabLst/>
+              <a:defRPr/>
+            </a:pPr>
+            <a:endParaRPr kumimoji="0" lang="en-US" sz="1600" b="0" i="0" u="none" strike="noStrike" kern="1200" cap="none" spc="0" normalizeH="0" baseline="0" noProof="0" dirty="0" smtClean="0">
+              <a:ln>
+                <a:noFill/>
+              </a:ln>
+              <a:solidFill>
+                <a:schemeClr val="tx1"/>
+              </a:solidFill>
+              <a:effectLst/>
+              <a:uLnTx/>
+              <a:uFillTx/>
+              <a:latin typeface="Lucida Console" pitchFamily="49" charset="0"/>
+              <a:ea typeface="+mn-ea"/>
+              <a:cs typeface="+mn-cs"/>
+            </a:endParaRPr>
+          </a:p>
+          <a:p>
+            <a:pPr marL="342900" marR="0" lvl="0" indent="-342900" algn="l" defTabSz="914400" rtl="0" eaLnBrk="1" fontAlgn="auto" latinLnBrk="0" hangingPunct="1">
+              <a:lnSpc>
+                <a:spcPct val="100000"/>
+              </a:lnSpc>
+              <a:spcBef>
+                <a:spcPct val="20000"/>
+              </a:spcBef>
+              <a:spcAft>
+                <a:spcPts val="0"/>
+              </a:spcAft>
+              <a:buClrTx/>
+              <a:buSzTx/>
+              <a:buFont typeface="Arial" pitchFamily="34" charset="0"/>
+              <a:buNone/>
+              <a:tabLst/>
+              <a:defRPr/>
+            </a:pPr>
+            <a:r>
+              <a:rPr kumimoji="0" lang="en-US" sz="1600" b="0" i="0" u="none" strike="noStrike" kern="1200" cap="none" spc="0" normalizeH="0" baseline="0" noProof="0" dirty="0" smtClean="0">
+                <a:ln>
+                  <a:noFill/>
+                </a:ln>
+                <a:solidFill>
+                  <a:schemeClr val="tx1"/>
+                </a:solidFill>
+                <a:effectLst/>
+                <a:uLnTx/>
+                <a:uFillTx/>
+                <a:latin typeface="Lucida Console" pitchFamily="49" charset="0"/>
+                <a:ea typeface="+mn-ea"/>
+                <a:cs typeface="+mn-cs"/>
+              </a:rPr>
+              <a:t>a!=null</a:t>
+            </a:r>
+          </a:p>
+          <a:p>
+            <a:pPr marL="342900" marR="0" lvl="0" indent="-342900" algn="l" defTabSz="914400" rtl="0" eaLnBrk="1" fontAlgn="auto" latinLnBrk="0" hangingPunct="1">
+              <a:lnSpc>
+                <a:spcPct val="100000"/>
+              </a:lnSpc>
+              <a:spcBef>
+                <a:spcPct val="20000"/>
+              </a:spcBef>
+              <a:spcAft>
+                <a:spcPts val="0"/>
+              </a:spcAft>
+              <a:buClrTx/>
+              <a:buSzTx/>
+              <a:buFont typeface="Arial" pitchFamily="34" charset="0"/>
+              <a:buNone/>
+              <a:tabLst/>
+              <a:defRPr/>
+            </a:pPr>
+            <a:r>
+              <a:rPr kumimoji="0" lang="en-US" sz="1600" b="0" i="0" u="none" strike="noStrike" kern="1200" cap="none" spc="0" normalizeH="0" baseline="0" noProof="0" dirty="0" smtClean="0">
+                <a:ln>
+                  <a:noFill/>
+                </a:ln>
+                <a:solidFill>
+                  <a:schemeClr val="tx1"/>
+                </a:solidFill>
+                <a:effectLst/>
+                <a:uLnTx/>
+                <a:uFillTx/>
+                <a:latin typeface="Lucida Console" pitchFamily="49" charset="0"/>
+                <a:ea typeface="+mn-ea"/>
+                <a:cs typeface="+mn-cs"/>
+              </a:rPr>
+              <a:t>       </a:t>
+            </a:r>
+          </a:p>
+          <a:p>
+            <a:pPr marL="342900" marR="0" lvl="0" indent="-342900" algn="l" defTabSz="914400" rtl="0" eaLnBrk="1" fontAlgn="auto" latinLnBrk="0" hangingPunct="1">
+              <a:lnSpc>
+                <a:spcPct val="100000"/>
+              </a:lnSpc>
+              <a:spcBef>
+                <a:spcPct val="20000"/>
+              </a:spcBef>
+              <a:spcAft>
+                <a:spcPts val="0"/>
+              </a:spcAft>
+              <a:buClrTx/>
+              <a:buSzTx/>
+              <a:buFont typeface="Arial" pitchFamily="34" charset="0"/>
+              <a:buNone/>
+              <a:tabLst/>
+              <a:defRPr/>
+            </a:pPr>
+            <a:r>
+              <a:rPr kumimoji="0" lang="en-US" sz="1600" b="0" i="0" u="none" strike="noStrike" kern="1200" cap="none" spc="0" normalizeH="0" baseline="0" noProof="0" dirty="0" smtClean="0">
+                <a:ln>
+                  <a:noFill/>
+                </a:ln>
+                <a:solidFill>
+                  <a:schemeClr val="tx1"/>
+                </a:solidFill>
+                <a:effectLst/>
+                <a:uLnTx/>
+                <a:uFillTx/>
+                <a:latin typeface="Lucida Console" pitchFamily="49" charset="0"/>
+                <a:ea typeface="+mn-ea"/>
+                <a:cs typeface="+mn-cs"/>
+              </a:rPr>
+              <a:t>a!=null &amp;&amp;</a:t>
+            </a:r>
+          </a:p>
+          <a:p>
+            <a:pPr marL="342900" marR="0" lvl="0" indent="-342900" algn="l" defTabSz="914400" rtl="0" eaLnBrk="1" fontAlgn="auto" latinLnBrk="0" hangingPunct="1">
+              <a:lnSpc>
+                <a:spcPct val="100000"/>
+              </a:lnSpc>
+              <a:spcBef>
+                <a:spcPct val="20000"/>
+              </a:spcBef>
+              <a:spcAft>
+                <a:spcPts val="0"/>
+              </a:spcAft>
+              <a:buClrTx/>
+              <a:buSzTx/>
+              <a:buFont typeface="Arial" pitchFamily="34" charset="0"/>
+              <a:buNone/>
+              <a:tabLst/>
+              <a:defRPr/>
+            </a:pPr>
+            <a:r>
+              <a:rPr kumimoji="0" lang="en-US" sz="1600" b="0" i="0" u="none" strike="noStrike" kern="1200" cap="none" spc="0" normalizeH="0" baseline="0" noProof="0" dirty="0" err="1" smtClean="0">
+                <a:ln>
+                  <a:noFill/>
+                </a:ln>
+                <a:solidFill>
+                  <a:schemeClr val="tx1"/>
+                </a:solidFill>
+                <a:effectLst/>
+                <a:uLnTx/>
+                <a:uFillTx/>
+                <a:latin typeface="Lucida Console" pitchFamily="49" charset="0"/>
+                <a:ea typeface="+mn-ea"/>
+                <a:cs typeface="+mn-cs"/>
+              </a:rPr>
+              <a:t>a.Length</a:t>
+            </a:r>
+            <a:r>
+              <a:rPr kumimoji="0" lang="en-US" sz="1600" b="0" i="0" u="none" strike="noStrike" kern="1200" cap="none" spc="0" normalizeH="0" baseline="0" noProof="0" dirty="0" smtClean="0">
+                <a:ln>
+                  <a:noFill/>
+                </a:ln>
+                <a:solidFill>
+                  <a:schemeClr val="tx1"/>
+                </a:solidFill>
+                <a:effectLst/>
+                <a:uLnTx/>
+                <a:uFillTx/>
+                <a:latin typeface="Lucida Console" pitchFamily="49" charset="0"/>
+                <a:ea typeface="+mn-ea"/>
+                <a:cs typeface="+mn-cs"/>
+              </a:rPr>
+              <a:t>&gt;0</a:t>
+            </a:r>
+          </a:p>
+          <a:p>
+            <a:pPr marL="342900" marR="0" lvl="0" indent="-342900" algn="l" defTabSz="914400" rtl="0" eaLnBrk="1" fontAlgn="auto" latinLnBrk="0" hangingPunct="1">
+              <a:lnSpc>
+                <a:spcPct val="100000"/>
+              </a:lnSpc>
+              <a:spcBef>
+                <a:spcPct val="20000"/>
+              </a:spcBef>
+              <a:spcAft>
+                <a:spcPts val="0"/>
+              </a:spcAft>
+              <a:buClrTx/>
+              <a:buSzTx/>
+              <a:buFont typeface="Arial" pitchFamily="34" charset="0"/>
+              <a:buNone/>
+              <a:tabLst/>
+              <a:defRPr/>
+            </a:pPr>
+            <a:r>
+              <a:rPr kumimoji="0" lang="en-US" sz="1600" b="0" i="0" u="none" strike="noStrike" kern="1200" cap="none" spc="0" normalizeH="0" baseline="0" noProof="0" dirty="0" smtClean="0">
+                <a:ln>
+                  <a:noFill/>
+                </a:ln>
+                <a:solidFill>
+                  <a:schemeClr val="tx1"/>
+                </a:solidFill>
+                <a:effectLst/>
+                <a:uLnTx/>
+                <a:uFillTx/>
+                <a:latin typeface="Lucida Console" pitchFamily="49" charset="0"/>
+                <a:ea typeface="+mn-ea"/>
+                <a:cs typeface="+mn-cs"/>
+              </a:rPr>
+              <a:t>                </a:t>
+            </a:r>
+          </a:p>
+          <a:p>
+            <a:pPr marL="342900" marR="0" lvl="0" indent="-342900" algn="l" defTabSz="914400" rtl="0" eaLnBrk="1" fontAlgn="auto" latinLnBrk="0" hangingPunct="1">
+              <a:lnSpc>
+                <a:spcPct val="100000"/>
+              </a:lnSpc>
+              <a:spcBef>
+                <a:spcPct val="20000"/>
+              </a:spcBef>
+              <a:spcAft>
+                <a:spcPts val="0"/>
+              </a:spcAft>
+              <a:buClrTx/>
+              <a:buSzTx/>
+              <a:buFont typeface="Arial" pitchFamily="34" charset="0"/>
+              <a:buNone/>
+              <a:tabLst/>
+              <a:defRPr/>
+            </a:pPr>
+            <a:r>
+              <a:rPr kumimoji="0" lang="en-US" sz="1600" b="0" i="0" u="none" strike="noStrike" kern="1200" cap="none" spc="0" normalizeH="0" baseline="0" noProof="0" dirty="0" smtClean="0">
+                <a:ln>
+                  <a:noFill/>
+                </a:ln>
+                <a:solidFill>
+                  <a:schemeClr val="tx1"/>
+                </a:solidFill>
+                <a:effectLst/>
+                <a:uLnTx/>
+                <a:uFillTx/>
+                <a:latin typeface="Lucida Console" pitchFamily="49" charset="0"/>
+                <a:ea typeface="+mn-ea"/>
+                <a:cs typeface="+mn-cs"/>
+              </a:rPr>
+              <a:t>a!=null &amp;&amp;</a:t>
+            </a:r>
+          </a:p>
+          <a:p>
+            <a:pPr marL="342900" marR="0" lvl="0" indent="-342900" algn="l" defTabSz="914400" rtl="0" eaLnBrk="1" fontAlgn="auto" latinLnBrk="0" hangingPunct="1">
+              <a:lnSpc>
+                <a:spcPct val="100000"/>
+              </a:lnSpc>
+              <a:spcBef>
+                <a:spcPct val="20000"/>
+              </a:spcBef>
+              <a:spcAft>
+                <a:spcPts val="0"/>
+              </a:spcAft>
+              <a:buClrTx/>
+              <a:buSzTx/>
+              <a:buFont typeface="Arial" pitchFamily="34" charset="0"/>
+              <a:buNone/>
+              <a:tabLst/>
+              <a:defRPr/>
+            </a:pPr>
+            <a:r>
+              <a:rPr kumimoji="0" lang="en-US" sz="1600" b="0" i="0" u="none" strike="noStrike" kern="1200" cap="none" spc="0" normalizeH="0" baseline="0" noProof="0" dirty="0" err="1" smtClean="0">
+                <a:ln>
+                  <a:noFill/>
+                </a:ln>
+                <a:solidFill>
+                  <a:schemeClr val="tx1"/>
+                </a:solidFill>
+                <a:effectLst/>
+                <a:uLnTx/>
+                <a:uFillTx/>
+                <a:latin typeface="Lucida Console" pitchFamily="49" charset="0"/>
+                <a:ea typeface="+mn-ea"/>
+                <a:cs typeface="+mn-cs"/>
+              </a:rPr>
+              <a:t>a.Length</a:t>
+            </a:r>
+            <a:r>
+              <a:rPr kumimoji="0" lang="en-US" sz="1600" b="0" i="0" u="none" strike="noStrike" kern="1200" cap="none" spc="0" normalizeH="0" baseline="0" noProof="0" dirty="0" smtClean="0">
+                <a:ln>
+                  <a:noFill/>
+                </a:ln>
+                <a:solidFill>
+                  <a:schemeClr val="tx1"/>
+                </a:solidFill>
+                <a:effectLst/>
+                <a:uLnTx/>
+                <a:uFillTx/>
+                <a:latin typeface="Lucida Console" pitchFamily="49" charset="0"/>
+                <a:ea typeface="+mn-ea"/>
+                <a:cs typeface="+mn-cs"/>
+              </a:rPr>
+              <a:t>&gt;0 &amp;&amp;</a:t>
+            </a:r>
+          </a:p>
+          <a:p>
+            <a:pPr marL="342900" marR="0" lvl="0" indent="-342900" algn="l" defTabSz="914400" rtl="0" eaLnBrk="1" fontAlgn="auto" latinLnBrk="0" hangingPunct="1">
+              <a:lnSpc>
+                <a:spcPct val="100000"/>
+              </a:lnSpc>
+              <a:spcBef>
+                <a:spcPct val="20000"/>
+              </a:spcBef>
+              <a:spcAft>
+                <a:spcPts val="0"/>
+              </a:spcAft>
+              <a:buClrTx/>
+              <a:buSzTx/>
+              <a:buFont typeface="Arial" pitchFamily="34" charset="0"/>
+              <a:buNone/>
+              <a:tabLst/>
+              <a:defRPr/>
+            </a:pPr>
+            <a:r>
+              <a:rPr kumimoji="0" lang="en-US" sz="1600" b="0" i="0" u="none" strike="noStrike" kern="1200" cap="none" spc="0" normalizeH="0" baseline="0" noProof="0" dirty="0" smtClean="0">
+                <a:ln>
+                  <a:noFill/>
+                </a:ln>
+                <a:solidFill>
+                  <a:schemeClr val="tx1"/>
+                </a:solidFill>
+                <a:effectLst/>
+                <a:uLnTx/>
+                <a:uFillTx/>
+                <a:latin typeface="Lucida Console" pitchFamily="49" charset="0"/>
+                <a:ea typeface="+mn-ea"/>
+                <a:cs typeface="+mn-cs"/>
+              </a:rPr>
+              <a:t>a[0]==</a:t>
+            </a:r>
+            <a:r>
+              <a:rPr kumimoji="0" lang="en-US" sz="1600" b="0" i="0" u="none" strike="noStrike" kern="1200" cap="none" spc="-300" normalizeH="0" baseline="0" noProof="0" dirty="0" smtClean="0">
+                <a:ln>
+                  <a:noFill/>
+                </a:ln>
+                <a:solidFill>
+                  <a:schemeClr val="tx1"/>
+                </a:solidFill>
+                <a:effectLst/>
+                <a:uLnTx/>
+                <a:uFillTx/>
+                <a:latin typeface="Lucida Console" pitchFamily="49" charset="0"/>
+                <a:ea typeface="+mn-ea"/>
+                <a:cs typeface="+mn-cs"/>
+              </a:rPr>
+              <a:t>123456890</a:t>
+            </a:r>
+          </a:p>
+        </p:txBody>
+      </p:sp>
+      <p:sp>
+        <p:nvSpPr>
+          <p:cNvPr id="68" name="Content Placeholder 7"/>
+          <p:cNvSpPr txBox="1">
+            <a:spLocks/>
+          </p:cNvSpPr>
+          <p:nvPr/>
+        </p:nvSpPr>
+        <p:spPr>
+          <a:xfrm>
+            <a:off x="6172200" y="1821976"/>
+            <a:ext cx="691997" cy="3143938"/>
+          </a:xfrm>
+          <a:prstGeom prst="rect">
+            <a:avLst/>
+          </a:prstGeom>
+          <a:ln>
+            <a:noFill/>
+          </a:ln>
+        </p:spPr>
+        <p:txBody>
+          <a:bodyPr/>
+          <a:lstStyle/>
+          <a:p>
+            <a:pPr marL="342900" marR="0" lvl="0" indent="-342900" algn="l" defTabSz="914400" rtl="0" eaLnBrk="1" fontAlgn="auto" latinLnBrk="0" hangingPunct="1">
+              <a:lnSpc>
+                <a:spcPct val="100000"/>
+              </a:lnSpc>
+              <a:spcBef>
+                <a:spcPct val="20000"/>
+              </a:spcBef>
+              <a:spcAft>
+                <a:spcPts val="0"/>
+              </a:spcAft>
+              <a:buClrTx/>
+              <a:buSzTx/>
+              <a:buFont typeface="Arial" pitchFamily="34" charset="0"/>
+              <a:buNone/>
+              <a:tabLst/>
+              <a:defRPr/>
+            </a:pPr>
+            <a:r>
+              <a:rPr kumimoji="0" lang="en-US" sz="1600" b="1" i="0" u="none" strike="noStrike" kern="1200" cap="none" spc="0" normalizeH="0" baseline="0" noProof="0" dirty="0" smtClean="0">
+                <a:ln>
+                  <a:noFill/>
+                </a:ln>
+                <a:solidFill>
+                  <a:schemeClr val="tx1"/>
+                </a:solidFill>
+                <a:effectLst/>
+                <a:uLnTx/>
+                <a:uFillTx/>
+                <a:latin typeface="+mn-lt"/>
+                <a:ea typeface="+mn-ea"/>
+                <a:cs typeface="+mn-cs"/>
+              </a:rPr>
+              <a:t>Input</a:t>
+            </a:r>
+            <a:endParaRPr kumimoji="0" lang="en-US" sz="1800" b="1" i="0" u="none" strike="noStrike" kern="1200" cap="none" spc="0" normalizeH="0" baseline="0" noProof="0" dirty="0" smtClean="0">
+              <a:ln>
+                <a:noFill/>
+              </a:ln>
+              <a:solidFill>
+                <a:schemeClr val="tx1"/>
+              </a:solidFill>
+              <a:effectLst/>
+              <a:uLnTx/>
+              <a:uFillTx/>
+              <a:latin typeface="+mn-lt"/>
+              <a:ea typeface="+mn-ea"/>
+              <a:cs typeface="+mn-cs"/>
+            </a:endParaRPr>
+          </a:p>
+          <a:p>
+            <a:pPr marL="342900" marR="0" lvl="0" indent="-342900" algn="l" defTabSz="914400" rtl="0" eaLnBrk="1" fontAlgn="auto" latinLnBrk="0" hangingPunct="1">
+              <a:lnSpc>
+                <a:spcPct val="100000"/>
+              </a:lnSpc>
+              <a:spcBef>
+                <a:spcPct val="20000"/>
+              </a:spcBef>
+              <a:spcAft>
+                <a:spcPts val="0"/>
+              </a:spcAft>
+              <a:buClrTx/>
+              <a:buSzTx/>
+              <a:buFont typeface="Arial" pitchFamily="34" charset="0"/>
+              <a:buNone/>
+              <a:tabLst/>
+              <a:defRPr/>
+            </a:pPr>
+            <a:endParaRPr kumimoji="0" lang="en-US" sz="800" b="0" i="0" u="none" strike="noStrike" kern="1200" cap="none" spc="0" normalizeH="0" baseline="0" noProof="0" dirty="0" smtClean="0">
+              <a:ln>
+                <a:noFill/>
+              </a:ln>
+              <a:solidFill>
+                <a:schemeClr val="tx1"/>
+              </a:solidFill>
+              <a:effectLst/>
+              <a:uLnTx/>
+              <a:uFillTx/>
+              <a:latin typeface="Lucida Console" pitchFamily="49" charset="0"/>
+              <a:ea typeface="+mn-ea"/>
+              <a:cs typeface="+mn-cs"/>
+            </a:endParaRPr>
+          </a:p>
+          <a:p>
+            <a:pPr marL="342900" marR="0" lvl="0" indent="-342900" algn="l" defTabSz="914400" rtl="0" eaLnBrk="1" fontAlgn="auto" latinLnBrk="0" hangingPunct="1">
+              <a:lnSpc>
+                <a:spcPct val="100000"/>
+              </a:lnSpc>
+              <a:spcBef>
+                <a:spcPct val="20000"/>
+              </a:spcBef>
+              <a:spcAft>
+                <a:spcPts val="0"/>
+              </a:spcAft>
+              <a:buClrTx/>
+              <a:buSzTx/>
+              <a:buFont typeface="Arial" pitchFamily="34" charset="0"/>
+              <a:buNone/>
+              <a:tabLst/>
+              <a:defRPr/>
+            </a:pPr>
+            <a:r>
+              <a:rPr kumimoji="0" lang="en-US" sz="1600" b="0" i="0" u="none" strike="noStrike" kern="1200" cap="none" spc="0" normalizeH="0" baseline="0" noProof="0" dirty="0" smtClean="0">
+                <a:ln>
+                  <a:noFill/>
+                </a:ln>
+                <a:solidFill>
+                  <a:schemeClr val="tx1"/>
+                </a:solidFill>
+                <a:effectLst/>
+                <a:uLnTx/>
+                <a:uFillTx/>
+                <a:latin typeface="Lucida Console" pitchFamily="49" charset="0"/>
+                <a:ea typeface="+mn-ea"/>
+                <a:cs typeface="+mn-cs"/>
+              </a:rPr>
+              <a:t>null</a:t>
+            </a:r>
+          </a:p>
+          <a:p>
+            <a:pPr marL="342900" marR="0" lvl="0" indent="-342900" algn="l" defTabSz="914400" rtl="0" eaLnBrk="1" fontAlgn="auto" latinLnBrk="0" hangingPunct="1">
+              <a:lnSpc>
+                <a:spcPct val="100000"/>
+              </a:lnSpc>
+              <a:spcBef>
+                <a:spcPct val="20000"/>
+              </a:spcBef>
+              <a:spcAft>
+                <a:spcPts val="0"/>
+              </a:spcAft>
+              <a:buClrTx/>
+              <a:buSzTx/>
+              <a:buFont typeface="Arial" pitchFamily="34" charset="0"/>
+              <a:buNone/>
+              <a:tabLst/>
+              <a:defRPr/>
+            </a:pPr>
+            <a:r>
+              <a:rPr kumimoji="0" lang="en-US" sz="1600" b="0" i="0" u="none" strike="noStrike" kern="1200" cap="none" spc="0" normalizeH="0" baseline="0" noProof="0" dirty="0" smtClean="0">
+                <a:ln>
+                  <a:noFill/>
+                </a:ln>
+                <a:solidFill>
+                  <a:schemeClr val="tx1"/>
+                </a:solidFill>
+                <a:effectLst/>
+                <a:uLnTx/>
+                <a:uFillTx/>
+                <a:latin typeface="Lucida Console" pitchFamily="49" charset="0"/>
+                <a:ea typeface="+mn-ea"/>
+                <a:cs typeface="+mn-cs"/>
+              </a:rPr>
+              <a:t>{}</a:t>
+            </a:r>
+          </a:p>
+          <a:p>
+            <a:pPr marL="342900" marR="0" lvl="0" indent="-342900" algn="l" defTabSz="914400" rtl="0" eaLnBrk="1" fontAlgn="auto" latinLnBrk="0" hangingPunct="1">
+              <a:lnSpc>
+                <a:spcPct val="100000"/>
+              </a:lnSpc>
+              <a:spcBef>
+                <a:spcPct val="20000"/>
+              </a:spcBef>
+              <a:spcAft>
+                <a:spcPts val="0"/>
+              </a:spcAft>
+              <a:buClrTx/>
+              <a:buSzTx/>
+              <a:buFont typeface="Arial" pitchFamily="34" charset="0"/>
+              <a:buNone/>
+              <a:tabLst/>
+              <a:defRPr/>
+            </a:pPr>
+            <a:endParaRPr kumimoji="0" lang="en-US" sz="1600" b="0" i="0" u="none" strike="noStrike" kern="1200" cap="none" spc="0" normalizeH="0" baseline="0" noProof="0" dirty="0" smtClean="0">
+              <a:ln>
+                <a:noFill/>
+              </a:ln>
+              <a:solidFill>
+                <a:schemeClr val="tx1"/>
+              </a:solidFill>
+              <a:effectLst/>
+              <a:uLnTx/>
+              <a:uFillTx/>
+              <a:latin typeface="Lucida Console" pitchFamily="49" charset="0"/>
+              <a:ea typeface="+mn-ea"/>
+              <a:cs typeface="+mn-cs"/>
+            </a:endParaRPr>
+          </a:p>
+          <a:p>
+            <a:pPr marL="342900" marR="0" lvl="0" indent="-342900" algn="l" defTabSz="914400" rtl="0" eaLnBrk="1" fontAlgn="auto" latinLnBrk="0" hangingPunct="1">
+              <a:lnSpc>
+                <a:spcPct val="100000"/>
+              </a:lnSpc>
+              <a:spcBef>
+                <a:spcPct val="20000"/>
+              </a:spcBef>
+              <a:spcAft>
+                <a:spcPts val="0"/>
+              </a:spcAft>
+              <a:buClrTx/>
+              <a:buSzTx/>
+              <a:buFont typeface="Arial" pitchFamily="34" charset="0"/>
+              <a:buNone/>
+              <a:tabLst/>
+              <a:defRPr/>
+            </a:pPr>
+            <a:r>
+              <a:rPr kumimoji="0" lang="en-US" sz="1600" b="0" i="0" u="none" strike="noStrike" kern="1200" cap="none" spc="0" normalizeH="0" baseline="0" noProof="0" dirty="0" smtClean="0">
+                <a:ln>
+                  <a:noFill/>
+                </a:ln>
+                <a:solidFill>
+                  <a:schemeClr val="tx1"/>
+                </a:solidFill>
+                <a:effectLst/>
+                <a:uLnTx/>
+                <a:uFillTx/>
+                <a:latin typeface="Lucida Console" pitchFamily="49" charset="0"/>
+                <a:ea typeface="+mn-ea"/>
+                <a:cs typeface="+mn-cs"/>
+              </a:rPr>
+              <a:t>{0}</a:t>
+            </a:r>
+          </a:p>
+          <a:p>
+            <a:pPr marL="342900" marR="0" lvl="0" indent="-342900" algn="l" defTabSz="914400" rtl="0" eaLnBrk="1" fontAlgn="auto" latinLnBrk="0" hangingPunct="1">
+              <a:lnSpc>
+                <a:spcPct val="100000"/>
+              </a:lnSpc>
+              <a:spcBef>
+                <a:spcPct val="20000"/>
+              </a:spcBef>
+              <a:spcAft>
+                <a:spcPts val="0"/>
+              </a:spcAft>
+              <a:buClrTx/>
+              <a:buSzTx/>
+              <a:buFont typeface="Arial" pitchFamily="34" charset="0"/>
+              <a:buNone/>
+              <a:tabLst/>
+              <a:defRPr/>
+            </a:pPr>
+            <a:endParaRPr kumimoji="0" lang="en-US" sz="1600" b="0" i="0" u="none" strike="noStrike" kern="1200" cap="none" spc="0" normalizeH="0" baseline="0" noProof="0" dirty="0" smtClean="0">
+              <a:ln>
+                <a:noFill/>
+              </a:ln>
+              <a:solidFill>
+                <a:schemeClr val="tx1"/>
+              </a:solidFill>
+              <a:effectLst/>
+              <a:uLnTx/>
+              <a:uFillTx/>
+              <a:latin typeface="Lucida Console" pitchFamily="49" charset="0"/>
+              <a:ea typeface="+mn-ea"/>
+              <a:cs typeface="+mn-cs"/>
+            </a:endParaRPr>
+          </a:p>
+          <a:p>
+            <a:pPr marL="342900" marR="0" lvl="0" indent="-342900" algn="l" defTabSz="914400" rtl="0" eaLnBrk="1" fontAlgn="auto" latinLnBrk="0" hangingPunct="1">
+              <a:lnSpc>
+                <a:spcPct val="100000"/>
+              </a:lnSpc>
+              <a:spcBef>
+                <a:spcPct val="20000"/>
+              </a:spcBef>
+              <a:spcAft>
+                <a:spcPts val="0"/>
+              </a:spcAft>
+              <a:buClrTx/>
+              <a:buSzTx/>
+              <a:buFont typeface="Arial" pitchFamily="34" charset="0"/>
+              <a:buNone/>
+              <a:tabLst/>
+              <a:defRPr/>
+            </a:pPr>
+            <a:endParaRPr kumimoji="0" lang="en-US" sz="1600" b="0" i="0" u="none" strike="noStrike" kern="1200" cap="none" spc="0" normalizeH="0" baseline="0" noProof="0" dirty="0" smtClean="0">
+              <a:ln>
+                <a:noFill/>
+              </a:ln>
+              <a:solidFill>
+                <a:schemeClr val="tx1"/>
+              </a:solidFill>
+              <a:effectLst/>
+              <a:uLnTx/>
+              <a:uFillTx/>
+              <a:latin typeface="Lucida Console" pitchFamily="49" charset="0"/>
+              <a:ea typeface="+mn-ea"/>
+              <a:cs typeface="+mn-cs"/>
+            </a:endParaRPr>
+          </a:p>
+          <a:p>
+            <a:pPr marL="342900" marR="0" lvl="0" indent="-342900" algn="l" defTabSz="914400" rtl="0" eaLnBrk="1" fontAlgn="auto" latinLnBrk="0" hangingPunct="1">
+              <a:lnSpc>
+                <a:spcPct val="100000"/>
+              </a:lnSpc>
+              <a:spcBef>
+                <a:spcPct val="20000"/>
+              </a:spcBef>
+              <a:spcAft>
+                <a:spcPts val="0"/>
+              </a:spcAft>
+              <a:buClrTx/>
+              <a:buSzTx/>
+              <a:buFont typeface="Arial" pitchFamily="34" charset="0"/>
+              <a:buNone/>
+              <a:tabLst/>
+              <a:defRPr/>
+            </a:pPr>
+            <a:r>
+              <a:rPr kumimoji="0" lang="en-US" sz="1600" b="0" i="0" u="none" strike="noStrike" kern="1200" cap="none" spc="-300" normalizeH="0" baseline="0" noProof="0" dirty="0" smtClean="0">
+                <a:ln>
+                  <a:noFill/>
+                </a:ln>
+                <a:solidFill>
+                  <a:schemeClr val="tx1"/>
+                </a:solidFill>
+                <a:effectLst/>
+                <a:uLnTx/>
+                <a:uFillTx/>
+                <a:latin typeface="Lucida Console" pitchFamily="49" charset="0"/>
+                <a:ea typeface="+mn-ea"/>
+                <a:cs typeface="+mn-cs"/>
+              </a:rPr>
+              <a:t>{123…}</a:t>
+            </a:r>
+            <a:endParaRPr kumimoji="0" lang="en-US" sz="1800" b="0" i="0" u="none" strike="noStrike" kern="1200" cap="none" spc="-300" normalizeH="0" baseline="0" noProof="0" dirty="0" smtClean="0">
+              <a:ln>
+                <a:noFill/>
+              </a:ln>
+              <a:solidFill>
+                <a:schemeClr val="tx1"/>
+              </a:solidFill>
+              <a:effectLst/>
+              <a:uLnTx/>
+              <a:uFillTx/>
+              <a:latin typeface="Lucida Console" pitchFamily="49" charset="0"/>
+              <a:ea typeface="+mn-ea"/>
+              <a:cs typeface="+mn-cs"/>
+            </a:endParaRPr>
+          </a:p>
+          <a:p>
+            <a:pPr marL="342900" marR="0" lvl="0" indent="-342900" algn="l" defTabSz="914400" rtl="0" eaLnBrk="1" fontAlgn="auto" latinLnBrk="0" hangingPunct="1">
+              <a:lnSpc>
+                <a:spcPct val="100000"/>
+              </a:lnSpc>
+              <a:spcBef>
+                <a:spcPct val="20000"/>
+              </a:spcBef>
+              <a:spcAft>
+                <a:spcPts val="0"/>
+              </a:spcAft>
+              <a:buClrTx/>
+              <a:buSzTx/>
+              <a:buFont typeface="Arial" pitchFamily="34" charset="0"/>
+              <a:buNone/>
+              <a:tabLst/>
+              <a:defRPr/>
+            </a:pPr>
+            <a:endParaRPr kumimoji="0" lang="en-US" sz="1800" b="0" i="0" u="none" strike="noStrike" kern="1200" cap="none" spc="0" normalizeH="0" baseline="0" noProof="0" dirty="0" smtClean="0">
+              <a:ln>
+                <a:noFill/>
+              </a:ln>
+              <a:solidFill>
+                <a:schemeClr val="tx1"/>
+              </a:solidFill>
+              <a:effectLst/>
+              <a:uLnTx/>
+              <a:uFillTx/>
+              <a:latin typeface="Lucida Console" pitchFamily="49" charset="0"/>
+              <a:ea typeface="+mn-ea"/>
+              <a:cs typeface="+mn-cs"/>
+            </a:endParaRPr>
+          </a:p>
+          <a:p>
+            <a:pPr marL="342900" marR="0" lvl="0" indent="-342900" algn="l" defTabSz="914400" rtl="0" eaLnBrk="1" fontAlgn="auto" latinLnBrk="0" hangingPunct="1">
+              <a:lnSpc>
+                <a:spcPct val="100000"/>
+              </a:lnSpc>
+              <a:spcBef>
+                <a:spcPct val="20000"/>
+              </a:spcBef>
+              <a:spcAft>
+                <a:spcPts val="0"/>
+              </a:spcAft>
+              <a:buClrTx/>
+              <a:buSzTx/>
+              <a:buFont typeface="Arial" pitchFamily="34" charset="0"/>
+              <a:buNone/>
+              <a:tabLst/>
+              <a:defRPr/>
+            </a:pPr>
+            <a:endParaRPr kumimoji="0" lang="en-US" sz="1800" b="0" i="0" u="none" strike="noStrike" kern="1200" cap="none" spc="0" normalizeH="0" baseline="0" noProof="0" dirty="0" smtClean="0">
+              <a:ln>
+                <a:noFill/>
+              </a:ln>
+              <a:solidFill>
+                <a:schemeClr val="tx1"/>
+              </a:solidFill>
+              <a:effectLst/>
+              <a:uLnTx/>
+              <a:uFillTx/>
+              <a:latin typeface="Lucida Console" pitchFamily="49" charset="0"/>
+              <a:ea typeface="+mn-ea"/>
+              <a:cs typeface="+mn-cs"/>
+            </a:endParaRPr>
+          </a:p>
+        </p:txBody>
+      </p:sp>
+      <p:cxnSp>
+        <p:nvCxnSpPr>
+          <p:cNvPr id="69" name="Straight Connector 68"/>
+          <p:cNvCxnSpPr/>
+          <p:nvPr/>
+        </p:nvCxnSpPr>
+        <p:spPr>
+          <a:xfrm>
+            <a:off x="4243388" y="2143125"/>
+            <a:ext cx="4900612" cy="1588"/>
+          </a:xfrm>
+          <a:prstGeom prst="line">
+            <a:avLst/>
+          </a:prstGeom>
+          <a:ln>
+            <a:solidFill>
+              <a:schemeClr val="tx1"/>
+            </a:solidFill>
+          </a:ln>
+        </p:spPr>
+        <p:style>
+          <a:lnRef idx="1">
+            <a:schemeClr val="accent1"/>
+          </a:lnRef>
+          <a:fillRef idx="0">
+            <a:schemeClr val="accent1"/>
+          </a:fillRef>
+          <a:effectRef idx="0">
+            <a:schemeClr val="accent1"/>
+          </a:effectRef>
+          <a:fontRef idx="minor">
+            <a:schemeClr val="tx1"/>
+          </a:fontRef>
+        </p:style>
+      </p:cxnSp>
+      <p:cxnSp>
+        <p:nvCxnSpPr>
+          <p:cNvPr id="70" name="Straight Connector 69"/>
+          <p:cNvCxnSpPr/>
+          <p:nvPr/>
+        </p:nvCxnSpPr>
+        <p:spPr>
+          <a:xfrm rot="5400000">
+            <a:off x="4564855" y="3364701"/>
+            <a:ext cx="3271846" cy="6"/>
+          </a:xfrm>
+          <a:prstGeom prst="line">
+            <a:avLst/>
+          </a:prstGeom>
+          <a:ln>
+            <a:solidFill>
+              <a:schemeClr val="tx1"/>
+            </a:solidFill>
+          </a:ln>
+        </p:spPr>
+        <p:style>
+          <a:lnRef idx="1">
+            <a:schemeClr val="accent1"/>
+          </a:lnRef>
+          <a:fillRef idx="0">
+            <a:schemeClr val="accent1"/>
+          </a:fillRef>
+          <a:effectRef idx="0">
+            <a:schemeClr val="accent1"/>
+          </a:effectRef>
+          <a:fontRef idx="minor">
+            <a:schemeClr val="tx1"/>
+          </a:fontRef>
+        </p:style>
+      </p:cxnSp>
+      <p:cxnSp>
+        <p:nvCxnSpPr>
+          <p:cNvPr id="71" name="Straight Connector 70"/>
+          <p:cNvCxnSpPr/>
+          <p:nvPr/>
+        </p:nvCxnSpPr>
+        <p:spPr>
+          <a:xfrm>
+            <a:off x="4238620" y="2524133"/>
+            <a:ext cx="4900612" cy="1588"/>
+          </a:xfrm>
+          <a:prstGeom prst="line">
+            <a:avLst/>
+          </a:prstGeom>
+          <a:ln>
+            <a:solidFill>
+              <a:schemeClr val="tx1"/>
+            </a:solidFill>
+          </a:ln>
+        </p:spPr>
+        <p:style>
+          <a:lnRef idx="1">
+            <a:schemeClr val="accent1"/>
+          </a:lnRef>
+          <a:fillRef idx="0">
+            <a:schemeClr val="accent1"/>
+          </a:fillRef>
+          <a:effectRef idx="0">
+            <a:schemeClr val="accent1"/>
+          </a:effectRef>
+          <a:fontRef idx="minor">
+            <a:schemeClr val="tx1"/>
+          </a:fontRef>
+        </p:style>
+      </p:cxnSp>
+      <p:cxnSp>
+        <p:nvCxnSpPr>
+          <p:cNvPr id="72" name="Straight Connector 71"/>
+          <p:cNvCxnSpPr/>
+          <p:nvPr/>
+        </p:nvCxnSpPr>
+        <p:spPr>
+          <a:xfrm>
+            <a:off x="4248140" y="3133749"/>
+            <a:ext cx="4900612" cy="1588"/>
+          </a:xfrm>
+          <a:prstGeom prst="line">
+            <a:avLst/>
+          </a:prstGeom>
+          <a:ln>
+            <a:solidFill>
+              <a:schemeClr val="tx1"/>
+            </a:solidFill>
+          </a:ln>
+        </p:spPr>
+        <p:style>
+          <a:lnRef idx="1">
+            <a:schemeClr val="accent1"/>
+          </a:lnRef>
+          <a:fillRef idx="0">
+            <a:schemeClr val="accent1"/>
+          </a:fillRef>
+          <a:effectRef idx="0">
+            <a:schemeClr val="accent1"/>
+          </a:effectRef>
+          <a:fontRef idx="minor">
+            <a:schemeClr val="tx1"/>
+          </a:fontRef>
+        </p:style>
+      </p:cxnSp>
+      <p:cxnSp>
+        <p:nvCxnSpPr>
+          <p:cNvPr id="73" name="Straight Connector 72"/>
+          <p:cNvCxnSpPr/>
+          <p:nvPr/>
+        </p:nvCxnSpPr>
+        <p:spPr>
+          <a:xfrm>
+            <a:off x="4246236" y="4033893"/>
+            <a:ext cx="4900612" cy="1588"/>
+          </a:xfrm>
+          <a:prstGeom prst="line">
+            <a:avLst/>
+          </a:prstGeom>
+          <a:ln>
+            <a:solidFill>
+              <a:schemeClr val="tx1"/>
+            </a:solidFill>
+          </a:ln>
+        </p:spPr>
+        <p:style>
+          <a:lnRef idx="1">
+            <a:schemeClr val="accent1"/>
+          </a:lnRef>
+          <a:fillRef idx="0">
+            <a:schemeClr val="accent1"/>
+          </a:fillRef>
+          <a:effectRef idx="0">
+            <a:schemeClr val="accent1"/>
+          </a:effectRef>
+          <a:fontRef idx="minor">
+            <a:schemeClr val="tx1"/>
+          </a:fontRef>
+        </p:style>
+      </p:cxnSp>
+      <p:cxnSp>
+        <p:nvCxnSpPr>
+          <p:cNvPr id="74" name="Straight Connector 73"/>
+          <p:cNvCxnSpPr/>
+          <p:nvPr/>
+        </p:nvCxnSpPr>
+        <p:spPr>
+          <a:xfrm rot="5400000">
+            <a:off x="5231623" y="3359933"/>
+            <a:ext cx="3271846" cy="6"/>
+          </a:xfrm>
+          <a:prstGeom prst="line">
+            <a:avLst/>
+          </a:prstGeom>
+          <a:ln>
+            <a:solidFill>
+              <a:schemeClr val="tx1"/>
+            </a:solidFill>
+          </a:ln>
+        </p:spPr>
+        <p:style>
+          <a:lnRef idx="1">
+            <a:schemeClr val="accent1"/>
+          </a:lnRef>
+          <a:fillRef idx="0">
+            <a:schemeClr val="accent1"/>
+          </a:fillRef>
+          <a:effectRef idx="0">
+            <a:schemeClr val="accent1"/>
+          </a:effectRef>
+          <a:fontRef idx="minor">
+            <a:schemeClr val="tx1"/>
+          </a:fontRef>
+        </p:style>
+      </p:cxnSp>
+      <p:cxnSp>
+        <p:nvCxnSpPr>
+          <p:cNvPr id="75" name="Straight Connector 74"/>
+          <p:cNvCxnSpPr/>
+          <p:nvPr/>
+        </p:nvCxnSpPr>
+        <p:spPr>
+          <a:xfrm>
+            <a:off x="4260524" y="4991189"/>
+            <a:ext cx="4900612" cy="1588"/>
+          </a:xfrm>
+          <a:prstGeom prst="line">
+            <a:avLst/>
+          </a:prstGeom>
+          <a:ln>
+            <a:solidFill>
+              <a:schemeClr val="tx1"/>
+            </a:solidFill>
+          </a:ln>
+        </p:spPr>
+        <p:style>
+          <a:lnRef idx="1">
+            <a:schemeClr val="accent1"/>
+          </a:lnRef>
+          <a:fillRef idx="0">
+            <a:schemeClr val="accent1"/>
+          </a:fillRef>
+          <a:effectRef idx="0">
+            <a:schemeClr val="accent1"/>
+          </a:effectRef>
+          <a:fontRef idx="minor">
+            <a:schemeClr val="tx1"/>
+          </a:fontRef>
+        </p:style>
+      </p:cxnSp>
+      <p:sp>
+        <p:nvSpPr>
+          <p:cNvPr id="76" name="Curved Down Arrow 75"/>
+          <p:cNvSpPr/>
+          <p:nvPr/>
+        </p:nvSpPr>
+        <p:spPr bwMode="auto">
+          <a:xfrm>
+            <a:off x="6598920" y="1325880"/>
+            <a:ext cx="2225040" cy="396240"/>
+          </a:xfrm>
+          <a:prstGeom prst="curvedDownArrow">
+            <a:avLst>
+              <a:gd name="adj1" fmla="val 25000"/>
+              <a:gd name="adj2" fmla="val 58640"/>
+              <a:gd name="adj3" fmla="val 25000"/>
+            </a:avLst>
+          </a:prstGeom>
+          <a:ln>
+            <a:solidFill>
+              <a:schemeClr val="tx1"/>
+            </a:solidFill>
+            <a:headEnd type="none" w="med" len="med"/>
+            <a:tailEnd type="none" w="med" len="med"/>
+          </a:ln>
+        </p:spPr>
+        <p:style>
+          <a:lnRef idx="0">
+            <a:schemeClr val="accent2"/>
+          </a:lnRef>
+          <a:fillRef idx="3">
+            <a:schemeClr val="accent2"/>
+          </a:fillRef>
+          <a:effectRef idx="3">
+            <a:schemeClr val="accent2"/>
+          </a:effectRef>
+          <a:fontRef idx="minor">
+            <a:schemeClr val="lt1"/>
+          </a:fontRef>
+        </p:style>
+        <p:txBody>
+          <a:bodyPr vert="horz" wrap="square" lIns="109728" tIns="54864" rIns="109728" bIns="54864" numCol="1" rtlCol="0" anchor="ctr" anchorCtr="0" compatLnSpc="1">
+            <a:prstTxWarp prst="textNoShape">
+              <a:avLst/>
+            </a:prstTxWarp>
+          </a:bodyPr>
+          <a:lstStyle/>
+          <a:p>
+            <a:pPr marL="0" marR="0" indent="0" algn="ctr" defTabSz="1096963" rtl="0" eaLnBrk="1" fontAlgn="base" latinLnBrk="0" hangingPunct="1">
+              <a:lnSpc>
+                <a:spcPct val="100000"/>
+              </a:lnSpc>
+              <a:spcBef>
+                <a:spcPct val="0"/>
+              </a:spcBef>
+              <a:spcAft>
+                <a:spcPct val="0"/>
+              </a:spcAft>
+              <a:buClrTx/>
+              <a:buSzTx/>
+              <a:buFontTx/>
+              <a:buNone/>
+              <a:tabLst/>
+            </a:pPr>
+            <a:r>
+              <a:rPr kumimoji="0" lang="en-US" b="0" i="0" u="none" strike="noStrike" cap="none" spc="-150" normalizeH="0" baseline="0" dirty="0" err="1" smtClean="0">
+                <a:solidFill>
+                  <a:schemeClr val="tx1"/>
+                </a:solidFill>
+                <a:latin typeface="Calibri" pitchFamily="34" charset="0"/>
+              </a:rPr>
+              <a:t>Execute&amp;Monitor</a:t>
+            </a:r>
+            <a:endParaRPr kumimoji="0" lang="en-US" b="0" i="0" u="none" strike="noStrike" cap="none" spc="-150" normalizeH="0" baseline="0" dirty="0" smtClean="0">
+              <a:solidFill>
+                <a:schemeClr val="tx1"/>
+              </a:solidFill>
+              <a:latin typeface="Calibri" pitchFamily="34" charset="0"/>
+            </a:endParaRPr>
+          </a:p>
+        </p:txBody>
+      </p:sp>
+      <p:sp>
+        <p:nvSpPr>
+          <p:cNvPr id="77" name="Curved Down Arrow 76"/>
+          <p:cNvSpPr/>
+          <p:nvPr/>
+        </p:nvSpPr>
+        <p:spPr bwMode="auto">
+          <a:xfrm>
+            <a:off x="5212080" y="1325880"/>
+            <a:ext cx="1386840" cy="396240"/>
+          </a:xfrm>
+          <a:prstGeom prst="curvedDownArrow">
+            <a:avLst>
+              <a:gd name="adj1" fmla="val 25000"/>
+              <a:gd name="adj2" fmla="val 58640"/>
+              <a:gd name="adj3" fmla="val 25000"/>
+            </a:avLst>
+          </a:prstGeom>
+          <a:ln>
+            <a:solidFill>
+              <a:schemeClr val="tx1"/>
+            </a:solidFill>
+            <a:headEnd type="none" w="med" len="med"/>
+            <a:tailEnd type="none" w="med" len="med"/>
+          </a:ln>
+        </p:spPr>
+        <p:style>
+          <a:lnRef idx="0">
+            <a:schemeClr val="accent2"/>
+          </a:lnRef>
+          <a:fillRef idx="3">
+            <a:schemeClr val="accent2"/>
+          </a:fillRef>
+          <a:effectRef idx="3">
+            <a:schemeClr val="accent2"/>
+          </a:effectRef>
+          <a:fontRef idx="minor">
+            <a:schemeClr val="lt1"/>
+          </a:fontRef>
+        </p:style>
+        <p:txBody>
+          <a:bodyPr vert="horz" wrap="square" lIns="109728" tIns="54864" rIns="109728" bIns="54864" numCol="1" rtlCol="0" anchor="ctr" anchorCtr="0" compatLnSpc="1">
+            <a:prstTxWarp prst="textNoShape">
+              <a:avLst/>
+            </a:prstTxWarp>
+          </a:bodyPr>
+          <a:lstStyle/>
+          <a:p>
+            <a:pPr marL="0" marR="0" indent="0" algn="ctr" defTabSz="1096963" rtl="0" eaLnBrk="1" fontAlgn="base" latinLnBrk="0" hangingPunct="1">
+              <a:lnSpc>
+                <a:spcPct val="100000"/>
+              </a:lnSpc>
+              <a:spcBef>
+                <a:spcPct val="0"/>
+              </a:spcBef>
+              <a:spcAft>
+                <a:spcPct val="0"/>
+              </a:spcAft>
+              <a:buClrTx/>
+              <a:buSzTx/>
+              <a:buFontTx/>
+              <a:buNone/>
+              <a:tabLst/>
+            </a:pPr>
+            <a:r>
+              <a:rPr kumimoji="0" lang="en-US" b="0" i="0" u="none" strike="noStrike" cap="none" spc="-150" normalizeH="0" baseline="0" dirty="0" smtClean="0">
+                <a:solidFill>
+                  <a:schemeClr val="tx1"/>
+                </a:solidFill>
+                <a:latin typeface="Calibri" pitchFamily="34" charset="0"/>
+              </a:rPr>
+              <a:t>Solve</a:t>
+            </a:r>
+          </a:p>
+        </p:txBody>
+      </p:sp>
+      <p:sp>
+        <p:nvSpPr>
+          <p:cNvPr id="78" name="Curved Down Arrow 77"/>
+          <p:cNvSpPr/>
+          <p:nvPr/>
+        </p:nvSpPr>
+        <p:spPr bwMode="auto">
+          <a:xfrm flipH="1">
+            <a:off x="4541520" y="990600"/>
+            <a:ext cx="4480560" cy="640080"/>
+          </a:xfrm>
+          <a:prstGeom prst="curvedDownArrow">
+            <a:avLst>
+              <a:gd name="adj1" fmla="val 25000"/>
+              <a:gd name="adj2" fmla="val 58640"/>
+              <a:gd name="adj3" fmla="val 25000"/>
+            </a:avLst>
+          </a:prstGeom>
+          <a:ln>
+            <a:solidFill>
+              <a:schemeClr val="tx1"/>
+            </a:solidFill>
+            <a:headEnd type="none" w="med" len="med"/>
+            <a:tailEnd type="none" w="med" len="med"/>
+          </a:ln>
+        </p:spPr>
+        <p:style>
+          <a:lnRef idx="0">
+            <a:schemeClr val="accent2"/>
+          </a:lnRef>
+          <a:fillRef idx="3">
+            <a:schemeClr val="accent2"/>
+          </a:fillRef>
+          <a:effectRef idx="3">
+            <a:schemeClr val="accent2"/>
+          </a:effectRef>
+          <a:fontRef idx="minor">
+            <a:schemeClr val="lt1"/>
+          </a:fontRef>
+        </p:style>
+        <p:txBody>
+          <a:bodyPr vert="horz" wrap="square" lIns="109728" tIns="54864" rIns="109728" bIns="54864" numCol="1" rtlCol="0" anchor="ctr" anchorCtr="0" compatLnSpc="1">
+            <a:prstTxWarp prst="textNoShape">
+              <a:avLst/>
+            </a:prstTxWarp>
+          </a:bodyPr>
+          <a:lstStyle/>
+          <a:p>
+            <a:pPr marL="0" marR="0" indent="0" algn="ctr" defTabSz="1096963" rtl="0" eaLnBrk="1" fontAlgn="base" latinLnBrk="0" hangingPunct="1">
+              <a:lnSpc>
+                <a:spcPct val="100000"/>
+              </a:lnSpc>
+              <a:spcBef>
+                <a:spcPct val="0"/>
+              </a:spcBef>
+              <a:spcAft>
+                <a:spcPct val="0"/>
+              </a:spcAft>
+              <a:buClrTx/>
+              <a:buSzTx/>
+              <a:buFontTx/>
+              <a:buNone/>
+              <a:tabLst/>
+            </a:pPr>
+            <a:r>
+              <a:rPr lang="en-US" dirty="0" smtClean="0">
+                <a:solidFill>
+                  <a:schemeClr val="tx1"/>
+                </a:solidFill>
+                <a:latin typeface="Calibri" pitchFamily="34" charset="0"/>
+              </a:rPr>
+              <a:t>Choose next path</a:t>
+            </a:r>
+          </a:p>
+          <a:p>
+            <a:pPr marL="0" marR="0" indent="0" algn="ctr" defTabSz="1096963" rtl="0" eaLnBrk="1" fontAlgn="base" latinLnBrk="0" hangingPunct="1">
+              <a:lnSpc>
+                <a:spcPct val="100000"/>
+              </a:lnSpc>
+              <a:spcBef>
+                <a:spcPct val="0"/>
+              </a:spcBef>
+              <a:spcAft>
+                <a:spcPct val="0"/>
+              </a:spcAft>
+              <a:buClrTx/>
+              <a:buSzTx/>
+              <a:buFontTx/>
+              <a:buNone/>
+              <a:tabLst/>
+            </a:pPr>
+            <a:endParaRPr kumimoji="0" lang="en-US" b="0" i="0" u="none" strike="noStrike" cap="none" normalizeH="0" baseline="0" dirty="0" smtClean="0">
+              <a:solidFill>
+                <a:schemeClr val="tx1"/>
+              </a:solidFill>
+              <a:latin typeface="Calibri" pitchFamily="34" charset="0"/>
+            </a:endParaRPr>
+          </a:p>
+        </p:txBody>
+      </p:sp>
+      <p:sp>
+        <p:nvSpPr>
+          <p:cNvPr id="79" name="Content Placeholder 7"/>
+          <p:cNvSpPr txBox="1">
+            <a:spLocks/>
+          </p:cNvSpPr>
+          <p:nvPr/>
+        </p:nvSpPr>
+        <p:spPr>
+          <a:xfrm>
+            <a:off x="6930605" y="1809164"/>
+            <a:ext cx="2213395" cy="3448636"/>
+          </a:xfrm>
+          <a:prstGeom prst="rect">
+            <a:avLst/>
+          </a:prstGeom>
+          <a:ln>
+            <a:noFill/>
+          </a:ln>
+        </p:spPr>
+        <p:txBody>
+          <a:bodyPr/>
+          <a:lstStyle/>
+          <a:p>
+            <a:pPr marL="342900" marR="0" lvl="0" indent="-342900" algn="l" defTabSz="914400" rtl="0" eaLnBrk="1" fontAlgn="auto" latinLnBrk="0" hangingPunct="1">
+              <a:lnSpc>
+                <a:spcPct val="100000"/>
+              </a:lnSpc>
+              <a:spcBef>
+                <a:spcPct val="20000"/>
+              </a:spcBef>
+              <a:spcAft>
+                <a:spcPts val="0"/>
+              </a:spcAft>
+              <a:buClrTx/>
+              <a:buSzTx/>
+              <a:buFont typeface="Arial" pitchFamily="34" charset="0"/>
+              <a:buNone/>
+              <a:tabLst/>
+              <a:defRPr/>
+            </a:pPr>
+            <a:r>
+              <a:rPr kumimoji="0" lang="en-US" sz="1600" b="1" i="0" u="none" strike="noStrike" kern="1200" cap="none" spc="0" normalizeH="0" baseline="0" noProof="0" dirty="0" smtClean="0">
+                <a:ln>
+                  <a:noFill/>
+                </a:ln>
+                <a:solidFill>
+                  <a:schemeClr val="tx1"/>
+                </a:solidFill>
+                <a:effectLst/>
+                <a:uLnTx/>
+                <a:uFillTx/>
+                <a:latin typeface="+mn-lt"/>
+                <a:ea typeface="+mn-ea"/>
+                <a:cs typeface="+mn-cs"/>
+              </a:rPr>
+              <a:t>Observed constraints</a:t>
+            </a:r>
+          </a:p>
+          <a:p>
+            <a:pPr marL="342900" marR="0" lvl="0" indent="-342900" algn="l" defTabSz="914400" rtl="0" eaLnBrk="1" fontAlgn="auto" latinLnBrk="0" hangingPunct="1">
+              <a:lnSpc>
+                <a:spcPct val="100000"/>
+              </a:lnSpc>
+              <a:spcBef>
+                <a:spcPct val="20000"/>
+              </a:spcBef>
+              <a:spcAft>
+                <a:spcPts val="0"/>
+              </a:spcAft>
+              <a:buClrTx/>
+              <a:buSzTx/>
+              <a:buFont typeface="Arial" pitchFamily="34" charset="0"/>
+              <a:buNone/>
+              <a:tabLst/>
+              <a:defRPr/>
+            </a:pPr>
+            <a:endParaRPr kumimoji="0" lang="en-US" sz="900" b="0" i="0" u="none" strike="noStrike" kern="1200" cap="none" spc="0" normalizeH="0" baseline="0" noProof="0" dirty="0" smtClean="0">
+              <a:ln>
+                <a:noFill/>
+              </a:ln>
+              <a:solidFill>
+                <a:schemeClr val="tx1"/>
+              </a:solidFill>
+              <a:effectLst/>
+              <a:uLnTx/>
+              <a:uFillTx/>
+              <a:latin typeface="Lucida Console" pitchFamily="49" charset="0"/>
+              <a:ea typeface="+mn-ea"/>
+              <a:cs typeface="+mn-cs"/>
+            </a:endParaRPr>
+          </a:p>
+          <a:p>
+            <a:pPr marL="342900" marR="0" lvl="0" indent="-342900" algn="l" defTabSz="914400" rtl="0" eaLnBrk="1" fontAlgn="auto" latinLnBrk="0" hangingPunct="1">
+              <a:lnSpc>
+                <a:spcPct val="100000"/>
+              </a:lnSpc>
+              <a:spcBef>
+                <a:spcPct val="20000"/>
+              </a:spcBef>
+              <a:spcAft>
+                <a:spcPts val="0"/>
+              </a:spcAft>
+              <a:buClrTx/>
+              <a:buSzTx/>
+              <a:buFont typeface="Arial" pitchFamily="34" charset="0"/>
+              <a:buNone/>
+              <a:tabLst/>
+              <a:defRPr/>
+            </a:pPr>
+            <a:r>
+              <a:rPr kumimoji="0" lang="en-US" sz="1600" b="0" i="0" u="none" strike="noStrike" kern="1200" cap="none" spc="0" normalizeH="0" baseline="0" noProof="0" dirty="0" smtClean="0">
+                <a:ln>
+                  <a:noFill/>
+                </a:ln>
+                <a:solidFill>
+                  <a:schemeClr val="tx1"/>
+                </a:solidFill>
+                <a:effectLst/>
+                <a:uLnTx/>
+                <a:uFillTx/>
+                <a:latin typeface="Lucida Console" pitchFamily="49" charset="0"/>
+                <a:ea typeface="+mn-ea"/>
+                <a:cs typeface="+mn-cs"/>
+              </a:rPr>
+              <a:t>a==null</a:t>
+            </a:r>
+          </a:p>
+          <a:p>
+            <a:pPr marL="342900" marR="0" lvl="0" indent="-342900" algn="l" defTabSz="914400" rtl="0" eaLnBrk="1" fontAlgn="auto" latinLnBrk="0" hangingPunct="1">
+              <a:lnSpc>
+                <a:spcPct val="100000"/>
+              </a:lnSpc>
+              <a:spcBef>
+                <a:spcPct val="20000"/>
+              </a:spcBef>
+              <a:spcAft>
+                <a:spcPts val="0"/>
+              </a:spcAft>
+              <a:buClrTx/>
+              <a:buSzTx/>
+              <a:buFont typeface="Arial" pitchFamily="34" charset="0"/>
+              <a:buNone/>
+              <a:tabLst/>
+              <a:defRPr/>
+            </a:pPr>
+            <a:r>
+              <a:rPr kumimoji="0" lang="en-US" sz="1600" b="0" i="0" u="none" strike="noStrike" kern="1200" cap="none" spc="0" normalizeH="0" baseline="0" noProof="0" dirty="0" smtClean="0">
+                <a:ln>
+                  <a:noFill/>
+                </a:ln>
+                <a:solidFill>
+                  <a:schemeClr val="tx1"/>
+                </a:solidFill>
+                <a:effectLst/>
+                <a:uLnTx/>
+                <a:uFillTx/>
+                <a:latin typeface="Lucida Console" pitchFamily="49" charset="0"/>
+                <a:ea typeface="+mn-ea"/>
+                <a:cs typeface="+mn-cs"/>
+              </a:rPr>
+              <a:t>a!=null &amp;&amp;</a:t>
+            </a:r>
+          </a:p>
+          <a:p>
+            <a:pPr marL="342900" marR="0" lvl="0" indent="-342900" algn="l" defTabSz="914400" rtl="0" eaLnBrk="1" fontAlgn="auto" latinLnBrk="0" hangingPunct="1">
+              <a:lnSpc>
+                <a:spcPct val="100000"/>
+              </a:lnSpc>
+              <a:spcBef>
+                <a:spcPct val="20000"/>
+              </a:spcBef>
+              <a:spcAft>
+                <a:spcPts val="0"/>
+              </a:spcAft>
+              <a:buClrTx/>
+              <a:buSzTx/>
+              <a:buFont typeface="Arial" pitchFamily="34" charset="0"/>
+              <a:buNone/>
+              <a:tabLst/>
+              <a:defRPr/>
+            </a:pPr>
+            <a:r>
+              <a:rPr kumimoji="0" lang="en-US" sz="1600" b="0" i="0" u="none" strike="noStrike" kern="1200" cap="none" spc="0" normalizeH="0" baseline="0" noProof="0" dirty="0" smtClean="0">
+                <a:ln>
+                  <a:noFill/>
+                </a:ln>
+                <a:solidFill>
+                  <a:schemeClr val="tx1"/>
+                </a:solidFill>
+                <a:effectLst/>
+                <a:uLnTx/>
+                <a:uFillTx/>
+                <a:latin typeface="Lucida Console" pitchFamily="49" charset="0"/>
+                <a:ea typeface="+mn-ea"/>
+                <a:cs typeface="+mn-cs"/>
+              </a:rPr>
+              <a:t>!(</a:t>
+            </a:r>
+            <a:r>
+              <a:rPr kumimoji="0" lang="en-US" sz="1600" b="0" i="0" u="none" strike="noStrike" kern="1200" cap="none" spc="0" normalizeH="0" baseline="0" noProof="0" dirty="0" err="1" smtClean="0">
+                <a:ln>
+                  <a:noFill/>
+                </a:ln>
+                <a:solidFill>
+                  <a:schemeClr val="tx1"/>
+                </a:solidFill>
+                <a:effectLst/>
+                <a:uLnTx/>
+                <a:uFillTx/>
+                <a:latin typeface="Lucida Console" pitchFamily="49" charset="0"/>
+                <a:ea typeface="+mn-ea"/>
+                <a:cs typeface="+mn-cs"/>
+              </a:rPr>
+              <a:t>a.Length</a:t>
+            </a:r>
+            <a:r>
+              <a:rPr kumimoji="0" lang="en-US" sz="1600" b="0" i="0" u="none" strike="noStrike" kern="1200" cap="none" spc="0" normalizeH="0" baseline="0" noProof="0" dirty="0" smtClean="0">
+                <a:ln>
+                  <a:noFill/>
+                </a:ln>
+                <a:solidFill>
+                  <a:schemeClr val="tx1"/>
+                </a:solidFill>
+                <a:effectLst/>
+                <a:uLnTx/>
+                <a:uFillTx/>
+                <a:latin typeface="Lucida Console" pitchFamily="49" charset="0"/>
+                <a:ea typeface="+mn-ea"/>
+                <a:cs typeface="+mn-cs"/>
+              </a:rPr>
+              <a:t>&gt;0)</a:t>
+            </a:r>
+          </a:p>
+          <a:p>
+            <a:pPr marL="342900" marR="0" lvl="0" indent="-342900" algn="l" defTabSz="914400" rtl="0" eaLnBrk="1" fontAlgn="auto" latinLnBrk="0" hangingPunct="1">
+              <a:lnSpc>
+                <a:spcPct val="100000"/>
+              </a:lnSpc>
+              <a:spcBef>
+                <a:spcPct val="20000"/>
+              </a:spcBef>
+              <a:spcAft>
+                <a:spcPts val="0"/>
+              </a:spcAft>
+              <a:buClrTx/>
+              <a:buSzTx/>
+              <a:buFont typeface="Arial" pitchFamily="34" charset="0"/>
+              <a:buNone/>
+              <a:tabLst/>
+              <a:defRPr/>
+            </a:pPr>
+            <a:r>
+              <a:rPr kumimoji="0" lang="en-US" sz="1600" b="0" i="0" u="none" strike="noStrike" kern="1200" cap="none" spc="0" normalizeH="0" baseline="0" noProof="0" dirty="0" smtClean="0">
+                <a:ln>
+                  <a:noFill/>
+                </a:ln>
+                <a:solidFill>
+                  <a:schemeClr val="tx1"/>
+                </a:solidFill>
+                <a:effectLst/>
+                <a:uLnTx/>
+                <a:uFillTx/>
+                <a:latin typeface="Lucida Console" pitchFamily="49" charset="0"/>
+                <a:ea typeface="+mn-ea"/>
+                <a:cs typeface="+mn-cs"/>
+              </a:rPr>
+              <a:t>a==null &amp;&amp;</a:t>
+            </a:r>
+          </a:p>
+          <a:p>
+            <a:pPr marL="342900" marR="0" lvl="0" indent="-342900" algn="l" defTabSz="914400" rtl="0" eaLnBrk="1" fontAlgn="auto" latinLnBrk="0" hangingPunct="1">
+              <a:lnSpc>
+                <a:spcPct val="100000"/>
+              </a:lnSpc>
+              <a:spcBef>
+                <a:spcPct val="20000"/>
+              </a:spcBef>
+              <a:spcAft>
+                <a:spcPts val="0"/>
+              </a:spcAft>
+              <a:buClrTx/>
+              <a:buSzTx/>
+              <a:buFont typeface="Arial" pitchFamily="34" charset="0"/>
+              <a:buNone/>
+              <a:tabLst/>
+              <a:defRPr/>
+            </a:pPr>
+            <a:r>
+              <a:rPr kumimoji="0" lang="en-US" sz="1600" b="0" i="0" u="none" strike="noStrike" kern="1200" cap="none" spc="0" normalizeH="0" baseline="0" noProof="0" dirty="0" err="1" smtClean="0">
+                <a:ln>
+                  <a:noFill/>
+                </a:ln>
+                <a:solidFill>
+                  <a:schemeClr val="tx1"/>
+                </a:solidFill>
+                <a:effectLst/>
+                <a:uLnTx/>
+                <a:uFillTx/>
+                <a:latin typeface="Lucida Console" pitchFamily="49" charset="0"/>
+                <a:ea typeface="+mn-ea"/>
+                <a:cs typeface="+mn-cs"/>
+              </a:rPr>
+              <a:t>a.Length</a:t>
+            </a:r>
+            <a:r>
+              <a:rPr kumimoji="0" lang="en-US" sz="1600" b="0" i="0" u="none" strike="noStrike" kern="1200" cap="none" spc="0" normalizeH="0" baseline="0" noProof="0" dirty="0" smtClean="0">
+                <a:ln>
+                  <a:noFill/>
+                </a:ln>
+                <a:solidFill>
+                  <a:schemeClr val="tx1"/>
+                </a:solidFill>
+                <a:effectLst/>
+                <a:uLnTx/>
+                <a:uFillTx/>
+                <a:latin typeface="Lucida Console" pitchFamily="49" charset="0"/>
+                <a:ea typeface="+mn-ea"/>
+                <a:cs typeface="+mn-cs"/>
+              </a:rPr>
+              <a:t>&gt;0 &amp;&amp;</a:t>
+            </a:r>
+          </a:p>
+          <a:p>
+            <a:pPr marL="342900" marR="0" lvl="0" indent="-342900" algn="l" defTabSz="914400" rtl="0" eaLnBrk="1" fontAlgn="auto" latinLnBrk="0" hangingPunct="1">
+              <a:lnSpc>
+                <a:spcPct val="100000"/>
+              </a:lnSpc>
+              <a:spcBef>
+                <a:spcPct val="20000"/>
+              </a:spcBef>
+              <a:spcAft>
+                <a:spcPts val="0"/>
+              </a:spcAft>
+              <a:buClrTx/>
+              <a:buSzTx/>
+              <a:buFont typeface="Arial" pitchFamily="34" charset="0"/>
+              <a:buNone/>
+              <a:tabLst/>
+              <a:defRPr/>
+            </a:pPr>
+            <a:r>
+              <a:rPr kumimoji="0" lang="en-US" sz="1600" b="0" i="0" u="none" strike="noStrike" kern="1200" cap="none" spc="0" normalizeH="0" baseline="0" noProof="0" dirty="0" smtClean="0">
+                <a:ln>
+                  <a:noFill/>
+                </a:ln>
+                <a:solidFill>
+                  <a:schemeClr val="tx1"/>
+                </a:solidFill>
+                <a:effectLst/>
+                <a:uLnTx/>
+                <a:uFillTx/>
+                <a:latin typeface="Lucida Console" pitchFamily="49" charset="0"/>
+                <a:ea typeface="+mn-ea"/>
+                <a:cs typeface="+mn-cs"/>
+              </a:rPr>
+              <a:t>a[0]!=</a:t>
+            </a:r>
+            <a:r>
+              <a:rPr kumimoji="0" lang="en-US" sz="1600" b="0" i="0" u="none" strike="noStrike" kern="1200" cap="none" spc="-300" normalizeH="0" baseline="0" noProof="0" dirty="0" smtClean="0">
+                <a:ln>
+                  <a:noFill/>
+                </a:ln>
+                <a:solidFill>
+                  <a:schemeClr val="tx1"/>
+                </a:solidFill>
+                <a:effectLst/>
+                <a:uLnTx/>
+                <a:uFillTx/>
+                <a:latin typeface="Lucida Console" pitchFamily="49" charset="0"/>
+                <a:ea typeface="+mn-ea"/>
+                <a:cs typeface="+mn-cs"/>
+              </a:rPr>
+              <a:t>1234567890</a:t>
+            </a:r>
+          </a:p>
+          <a:p>
+            <a:pPr marL="342900" marR="0" lvl="0" indent="-342900" algn="l" defTabSz="914400" rtl="0" eaLnBrk="1" fontAlgn="auto" latinLnBrk="0" hangingPunct="1">
+              <a:lnSpc>
+                <a:spcPct val="100000"/>
+              </a:lnSpc>
+              <a:spcBef>
+                <a:spcPct val="20000"/>
+              </a:spcBef>
+              <a:spcAft>
+                <a:spcPts val="0"/>
+              </a:spcAft>
+              <a:buClrTx/>
+              <a:buSzTx/>
+              <a:buFont typeface="Arial" pitchFamily="34" charset="0"/>
+              <a:buNone/>
+              <a:tabLst/>
+              <a:defRPr/>
+            </a:pPr>
+            <a:r>
+              <a:rPr kumimoji="0" lang="en-US" sz="1600" b="0" i="0" u="none" strike="noStrike" kern="1200" cap="none" spc="0" normalizeH="0" baseline="0" noProof="0" dirty="0" smtClean="0">
+                <a:ln>
+                  <a:noFill/>
+                </a:ln>
+                <a:solidFill>
+                  <a:schemeClr val="tx1"/>
+                </a:solidFill>
+                <a:effectLst/>
+                <a:uLnTx/>
+                <a:uFillTx/>
+                <a:latin typeface="Lucida Console" pitchFamily="49" charset="0"/>
+                <a:ea typeface="+mn-ea"/>
+                <a:cs typeface="+mn-cs"/>
+              </a:rPr>
+              <a:t>a==null &amp;&amp;</a:t>
+            </a:r>
+          </a:p>
+          <a:p>
+            <a:pPr marL="342900" marR="0" lvl="0" indent="-342900" algn="l" defTabSz="914400" rtl="0" eaLnBrk="1" fontAlgn="auto" latinLnBrk="0" hangingPunct="1">
+              <a:lnSpc>
+                <a:spcPct val="100000"/>
+              </a:lnSpc>
+              <a:spcBef>
+                <a:spcPct val="20000"/>
+              </a:spcBef>
+              <a:spcAft>
+                <a:spcPts val="0"/>
+              </a:spcAft>
+              <a:buClrTx/>
+              <a:buSzTx/>
+              <a:buFont typeface="Arial" pitchFamily="34" charset="0"/>
+              <a:buNone/>
+              <a:tabLst/>
+              <a:defRPr/>
+            </a:pPr>
+            <a:r>
+              <a:rPr kumimoji="0" lang="en-US" sz="1600" b="0" i="0" u="none" strike="noStrike" kern="1200" cap="none" spc="0" normalizeH="0" baseline="0" noProof="0" dirty="0" err="1" smtClean="0">
+                <a:ln>
+                  <a:noFill/>
+                </a:ln>
+                <a:solidFill>
+                  <a:schemeClr val="tx1"/>
+                </a:solidFill>
+                <a:effectLst/>
+                <a:uLnTx/>
+                <a:uFillTx/>
+                <a:latin typeface="Lucida Console" pitchFamily="49" charset="0"/>
+                <a:ea typeface="+mn-ea"/>
+                <a:cs typeface="+mn-cs"/>
+              </a:rPr>
+              <a:t>a.Length</a:t>
+            </a:r>
+            <a:r>
+              <a:rPr kumimoji="0" lang="en-US" sz="1600" b="0" i="0" u="none" strike="noStrike" kern="1200" cap="none" spc="0" normalizeH="0" baseline="0" noProof="0" dirty="0" smtClean="0">
+                <a:ln>
+                  <a:noFill/>
+                </a:ln>
+                <a:solidFill>
+                  <a:schemeClr val="tx1"/>
+                </a:solidFill>
+                <a:effectLst/>
+                <a:uLnTx/>
+                <a:uFillTx/>
+                <a:latin typeface="Lucida Console" pitchFamily="49" charset="0"/>
+                <a:ea typeface="+mn-ea"/>
+                <a:cs typeface="+mn-cs"/>
+              </a:rPr>
+              <a:t>&gt;0 &amp;&amp;</a:t>
+            </a:r>
+          </a:p>
+          <a:p>
+            <a:pPr marL="342900" marR="0" lvl="0" indent="-342900" algn="l" defTabSz="914400" rtl="0" eaLnBrk="1" fontAlgn="auto" latinLnBrk="0" hangingPunct="1">
+              <a:lnSpc>
+                <a:spcPct val="100000"/>
+              </a:lnSpc>
+              <a:spcBef>
+                <a:spcPct val="20000"/>
+              </a:spcBef>
+              <a:spcAft>
+                <a:spcPts val="0"/>
+              </a:spcAft>
+              <a:buClrTx/>
+              <a:buSzTx/>
+              <a:buFont typeface="Arial" pitchFamily="34" charset="0"/>
+              <a:buNone/>
+              <a:tabLst/>
+              <a:defRPr/>
+            </a:pPr>
+            <a:r>
+              <a:rPr kumimoji="0" lang="en-US" sz="1600" b="0" i="0" u="none" strike="noStrike" kern="1200" cap="none" spc="0" normalizeH="0" baseline="0" noProof="0" dirty="0" smtClean="0">
+                <a:ln>
+                  <a:noFill/>
+                </a:ln>
+                <a:solidFill>
+                  <a:schemeClr val="tx1"/>
+                </a:solidFill>
+                <a:effectLst/>
+                <a:uLnTx/>
+                <a:uFillTx/>
+                <a:latin typeface="Lucida Console" pitchFamily="49" charset="0"/>
+                <a:ea typeface="+mn-ea"/>
+                <a:cs typeface="+mn-cs"/>
+              </a:rPr>
+              <a:t>a[0]==</a:t>
+            </a:r>
+            <a:r>
+              <a:rPr kumimoji="0" lang="en-US" sz="1600" b="0" i="0" u="none" strike="noStrike" kern="1200" cap="none" spc="-300" normalizeH="0" baseline="0" noProof="0" dirty="0" smtClean="0">
+                <a:ln>
+                  <a:noFill/>
+                </a:ln>
+                <a:solidFill>
+                  <a:schemeClr val="tx1"/>
+                </a:solidFill>
+                <a:effectLst/>
+                <a:uLnTx/>
+                <a:uFillTx/>
+                <a:latin typeface="Lucida Console" pitchFamily="49" charset="0"/>
+                <a:ea typeface="+mn-ea"/>
+                <a:cs typeface="+mn-cs"/>
+              </a:rPr>
+              <a:t>1234567890</a:t>
+            </a:r>
+          </a:p>
+          <a:p>
+            <a:pPr marL="342900" marR="0" lvl="0" indent="-342900" algn="l" defTabSz="914400" rtl="0" eaLnBrk="1" fontAlgn="auto" latinLnBrk="0" hangingPunct="1">
+              <a:lnSpc>
+                <a:spcPct val="100000"/>
+              </a:lnSpc>
+              <a:spcBef>
+                <a:spcPct val="20000"/>
+              </a:spcBef>
+              <a:spcAft>
+                <a:spcPts val="0"/>
+              </a:spcAft>
+              <a:buClrTx/>
+              <a:buSzTx/>
+              <a:buFont typeface="Arial" pitchFamily="34" charset="0"/>
+              <a:buNone/>
+              <a:tabLst/>
+              <a:defRPr/>
+            </a:pPr>
+            <a:endParaRPr kumimoji="0" lang="en-US" sz="1800" b="0" i="0" u="none" strike="noStrike" kern="1200" cap="none" spc="-300" normalizeH="0" baseline="0" noProof="0" dirty="0" smtClean="0">
+              <a:ln>
+                <a:noFill/>
+              </a:ln>
+              <a:solidFill>
+                <a:schemeClr val="tx1"/>
+              </a:solidFill>
+              <a:effectLst/>
+              <a:uLnTx/>
+              <a:uFillTx/>
+              <a:latin typeface="Lucida Console" pitchFamily="49" charset="0"/>
+              <a:ea typeface="+mn-ea"/>
+              <a:cs typeface="+mn-cs"/>
+            </a:endParaRPr>
+          </a:p>
+        </p:txBody>
+      </p:sp>
+      <p:sp>
+        <p:nvSpPr>
+          <p:cNvPr id="81" name="TextBox 80"/>
+          <p:cNvSpPr txBox="1"/>
+          <p:nvPr/>
+        </p:nvSpPr>
+        <p:spPr>
+          <a:xfrm>
+            <a:off x="6294120" y="5029200"/>
+            <a:ext cx="2786404" cy="369332"/>
+          </a:xfrm>
+          <a:prstGeom prst="rect">
+            <a:avLst/>
+          </a:prstGeom>
+          <a:noFill/>
+        </p:spPr>
+        <p:txBody>
+          <a:bodyPr wrap="none" rtlCol="0">
+            <a:spAutoFit/>
+          </a:bodyPr>
+          <a:lstStyle/>
+          <a:p>
+            <a:r>
+              <a:rPr lang="en-US" b="1" dirty="0" smtClean="0">
+                <a:latin typeface="Calibri" pitchFamily="34" charset="0"/>
+              </a:rPr>
+              <a:t>Done: There is no path left.</a:t>
+            </a:r>
+          </a:p>
+        </p:txBody>
+      </p:sp>
+      <p:sp>
+        <p:nvSpPr>
+          <p:cNvPr id="57" name="Footer Placeholder 3"/>
+          <p:cNvSpPr>
+            <a:spLocks noGrp="1"/>
+          </p:cNvSpPr>
+          <p:nvPr>
+            <p:ph type="ftr" sz="quarter" idx="10"/>
+          </p:nvPr>
+        </p:nvSpPr>
+        <p:spPr>
+          <a:xfrm>
+            <a:off x="6019800" y="6537325"/>
+            <a:ext cx="3048000" cy="244475"/>
+          </a:xfrm>
+          <a:noFill/>
+        </p:spPr>
+        <p:txBody>
+          <a:bodyPr/>
+          <a:lstStyle/>
+          <a:p>
+            <a:r>
+              <a:rPr lang="en-US" dirty="0" smtClean="0">
+                <a:latin typeface="Arial" charset="0"/>
+                <a:cs typeface="Arial" charset="0"/>
+              </a:rPr>
+              <a:t>Slide from </a:t>
+            </a:r>
+            <a:r>
+              <a:rPr lang="en-US" dirty="0" err="1" smtClean="0">
+                <a:latin typeface="Arial" charset="0"/>
+                <a:cs typeface="Arial" charset="0"/>
+              </a:rPr>
+              <a:t>Pex</a:t>
+            </a:r>
+            <a:r>
+              <a:rPr lang="en-US" dirty="0" smtClean="0">
+                <a:latin typeface="Arial" charset="0"/>
+                <a:cs typeface="Arial" charset="0"/>
+              </a:rPr>
+              <a:t> group, Microsoft Research</a:t>
+            </a:r>
+          </a:p>
+        </p:txBody>
+      </p:sp>
+      <p:sp>
+        <p:nvSpPr>
+          <p:cNvPr id="82" name="标题 1"/>
+          <p:cNvSpPr txBox="1">
+            <a:spLocks/>
+          </p:cNvSpPr>
+          <p:nvPr/>
+        </p:nvSpPr>
+        <p:spPr>
+          <a:xfrm>
+            <a:off x="457200" y="-76200"/>
+            <a:ext cx="8229600" cy="1143000"/>
+          </a:xfrm>
+          <a:prstGeom prst="rect">
+            <a:avLst/>
+          </a:prstGeom>
+        </p:spPr>
+        <p:txBody>
+          <a:bodyPr/>
+          <a:lstStyle/>
+          <a:p>
+            <a:pPr marL="0" marR="0" lvl="0" indent="0" algn="ctr" defTabSz="914400" rtl="0" eaLnBrk="1" fontAlgn="auto" latinLnBrk="0" hangingPunct="1">
+              <a:lnSpc>
+                <a:spcPct val="100000"/>
+              </a:lnSpc>
+              <a:spcBef>
+                <a:spcPct val="0"/>
+              </a:spcBef>
+              <a:spcAft>
+                <a:spcPts val="0"/>
+              </a:spcAft>
+              <a:buClrTx/>
+              <a:buSzTx/>
+              <a:buFontTx/>
+              <a:buNone/>
+              <a:tabLst/>
+              <a:defRPr/>
+            </a:pPr>
+            <a:r>
+              <a:rPr kumimoji="0" lang="en-US" sz="4400" b="0" i="0" u="none" strike="noStrike" kern="1200" cap="none" spc="0" normalizeH="0" baseline="0" noProof="0" dirty="0" smtClean="0">
+                <a:ln>
+                  <a:noFill/>
+                </a:ln>
+                <a:solidFill>
+                  <a:schemeClr val="tx1"/>
+                </a:solidFill>
+                <a:effectLst/>
+                <a:uLnTx/>
+                <a:uFillTx/>
+                <a:latin typeface="+mj-lt"/>
+                <a:ea typeface="+mj-ea"/>
+                <a:cs typeface="+mj-cs"/>
+              </a:rPr>
+              <a:t>Dynamic</a:t>
+            </a:r>
+            <a:r>
+              <a:rPr kumimoji="0" lang="en-US" sz="4400" b="0" i="0" u="none" strike="noStrike" kern="1200" cap="none" spc="0" normalizeH="0" noProof="0" dirty="0" smtClean="0">
+                <a:ln>
+                  <a:noFill/>
+                </a:ln>
+                <a:solidFill>
+                  <a:schemeClr val="tx1"/>
+                </a:solidFill>
+                <a:effectLst/>
+                <a:uLnTx/>
+                <a:uFillTx/>
+                <a:latin typeface="+mj-lt"/>
+                <a:ea typeface="+mj-ea"/>
+                <a:cs typeface="+mj-cs"/>
+              </a:rPr>
+              <a:t> Symbolic Execution (DSE)</a:t>
+            </a:r>
+            <a:endParaRPr kumimoji="0" lang="en-US" sz="4400" b="0" i="0" u="none" strike="noStrike" kern="1200" cap="none" spc="0" normalizeH="0" baseline="0" noProof="0" dirty="0">
+              <a:ln>
+                <a:noFill/>
+              </a:ln>
+              <a:solidFill>
+                <a:schemeClr val="tx1"/>
+              </a:solidFill>
+              <a:effectLst/>
+              <a:uLnTx/>
+              <a:uFillTx/>
+              <a:latin typeface="+mj-lt"/>
+              <a:ea typeface="+mj-ea"/>
+              <a:cs typeface="+mj-cs"/>
+            </a:endParaRPr>
+          </a:p>
+        </p:txBody>
+      </p:sp>
+      <p:sp>
+        <p:nvSpPr>
+          <p:cNvPr id="83" name="TextBox 82"/>
+          <p:cNvSpPr txBox="1"/>
+          <p:nvPr/>
+        </p:nvSpPr>
+        <p:spPr>
+          <a:xfrm>
+            <a:off x="609600" y="685800"/>
+            <a:ext cx="5087931" cy="369332"/>
+          </a:xfrm>
+          <a:prstGeom prst="rect">
+            <a:avLst/>
+          </a:prstGeom>
+          <a:noFill/>
+        </p:spPr>
+        <p:txBody>
+          <a:bodyPr wrap="none" rtlCol="0">
+            <a:spAutoFit/>
+          </a:bodyPr>
+          <a:lstStyle/>
+          <a:p>
+            <a:pPr>
+              <a:buFont typeface="Arial" pitchFamily="34" charset="0"/>
+              <a:buChar char="•"/>
+            </a:pPr>
+            <a:r>
+              <a:rPr lang="en-US" dirty="0" smtClean="0"/>
+              <a:t> DSE is used to generate test inputs systematically</a:t>
+            </a:r>
+            <a:endParaRPr lang="en-US" dirty="0"/>
+          </a:p>
+        </p:txBody>
+      </p:sp>
+    </p:spTree>
+    <p:custDataLst>
+      <p:tags r:id="rId1"/>
+    </p:custDataLst>
+  </p:cSld>
+  <p:clrMapOvr>
+    <a:masterClrMapping/>
+  </p:clrMapOvr>
+  <p:transition spd="med" advTm="142735"/>
+  <p:timing>
+    <p:tnLst>
+      <p:par>
+        <p:cTn id="1" dur="indefinite" restart="never" nodeType="tmRoot">
+          <p:childTnLst>
+            <p:seq concurrent="1" nextAc="seek">
+              <p:cTn id="2" dur="indefinite" nodeType="mainSeq">
+                <p:childTnLst>
+                  <p:par>
+                    <p:cTn id="3" fill="hold">
+                      <p:stCondLst>
+                        <p:cond delay="indefinite"/>
+                      </p:stCondLst>
+                      <p:childTnLst>
+                        <p:par>
+                          <p:cTn id="4" fill="hold">
+                            <p:stCondLst>
+                              <p:cond delay="0"/>
+                            </p:stCondLst>
+                            <p:childTnLst>
+                              <p:par>
+                                <p:cTn id="5" presetID="3" presetClass="entr" presetSubtype="10" fill="hold" grpId="0" nodeType="clickEffect">
+                                  <p:stCondLst>
+                                    <p:cond delay="0"/>
+                                  </p:stCondLst>
+                                  <p:childTnLst>
+                                    <p:set>
+                                      <p:cBhvr>
+                                        <p:cTn id="6" dur="1" fill="hold">
+                                          <p:stCondLst>
+                                            <p:cond delay="0"/>
+                                          </p:stCondLst>
+                                        </p:cTn>
+                                        <p:tgtEl>
+                                          <p:spTgt spid="68">
+                                            <p:txEl>
+                                              <p:pRg st="0" end="0"/>
+                                            </p:txEl>
+                                          </p:spTgt>
+                                        </p:tgtEl>
+                                        <p:attrNameLst>
+                                          <p:attrName>style.visibility</p:attrName>
+                                        </p:attrNameLst>
+                                      </p:cBhvr>
+                                      <p:to>
+                                        <p:strVal val="visible"/>
+                                      </p:to>
+                                    </p:set>
+                                    <p:animEffect transition="in" filter="blinds(horizontal)">
+                                      <p:cBhvr>
+                                        <p:cTn id="7" dur="500"/>
+                                        <p:tgtEl>
+                                          <p:spTgt spid="68">
+                                            <p:txEl>
+                                              <p:pRg st="0" end="0"/>
+                                            </p:txEl>
+                                          </p:spTgt>
+                                        </p:tgtEl>
+                                      </p:cBhvr>
+                                    </p:animEffect>
+                                  </p:childTnLst>
+                                </p:cTn>
+                              </p:par>
+                              <p:par>
+                                <p:cTn id="8" presetID="3" presetClass="entr" presetSubtype="10" fill="hold" grpId="0" nodeType="withEffect">
+                                  <p:stCondLst>
+                                    <p:cond delay="0"/>
+                                  </p:stCondLst>
+                                  <p:childTnLst>
+                                    <p:set>
+                                      <p:cBhvr>
+                                        <p:cTn id="9" dur="1" fill="hold">
+                                          <p:stCondLst>
+                                            <p:cond delay="0"/>
+                                          </p:stCondLst>
+                                        </p:cTn>
+                                        <p:tgtEl>
+                                          <p:spTgt spid="68">
+                                            <p:txEl>
+                                              <p:pRg st="2" end="2"/>
+                                            </p:txEl>
+                                          </p:spTgt>
+                                        </p:tgtEl>
+                                        <p:attrNameLst>
+                                          <p:attrName>style.visibility</p:attrName>
+                                        </p:attrNameLst>
+                                      </p:cBhvr>
+                                      <p:to>
+                                        <p:strVal val="visible"/>
+                                      </p:to>
+                                    </p:set>
+                                    <p:animEffect transition="in" filter="blinds(horizontal)">
+                                      <p:cBhvr>
+                                        <p:cTn id="10" dur="500"/>
+                                        <p:tgtEl>
+                                          <p:spTgt spid="68">
+                                            <p:txEl>
+                                              <p:pRg st="2" end="2"/>
+                                            </p:txEl>
+                                          </p:spTgt>
+                                        </p:tgtEl>
+                                      </p:cBhvr>
+                                    </p:animEffect>
+                                  </p:childTnLst>
+                                </p:cTn>
+                              </p:par>
+                            </p:childTnLst>
+                          </p:cTn>
+                        </p:par>
+                      </p:childTnLst>
+                    </p:cTn>
+                  </p:par>
+                  <p:par>
+                    <p:cTn id="11" fill="hold">
+                      <p:stCondLst>
+                        <p:cond delay="indefinite"/>
+                      </p:stCondLst>
+                      <p:childTnLst>
+                        <p:par>
+                          <p:cTn id="12" fill="hold">
+                            <p:stCondLst>
+                              <p:cond delay="0"/>
+                            </p:stCondLst>
+                            <p:childTnLst>
+                              <p:par>
+                                <p:cTn id="13" presetID="3" presetClass="entr" presetSubtype="10" fill="hold" grpId="0" nodeType="clickEffect">
+                                  <p:stCondLst>
+                                    <p:cond delay="0"/>
+                                  </p:stCondLst>
+                                  <p:childTnLst>
+                                    <p:set>
+                                      <p:cBhvr>
+                                        <p:cTn id="14" dur="1" fill="hold">
+                                          <p:stCondLst>
+                                            <p:cond delay="0"/>
+                                          </p:stCondLst>
+                                        </p:cTn>
+                                        <p:tgtEl>
+                                          <p:spTgt spid="76"/>
+                                        </p:tgtEl>
+                                        <p:attrNameLst>
+                                          <p:attrName>style.visibility</p:attrName>
+                                        </p:attrNameLst>
+                                      </p:cBhvr>
+                                      <p:to>
+                                        <p:strVal val="visible"/>
+                                      </p:to>
+                                    </p:set>
+                                    <p:animEffect transition="in" filter="blinds(horizontal)">
+                                      <p:cBhvr>
+                                        <p:cTn id="15" dur="500"/>
+                                        <p:tgtEl>
+                                          <p:spTgt spid="76"/>
+                                        </p:tgtEl>
+                                      </p:cBhvr>
+                                    </p:animEffect>
+                                  </p:childTnLst>
+                                </p:cTn>
+                              </p:par>
+                              <p:par>
+                                <p:cTn id="16" presetID="3" presetClass="entr" presetSubtype="10" fill="hold" grpId="0" nodeType="withEffect">
+                                  <p:stCondLst>
+                                    <p:cond delay="0"/>
+                                  </p:stCondLst>
+                                  <p:childTnLst>
+                                    <p:set>
+                                      <p:cBhvr>
+                                        <p:cTn id="17" dur="1" fill="hold">
+                                          <p:stCondLst>
+                                            <p:cond delay="0"/>
+                                          </p:stCondLst>
+                                        </p:cTn>
+                                        <p:tgtEl>
+                                          <p:spTgt spid="79">
+                                            <p:txEl>
+                                              <p:pRg st="0" end="0"/>
+                                            </p:txEl>
+                                          </p:spTgt>
+                                        </p:tgtEl>
+                                        <p:attrNameLst>
+                                          <p:attrName>style.visibility</p:attrName>
+                                        </p:attrNameLst>
+                                      </p:cBhvr>
+                                      <p:to>
+                                        <p:strVal val="visible"/>
+                                      </p:to>
+                                    </p:set>
+                                    <p:animEffect transition="in" filter="blinds(horizontal)">
+                                      <p:cBhvr>
+                                        <p:cTn id="18" dur="500"/>
+                                        <p:tgtEl>
+                                          <p:spTgt spid="79">
+                                            <p:txEl>
+                                              <p:pRg st="0" end="0"/>
+                                            </p:txEl>
+                                          </p:spTgt>
+                                        </p:tgtEl>
+                                      </p:cBhvr>
+                                    </p:animEffect>
+                                  </p:childTnLst>
+                                </p:cTn>
+                              </p:par>
+                              <p:par>
+                                <p:cTn id="19" presetID="3" presetClass="entr" presetSubtype="10" fill="hold" grpId="0" nodeType="withEffect">
+                                  <p:stCondLst>
+                                    <p:cond delay="0"/>
+                                  </p:stCondLst>
+                                  <p:childTnLst>
+                                    <p:set>
+                                      <p:cBhvr>
+                                        <p:cTn id="20" dur="1" fill="hold">
+                                          <p:stCondLst>
+                                            <p:cond delay="0"/>
+                                          </p:stCondLst>
+                                        </p:cTn>
+                                        <p:tgtEl>
+                                          <p:spTgt spid="79">
+                                            <p:txEl>
+                                              <p:pRg st="2" end="2"/>
+                                            </p:txEl>
+                                          </p:spTgt>
+                                        </p:tgtEl>
+                                        <p:attrNameLst>
+                                          <p:attrName>style.visibility</p:attrName>
+                                        </p:attrNameLst>
+                                      </p:cBhvr>
+                                      <p:to>
+                                        <p:strVal val="visible"/>
+                                      </p:to>
+                                    </p:set>
+                                    <p:animEffect transition="in" filter="blinds(horizontal)">
+                                      <p:cBhvr>
+                                        <p:cTn id="21" dur="500"/>
+                                        <p:tgtEl>
+                                          <p:spTgt spid="79">
+                                            <p:txEl>
+                                              <p:pRg st="2" end="2"/>
+                                            </p:txEl>
+                                          </p:spTgt>
+                                        </p:tgtEl>
+                                      </p:cBhvr>
+                                    </p:animEffect>
+                                  </p:childTnLst>
+                                </p:cTn>
+                              </p:par>
+                              <p:par>
+                                <p:cTn id="22" presetID="3" presetClass="entr" presetSubtype="10" fill="hold" grpId="0" nodeType="withEffect">
+                                  <p:stCondLst>
+                                    <p:cond delay="0"/>
+                                  </p:stCondLst>
+                                  <p:childTnLst>
+                                    <p:set>
+                                      <p:cBhvr>
+                                        <p:cTn id="23" dur="1" fill="hold">
+                                          <p:stCondLst>
+                                            <p:cond delay="0"/>
+                                          </p:stCondLst>
+                                        </p:cTn>
+                                        <p:tgtEl>
+                                          <p:spTgt spid="43"/>
+                                        </p:tgtEl>
+                                        <p:attrNameLst>
+                                          <p:attrName>style.visibility</p:attrName>
+                                        </p:attrNameLst>
+                                      </p:cBhvr>
+                                      <p:to>
+                                        <p:strVal val="visible"/>
+                                      </p:to>
+                                    </p:set>
+                                    <p:animEffect transition="in" filter="blinds(horizontal)">
+                                      <p:cBhvr>
+                                        <p:cTn id="24" dur="500"/>
+                                        <p:tgtEl>
+                                          <p:spTgt spid="43"/>
+                                        </p:tgtEl>
+                                      </p:cBhvr>
+                                    </p:animEffect>
+                                  </p:childTnLst>
+                                </p:cTn>
+                              </p:par>
+                              <p:par>
+                                <p:cTn id="25" presetID="3" presetClass="entr" presetSubtype="10" fill="hold" grpId="0" nodeType="withEffect">
+                                  <p:stCondLst>
+                                    <p:cond delay="0"/>
+                                  </p:stCondLst>
+                                  <p:childTnLst>
+                                    <p:set>
+                                      <p:cBhvr>
+                                        <p:cTn id="26" dur="1" fill="hold">
+                                          <p:stCondLst>
+                                            <p:cond delay="0"/>
+                                          </p:stCondLst>
+                                        </p:cTn>
+                                        <p:tgtEl>
+                                          <p:spTgt spid="61"/>
+                                        </p:tgtEl>
+                                        <p:attrNameLst>
+                                          <p:attrName>style.visibility</p:attrName>
+                                        </p:attrNameLst>
+                                      </p:cBhvr>
+                                      <p:to>
+                                        <p:strVal val="visible"/>
+                                      </p:to>
+                                    </p:set>
+                                    <p:animEffect transition="in" filter="blinds(horizontal)">
+                                      <p:cBhvr>
+                                        <p:cTn id="27" dur="500"/>
+                                        <p:tgtEl>
+                                          <p:spTgt spid="61"/>
+                                        </p:tgtEl>
+                                      </p:cBhvr>
+                                    </p:animEffect>
+                                  </p:childTnLst>
+                                </p:cTn>
+                              </p:par>
+                              <p:par>
+                                <p:cTn id="28" presetID="3" presetClass="entr" presetSubtype="10" fill="hold" nodeType="withEffect">
+                                  <p:stCondLst>
+                                    <p:cond delay="0"/>
+                                  </p:stCondLst>
+                                  <p:childTnLst>
+                                    <p:set>
+                                      <p:cBhvr>
+                                        <p:cTn id="29" dur="1" fill="hold">
+                                          <p:stCondLst>
+                                            <p:cond delay="0"/>
+                                          </p:stCondLst>
+                                        </p:cTn>
+                                        <p:tgtEl>
+                                          <p:spTgt spid="62"/>
+                                        </p:tgtEl>
+                                        <p:attrNameLst>
+                                          <p:attrName>style.visibility</p:attrName>
+                                        </p:attrNameLst>
+                                      </p:cBhvr>
+                                      <p:to>
+                                        <p:strVal val="visible"/>
+                                      </p:to>
+                                    </p:set>
+                                    <p:animEffect transition="in" filter="blinds(horizontal)">
+                                      <p:cBhvr>
+                                        <p:cTn id="30" dur="500"/>
+                                        <p:tgtEl>
+                                          <p:spTgt spid="62"/>
+                                        </p:tgtEl>
+                                      </p:cBhvr>
+                                    </p:animEffect>
+                                  </p:childTnLst>
+                                </p:cTn>
+                              </p:par>
+                              <p:par>
+                                <p:cTn id="31" presetID="3" presetClass="entr" presetSubtype="10" fill="hold" grpId="0" nodeType="withEffect">
+                                  <p:stCondLst>
+                                    <p:cond delay="0"/>
+                                  </p:stCondLst>
+                                  <p:childTnLst>
+                                    <p:set>
+                                      <p:cBhvr>
+                                        <p:cTn id="32" dur="1" fill="hold">
+                                          <p:stCondLst>
+                                            <p:cond delay="0"/>
+                                          </p:stCondLst>
+                                        </p:cTn>
+                                        <p:tgtEl>
+                                          <p:spTgt spid="58"/>
+                                        </p:tgtEl>
+                                        <p:attrNameLst>
+                                          <p:attrName>style.visibility</p:attrName>
+                                        </p:attrNameLst>
+                                      </p:cBhvr>
+                                      <p:to>
+                                        <p:strVal val="visible"/>
+                                      </p:to>
+                                    </p:set>
+                                    <p:animEffect transition="in" filter="blinds(horizontal)">
+                                      <p:cBhvr>
+                                        <p:cTn id="33" dur="500"/>
+                                        <p:tgtEl>
+                                          <p:spTgt spid="58"/>
+                                        </p:tgtEl>
+                                      </p:cBhvr>
+                                    </p:animEffect>
+                                  </p:childTnLst>
+                                </p:cTn>
+                              </p:par>
+                              <p:par>
+                                <p:cTn id="34" presetID="3" presetClass="entr" presetSubtype="10" fill="hold" grpId="0" nodeType="withEffect">
+                                  <p:stCondLst>
+                                    <p:cond delay="0"/>
+                                  </p:stCondLst>
+                                  <p:childTnLst>
+                                    <p:set>
+                                      <p:cBhvr>
+                                        <p:cTn id="35" dur="1" fill="hold">
+                                          <p:stCondLst>
+                                            <p:cond delay="0"/>
+                                          </p:stCondLst>
+                                        </p:cTn>
+                                        <p:tgtEl>
+                                          <p:spTgt spid="53"/>
+                                        </p:tgtEl>
+                                        <p:attrNameLst>
+                                          <p:attrName>style.visibility</p:attrName>
+                                        </p:attrNameLst>
+                                      </p:cBhvr>
+                                      <p:to>
+                                        <p:strVal val="visible"/>
+                                      </p:to>
+                                    </p:set>
+                                    <p:animEffect transition="in" filter="blinds(horizontal)">
+                                      <p:cBhvr>
+                                        <p:cTn id="36" dur="500"/>
+                                        <p:tgtEl>
+                                          <p:spTgt spid="53"/>
+                                        </p:tgtEl>
+                                      </p:cBhvr>
+                                    </p:animEffect>
+                                  </p:childTnLst>
+                                </p:cTn>
+                              </p:par>
+                            </p:childTnLst>
+                          </p:cTn>
+                        </p:par>
+                      </p:childTnLst>
+                    </p:cTn>
+                  </p:par>
+                  <p:par>
+                    <p:cTn id="37" fill="hold">
+                      <p:stCondLst>
+                        <p:cond delay="indefinite"/>
+                      </p:stCondLst>
+                      <p:childTnLst>
+                        <p:par>
+                          <p:cTn id="38" fill="hold">
+                            <p:stCondLst>
+                              <p:cond delay="0"/>
+                            </p:stCondLst>
+                            <p:childTnLst>
+                              <p:par>
+                                <p:cTn id="39" presetID="3" presetClass="entr" presetSubtype="10" fill="hold" grpId="0" nodeType="clickEffect">
+                                  <p:stCondLst>
+                                    <p:cond delay="0"/>
+                                  </p:stCondLst>
+                                  <p:childTnLst>
+                                    <p:set>
+                                      <p:cBhvr>
+                                        <p:cTn id="40" dur="1" fill="hold">
+                                          <p:stCondLst>
+                                            <p:cond delay="0"/>
+                                          </p:stCondLst>
+                                        </p:cTn>
+                                        <p:tgtEl>
+                                          <p:spTgt spid="78"/>
+                                        </p:tgtEl>
+                                        <p:attrNameLst>
+                                          <p:attrName>style.visibility</p:attrName>
+                                        </p:attrNameLst>
+                                      </p:cBhvr>
+                                      <p:to>
+                                        <p:strVal val="visible"/>
+                                      </p:to>
+                                    </p:set>
+                                    <p:animEffect transition="in" filter="blinds(horizontal)">
+                                      <p:cBhvr>
+                                        <p:cTn id="41" dur="500"/>
+                                        <p:tgtEl>
+                                          <p:spTgt spid="78"/>
+                                        </p:tgtEl>
+                                      </p:cBhvr>
+                                    </p:animEffect>
+                                  </p:childTnLst>
+                                </p:cTn>
+                              </p:par>
+                              <p:par>
+                                <p:cTn id="42" presetID="3" presetClass="entr" presetSubtype="10" fill="hold" grpId="0" nodeType="withEffect">
+                                  <p:stCondLst>
+                                    <p:cond delay="0"/>
+                                  </p:stCondLst>
+                                  <p:childTnLst>
+                                    <p:set>
+                                      <p:cBhvr>
+                                        <p:cTn id="43" dur="1" fill="hold">
+                                          <p:stCondLst>
+                                            <p:cond delay="0"/>
+                                          </p:stCondLst>
+                                        </p:cTn>
+                                        <p:tgtEl>
+                                          <p:spTgt spid="67">
+                                            <p:txEl>
+                                              <p:pRg st="0" end="0"/>
+                                            </p:txEl>
+                                          </p:spTgt>
+                                        </p:tgtEl>
+                                        <p:attrNameLst>
+                                          <p:attrName>style.visibility</p:attrName>
+                                        </p:attrNameLst>
+                                      </p:cBhvr>
+                                      <p:to>
+                                        <p:strVal val="visible"/>
+                                      </p:to>
+                                    </p:set>
+                                    <p:animEffect transition="in" filter="blinds(horizontal)">
+                                      <p:cBhvr>
+                                        <p:cTn id="44" dur="500"/>
+                                        <p:tgtEl>
+                                          <p:spTgt spid="67">
+                                            <p:txEl>
+                                              <p:pRg st="0" end="0"/>
+                                            </p:txEl>
+                                          </p:spTgt>
+                                        </p:tgtEl>
+                                      </p:cBhvr>
+                                    </p:animEffect>
+                                  </p:childTnLst>
+                                </p:cTn>
+                              </p:par>
+                              <p:par>
+                                <p:cTn id="45" presetID="3" presetClass="entr" presetSubtype="10" fill="hold" grpId="0" nodeType="withEffect">
+                                  <p:stCondLst>
+                                    <p:cond delay="0"/>
+                                  </p:stCondLst>
+                                  <p:childTnLst>
+                                    <p:set>
+                                      <p:cBhvr>
+                                        <p:cTn id="46" dur="1" fill="hold">
+                                          <p:stCondLst>
+                                            <p:cond delay="0"/>
+                                          </p:stCondLst>
+                                        </p:cTn>
+                                        <p:tgtEl>
+                                          <p:spTgt spid="67">
+                                            <p:txEl>
+                                              <p:pRg st="3" end="3"/>
+                                            </p:txEl>
+                                          </p:spTgt>
+                                        </p:tgtEl>
+                                        <p:attrNameLst>
+                                          <p:attrName>style.visibility</p:attrName>
+                                        </p:attrNameLst>
+                                      </p:cBhvr>
+                                      <p:to>
+                                        <p:strVal val="visible"/>
+                                      </p:to>
+                                    </p:set>
+                                    <p:animEffect transition="in" filter="blinds(horizontal)">
+                                      <p:cBhvr>
+                                        <p:cTn id="47" dur="500"/>
+                                        <p:tgtEl>
+                                          <p:spTgt spid="67">
+                                            <p:txEl>
+                                              <p:pRg st="3" end="3"/>
+                                            </p:txEl>
+                                          </p:spTgt>
+                                        </p:tgtEl>
+                                      </p:cBhvr>
+                                    </p:animEffect>
+                                  </p:childTnLst>
+                                </p:cTn>
+                              </p:par>
+                              <p:par>
+                                <p:cTn id="48" presetID="3" presetClass="entr" presetSubtype="10" fill="hold" grpId="0" nodeType="withEffect">
+                                  <p:stCondLst>
+                                    <p:cond delay="0"/>
+                                  </p:stCondLst>
+                                  <p:childTnLst>
+                                    <p:set>
+                                      <p:cBhvr>
+                                        <p:cTn id="49" dur="1" fill="hold">
+                                          <p:stCondLst>
+                                            <p:cond delay="0"/>
+                                          </p:stCondLst>
+                                        </p:cTn>
+                                        <p:tgtEl>
+                                          <p:spTgt spid="67">
+                                            <p:txEl>
+                                              <p:pRg st="4" end="4"/>
+                                            </p:txEl>
+                                          </p:spTgt>
+                                        </p:tgtEl>
+                                        <p:attrNameLst>
+                                          <p:attrName>style.visibility</p:attrName>
+                                        </p:attrNameLst>
+                                      </p:cBhvr>
+                                      <p:to>
+                                        <p:strVal val="visible"/>
+                                      </p:to>
+                                    </p:set>
+                                    <p:animEffect transition="in" filter="blinds(horizontal)">
+                                      <p:cBhvr>
+                                        <p:cTn id="50" dur="500"/>
+                                        <p:tgtEl>
+                                          <p:spTgt spid="67">
+                                            <p:txEl>
+                                              <p:pRg st="4" end="4"/>
+                                            </p:txEl>
+                                          </p:spTgt>
+                                        </p:tgtEl>
+                                      </p:cBhvr>
+                                    </p:animEffect>
+                                  </p:childTnLst>
+                                </p:cTn>
+                              </p:par>
+                            </p:childTnLst>
+                          </p:cTn>
+                        </p:par>
+                      </p:childTnLst>
+                    </p:cTn>
+                  </p:par>
+                  <p:par>
+                    <p:cTn id="51" fill="hold">
+                      <p:stCondLst>
+                        <p:cond delay="indefinite"/>
+                      </p:stCondLst>
+                      <p:childTnLst>
+                        <p:par>
+                          <p:cTn id="52" fill="hold">
+                            <p:stCondLst>
+                              <p:cond delay="0"/>
+                            </p:stCondLst>
+                            <p:childTnLst>
+                              <p:par>
+                                <p:cTn id="53" presetID="3" presetClass="entr" presetSubtype="10" fill="hold" grpId="0" nodeType="clickEffect">
+                                  <p:stCondLst>
+                                    <p:cond delay="0"/>
+                                  </p:stCondLst>
+                                  <p:childTnLst>
+                                    <p:set>
+                                      <p:cBhvr>
+                                        <p:cTn id="54" dur="1" fill="hold">
+                                          <p:stCondLst>
+                                            <p:cond delay="0"/>
+                                          </p:stCondLst>
+                                        </p:cTn>
+                                        <p:tgtEl>
+                                          <p:spTgt spid="77"/>
+                                        </p:tgtEl>
+                                        <p:attrNameLst>
+                                          <p:attrName>style.visibility</p:attrName>
+                                        </p:attrNameLst>
+                                      </p:cBhvr>
+                                      <p:to>
+                                        <p:strVal val="visible"/>
+                                      </p:to>
+                                    </p:set>
+                                    <p:animEffect transition="in" filter="blinds(horizontal)">
+                                      <p:cBhvr>
+                                        <p:cTn id="55" dur="500"/>
+                                        <p:tgtEl>
+                                          <p:spTgt spid="77"/>
+                                        </p:tgtEl>
+                                      </p:cBhvr>
+                                    </p:animEffect>
+                                  </p:childTnLst>
+                                </p:cTn>
+                              </p:par>
+                              <p:par>
+                                <p:cTn id="56" presetID="3" presetClass="entr" presetSubtype="10" fill="hold" grpId="0" nodeType="withEffect">
+                                  <p:stCondLst>
+                                    <p:cond delay="0"/>
+                                  </p:stCondLst>
+                                  <p:childTnLst>
+                                    <p:set>
+                                      <p:cBhvr>
+                                        <p:cTn id="57" dur="1" fill="hold">
+                                          <p:stCondLst>
+                                            <p:cond delay="0"/>
+                                          </p:stCondLst>
+                                        </p:cTn>
+                                        <p:tgtEl>
+                                          <p:spTgt spid="68">
+                                            <p:txEl>
+                                              <p:pRg st="3" end="3"/>
+                                            </p:txEl>
+                                          </p:spTgt>
+                                        </p:tgtEl>
+                                        <p:attrNameLst>
+                                          <p:attrName>style.visibility</p:attrName>
+                                        </p:attrNameLst>
+                                      </p:cBhvr>
+                                      <p:to>
+                                        <p:strVal val="visible"/>
+                                      </p:to>
+                                    </p:set>
+                                    <p:animEffect transition="in" filter="blinds(horizontal)">
+                                      <p:cBhvr>
+                                        <p:cTn id="58" dur="500"/>
+                                        <p:tgtEl>
+                                          <p:spTgt spid="68">
+                                            <p:txEl>
+                                              <p:pRg st="3" end="3"/>
+                                            </p:txEl>
+                                          </p:spTgt>
+                                        </p:tgtEl>
+                                      </p:cBhvr>
+                                    </p:animEffect>
+                                  </p:childTnLst>
+                                </p:cTn>
+                              </p:par>
+                            </p:childTnLst>
+                          </p:cTn>
+                        </p:par>
+                      </p:childTnLst>
+                    </p:cTn>
+                  </p:par>
+                  <p:par>
+                    <p:cTn id="59" fill="hold">
+                      <p:stCondLst>
+                        <p:cond delay="indefinite"/>
+                      </p:stCondLst>
+                      <p:childTnLst>
+                        <p:par>
+                          <p:cTn id="60" fill="hold">
+                            <p:stCondLst>
+                              <p:cond delay="0"/>
+                            </p:stCondLst>
+                            <p:childTnLst>
+                              <p:par>
+                                <p:cTn id="61" presetID="3" presetClass="entr" presetSubtype="10" fill="hold" nodeType="clickEffect">
+                                  <p:stCondLst>
+                                    <p:cond delay="0"/>
+                                  </p:stCondLst>
+                                  <p:childTnLst>
+                                    <p:set>
+                                      <p:cBhvr>
+                                        <p:cTn id="62" dur="1" fill="hold">
+                                          <p:stCondLst>
+                                            <p:cond delay="0"/>
+                                          </p:stCondLst>
+                                        </p:cTn>
+                                        <p:tgtEl>
+                                          <p:spTgt spid="49"/>
+                                        </p:tgtEl>
+                                        <p:attrNameLst>
+                                          <p:attrName>style.visibility</p:attrName>
+                                        </p:attrNameLst>
+                                      </p:cBhvr>
+                                      <p:to>
+                                        <p:strVal val="visible"/>
+                                      </p:to>
+                                    </p:set>
+                                    <p:animEffect transition="in" filter="blinds(horizontal)">
+                                      <p:cBhvr>
+                                        <p:cTn id="63" dur="500"/>
+                                        <p:tgtEl>
+                                          <p:spTgt spid="49"/>
+                                        </p:tgtEl>
+                                      </p:cBhvr>
+                                    </p:animEffect>
+                                  </p:childTnLst>
+                                </p:cTn>
+                              </p:par>
+                              <p:par>
+                                <p:cTn id="64" presetID="3" presetClass="entr" presetSubtype="10" fill="hold" grpId="0" nodeType="withEffect">
+                                  <p:stCondLst>
+                                    <p:cond delay="0"/>
+                                  </p:stCondLst>
+                                  <p:childTnLst>
+                                    <p:set>
+                                      <p:cBhvr>
+                                        <p:cTn id="65" dur="1" fill="hold">
+                                          <p:stCondLst>
+                                            <p:cond delay="0"/>
+                                          </p:stCondLst>
+                                        </p:cTn>
+                                        <p:tgtEl>
+                                          <p:spTgt spid="55"/>
+                                        </p:tgtEl>
+                                        <p:attrNameLst>
+                                          <p:attrName>style.visibility</p:attrName>
+                                        </p:attrNameLst>
+                                      </p:cBhvr>
+                                      <p:to>
+                                        <p:strVal val="visible"/>
+                                      </p:to>
+                                    </p:set>
+                                    <p:animEffect transition="in" filter="blinds(horizontal)">
+                                      <p:cBhvr>
+                                        <p:cTn id="66" dur="500"/>
+                                        <p:tgtEl>
+                                          <p:spTgt spid="55"/>
+                                        </p:tgtEl>
+                                      </p:cBhvr>
+                                    </p:animEffect>
+                                  </p:childTnLst>
+                                </p:cTn>
+                              </p:par>
+                              <p:par>
+                                <p:cTn id="67" presetID="3" presetClass="entr" presetSubtype="10" fill="hold" grpId="0" nodeType="withEffect">
+                                  <p:stCondLst>
+                                    <p:cond delay="0"/>
+                                  </p:stCondLst>
+                                  <p:childTnLst>
+                                    <p:set>
+                                      <p:cBhvr>
+                                        <p:cTn id="68" dur="1" fill="hold">
+                                          <p:stCondLst>
+                                            <p:cond delay="0"/>
+                                          </p:stCondLst>
+                                        </p:cTn>
+                                        <p:tgtEl>
+                                          <p:spTgt spid="47"/>
+                                        </p:tgtEl>
+                                        <p:attrNameLst>
+                                          <p:attrName>style.visibility</p:attrName>
+                                        </p:attrNameLst>
+                                      </p:cBhvr>
+                                      <p:to>
+                                        <p:strVal val="visible"/>
+                                      </p:to>
+                                    </p:set>
+                                    <p:animEffect transition="in" filter="blinds(horizontal)">
+                                      <p:cBhvr>
+                                        <p:cTn id="69" dur="500"/>
+                                        <p:tgtEl>
+                                          <p:spTgt spid="47"/>
+                                        </p:tgtEl>
+                                      </p:cBhvr>
+                                    </p:animEffect>
+                                  </p:childTnLst>
+                                </p:cTn>
+                              </p:par>
+                              <p:par>
+                                <p:cTn id="70" presetID="3" presetClass="entr" presetSubtype="10" fill="hold" nodeType="withEffect">
+                                  <p:stCondLst>
+                                    <p:cond delay="0"/>
+                                  </p:stCondLst>
+                                  <p:childTnLst>
+                                    <p:set>
+                                      <p:cBhvr>
+                                        <p:cTn id="71" dur="1" fill="hold">
+                                          <p:stCondLst>
+                                            <p:cond delay="0"/>
+                                          </p:stCondLst>
+                                        </p:cTn>
+                                        <p:tgtEl>
+                                          <p:spTgt spid="56"/>
+                                        </p:tgtEl>
+                                        <p:attrNameLst>
+                                          <p:attrName>style.visibility</p:attrName>
+                                        </p:attrNameLst>
+                                      </p:cBhvr>
+                                      <p:to>
+                                        <p:strVal val="visible"/>
+                                      </p:to>
+                                    </p:set>
+                                    <p:animEffect transition="in" filter="blinds(horizontal)">
+                                      <p:cBhvr>
+                                        <p:cTn id="72" dur="500"/>
+                                        <p:tgtEl>
+                                          <p:spTgt spid="56"/>
+                                        </p:tgtEl>
+                                      </p:cBhvr>
+                                    </p:animEffect>
+                                  </p:childTnLst>
+                                </p:cTn>
+                              </p:par>
+                              <p:par>
+                                <p:cTn id="73" presetID="3" presetClass="entr" presetSubtype="10" fill="hold" grpId="0" nodeType="withEffect">
+                                  <p:stCondLst>
+                                    <p:cond delay="0"/>
+                                  </p:stCondLst>
+                                  <p:childTnLst>
+                                    <p:set>
+                                      <p:cBhvr>
+                                        <p:cTn id="74" dur="1" fill="hold">
+                                          <p:stCondLst>
+                                            <p:cond delay="0"/>
+                                          </p:stCondLst>
+                                        </p:cTn>
+                                        <p:tgtEl>
+                                          <p:spTgt spid="59"/>
+                                        </p:tgtEl>
+                                        <p:attrNameLst>
+                                          <p:attrName>style.visibility</p:attrName>
+                                        </p:attrNameLst>
+                                      </p:cBhvr>
+                                      <p:to>
+                                        <p:strVal val="visible"/>
+                                      </p:to>
+                                    </p:set>
+                                    <p:animEffect transition="in" filter="blinds(horizontal)">
+                                      <p:cBhvr>
+                                        <p:cTn id="75" dur="500"/>
+                                        <p:tgtEl>
+                                          <p:spTgt spid="59"/>
+                                        </p:tgtEl>
+                                      </p:cBhvr>
+                                    </p:animEffect>
+                                  </p:childTnLst>
+                                </p:cTn>
+                              </p:par>
+                              <p:par>
+                                <p:cTn id="76" presetID="3" presetClass="entr" presetSubtype="10" fill="hold" grpId="0" nodeType="withEffect">
+                                  <p:stCondLst>
+                                    <p:cond delay="0"/>
+                                  </p:stCondLst>
+                                  <p:childTnLst>
+                                    <p:set>
+                                      <p:cBhvr>
+                                        <p:cTn id="77" dur="1" fill="hold">
+                                          <p:stCondLst>
+                                            <p:cond delay="0"/>
+                                          </p:stCondLst>
+                                        </p:cTn>
+                                        <p:tgtEl>
+                                          <p:spTgt spid="52"/>
+                                        </p:tgtEl>
+                                        <p:attrNameLst>
+                                          <p:attrName>style.visibility</p:attrName>
+                                        </p:attrNameLst>
+                                      </p:cBhvr>
+                                      <p:to>
+                                        <p:strVal val="visible"/>
+                                      </p:to>
+                                    </p:set>
+                                    <p:animEffect transition="in" filter="blinds(horizontal)">
+                                      <p:cBhvr>
+                                        <p:cTn id="78" dur="500"/>
+                                        <p:tgtEl>
+                                          <p:spTgt spid="52"/>
+                                        </p:tgtEl>
+                                      </p:cBhvr>
+                                    </p:animEffect>
+                                  </p:childTnLst>
+                                </p:cTn>
+                              </p:par>
+                              <p:par>
+                                <p:cTn id="79" presetID="3" presetClass="entr" presetSubtype="10" fill="hold" grpId="0" nodeType="withEffect">
+                                  <p:stCondLst>
+                                    <p:cond delay="0"/>
+                                  </p:stCondLst>
+                                  <p:childTnLst>
+                                    <p:set>
+                                      <p:cBhvr>
+                                        <p:cTn id="80" dur="1" fill="hold">
+                                          <p:stCondLst>
+                                            <p:cond delay="0"/>
+                                          </p:stCondLst>
+                                        </p:cTn>
+                                        <p:tgtEl>
+                                          <p:spTgt spid="79">
+                                            <p:txEl>
+                                              <p:pRg st="3" end="3"/>
+                                            </p:txEl>
+                                          </p:spTgt>
+                                        </p:tgtEl>
+                                        <p:attrNameLst>
+                                          <p:attrName>style.visibility</p:attrName>
+                                        </p:attrNameLst>
+                                      </p:cBhvr>
+                                      <p:to>
+                                        <p:strVal val="visible"/>
+                                      </p:to>
+                                    </p:set>
+                                    <p:animEffect transition="in" filter="blinds(horizontal)">
+                                      <p:cBhvr>
+                                        <p:cTn id="81" dur="500"/>
+                                        <p:tgtEl>
+                                          <p:spTgt spid="79">
+                                            <p:txEl>
+                                              <p:pRg st="3" end="3"/>
+                                            </p:txEl>
+                                          </p:spTgt>
+                                        </p:tgtEl>
+                                      </p:cBhvr>
+                                    </p:animEffect>
+                                  </p:childTnLst>
+                                </p:cTn>
+                              </p:par>
+                              <p:par>
+                                <p:cTn id="82" presetID="3" presetClass="entr" presetSubtype="10" fill="hold" grpId="0" nodeType="withEffect">
+                                  <p:stCondLst>
+                                    <p:cond delay="0"/>
+                                  </p:stCondLst>
+                                  <p:childTnLst>
+                                    <p:set>
+                                      <p:cBhvr>
+                                        <p:cTn id="83" dur="1" fill="hold">
+                                          <p:stCondLst>
+                                            <p:cond delay="0"/>
+                                          </p:stCondLst>
+                                        </p:cTn>
+                                        <p:tgtEl>
+                                          <p:spTgt spid="79">
+                                            <p:txEl>
+                                              <p:pRg st="4" end="4"/>
+                                            </p:txEl>
+                                          </p:spTgt>
+                                        </p:tgtEl>
+                                        <p:attrNameLst>
+                                          <p:attrName>style.visibility</p:attrName>
+                                        </p:attrNameLst>
+                                      </p:cBhvr>
+                                      <p:to>
+                                        <p:strVal val="visible"/>
+                                      </p:to>
+                                    </p:set>
+                                    <p:animEffect transition="in" filter="blinds(horizontal)">
+                                      <p:cBhvr>
+                                        <p:cTn id="84" dur="500"/>
+                                        <p:tgtEl>
+                                          <p:spTgt spid="79">
+                                            <p:txEl>
+                                              <p:pRg st="4" end="4"/>
+                                            </p:txEl>
+                                          </p:spTgt>
+                                        </p:tgtEl>
+                                      </p:cBhvr>
+                                    </p:animEffect>
+                                  </p:childTnLst>
+                                </p:cTn>
+                              </p:par>
+                              <p:par>
+                                <p:cTn id="85" presetID="3" presetClass="entr" presetSubtype="10" fill="hold" grpId="0" nodeType="withEffect">
+                                  <p:stCondLst>
+                                    <p:cond delay="0"/>
+                                  </p:stCondLst>
+                                  <p:childTnLst>
+                                    <p:set>
+                                      <p:cBhvr>
+                                        <p:cTn id="86" dur="1" fill="hold">
+                                          <p:stCondLst>
+                                            <p:cond delay="0"/>
+                                          </p:stCondLst>
+                                        </p:cTn>
+                                        <p:tgtEl>
+                                          <p:spTgt spid="42"/>
+                                        </p:tgtEl>
+                                        <p:attrNameLst>
+                                          <p:attrName>style.visibility</p:attrName>
+                                        </p:attrNameLst>
+                                      </p:cBhvr>
+                                      <p:to>
+                                        <p:strVal val="visible"/>
+                                      </p:to>
+                                    </p:set>
+                                    <p:animEffect transition="in" filter="blinds(horizontal)">
+                                      <p:cBhvr>
+                                        <p:cTn id="87" dur="500"/>
+                                        <p:tgtEl>
+                                          <p:spTgt spid="42"/>
+                                        </p:tgtEl>
+                                      </p:cBhvr>
+                                    </p:animEffect>
+                                  </p:childTnLst>
+                                </p:cTn>
+                              </p:par>
+                            </p:childTnLst>
+                          </p:cTn>
+                        </p:par>
+                      </p:childTnLst>
+                    </p:cTn>
+                  </p:par>
+                  <p:par>
+                    <p:cTn id="88" fill="hold">
+                      <p:stCondLst>
+                        <p:cond delay="indefinite"/>
+                      </p:stCondLst>
+                      <p:childTnLst>
+                        <p:par>
+                          <p:cTn id="89" fill="hold">
+                            <p:stCondLst>
+                              <p:cond delay="0"/>
+                            </p:stCondLst>
+                            <p:childTnLst>
+                              <p:par>
+                                <p:cTn id="90" presetID="3" presetClass="entr" presetSubtype="10" fill="hold" grpId="0" nodeType="clickEffect">
+                                  <p:stCondLst>
+                                    <p:cond delay="0"/>
+                                  </p:stCondLst>
+                                  <p:childTnLst>
+                                    <p:set>
+                                      <p:cBhvr>
+                                        <p:cTn id="91" dur="1" fill="hold">
+                                          <p:stCondLst>
+                                            <p:cond delay="0"/>
+                                          </p:stCondLst>
+                                        </p:cTn>
+                                        <p:tgtEl>
+                                          <p:spTgt spid="67">
+                                            <p:txEl>
+                                              <p:pRg st="5" end="5"/>
+                                            </p:txEl>
+                                          </p:spTgt>
+                                        </p:tgtEl>
+                                        <p:attrNameLst>
+                                          <p:attrName>style.visibility</p:attrName>
+                                        </p:attrNameLst>
+                                      </p:cBhvr>
+                                      <p:to>
+                                        <p:strVal val="visible"/>
+                                      </p:to>
+                                    </p:set>
+                                    <p:animEffect transition="in" filter="blinds(horizontal)">
+                                      <p:cBhvr>
+                                        <p:cTn id="92" dur="500"/>
+                                        <p:tgtEl>
+                                          <p:spTgt spid="67">
+                                            <p:txEl>
+                                              <p:pRg st="5" end="5"/>
+                                            </p:txEl>
+                                          </p:spTgt>
+                                        </p:tgtEl>
+                                      </p:cBhvr>
+                                    </p:animEffect>
+                                  </p:childTnLst>
+                                </p:cTn>
+                              </p:par>
+                              <p:par>
+                                <p:cTn id="93" presetID="3" presetClass="entr" presetSubtype="10" fill="hold" grpId="0" nodeType="withEffect">
+                                  <p:stCondLst>
+                                    <p:cond delay="0"/>
+                                  </p:stCondLst>
+                                  <p:childTnLst>
+                                    <p:set>
+                                      <p:cBhvr>
+                                        <p:cTn id="94" dur="1" fill="hold">
+                                          <p:stCondLst>
+                                            <p:cond delay="0"/>
+                                          </p:stCondLst>
+                                        </p:cTn>
+                                        <p:tgtEl>
+                                          <p:spTgt spid="67">
+                                            <p:txEl>
+                                              <p:pRg st="6" end="6"/>
+                                            </p:txEl>
+                                          </p:spTgt>
+                                        </p:tgtEl>
+                                        <p:attrNameLst>
+                                          <p:attrName>style.visibility</p:attrName>
+                                        </p:attrNameLst>
+                                      </p:cBhvr>
+                                      <p:to>
+                                        <p:strVal val="visible"/>
+                                      </p:to>
+                                    </p:set>
+                                    <p:animEffect transition="in" filter="blinds(horizontal)">
+                                      <p:cBhvr>
+                                        <p:cTn id="95" dur="500"/>
+                                        <p:tgtEl>
+                                          <p:spTgt spid="67">
+                                            <p:txEl>
+                                              <p:pRg st="6" end="6"/>
+                                            </p:txEl>
+                                          </p:spTgt>
+                                        </p:tgtEl>
+                                      </p:cBhvr>
+                                    </p:animEffect>
+                                  </p:childTnLst>
+                                </p:cTn>
+                              </p:par>
+                            </p:childTnLst>
+                          </p:cTn>
+                        </p:par>
+                      </p:childTnLst>
+                    </p:cTn>
+                  </p:par>
+                  <p:par>
+                    <p:cTn id="96" fill="hold">
+                      <p:stCondLst>
+                        <p:cond delay="indefinite"/>
+                      </p:stCondLst>
+                      <p:childTnLst>
+                        <p:par>
+                          <p:cTn id="97" fill="hold">
+                            <p:stCondLst>
+                              <p:cond delay="0"/>
+                            </p:stCondLst>
+                            <p:childTnLst>
+                              <p:par>
+                                <p:cTn id="98" presetID="3" presetClass="entr" presetSubtype="10" fill="hold" grpId="0" nodeType="clickEffect">
+                                  <p:stCondLst>
+                                    <p:cond delay="0"/>
+                                  </p:stCondLst>
+                                  <p:childTnLst>
+                                    <p:set>
+                                      <p:cBhvr>
+                                        <p:cTn id="99" dur="1" fill="hold">
+                                          <p:stCondLst>
+                                            <p:cond delay="0"/>
+                                          </p:stCondLst>
+                                        </p:cTn>
+                                        <p:tgtEl>
+                                          <p:spTgt spid="68">
+                                            <p:txEl>
+                                              <p:pRg st="5" end="5"/>
+                                            </p:txEl>
+                                          </p:spTgt>
+                                        </p:tgtEl>
+                                        <p:attrNameLst>
+                                          <p:attrName>style.visibility</p:attrName>
+                                        </p:attrNameLst>
+                                      </p:cBhvr>
+                                      <p:to>
+                                        <p:strVal val="visible"/>
+                                      </p:to>
+                                    </p:set>
+                                    <p:animEffect transition="in" filter="blinds(horizontal)">
+                                      <p:cBhvr>
+                                        <p:cTn id="100" dur="500"/>
+                                        <p:tgtEl>
+                                          <p:spTgt spid="68">
+                                            <p:txEl>
+                                              <p:pRg st="5" end="5"/>
+                                            </p:txEl>
+                                          </p:spTgt>
+                                        </p:tgtEl>
+                                      </p:cBhvr>
+                                    </p:animEffect>
+                                  </p:childTnLst>
+                                </p:cTn>
+                              </p:par>
+                              <p:par>
+                                <p:cTn id="101" presetID="3" presetClass="entr" presetSubtype="10" fill="hold" grpId="0" nodeType="withEffect">
+                                  <p:stCondLst>
+                                    <p:cond delay="0"/>
+                                  </p:stCondLst>
+                                  <p:childTnLst>
+                                    <p:set>
+                                      <p:cBhvr>
+                                        <p:cTn id="102" dur="1" fill="hold">
+                                          <p:stCondLst>
+                                            <p:cond delay="0"/>
+                                          </p:stCondLst>
+                                        </p:cTn>
+                                        <p:tgtEl>
+                                          <p:spTgt spid="51"/>
+                                        </p:tgtEl>
+                                        <p:attrNameLst>
+                                          <p:attrName>style.visibility</p:attrName>
+                                        </p:attrNameLst>
+                                      </p:cBhvr>
+                                      <p:to>
+                                        <p:strVal val="visible"/>
+                                      </p:to>
+                                    </p:set>
+                                    <p:animEffect transition="in" filter="blinds(horizontal)">
+                                      <p:cBhvr>
+                                        <p:cTn id="103" dur="500"/>
+                                        <p:tgtEl>
+                                          <p:spTgt spid="51"/>
+                                        </p:tgtEl>
+                                      </p:cBhvr>
+                                    </p:animEffect>
+                                  </p:childTnLst>
+                                </p:cTn>
+                              </p:par>
+                              <p:par>
+                                <p:cTn id="104" presetID="3" presetClass="entr" presetSubtype="10" fill="hold" nodeType="withEffect">
+                                  <p:stCondLst>
+                                    <p:cond delay="0"/>
+                                  </p:stCondLst>
+                                  <p:childTnLst>
+                                    <p:set>
+                                      <p:cBhvr>
+                                        <p:cTn id="105" dur="1" fill="hold">
+                                          <p:stCondLst>
+                                            <p:cond delay="0"/>
+                                          </p:stCondLst>
+                                        </p:cTn>
+                                        <p:tgtEl>
+                                          <p:spTgt spid="50"/>
+                                        </p:tgtEl>
+                                        <p:attrNameLst>
+                                          <p:attrName>style.visibility</p:attrName>
+                                        </p:attrNameLst>
+                                      </p:cBhvr>
+                                      <p:to>
+                                        <p:strVal val="visible"/>
+                                      </p:to>
+                                    </p:set>
+                                    <p:animEffect transition="in" filter="blinds(horizontal)">
+                                      <p:cBhvr>
+                                        <p:cTn id="106" dur="500"/>
+                                        <p:tgtEl>
+                                          <p:spTgt spid="50"/>
+                                        </p:tgtEl>
+                                      </p:cBhvr>
+                                    </p:animEffect>
+                                  </p:childTnLst>
+                                </p:cTn>
+                              </p:par>
+                              <p:par>
+                                <p:cTn id="107" presetID="3" presetClass="entr" presetSubtype="10" fill="hold" grpId="0" nodeType="withEffect">
+                                  <p:stCondLst>
+                                    <p:cond delay="0"/>
+                                  </p:stCondLst>
+                                  <p:childTnLst>
+                                    <p:set>
+                                      <p:cBhvr>
+                                        <p:cTn id="108" dur="1" fill="hold">
+                                          <p:stCondLst>
+                                            <p:cond delay="0"/>
+                                          </p:stCondLst>
+                                        </p:cTn>
+                                        <p:tgtEl>
+                                          <p:spTgt spid="48"/>
+                                        </p:tgtEl>
+                                        <p:attrNameLst>
+                                          <p:attrName>style.visibility</p:attrName>
+                                        </p:attrNameLst>
+                                      </p:cBhvr>
+                                      <p:to>
+                                        <p:strVal val="visible"/>
+                                      </p:to>
+                                    </p:set>
+                                    <p:animEffect transition="in" filter="blinds(horizontal)">
+                                      <p:cBhvr>
+                                        <p:cTn id="109" dur="500"/>
+                                        <p:tgtEl>
+                                          <p:spTgt spid="48"/>
+                                        </p:tgtEl>
+                                      </p:cBhvr>
+                                    </p:animEffect>
+                                  </p:childTnLst>
+                                </p:cTn>
+                              </p:par>
+                              <p:par>
+                                <p:cTn id="110" presetID="3" presetClass="entr" presetSubtype="10" fill="hold" grpId="1" nodeType="withEffect">
+                                  <p:stCondLst>
+                                    <p:cond delay="0"/>
+                                  </p:stCondLst>
+                                  <p:childTnLst>
+                                    <p:set>
+                                      <p:cBhvr>
+                                        <p:cTn id="111" dur="1" fill="hold">
+                                          <p:stCondLst>
+                                            <p:cond delay="0"/>
+                                          </p:stCondLst>
+                                        </p:cTn>
+                                        <p:tgtEl>
+                                          <p:spTgt spid="51"/>
+                                        </p:tgtEl>
+                                        <p:attrNameLst>
+                                          <p:attrName>style.visibility</p:attrName>
+                                        </p:attrNameLst>
+                                      </p:cBhvr>
+                                      <p:to>
+                                        <p:strVal val="visible"/>
+                                      </p:to>
+                                    </p:set>
+                                    <p:animEffect transition="in" filter="blinds(horizontal)">
+                                      <p:cBhvr>
+                                        <p:cTn id="112" dur="500"/>
+                                        <p:tgtEl>
+                                          <p:spTgt spid="51"/>
+                                        </p:tgtEl>
+                                      </p:cBhvr>
+                                    </p:animEffect>
+                                  </p:childTnLst>
+                                </p:cTn>
+                              </p:par>
+                              <p:par>
+                                <p:cTn id="113" presetID="3" presetClass="entr" presetSubtype="10" fill="hold" nodeType="withEffect">
+                                  <p:stCondLst>
+                                    <p:cond delay="0"/>
+                                  </p:stCondLst>
+                                  <p:childTnLst>
+                                    <p:set>
+                                      <p:cBhvr>
+                                        <p:cTn id="114" dur="1" fill="hold">
+                                          <p:stCondLst>
+                                            <p:cond delay="0"/>
+                                          </p:stCondLst>
+                                        </p:cTn>
+                                        <p:tgtEl>
+                                          <p:spTgt spid="64"/>
+                                        </p:tgtEl>
+                                        <p:attrNameLst>
+                                          <p:attrName>style.visibility</p:attrName>
+                                        </p:attrNameLst>
+                                      </p:cBhvr>
+                                      <p:to>
+                                        <p:strVal val="visible"/>
+                                      </p:to>
+                                    </p:set>
+                                    <p:animEffect transition="in" filter="blinds(horizontal)">
+                                      <p:cBhvr>
+                                        <p:cTn id="115" dur="500"/>
+                                        <p:tgtEl>
+                                          <p:spTgt spid="64"/>
+                                        </p:tgtEl>
+                                      </p:cBhvr>
+                                    </p:animEffect>
+                                  </p:childTnLst>
+                                </p:cTn>
+                              </p:par>
+                              <p:par>
+                                <p:cTn id="116" presetID="3" presetClass="entr" presetSubtype="10" fill="hold" grpId="0" nodeType="withEffect">
+                                  <p:stCondLst>
+                                    <p:cond delay="0"/>
+                                  </p:stCondLst>
+                                  <p:childTnLst>
+                                    <p:set>
+                                      <p:cBhvr>
+                                        <p:cTn id="117" dur="1" fill="hold">
+                                          <p:stCondLst>
+                                            <p:cond delay="0"/>
+                                          </p:stCondLst>
+                                        </p:cTn>
+                                        <p:tgtEl>
+                                          <p:spTgt spid="54"/>
+                                        </p:tgtEl>
+                                        <p:attrNameLst>
+                                          <p:attrName>style.visibility</p:attrName>
+                                        </p:attrNameLst>
+                                      </p:cBhvr>
+                                      <p:to>
+                                        <p:strVal val="visible"/>
+                                      </p:to>
+                                    </p:set>
+                                    <p:animEffect transition="in" filter="blinds(horizontal)">
+                                      <p:cBhvr>
+                                        <p:cTn id="118" dur="500"/>
+                                        <p:tgtEl>
+                                          <p:spTgt spid="54"/>
+                                        </p:tgtEl>
+                                      </p:cBhvr>
+                                    </p:animEffect>
+                                  </p:childTnLst>
+                                </p:cTn>
+                              </p:par>
+                              <p:par>
+                                <p:cTn id="119" presetID="3" presetClass="entr" presetSubtype="10" fill="hold" grpId="0" nodeType="withEffect">
+                                  <p:stCondLst>
+                                    <p:cond delay="0"/>
+                                  </p:stCondLst>
+                                  <p:childTnLst>
+                                    <p:set>
+                                      <p:cBhvr>
+                                        <p:cTn id="120" dur="1" fill="hold">
+                                          <p:stCondLst>
+                                            <p:cond delay="0"/>
+                                          </p:stCondLst>
+                                        </p:cTn>
+                                        <p:tgtEl>
+                                          <p:spTgt spid="65"/>
+                                        </p:tgtEl>
+                                        <p:attrNameLst>
+                                          <p:attrName>style.visibility</p:attrName>
+                                        </p:attrNameLst>
+                                      </p:cBhvr>
+                                      <p:to>
+                                        <p:strVal val="visible"/>
+                                      </p:to>
+                                    </p:set>
+                                    <p:animEffect transition="in" filter="blinds(horizontal)">
+                                      <p:cBhvr>
+                                        <p:cTn id="121" dur="500"/>
+                                        <p:tgtEl>
+                                          <p:spTgt spid="65"/>
+                                        </p:tgtEl>
+                                      </p:cBhvr>
+                                    </p:animEffect>
+                                  </p:childTnLst>
+                                </p:cTn>
+                              </p:par>
+                            </p:childTnLst>
+                          </p:cTn>
+                        </p:par>
+                      </p:childTnLst>
+                    </p:cTn>
+                  </p:par>
+                  <p:par>
+                    <p:cTn id="122" fill="hold">
+                      <p:stCondLst>
+                        <p:cond delay="indefinite"/>
+                      </p:stCondLst>
+                      <p:childTnLst>
+                        <p:par>
+                          <p:cTn id="123" fill="hold">
+                            <p:stCondLst>
+                              <p:cond delay="0"/>
+                            </p:stCondLst>
+                            <p:childTnLst>
+                              <p:par>
+                                <p:cTn id="124" presetID="3" presetClass="entr" presetSubtype="10" fill="hold" grpId="0" nodeType="clickEffect">
+                                  <p:stCondLst>
+                                    <p:cond delay="0"/>
+                                  </p:stCondLst>
+                                  <p:childTnLst>
+                                    <p:set>
+                                      <p:cBhvr>
+                                        <p:cTn id="125" dur="1" fill="hold">
+                                          <p:stCondLst>
+                                            <p:cond delay="0"/>
+                                          </p:stCondLst>
+                                        </p:cTn>
+                                        <p:tgtEl>
+                                          <p:spTgt spid="79">
+                                            <p:txEl>
+                                              <p:pRg st="5" end="5"/>
+                                            </p:txEl>
+                                          </p:spTgt>
+                                        </p:tgtEl>
+                                        <p:attrNameLst>
+                                          <p:attrName>style.visibility</p:attrName>
+                                        </p:attrNameLst>
+                                      </p:cBhvr>
+                                      <p:to>
+                                        <p:strVal val="visible"/>
+                                      </p:to>
+                                    </p:set>
+                                    <p:animEffect transition="in" filter="blinds(horizontal)">
+                                      <p:cBhvr>
+                                        <p:cTn id="126" dur="500"/>
+                                        <p:tgtEl>
+                                          <p:spTgt spid="79">
+                                            <p:txEl>
+                                              <p:pRg st="5" end="5"/>
+                                            </p:txEl>
+                                          </p:spTgt>
+                                        </p:tgtEl>
+                                      </p:cBhvr>
+                                    </p:animEffect>
+                                  </p:childTnLst>
+                                </p:cTn>
+                              </p:par>
+                              <p:par>
+                                <p:cTn id="127" presetID="3" presetClass="entr" presetSubtype="10" fill="hold" grpId="0" nodeType="withEffect">
+                                  <p:stCondLst>
+                                    <p:cond delay="0"/>
+                                  </p:stCondLst>
+                                  <p:childTnLst>
+                                    <p:set>
+                                      <p:cBhvr>
+                                        <p:cTn id="128" dur="1" fill="hold">
+                                          <p:stCondLst>
+                                            <p:cond delay="0"/>
+                                          </p:stCondLst>
+                                        </p:cTn>
+                                        <p:tgtEl>
+                                          <p:spTgt spid="79">
+                                            <p:txEl>
+                                              <p:pRg st="6" end="6"/>
+                                            </p:txEl>
+                                          </p:spTgt>
+                                        </p:tgtEl>
+                                        <p:attrNameLst>
+                                          <p:attrName>style.visibility</p:attrName>
+                                        </p:attrNameLst>
+                                      </p:cBhvr>
+                                      <p:to>
+                                        <p:strVal val="visible"/>
+                                      </p:to>
+                                    </p:set>
+                                    <p:animEffect transition="in" filter="blinds(horizontal)">
+                                      <p:cBhvr>
+                                        <p:cTn id="129" dur="500"/>
+                                        <p:tgtEl>
+                                          <p:spTgt spid="79">
+                                            <p:txEl>
+                                              <p:pRg st="6" end="6"/>
+                                            </p:txEl>
+                                          </p:spTgt>
+                                        </p:tgtEl>
+                                      </p:cBhvr>
+                                    </p:animEffect>
+                                  </p:childTnLst>
+                                </p:cTn>
+                              </p:par>
+                              <p:par>
+                                <p:cTn id="130" presetID="3" presetClass="entr" presetSubtype="10" fill="hold" grpId="0" nodeType="withEffect">
+                                  <p:stCondLst>
+                                    <p:cond delay="0"/>
+                                  </p:stCondLst>
+                                  <p:childTnLst>
+                                    <p:set>
+                                      <p:cBhvr>
+                                        <p:cTn id="131" dur="1" fill="hold">
+                                          <p:stCondLst>
+                                            <p:cond delay="0"/>
+                                          </p:stCondLst>
+                                        </p:cTn>
+                                        <p:tgtEl>
+                                          <p:spTgt spid="79">
+                                            <p:txEl>
+                                              <p:pRg st="7" end="7"/>
+                                            </p:txEl>
+                                          </p:spTgt>
+                                        </p:tgtEl>
+                                        <p:attrNameLst>
+                                          <p:attrName>style.visibility</p:attrName>
+                                        </p:attrNameLst>
+                                      </p:cBhvr>
+                                      <p:to>
+                                        <p:strVal val="visible"/>
+                                      </p:to>
+                                    </p:set>
+                                    <p:animEffect transition="in" filter="blinds(horizontal)">
+                                      <p:cBhvr>
+                                        <p:cTn id="132" dur="500"/>
+                                        <p:tgtEl>
+                                          <p:spTgt spid="79">
+                                            <p:txEl>
+                                              <p:pRg st="7" end="7"/>
+                                            </p:txEl>
+                                          </p:spTgt>
+                                        </p:tgtEl>
+                                      </p:cBhvr>
+                                    </p:animEffect>
+                                  </p:childTnLst>
+                                </p:cTn>
+                              </p:par>
+                              <p:par>
+                                <p:cTn id="133" presetID="3" presetClass="entr" presetSubtype="10" fill="hold" grpId="0" nodeType="withEffect">
+                                  <p:stCondLst>
+                                    <p:cond delay="0"/>
+                                  </p:stCondLst>
+                                  <p:childTnLst>
+                                    <p:set>
+                                      <p:cBhvr>
+                                        <p:cTn id="134" dur="1" fill="hold">
+                                          <p:stCondLst>
+                                            <p:cond delay="0"/>
+                                          </p:stCondLst>
+                                        </p:cTn>
+                                        <p:tgtEl>
+                                          <p:spTgt spid="44"/>
+                                        </p:tgtEl>
+                                        <p:attrNameLst>
+                                          <p:attrName>style.visibility</p:attrName>
+                                        </p:attrNameLst>
+                                      </p:cBhvr>
+                                      <p:to>
+                                        <p:strVal val="visible"/>
+                                      </p:to>
+                                    </p:set>
+                                    <p:animEffect transition="in" filter="blinds(horizontal)">
+                                      <p:cBhvr>
+                                        <p:cTn id="135" dur="500"/>
+                                        <p:tgtEl>
+                                          <p:spTgt spid="44"/>
+                                        </p:tgtEl>
+                                      </p:cBhvr>
+                                    </p:animEffect>
+                                  </p:childTnLst>
+                                </p:cTn>
+                              </p:par>
+                            </p:childTnLst>
+                          </p:cTn>
+                        </p:par>
+                      </p:childTnLst>
+                    </p:cTn>
+                  </p:par>
+                  <p:par>
+                    <p:cTn id="136" fill="hold">
+                      <p:stCondLst>
+                        <p:cond delay="indefinite"/>
+                      </p:stCondLst>
+                      <p:childTnLst>
+                        <p:par>
+                          <p:cTn id="137" fill="hold">
+                            <p:stCondLst>
+                              <p:cond delay="0"/>
+                            </p:stCondLst>
+                            <p:childTnLst>
+                              <p:par>
+                                <p:cTn id="138" presetID="3" presetClass="entr" presetSubtype="10" fill="hold" grpId="0" nodeType="clickEffect">
+                                  <p:stCondLst>
+                                    <p:cond delay="0"/>
+                                  </p:stCondLst>
+                                  <p:childTnLst>
+                                    <p:set>
+                                      <p:cBhvr>
+                                        <p:cTn id="139" dur="1" fill="hold">
+                                          <p:stCondLst>
+                                            <p:cond delay="0"/>
+                                          </p:stCondLst>
+                                        </p:cTn>
+                                        <p:tgtEl>
+                                          <p:spTgt spid="67">
+                                            <p:txEl>
+                                              <p:pRg st="8" end="8"/>
+                                            </p:txEl>
+                                          </p:spTgt>
+                                        </p:tgtEl>
+                                        <p:attrNameLst>
+                                          <p:attrName>style.visibility</p:attrName>
+                                        </p:attrNameLst>
+                                      </p:cBhvr>
+                                      <p:to>
+                                        <p:strVal val="visible"/>
+                                      </p:to>
+                                    </p:set>
+                                    <p:animEffect transition="in" filter="blinds(horizontal)">
+                                      <p:cBhvr>
+                                        <p:cTn id="140" dur="500"/>
+                                        <p:tgtEl>
+                                          <p:spTgt spid="67">
+                                            <p:txEl>
+                                              <p:pRg st="8" end="8"/>
+                                            </p:txEl>
+                                          </p:spTgt>
+                                        </p:tgtEl>
+                                      </p:cBhvr>
+                                    </p:animEffect>
+                                  </p:childTnLst>
+                                </p:cTn>
+                              </p:par>
+                              <p:par>
+                                <p:cTn id="141" presetID="3" presetClass="entr" presetSubtype="10" fill="hold" grpId="0" nodeType="withEffect">
+                                  <p:stCondLst>
+                                    <p:cond delay="0"/>
+                                  </p:stCondLst>
+                                  <p:childTnLst>
+                                    <p:set>
+                                      <p:cBhvr>
+                                        <p:cTn id="142" dur="1" fill="hold">
+                                          <p:stCondLst>
+                                            <p:cond delay="0"/>
+                                          </p:stCondLst>
+                                        </p:cTn>
+                                        <p:tgtEl>
+                                          <p:spTgt spid="67">
+                                            <p:txEl>
+                                              <p:pRg st="9" end="9"/>
+                                            </p:txEl>
+                                          </p:spTgt>
+                                        </p:tgtEl>
+                                        <p:attrNameLst>
+                                          <p:attrName>style.visibility</p:attrName>
+                                        </p:attrNameLst>
+                                      </p:cBhvr>
+                                      <p:to>
+                                        <p:strVal val="visible"/>
+                                      </p:to>
+                                    </p:set>
+                                    <p:animEffect transition="in" filter="blinds(horizontal)">
+                                      <p:cBhvr>
+                                        <p:cTn id="143" dur="500"/>
+                                        <p:tgtEl>
+                                          <p:spTgt spid="67">
+                                            <p:txEl>
+                                              <p:pRg st="9" end="9"/>
+                                            </p:txEl>
+                                          </p:spTgt>
+                                        </p:tgtEl>
+                                      </p:cBhvr>
+                                    </p:animEffect>
+                                  </p:childTnLst>
+                                </p:cTn>
+                              </p:par>
+                              <p:par>
+                                <p:cTn id="144" presetID="3" presetClass="entr" presetSubtype="10" fill="hold" grpId="0" nodeType="withEffect">
+                                  <p:stCondLst>
+                                    <p:cond delay="0"/>
+                                  </p:stCondLst>
+                                  <p:childTnLst>
+                                    <p:set>
+                                      <p:cBhvr>
+                                        <p:cTn id="145" dur="1" fill="hold">
+                                          <p:stCondLst>
+                                            <p:cond delay="0"/>
+                                          </p:stCondLst>
+                                        </p:cTn>
+                                        <p:tgtEl>
+                                          <p:spTgt spid="67">
+                                            <p:txEl>
+                                              <p:pRg st="10" end="10"/>
+                                            </p:txEl>
+                                          </p:spTgt>
+                                        </p:tgtEl>
+                                        <p:attrNameLst>
+                                          <p:attrName>style.visibility</p:attrName>
+                                        </p:attrNameLst>
+                                      </p:cBhvr>
+                                      <p:to>
+                                        <p:strVal val="visible"/>
+                                      </p:to>
+                                    </p:set>
+                                    <p:animEffect transition="in" filter="blinds(horizontal)">
+                                      <p:cBhvr>
+                                        <p:cTn id="146" dur="500"/>
+                                        <p:tgtEl>
+                                          <p:spTgt spid="67">
+                                            <p:txEl>
+                                              <p:pRg st="10" end="10"/>
+                                            </p:txEl>
+                                          </p:spTgt>
+                                        </p:tgtEl>
+                                      </p:cBhvr>
+                                    </p:animEffect>
+                                  </p:childTnLst>
+                                </p:cTn>
+                              </p:par>
+                            </p:childTnLst>
+                          </p:cTn>
+                        </p:par>
+                      </p:childTnLst>
+                    </p:cTn>
+                  </p:par>
+                  <p:par>
+                    <p:cTn id="147" fill="hold">
+                      <p:stCondLst>
+                        <p:cond delay="indefinite"/>
+                      </p:stCondLst>
+                      <p:childTnLst>
+                        <p:par>
+                          <p:cTn id="148" fill="hold">
+                            <p:stCondLst>
+                              <p:cond delay="0"/>
+                            </p:stCondLst>
+                            <p:childTnLst>
+                              <p:par>
+                                <p:cTn id="149" presetID="3" presetClass="entr" presetSubtype="10" fill="hold" grpId="0" nodeType="clickEffect">
+                                  <p:stCondLst>
+                                    <p:cond delay="0"/>
+                                  </p:stCondLst>
+                                  <p:childTnLst>
+                                    <p:set>
+                                      <p:cBhvr>
+                                        <p:cTn id="150" dur="1" fill="hold">
+                                          <p:stCondLst>
+                                            <p:cond delay="0"/>
+                                          </p:stCondLst>
+                                        </p:cTn>
+                                        <p:tgtEl>
+                                          <p:spTgt spid="68">
+                                            <p:txEl>
+                                              <p:pRg st="8" end="8"/>
+                                            </p:txEl>
+                                          </p:spTgt>
+                                        </p:tgtEl>
+                                        <p:attrNameLst>
+                                          <p:attrName>style.visibility</p:attrName>
+                                        </p:attrNameLst>
+                                      </p:cBhvr>
+                                      <p:to>
+                                        <p:strVal val="visible"/>
+                                      </p:to>
+                                    </p:set>
+                                    <p:animEffect transition="in" filter="blinds(horizontal)">
+                                      <p:cBhvr>
+                                        <p:cTn id="151" dur="500"/>
+                                        <p:tgtEl>
+                                          <p:spTgt spid="68">
+                                            <p:txEl>
+                                              <p:pRg st="8" end="8"/>
+                                            </p:txEl>
+                                          </p:spTgt>
+                                        </p:tgtEl>
+                                      </p:cBhvr>
+                                    </p:animEffect>
+                                  </p:childTnLst>
+                                </p:cTn>
+                              </p:par>
+                            </p:childTnLst>
+                          </p:cTn>
+                        </p:par>
+                      </p:childTnLst>
+                    </p:cTn>
+                  </p:par>
+                  <p:par>
+                    <p:cTn id="152" fill="hold">
+                      <p:stCondLst>
+                        <p:cond delay="indefinite"/>
+                      </p:stCondLst>
+                      <p:childTnLst>
+                        <p:par>
+                          <p:cTn id="153" fill="hold">
+                            <p:stCondLst>
+                              <p:cond delay="0"/>
+                            </p:stCondLst>
+                            <p:childTnLst>
+                              <p:par>
+                                <p:cTn id="154" presetID="3" presetClass="entr" presetSubtype="10" fill="hold" grpId="0" nodeType="clickEffect">
+                                  <p:stCondLst>
+                                    <p:cond delay="0"/>
+                                  </p:stCondLst>
+                                  <p:childTnLst>
+                                    <p:set>
+                                      <p:cBhvr>
+                                        <p:cTn id="155" dur="1" fill="hold">
+                                          <p:stCondLst>
+                                            <p:cond delay="0"/>
+                                          </p:stCondLst>
+                                        </p:cTn>
+                                        <p:tgtEl>
+                                          <p:spTgt spid="66"/>
+                                        </p:tgtEl>
+                                        <p:attrNameLst>
+                                          <p:attrName>style.visibility</p:attrName>
+                                        </p:attrNameLst>
+                                      </p:cBhvr>
+                                      <p:to>
+                                        <p:strVal val="visible"/>
+                                      </p:to>
+                                    </p:set>
+                                    <p:animEffect transition="in" filter="blinds(horizontal)">
+                                      <p:cBhvr>
+                                        <p:cTn id="156" dur="500"/>
+                                        <p:tgtEl>
+                                          <p:spTgt spid="66"/>
+                                        </p:tgtEl>
+                                      </p:cBhvr>
+                                    </p:animEffect>
+                                  </p:childTnLst>
+                                </p:cTn>
+                              </p:par>
+                              <p:par>
+                                <p:cTn id="157" presetID="3" presetClass="entr" presetSubtype="10" fill="hold" nodeType="withEffect">
+                                  <p:stCondLst>
+                                    <p:cond delay="0"/>
+                                  </p:stCondLst>
+                                  <p:childTnLst>
+                                    <p:set>
+                                      <p:cBhvr>
+                                        <p:cTn id="158" dur="1" fill="hold">
+                                          <p:stCondLst>
+                                            <p:cond delay="0"/>
+                                          </p:stCondLst>
+                                        </p:cTn>
+                                        <p:tgtEl>
+                                          <p:spTgt spid="63"/>
+                                        </p:tgtEl>
+                                        <p:attrNameLst>
+                                          <p:attrName>style.visibility</p:attrName>
+                                        </p:attrNameLst>
+                                      </p:cBhvr>
+                                      <p:to>
+                                        <p:strVal val="visible"/>
+                                      </p:to>
+                                    </p:set>
+                                    <p:animEffect transition="in" filter="blinds(horizontal)">
+                                      <p:cBhvr>
+                                        <p:cTn id="159" dur="500"/>
+                                        <p:tgtEl>
+                                          <p:spTgt spid="63"/>
+                                        </p:tgtEl>
+                                      </p:cBhvr>
+                                    </p:animEffect>
+                                  </p:childTnLst>
+                                </p:cTn>
+                              </p:par>
+                              <p:par>
+                                <p:cTn id="160" presetID="3" presetClass="entr" presetSubtype="10" fill="hold" grpId="1" nodeType="withEffect">
+                                  <p:stCondLst>
+                                    <p:cond delay="0"/>
+                                  </p:stCondLst>
+                                  <p:childTnLst>
+                                    <p:set>
+                                      <p:cBhvr>
+                                        <p:cTn id="161" dur="1" fill="hold">
+                                          <p:stCondLst>
+                                            <p:cond delay="0"/>
+                                          </p:stCondLst>
+                                        </p:cTn>
+                                        <p:tgtEl>
+                                          <p:spTgt spid="66"/>
+                                        </p:tgtEl>
+                                        <p:attrNameLst>
+                                          <p:attrName>style.visibility</p:attrName>
+                                        </p:attrNameLst>
+                                      </p:cBhvr>
+                                      <p:to>
+                                        <p:strVal val="visible"/>
+                                      </p:to>
+                                    </p:set>
+                                    <p:animEffect transition="in" filter="blinds(horizontal)">
+                                      <p:cBhvr>
+                                        <p:cTn id="162" dur="500"/>
+                                        <p:tgtEl>
+                                          <p:spTgt spid="66"/>
+                                        </p:tgtEl>
+                                      </p:cBhvr>
+                                    </p:animEffect>
+                                  </p:childTnLst>
+                                </p:cTn>
+                              </p:par>
+                              <p:par>
+                                <p:cTn id="163" presetID="3" presetClass="entr" presetSubtype="10" fill="hold" grpId="0" nodeType="withEffect">
+                                  <p:stCondLst>
+                                    <p:cond delay="0"/>
+                                  </p:stCondLst>
+                                  <p:childTnLst>
+                                    <p:set>
+                                      <p:cBhvr>
+                                        <p:cTn id="164" dur="1" fill="hold">
+                                          <p:stCondLst>
+                                            <p:cond delay="0"/>
+                                          </p:stCondLst>
+                                        </p:cTn>
+                                        <p:tgtEl>
+                                          <p:spTgt spid="60"/>
+                                        </p:tgtEl>
+                                        <p:attrNameLst>
+                                          <p:attrName>style.visibility</p:attrName>
+                                        </p:attrNameLst>
+                                      </p:cBhvr>
+                                      <p:to>
+                                        <p:strVal val="visible"/>
+                                      </p:to>
+                                    </p:set>
+                                    <p:animEffect transition="in" filter="blinds(horizontal)">
+                                      <p:cBhvr>
+                                        <p:cTn id="165" dur="500"/>
+                                        <p:tgtEl>
+                                          <p:spTgt spid="60"/>
+                                        </p:tgtEl>
+                                      </p:cBhvr>
+                                    </p:animEffect>
+                                  </p:childTnLst>
+                                </p:cTn>
+                              </p:par>
+                              <p:par>
+                                <p:cTn id="166" presetID="3" presetClass="entr" presetSubtype="10" fill="hold" grpId="0" nodeType="withEffect">
+                                  <p:stCondLst>
+                                    <p:cond delay="0"/>
+                                  </p:stCondLst>
+                                  <p:childTnLst>
+                                    <p:set>
+                                      <p:cBhvr>
+                                        <p:cTn id="167" dur="1" fill="hold">
+                                          <p:stCondLst>
+                                            <p:cond delay="0"/>
+                                          </p:stCondLst>
+                                        </p:cTn>
+                                        <p:tgtEl>
+                                          <p:spTgt spid="79">
+                                            <p:txEl>
+                                              <p:pRg st="8" end="8"/>
+                                            </p:txEl>
+                                          </p:spTgt>
+                                        </p:tgtEl>
+                                        <p:attrNameLst>
+                                          <p:attrName>style.visibility</p:attrName>
+                                        </p:attrNameLst>
+                                      </p:cBhvr>
+                                      <p:to>
+                                        <p:strVal val="visible"/>
+                                      </p:to>
+                                    </p:set>
+                                    <p:animEffect transition="in" filter="blinds(horizontal)">
+                                      <p:cBhvr>
+                                        <p:cTn id="168" dur="500"/>
+                                        <p:tgtEl>
+                                          <p:spTgt spid="79">
+                                            <p:txEl>
+                                              <p:pRg st="8" end="8"/>
+                                            </p:txEl>
+                                          </p:spTgt>
+                                        </p:tgtEl>
+                                      </p:cBhvr>
+                                    </p:animEffect>
+                                  </p:childTnLst>
+                                </p:cTn>
+                              </p:par>
+                              <p:par>
+                                <p:cTn id="169" presetID="3" presetClass="entr" presetSubtype="10" fill="hold" grpId="0" nodeType="withEffect">
+                                  <p:stCondLst>
+                                    <p:cond delay="0"/>
+                                  </p:stCondLst>
+                                  <p:childTnLst>
+                                    <p:set>
+                                      <p:cBhvr>
+                                        <p:cTn id="170" dur="1" fill="hold">
+                                          <p:stCondLst>
+                                            <p:cond delay="0"/>
+                                          </p:stCondLst>
+                                        </p:cTn>
+                                        <p:tgtEl>
+                                          <p:spTgt spid="79">
+                                            <p:txEl>
+                                              <p:pRg st="9" end="9"/>
+                                            </p:txEl>
+                                          </p:spTgt>
+                                        </p:tgtEl>
+                                        <p:attrNameLst>
+                                          <p:attrName>style.visibility</p:attrName>
+                                        </p:attrNameLst>
+                                      </p:cBhvr>
+                                      <p:to>
+                                        <p:strVal val="visible"/>
+                                      </p:to>
+                                    </p:set>
+                                    <p:animEffect transition="in" filter="blinds(horizontal)">
+                                      <p:cBhvr>
+                                        <p:cTn id="171" dur="500"/>
+                                        <p:tgtEl>
+                                          <p:spTgt spid="79">
+                                            <p:txEl>
+                                              <p:pRg st="9" end="9"/>
+                                            </p:txEl>
+                                          </p:spTgt>
+                                        </p:tgtEl>
+                                      </p:cBhvr>
+                                    </p:animEffect>
+                                  </p:childTnLst>
+                                </p:cTn>
+                              </p:par>
+                              <p:par>
+                                <p:cTn id="172" presetID="3" presetClass="entr" presetSubtype="10" fill="hold" grpId="0" nodeType="withEffect">
+                                  <p:stCondLst>
+                                    <p:cond delay="0"/>
+                                  </p:stCondLst>
+                                  <p:childTnLst>
+                                    <p:set>
+                                      <p:cBhvr>
+                                        <p:cTn id="173" dur="1" fill="hold">
+                                          <p:stCondLst>
+                                            <p:cond delay="0"/>
+                                          </p:stCondLst>
+                                        </p:cTn>
+                                        <p:tgtEl>
+                                          <p:spTgt spid="79">
+                                            <p:txEl>
+                                              <p:pRg st="10" end="10"/>
+                                            </p:txEl>
+                                          </p:spTgt>
+                                        </p:tgtEl>
+                                        <p:attrNameLst>
+                                          <p:attrName>style.visibility</p:attrName>
+                                        </p:attrNameLst>
+                                      </p:cBhvr>
+                                      <p:to>
+                                        <p:strVal val="visible"/>
+                                      </p:to>
+                                    </p:set>
+                                    <p:animEffect transition="in" filter="blinds(horizontal)">
+                                      <p:cBhvr>
+                                        <p:cTn id="174" dur="500"/>
+                                        <p:tgtEl>
+                                          <p:spTgt spid="79">
+                                            <p:txEl>
+                                              <p:pRg st="10" end="10"/>
+                                            </p:txEl>
+                                          </p:spTgt>
+                                        </p:tgtEl>
+                                      </p:cBhvr>
+                                    </p:animEffect>
+                                  </p:childTnLst>
+                                </p:cTn>
+                              </p:par>
+                              <p:par>
+                                <p:cTn id="175" presetID="3" presetClass="entr" presetSubtype="10" fill="hold" grpId="0" nodeType="withEffect">
+                                  <p:stCondLst>
+                                    <p:cond delay="0"/>
+                                  </p:stCondLst>
+                                  <p:childTnLst>
+                                    <p:set>
+                                      <p:cBhvr>
+                                        <p:cTn id="176" dur="1" fill="hold">
+                                          <p:stCondLst>
+                                            <p:cond delay="0"/>
+                                          </p:stCondLst>
+                                        </p:cTn>
+                                        <p:tgtEl>
+                                          <p:spTgt spid="45"/>
+                                        </p:tgtEl>
+                                        <p:attrNameLst>
+                                          <p:attrName>style.visibility</p:attrName>
+                                        </p:attrNameLst>
+                                      </p:cBhvr>
+                                      <p:to>
+                                        <p:strVal val="visible"/>
+                                      </p:to>
+                                    </p:set>
+                                    <p:animEffect transition="in" filter="blinds(horizontal)">
+                                      <p:cBhvr>
+                                        <p:cTn id="177" dur="500"/>
+                                        <p:tgtEl>
+                                          <p:spTgt spid="45"/>
+                                        </p:tgtEl>
+                                      </p:cBhvr>
+                                    </p:animEffect>
+                                  </p:childTnLst>
+                                </p:cTn>
+                              </p:par>
+                              <p:par>
+                                <p:cTn id="178" presetID="3" presetClass="entr" presetSubtype="10" fill="hold" grpId="0" nodeType="withEffect">
+                                  <p:stCondLst>
+                                    <p:cond delay="0"/>
+                                  </p:stCondLst>
+                                  <p:childTnLst>
+                                    <p:set>
+                                      <p:cBhvr>
+                                        <p:cTn id="179" dur="1" fill="hold">
+                                          <p:stCondLst>
+                                            <p:cond delay="0"/>
+                                          </p:stCondLst>
+                                        </p:cTn>
+                                        <p:tgtEl>
+                                          <p:spTgt spid="67">
+                                            <p:txEl>
+                                              <p:pRg st="7" end="7"/>
+                                            </p:txEl>
+                                          </p:spTgt>
+                                        </p:tgtEl>
+                                        <p:attrNameLst>
+                                          <p:attrName>style.visibility</p:attrName>
+                                        </p:attrNameLst>
+                                      </p:cBhvr>
+                                      <p:to>
+                                        <p:strVal val="visible"/>
+                                      </p:to>
+                                    </p:set>
+                                    <p:animEffect transition="in" filter="blinds(horizontal)">
+                                      <p:cBhvr>
+                                        <p:cTn id="180" dur="500"/>
+                                        <p:tgtEl>
+                                          <p:spTgt spid="67">
+                                            <p:txEl>
+                                              <p:pRg st="7" end="7"/>
+                                            </p:txEl>
+                                          </p:spTgt>
+                                        </p:tgtEl>
+                                      </p:cBhvr>
+                                    </p:animEffect>
+                                  </p:childTnLst>
+                                </p:cTn>
+                              </p:par>
+                            </p:childTnLst>
+                          </p:cTn>
+                        </p:par>
+                      </p:childTnLst>
+                    </p:cTn>
+                  </p:par>
+                  <p:par>
+                    <p:cTn id="181" fill="hold">
+                      <p:stCondLst>
+                        <p:cond delay="indefinite"/>
+                      </p:stCondLst>
+                      <p:childTnLst>
+                        <p:par>
+                          <p:cTn id="182" fill="hold">
+                            <p:stCondLst>
+                              <p:cond delay="0"/>
+                            </p:stCondLst>
+                            <p:childTnLst>
+                              <p:par>
+                                <p:cTn id="183" presetID="1" presetClass="entr" presetSubtype="0" fill="hold" grpId="0" nodeType="clickEffect">
+                                  <p:stCondLst>
+                                    <p:cond delay="0"/>
+                                  </p:stCondLst>
+                                  <p:childTnLst>
+                                    <p:set>
+                                      <p:cBhvr>
+                                        <p:cTn id="184" dur="1" fill="hold">
+                                          <p:stCondLst>
+                                            <p:cond delay="0"/>
+                                          </p:stCondLst>
+                                        </p:cTn>
+                                        <p:tgtEl>
+                                          <p:spTgt spid="81"/>
+                                        </p:tgtEl>
+                                        <p:attrNameLst>
+                                          <p:attrName>style.visibility</p:attrName>
+                                        </p:attrNameLst>
+                                      </p:cBhvr>
+                                      <p:to>
+                                        <p:strVal val="visible"/>
+                                      </p:to>
+                                    </p:set>
+                                  </p:childTnLst>
+                                </p:cTn>
+                              </p:par>
+                            </p:childTnLst>
+                          </p:cTn>
+                        </p:par>
+                      </p:childTnLst>
+                    </p:cTn>
+                  </p:par>
+                </p:childTnLst>
+              </p:cTn>
+              <p:prevCondLst>
+                <p:cond evt="onPrev" delay="0">
+                  <p:tgtEl>
+                    <p:sldTgt/>
+                  </p:tgtEl>
+                </p:cond>
+              </p:prevCondLst>
+              <p:nextCondLst>
+                <p:cond evt="onNext" delay="0">
+                  <p:tgtEl>
+                    <p:sldTgt/>
+                  </p:tgtEl>
+                </p:cond>
+              </p:nextCondLst>
+            </p:seq>
+          </p:childTnLst>
+        </p:cTn>
+      </p:par>
+    </p:tnLst>
+    <p:bldLst>
+      <p:bldP spid="42" grpId="0" animBg="1"/>
+      <p:bldP spid="43" grpId="0" animBg="1"/>
+      <p:bldP spid="44" grpId="0" animBg="1"/>
+      <p:bldP spid="45" grpId="0" animBg="1"/>
+      <p:bldP spid="47" grpId="0" animBg="1"/>
+      <p:bldP spid="48" grpId="0" animBg="1"/>
+      <p:bldP spid="51" grpId="0"/>
+      <p:bldP spid="51" grpId="1"/>
+      <p:bldP spid="52" grpId="0"/>
+      <p:bldP spid="53" grpId="0"/>
+      <p:bldP spid="54" grpId="0"/>
+      <p:bldP spid="55" grpId="0"/>
+      <p:bldP spid="58" grpId="0" animBg="1"/>
+      <p:bldP spid="59" grpId="0" animBg="1"/>
+      <p:bldP spid="60" grpId="0" animBg="1"/>
+      <p:bldP spid="61" grpId="0" animBg="1"/>
+      <p:bldP spid="65" grpId="0" animBg="1"/>
+      <p:bldP spid="66" grpId="0"/>
+      <p:bldP spid="66" grpId="1"/>
+      <p:bldP spid="67" grpId="0" build="p"/>
+      <p:bldP spid="68" grpId="0" build="p"/>
+      <p:bldP spid="76" grpId="0" animBg="1"/>
+      <p:bldP spid="77" grpId="0" animBg="1"/>
+      <p:bldP spid="78" grpId="0" animBg="1"/>
+      <p:bldP spid="79" grpId="0" build="p"/>
+      <p:bldP spid="81" grpId="0"/>
+    </p:bldLst>
+  </p:timing>
+</p:sld>
+</file>
+
+<file path=ppt/slides/slide5.xml><?xml version="1.0" encoding="utf-8"?>
 <p:sld xmlns:a="http://schemas.openxmlformats.org/drawingml/2006/main" xmlns:r="http://schemas.openxmlformats.org/officeDocument/2006/relationships" xmlns:p="http://schemas.openxmlformats.org/presentationml/2006/main">
   <p:cSld>
     <p:spTree>
@@ -4199,7 +12635,7 @@
 </p:sld>
 </file>
 
-<file path=ppt/slides/slide5.xml><?xml version="1.0" encoding="utf-8"?>
+<file path=ppt/slides/slide6.xml><?xml version="1.0" encoding="utf-8"?>
 <p:sld xmlns:a="http://schemas.openxmlformats.org/drawingml/2006/main" xmlns:r="http://schemas.openxmlformats.org/officeDocument/2006/relationships" xmlns:p="http://schemas.openxmlformats.org/presentationml/2006/main">
   <p:cSld>
     <p:spTree>
@@ -4519,7 +12955,7 @@
 </p:sld>
 </file>
 
-<file path=ppt/slides/slide6.xml><?xml version="1.0" encoding="utf-8"?>
+<file path=ppt/slides/slide7.xml><?xml version="1.0" encoding="utf-8"?>
 <p:sld xmlns:a="http://schemas.openxmlformats.org/drawingml/2006/main" xmlns:r="http://schemas.openxmlformats.org/officeDocument/2006/relationships" xmlns:p="http://schemas.openxmlformats.org/presentationml/2006/main">
   <p:cSld>
     <p:spTree>
@@ -4865,7 +13301,7 @@
 </p:sld>
 </file>
 
-<file path=ppt/slides/slide7.xml><?xml version="1.0" encoding="utf-8"?>
+<file path=ppt/slides/slide8.xml><?xml version="1.0" encoding="utf-8"?>
 <p:sld xmlns:a="http://schemas.openxmlformats.org/drawingml/2006/main" xmlns:r="http://schemas.openxmlformats.org/officeDocument/2006/relationships" xmlns:p="http://schemas.openxmlformats.org/presentationml/2006/main">
   <p:cSld>
     <p:spTree>
@@ -5189,7 +13625,7 @@
 </p:sld>
 </file>
 
-<file path=ppt/slides/slide8.xml><?xml version="1.0" encoding="utf-8"?>
+<file path=ppt/slides/slide9.xml><?xml version="1.0" encoding="utf-8"?>
 <p:sld xmlns:a="http://schemas.openxmlformats.org/drawingml/2006/main" xmlns:r="http://schemas.openxmlformats.org/officeDocument/2006/relationships" xmlns:p="http://schemas.openxmlformats.org/presentationml/2006/main">
   <p:cSld>
     <p:spTree>
@@ -5427,11 +13863,6 @@
               </a:rPr>
               <a:t>(90,{15})</a:t>
             </a:r>
-            <a:endParaRPr lang="en-US" dirty="0" smtClean="0">
-              <a:solidFill>
-                <a:schemeClr val="tx2"/>
-              </a:solidFill>
-            </a:endParaRPr>
           </a:p>
         </p:txBody>
       </p:sp>
@@ -5515,307 +13946,10 @@
 </p:sld>
 </file>
 
-<file path=ppt/slides/slide9.xml><?xml version="1.0" encoding="utf-8"?>
-<p:sld xmlns:a="http://schemas.openxmlformats.org/drawingml/2006/main" xmlns:r="http://schemas.openxmlformats.org/officeDocument/2006/relationships" xmlns:p="http://schemas.openxmlformats.org/presentationml/2006/main">
-  <p:cSld>
-    <p:spTree>
-      <p:nvGrpSpPr>
-        <p:cNvPr id="1" name=""/>
-        <p:cNvGrpSpPr/>
-        <p:nvPr/>
-      </p:nvGrpSpPr>
-      <p:grpSpPr>
-        <a:xfrm>
-          <a:off x="0" y="0"/>
-          <a:ext cx="0" cy="0"/>
-          <a:chOff x="0" y="0"/>
-          <a:chExt cx="0" cy="0"/>
-        </a:xfrm>
-      </p:grpSpPr>
-      <p:sp>
-        <p:nvSpPr>
-          <p:cNvPr id="2" name="标题 1"/>
-          <p:cNvSpPr>
-            <a:spLocks noGrp="1"/>
-          </p:cNvSpPr>
-          <p:nvPr>
-            <p:ph type="title"/>
-          </p:nvPr>
-        </p:nvSpPr>
-        <p:spPr/>
-        <p:txBody>
-          <a:bodyPr/>
-          <a:lstStyle/>
-          <a:p>
-            <a:r>
-              <a:rPr lang="en-US" dirty="0" smtClean="0"/>
-              <a:t>Example</a:t>
-            </a:r>
-            <a:endParaRPr lang="en-US" dirty="0"/>
-          </a:p>
-        </p:txBody>
-      </p:sp>
-      <p:sp>
-        <p:nvSpPr>
-          <p:cNvPr id="3" name="内容占位符 2"/>
-          <p:cNvSpPr>
-            <a:spLocks noGrp="1"/>
-          </p:cNvSpPr>
-          <p:nvPr>
-            <p:ph idx="1"/>
-          </p:nvPr>
-        </p:nvSpPr>
-        <p:spPr/>
-        <p:txBody>
-          <a:bodyPr>
-            <a:normAutofit fontScale="85000" lnSpcReduction="20000"/>
-          </a:bodyPr>
-          <a:lstStyle/>
-          <a:p>
-            <a:pPr>
-              <a:buNone/>
-            </a:pPr>
-            <a:r>
-              <a:rPr lang="en-US" dirty="0" smtClean="0"/>
-              <a:t>Public  </a:t>
-            </a:r>
-            <a:r>
-              <a:rPr lang="en-US" dirty="0" err="1" smtClean="0"/>
-              <a:t>bool</a:t>
-            </a:r>
-            <a:r>
-              <a:rPr lang="en-US" dirty="0" smtClean="0"/>
-              <a:t> </a:t>
-            </a:r>
-            <a:r>
-              <a:rPr lang="en-US" dirty="0" err="1" smtClean="0"/>
-              <a:t>TestLoop</a:t>
-            </a:r>
-            <a:r>
-              <a:rPr lang="en-US" dirty="0" smtClean="0"/>
-              <a:t>(</a:t>
-            </a:r>
-            <a:r>
-              <a:rPr lang="en-US" dirty="0" err="1" smtClean="0"/>
-              <a:t>int</a:t>
-            </a:r>
-            <a:r>
-              <a:rPr lang="en-US" dirty="0" smtClean="0"/>
-              <a:t> x, </a:t>
-            </a:r>
-            <a:r>
-              <a:rPr lang="en-US" dirty="0" err="1" smtClean="0"/>
-              <a:t>int</a:t>
-            </a:r>
-            <a:r>
-              <a:rPr lang="en-US" dirty="0" smtClean="0"/>
-              <a:t>[] y){</a:t>
-            </a:r>
-          </a:p>
-          <a:p>
-            <a:pPr>
-              <a:buNone/>
-            </a:pPr>
-            <a:r>
-              <a:rPr lang="en-US" dirty="0" smtClean="0"/>
-              <a:t>	if(x==90){</a:t>
-            </a:r>
-          </a:p>
-          <a:p>
-            <a:pPr>
-              <a:buNone/>
-            </a:pPr>
-            <a:r>
-              <a:rPr lang="en-US" dirty="0" smtClean="0"/>
-              <a:t>		for(</a:t>
-            </a:r>
-            <a:r>
-              <a:rPr lang="en-US" dirty="0" err="1" smtClean="0"/>
-              <a:t>int</a:t>
-            </a:r>
-            <a:r>
-              <a:rPr lang="en-US" dirty="0" smtClean="0"/>
-              <a:t> </a:t>
-            </a:r>
-            <a:r>
-              <a:rPr lang="en-US" dirty="0" err="1" smtClean="0"/>
-              <a:t>i</a:t>
-            </a:r>
-            <a:r>
-              <a:rPr lang="en-US" dirty="0" smtClean="0"/>
-              <a:t>=0; </a:t>
-            </a:r>
-            <a:r>
-              <a:rPr lang="en-US" dirty="0" err="1" smtClean="0"/>
-              <a:t>i</a:t>
-            </a:r>
-            <a:r>
-              <a:rPr lang="en-US" dirty="0" smtClean="0"/>
-              <a:t>&lt;</a:t>
-            </a:r>
-            <a:r>
-              <a:rPr lang="en-US" dirty="0" err="1" smtClean="0"/>
-              <a:t>y.length;i</a:t>
-            </a:r>
-            <a:r>
-              <a:rPr lang="en-US" dirty="0" smtClean="0"/>
-              <a:t>++)</a:t>
-            </a:r>
-          </a:p>
-          <a:p>
-            <a:pPr>
-              <a:buNone/>
-            </a:pPr>
-            <a:r>
-              <a:rPr lang="en-US" dirty="0" smtClean="0"/>
-              <a:t>			if(y[</a:t>
-            </a:r>
-            <a:r>
-              <a:rPr lang="en-US" dirty="0" err="1" smtClean="0"/>
-              <a:t>i</a:t>
-            </a:r>
-            <a:r>
-              <a:rPr lang="en-US" dirty="0" smtClean="0"/>
-              <a:t>]==15)</a:t>
-            </a:r>
-          </a:p>
-          <a:p>
-            <a:pPr>
-              <a:buNone/>
-            </a:pPr>
-            <a:r>
-              <a:rPr lang="en-US" dirty="0" smtClean="0"/>
-              <a:t>				x++;</a:t>
-            </a:r>
-          </a:p>
-          <a:p>
-            <a:pPr>
-              <a:buNone/>
-            </a:pPr>
-            <a:r>
-              <a:rPr lang="en-US" dirty="0" smtClean="0"/>
-              <a:t>		If(x==110)</a:t>
-            </a:r>
-          </a:p>
-          <a:p>
-            <a:pPr>
-              <a:buNone/>
-            </a:pPr>
-            <a:r>
-              <a:rPr lang="en-US" dirty="0" smtClean="0"/>
-              <a:t>			return true;</a:t>
-            </a:r>
-          </a:p>
-          <a:p>
-            <a:pPr>
-              <a:buNone/>
-            </a:pPr>
-            <a:r>
-              <a:rPr lang="en-US" dirty="0" smtClean="0"/>
-              <a:t>	}</a:t>
-            </a:r>
-          </a:p>
-          <a:p>
-            <a:pPr>
-              <a:buNone/>
-            </a:pPr>
-            <a:r>
-              <a:rPr lang="en-US" dirty="0" smtClean="0"/>
-              <a:t>	return false;</a:t>
-            </a:r>
-          </a:p>
-          <a:p>
-            <a:pPr>
-              <a:buNone/>
-            </a:pPr>
-            <a:r>
-              <a:rPr lang="en-US" dirty="0" smtClean="0"/>
-              <a:t>}</a:t>
-            </a:r>
-          </a:p>
-          <a:p>
-            <a:endParaRPr lang="en-US" dirty="0"/>
-          </a:p>
-        </p:txBody>
-      </p:sp>
-      <p:pic>
-        <p:nvPicPr>
-          <p:cNvPr id="4" name="图片 3" descr="test4.JPG"/>
-          <p:cNvPicPr>
-            <a:picLocks noChangeAspect="1"/>
-          </p:cNvPicPr>
-          <p:nvPr/>
-        </p:nvPicPr>
-        <p:blipFill>
-          <a:blip r:embed="rId2"/>
-          <a:stretch>
-            <a:fillRect/>
-          </a:stretch>
-        </p:blipFill>
-        <p:spPr>
-          <a:xfrm>
-            <a:off x="5181600" y="2667000"/>
-            <a:ext cx="3248025" cy="3238500"/>
-          </a:xfrm>
-          <a:prstGeom prst="rect">
-            <a:avLst/>
-          </a:prstGeom>
-        </p:spPr>
-      </p:pic>
-      <p:sp>
-        <p:nvSpPr>
-          <p:cNvPr id="5" name="右箭头 4"/>
-          <p:cNvSpPr/>
-          <p:nvPr/>
-        </p:nvSpPr>
-        <p:spPr>
-          <a:xfrm>
-            <a:off x="990600" y="4114800"/>
-            <a:ext cx="762000" cy="381000"/>
-          </a:xfrm>
-          <a:prstGeom prst="rightArrow">
-            <a:avLst/>
-          </a:prstGeom>
-          <a:solidFill>
-            <a:schemeClr val="accent2"/>
-          </a:solidFill>
-          <a:ln>
-            <a:solidFill>
-              <a:schemeClr val="bg1"/>
-            </a:solidFill>
-          </a:ln>
-        </p:spPr>
-        <p:style>
-          <a:lnRef idx="2">
-            <a:schemeClr val="accent1">
-              <a:shade val="50000"/>
-            </a:schemeClr>
-          </a:lnRef>
-          <a:fillRef idx="1">
-            <a:schemeClr val="accent1"/>
-          </a:fillRef>
-          <a:effectRef idx="0">
-            <a:schemeClr val="accent1"/>
-          </a:effectRef>
-          <a:fontRef idx="minor">
-            <a:schemeClr val="lt1"/>
-          </a:fontRef>
-        </p:style>
-        <p:txBody>
-          <a:bodyPr rtlCol="0" anchor="ctr"/>
-          <a:lstStyle/>
-          <a:p>
-            <a:pPr algn="ctr"/>
-            <a:endParaRPr lang="en-US" sz="2000"/>
-          </a:p>
-        </p:txBody>
-      </p:sp>
-    </p:spTree>
-  </p:cSld>
-  <p:clrMapOvr>
-    <a:masterClrMapping/>
-  </p:clrMapOvr>
-</p:sld>
+<file path=ppt/tags/tag1.xml><?xml version="1.0" encoding="utf-8"?>
+<p:tagLst xmlns:a="http://schemas.openxmlformats.org/drawingml/2006/main" xmlns:r="http://schemas.openxmlformats.org/officeDocument/2006/relationships" xmlns:p="http://schemas.openxmlformats.org/presentationml/2006/main">
+  <p:tag name="TIMING" val="|15.6|21.4|22|28.1"/>
+</p:tagLst>
 </file>
 
 <file path=ppt/theme/theme1.xml><?xml version="1.0" encoding="utf-8"?>
@@ -5826,7 +13960,290 @@
         <a:sysClr val="windowText" lastClr="000000"/>
       </a:dk1>
       <a:lt1>
-        <a:sysClr val="window" lastClr="C7EDCC"/>
+        <a:sysClr val="window" lastClr="FFFFFF"/>
+      </a:lt1>
+      <a:dk2>
+        <a:srgbClr val="1F497D"/>
+      </a:dk2>
+      <a:lt2>
+        <a:srgbClr val="EEECE1"/>
+      </a:lt2>
+      <a:accent1>
+        <a:srgbClr val="4F81BD"/>
+      </a:accent1>
+      <a:accent2>
+        <a:srgbClr val="C0504D"/>
+      </a:accent2>
+      <a:accent3>
+        <a:srgbClr val="9BBB59"/>
+      </a:accent3>
+      <a:accent4>
+        <a:srgbClr val="8064A2"/>
+      </a:accent4>
+      <a:accent5>
+        <a:srgbClr val="4BACC6"/>
+      </a:accent5>
+      <a:accent6>
+        <a:srgbClr val="F79646"/>
+      </a:accent6>
+      <a:hlink>
+        <a:srgbClr val="0000FF"/>
+      </a:hlink>
+      <a:folHlink>
+        <a:srgbClr val="800080"/>
+      </a:folHlink>
+    </a:clrScheme>
+    <a:fontScheme name="Office">
+      <a:majorFont>
+        <a:latin typeface="Calibri"/>
+        <a:ea typeface=""/>
+        <a:cs typeface=""/>
+        <a:font script="Jpan" typeface="ＭＳ Ｐゴシック"/>
+        <a:font script="Hang" typeface="맑은 고딕"/>
+        <a:font script="Hans" typeface="宋体"/>
+        <a:font script="Hant" typeface="新細明體"/>
+        <a:font script="Arab" typeface="Times New Roman"/>
+        <a:font script="Hebr" typeface="Times New Roman"/>
+        <a:font script="Thai" typeface="Angsana New"/>
+        <a:font script="Ethi" typeface="Nyala"/>
+        <a:font script="Beng" typeface="Vrinda"/>
+        <a:font script="Gujr" typeface="Shruti"/>
+        <a:font script="Khmr" typeface="MoolBoran"/>
+        <a:font script="Knda" typeface="Tunga"/>
+        <a:font script="Guru" typeface="Raavi"/>
+        <a:font script="Cans" typeface="Euphemia"/>
+        <a:font script="Cher" typeface="Plantagenet Cherokee"/>
+        <a:font script="Yiii" typeface="Microsoft Yi Baiti"/>
+        <a:font script="Tibt" typeface="Microsoft Himalaya"/>
+        <a:font script="Thaa" typeface="MV Boli"/>
+        <a:font script="Deva" typeface="Mangal"/>
+        <a:font script="Telu" typeface="Gautami"/>
+        <a:font script="Taml" typeface="Latha"/>
+        <a:font script="Syrc" typeface="Estrangelo Edessa"/>
+        <a:font script="Orya" typeface="Kalinga"/>
+        <a:font script="Mlym" typeface="Kartika"/>
+        <a:font script="Laoo" typeface="DokChampa"/>
+        <a:font script="Sinh" typeface="Iskoola Pota"/>
+        <a:font script="Mong" typeface="Mongolian Baiti"/>
+        <a:font script="Viet" typeface="Times New Roman"/>
+        <a:font script="Uigh" typeface="Microsoft Uighur"/>
+      </a:majorFont>
+      <a:minorFont>
+        <a:latin typeface="Calibri"/>
+        <a:ea typeface=""/>
+        <a:cs typeface=""/>
+        <a:font script="Jpan" typeface="ＭＳ Ｐゴシック"/>
+        <a:font script="Hang" typeface="맑은 고딕"/>
+        <a:font script="Hans" typeface="宋体"/>
+        <a:font script="Hant" typeface="新細明體"/>
+        <a:font script="Arab" typeface="Arial"/>
+        <a:font script="Hebr" typeface="Arial"/>
+        <a:font script="Thai" typeface="Cordia New"/>
+        <a:font script="Ethi" typeface="Nyala"/>
+        <a:font script="Beng" typeface="Vrinda"/>
+        <a:font script="Gujr" typeface="Shruti"/>
+        <a:font script="Khmr" typeface="DaunPenh"/>
+        <a:font script="Knda" typeface="Tunga"/>
+        <a:font script="Guru" typeface="Raavi"/>
+        <a:font script="Cans" typeface="Euphemia"/>
+        <a:font script="Cher" typeface="Plantagenet Cherokee"/>
+        <a:font script="Yiii" typeface="Microsoft Yi Baiti"/>
+        <a:font script="Tibt" typeface="Microsoft Himalaya"/>
+        <a:font script="Thaa" typeface="MV Boli"/>
+        <a:font script="Deva" typeface="Mangal"/>
+        <a:font script="Telu" typeface="Gautami"/>
+        <a:font script="Taml" typeface="Latha"/>
+        <a:font script="Syrc" typeface="Estrangelo Edessa"/>
+        <a:font script="Orya" typeface="Kalinga"/>
+        <a:font script="Mlym" typeface="Kartika"/>
+        <a:font script="Laoo" typeface="DokChampa"/>
+        <a:font script="Sinh" typeface="Iskoola Pota"/>
+        <a:font script="Mong" typeface="Mongolian Baiti"/>
+        <a:font script="Viet" typeface="Arial"/>
+        <a:font script="Uigh" typeface="Microsoft Uighur"/>
+      </a:minorFont>
+    </a:fontScheme>
+    <a:fmtScheme name="Office">
+      <a:fillStyleLst>
+        <a:solidFill>
+          <a:schemeClr val="phClr"/>
+        </a:solidFill>
+        <a:gradFill rotWithShape="1">
+          <a:gsLst>
+            <a:gs pos="0">
+              <a:schemeClr val="phClr">
+                <a:tint val="50000"/>
+                <a:satMod val="300000"/>
+              </a:schemeClr>
+            </a:gs>
+            <a:gs pos="35000">
+              <a:schemeClr val="phClr">
+                <a:tint val="37000"/>
+                <a:satMod val="300000"/>
+              </a:schemeClr>
+            </a:gs>
+            <a:gs pos="100000">
+              <a:schemeClr val="phClr">
+                <a:tint val="15000"/>
+                <a:satMod val="350000"/>
+              </a:schemeClr>
+            </a:gs>
+          </a:gsLst>
+          <a:lin ang="16200000" scaled="1"/>
+        </a:gradFill>
+        <a:gradFill rotWithShape="1">
+          <a:gsLst>
+            <a:gs pos="0">
+              <a:schemeClr val="phClr">
+                <a:shade val="51000"/>
+                <a:satMod val="130000"/>
+              </a:schemeClr>
+            </a:gs>
+            <a:gs pos="80000">
+              <a:schemeClr val="phClr">
+                <a:shade val="93000"/>
+                <a:satMod val="130000"/>
+              </a:schemeClr>
+            </a:gs>
+            <a:gs pos="100000">
+              <a:schemeClr val="phClr">
+                <a:shade val="94000"/>
+                <a:satMod val="135000"/>
+              </a:schemeClr>
+            </a:gs>
+          </a:gsLst>
+          <a:lin ang="16200000" scaled="0"/>
+        </a:gradFill>
+      </a:fillStyleLst>
+      <a:lnStyleLst>
+        <a:ln w="9525" cap="flat" cmpd="sng" algn="ctr">
+          <a:solidFill>
+            <a:schemeClr val="phClr">
+              <a:shade val="95000"/>
+              <a:satMod val="105000"/>
+            </a:schemeClr>
+          </a:solidFill>
+          <a:prstDash val="solid"/>
+        </a:ln>
+        <a:ln w="25400" cap="flat" cmpd="sng" algn="ctr">
+          <a:solidFill>
+            <a:schemeClr val="phClr"/>
+          </a:solidFill>
+          <a:prstDash val="solid"/>
+        </a:ln>
+        <a:ln w="38100" cap="flat" cmpd="sng" algn="ctr">
+          <a:solidFill>
+            <a:schemeClr val="phClr"/>
+          </a:solidFill>
+          <a:prstDash val="solid"/>
+        </a:ln>
+      </a:lnStyleLst>
+      <a:effectStyleLst>
+        <a:effectStyle>
+          <a:effectLst>
+            <a:outerShdw blurRad="40000" dist="20000" dir="5400000" rotWithShape="0">
+              <a:srgbClr val="000000">
+                <a:alpha val="38000"/>
+              </a:srgbClr>
+            </a:outerShdw>
+          </a:effectLst>
+        </a:effectStyle>
+        <a:effectStyle>
+          <a:effectLst>
+            <a:outerShdw blurRad="40000" dist="23000" dir="5400000" rotWithShape="0">
+              <a:srgbClr val="000000">
+                <a:alpha val="35000"/>
+              </a:srgbClr>
+            </a:outerShdw>
+          </a:effectLst>
+        </a:effectStyle>
+        <a:effectStyle>
+          <a:effectLst>
+            <a:outerShdw blurRad="40000" dist="23000" dir="5400000" rotWithShape="0">
+              <a:srgbClr val="000000">
+                <a:alpha val="35000"/>
+              </a:srgbClr>
+            </a:outerShdw>
+          </a:effectLst>
+          <a:scene3d>
+            <a:camera prst="orthographicFront">
+              <a:rot lat="0" lon="0" rev="0"/>
+            </a:camera>
+            <a:lightRig rig="threePt" dir="t">
+              <a:rot lat="0" lon="0" rev="1200000"/>
+            </a:lightRig>
+          </a:scene3d>
+          <a:sp3d>
+            <a:bevelT w="63500" h="25400"/>
+          </a:sp3d>
+        </a:effectStyle>
+      </a:effectStyleLst>
+      <a:bgFillStyleLst>
+        <a:solidFill>
+          <a:schemeClr val="phClr"/>
+        </a:solidFill>
+        <a:gradFill rotWithShape="1">
+          <a:gsLst>
+            <a:gs pos="0">
+              <a:schemeClr val="phClr">
+                <a:tint val="40000"/>
+                <a:satMod val="350000"/>
+              </a:schemeClr>
+            </a:gs>
+            <a:gs pos="40000">
+              <a:schemeClr val="phClr">
+                <a:tint val="45000"/>
+                <a:shade val="99000"/>
+                <a:satMod val="350000"/>
+              </a:schemeClr>
+            </a:gs>
+            <a:gs pos="100000">
+              <a:schemeClr val="phClr">
+                <a:shade val="20000"/>
+                <a:satMod val="255000"/>
+              </a:schemeClr>
+            </a:gs>
+          </a:gsLst>
+          <a:path path="circle">
+            <a:fillToRect l="50000" t="-80000" r="50000" b="180000"/>
+          </a:path>
+        </a:gradFill>
+        <a:gradFill rotWithShape="1">
+          <a:gsLst>
+            <a:gs pos="0">
+              <a:schemeClr val="phClr">
+                <a:tint val="80000"/>
+                <a:satMod val="300000"/>
+              </a:schemeClr>
+            </a:gs>
+            <a:gs pos="100000">
+              <a:schemeClr val="phClr">
+                <a:shade val="30000"/>
+                <a:satMod val="200000"/>
+              </a:schemeClr>
+            </a:gs>
+          </a:gsLst>
+          <a:path path="circle">
+            <a:fillToRect l="50000" t="50000" r="50000" b="50000"/>
+          </a:path>
+        </a:gradFill>
+      </a:bgFillStyleLst>
+    </a:fmtScheme>
+  </a:themeElements>
+  <a:objectDefaults/>
+  <a:extraClrSchemeLst/>
+</a:theme>
+</file>
+
+<file path=ppt/theme/theme2.xml><?xml version="1.0" encoding="utf-8"?>
+<a:theme xmlns:a="http://schemas.openxmlformats.org/drawingml/2006/main" name="Office Theme">
+  <a:themeElements>
+    <a:clrScheme name="Office">
+      <a:dk1>
+        <a:sysClr val="windowText" lastClr="000000"/>
+      </a:dk1>
+      <a:lt1>
+        <a:sysClr val="window" lastClr="FFFFFF"/>
       </a:lt1>
       <a:dk2>
         <a:srgbClr val="1F497D"/>

--- a/Course/707 Theory of Computation/Fitness Guided Path Exploration in Automated Test Generation.pptx
+++ b/Course/707 Theory of Computation/Fitness Guided Path Exploration in Automated Test Generation.pptx
@@ -5,7 +5,7 @@
     <p:sldMasterId id="2147483648" r:id="rId1"/>
   </p:sldMasterIdLst>
   <p:notesMasterIdLst>
-    <p:notesMasterId r:id="rId15"/>
+    <p:notesMasterId r:id="rId13"/>
   </p:notesMasterIdLst>
   <p:sldIdLst>
     <p:sldId id="256" r:id="rId2"/>
@@ -13,14 +13,12 @@
     <p:sldId id="270" r:id="rId4"/>
     <p:sldId id="269" r:id="rId5"/>
     <p:sldId id="266" r:id="rId6"/>
-    <p:sldId id="267" r:id="rId7"/>
-    <p:sldId id="258" r:id="rId8"/>
-    <p:sldId id="259" r:id="rId9"/>
-    <p:sldId id="260" r:id="rId10"/>
-    <p:sldId id="261" r:id="rId11"/>
-    <p:sldId id="262" r:id="rId12"/>
-    <p:sldId id="263" r:id="rId13"/>
-    <p:sldId id="264" r:id="rId14"/>
+    <p:sldId id="261" r:id="rId7"/>
+    <p:sldId id="262" r:id="rId8"/>
+    <p:sldId id="263" r:id="rId9"/>
+    <p:sldId id="264" r:id="rId10"/>
+    <p:sldId id="271" r:id="rId11"/>
+    <p:sldId id="272" r:id="rId12"/>
   </p:sldIdLst>
   <p:sldSz cx="9144000" cy="6858000" type="screen4x3"/>
   <p:notesSz cx="6858000" cy="9144000"/>
@@ -204,6 +202,7 @@
           <a:p>
             <a:fld id="{4240BB0D-160A-4F75-95F6-7B23C6851DEC}" type="datetimeFigureOut">
               <a:rPr lang="en-US" smtClean="0"/>
+              <a:pPr/>
               <a:t>4/26/2010</a:t>
             </a:fld>
             <a:endParaRPr lang="en-US"/>
@@ -365,6 +364,7 @@
           <a:p>
             <a:fld id="{4C4CFC97-42CB-4889-A94D-9FF808BC3C72}" type="slidenum">
               <a:rPr lang="en-US" smtClean="0"/>
+              <a:pPr/>
               <a:t>‹#›</a:t>
             </a:fld>
             <a:endParaRPr lang="en-US"/>
@@ -4058,202 +4058,21 @@
           <a:p>
             <a:r>
               <a:rPr lang="en-US" dirty="0" smtClean="0"/>
-              <a:t>Example</a:t>
+              <a:t>HAMPI</a:t>
             </a:r>
             <a:endParaRPr lang="en-US" dirty="0"/>
           </a:p>
         </p:txBody>
       </p:sp>
-      <p:sp>
-        <p:nvSpPr>
-          <p:cNvPr id="3" name="内容占位符 2"/>
-          <p:cNvSpPr>
-            <a:spLocks noGrp="1"/>
-          </p:cNvSpPr>
+      <p:pic>
+        <p:nvPicPr>
+          <p:cNvPr id="4" name="内容占位符 3" descr="hampi.JPG"/>
+          <p:cNvPicPr>
+            <a:picLocks noGrp="1" noChangeAspect="1"/>
+          </p:cNvPicPr>
           <p:nvPr>
             <p:ph idx="1"/>
           </p:nvPr>
-        </p:nvSpPr>
-        <p:spPr/>
-        <p:txBody>
-          <a:bodyPr>
-            <a:normAutofit fontScale="85000" lnSpcReduction="20000"/>
-          </a:bodyPr>
-          <a:lstStyle/>
-          <a:p>
-            <a:pPr>
-              <a:buNone/>
-            </a:pPr>
-            <a:r>
-              <a:rPr lang="en-US" dirty="0" smtClean="0"/>
-              <a:t>Public  </a:t>
-            </a:r>
-            <a:r>
-              <a:rPr lang="en-US" dirty="0" err="1" smtClean="0"/>
-              <a:t>bool</a:t>
-            </a:r>
-            <a:r>
-              <a:rPr lang="en-US" dirty="0" smtClean="0"/>
-              <a:t> </a:t>
-            </a:r>
-            <a:r>
-              <a:rPr lang="en-US" dirty="0" err="1" smtClean="0"/>
-              <a:t>TestLoop</a:t>
-            </a:r>
-            <a:r>
-              <a:rPr lang="en-US" dirty="0" smtClean="0"/>
-              <a:t>(</a:t>
-            </a:r>
-            <a:r>
-              <a:rPr lang="en-US" dirty="0" err="1" smtClean="0"/>
-              <a:t>int</a:t>
-            </a:r>
-            <a:r>
-              <a:rPr lang="en-US" dirty="0" smtClean="0"/>
-              <a:t> x, </a:t>
-            </a:r>
-            <a:r>
-              <a:rPr lang="en-US" dirty="0" err="1" smtClean="0"/>
-              <a:t>int</a:t>
-            </a:r>
-            <a:r>
-              <a:rPr lang="en-US" dirty="0" smtClean="0"/>
-              <a:t>[] y){</a:t>
-            </a:r>
-          </a:p>
-          <a:p>
-            <a:pPr>
-              <a:buNone/>
-            </a:pPr>
-            <a:r>
-              <a:rPr lang="en-US" dirty="0" smtClean="0"/>
-              <a:t>	if(x==90){</a:t>
-            </a:r>
-          </a:p>
-          <a:p>
-            <a:pPr>
-              <a:buNone/>
-            </a:pPr>
-            <a:r>
-              <a:rPr lang="en-US" dirty="0" smtClean="0"/>
-              <a:t>		for(</a:t>
-            </a:r>
-            <a:r>
-              <a:rPr lang="en-US" dirty="0" err="1" smtClean="0"/>
-              <a:t>int</a:t>
-            </a:r>
-            <a:r>
-              <a:rPr lang="en-US" dirty="0" smtClean="0"/>
-              <a:t> </a:t>
-            </a:r>
-            <a:r>
-              <a:rPr lang="en-US" dirty="0" err="1" smtClean="0"/>
-              <a:t>i</a:t>
-            </a:r>
-            <a:r>
-              <a:rPr lang="en-US" dirty="0" smtClean="0"/>
-              <a:t>=0; </a:t>
-            </a:r>
-            <a:r>
-              <a:rPr lang="en-US" dirty="0" err="1" smtClean="0"/>
-              <a:t>i</a:t>
-            </a:r>
-            <a:r>
-              <a:rPr lang="en-US" dirty="0" smtClean="0"/>
-              <a:t>&lt;</a:t>
-            </a:r>
-            <a:r>
-              <a:rPr lang="en-US" dirty="0" err="1" smtClean="0"/>
-              <a:t>y.length;i</a:t>
-            </a:r>
-            <a:r>
-              <a:rPr lang="en-US" dirty="0" smtClean="0"/>
-              <a:t>++)</a:t>
-            </a:r>
-          </a:p>
-          <a:p>
-            <a:pPr>
-              <a:buNone/>
-            </a:pPr>
-            <a:r>
-              <a:rPr lang="en-US" dirty="0" smtClean="0"/>
-              <a:t>			if(y[</a:t>
-            </a:r>
-            <a:r>
-              <a:rPr lang="en-US" dirty="0" err="1" smtClean="0"/>
-              <a:t>i</a:t>
-            </a:r>
-            <a:r>
-              <a:rPr lang="en-US" dirty="0" smtClean="0"/>
-              <a:t>]==15)</a:t>
-            </a:r>
-          </a:p>
-          <a:p>
-            <a:pPr>
-              <a:buNone/>
-            </a:pPr>
-            <a:r>
-              <a:rPr lang="en-US" dirty="0" smtClean="0"/>
-              <a:t>				x++;</a:t>
-            </a:r>
-          </a:p>
-          <a:p>
-            <a:pPr>
-              <a:buNone/>
-            </a:pPr>
-            <a:r>
-              <a:rPr lang="en-US" dirty="0" smtClean="0"/>
-              <a:t>		If(x==110)</a:t>
-            </a:r>
-          </a:p>
-          <a:p>
-            <a:pPr>
-              <a:buNone/>
-            </a:pPr>
-            <a:r>
-              <a:rPr lang="en-US" dirty="0" smtClean="0"/>
-              <a:t>			return true;</a:t>
-            </a:r>
-          </a:p>
-          <a:p>
-            <a:pPr>
-              <a:buNone/>
-            </a:pPr>
-            <a:r>
-              <a:rPr lang="en-US" dirty="0" smtClean="0"/>
-              <a:t>	}</a:t>
-            </a:r>
-          </a:p>
-          <a:p>
-            <a:pPr>
-              <a:buNone/>
-            </a:pPr>
-            <a:r>
-              <a:rPr lang="en-US" dirty="0" smtClean="0"/>
-              <a:t>	return false;</a:t>
-            </a:r>
-          </a:p>
-          <a:p>
-            <a:pPr>
-              <a:buNone/>
-            </a:pPr>
-            <a:r>
-              <a:rPr lang="en-US" dirty="0" smtClean="0"/>
-              <a:t>}</a:t>
-            </a:r>
-          </a:p>
-          <a:p>
-            <a:endParaRPr lang="en-US" dirty="0"/>
-          </a:p>
-        </p:txBody>
-      </p:sp>
-      <p:pic>
-        <p:nvPicPr>
-          <p:cNvPr id="4" name="图片 3" descr="test4.JPG"/>
-          <p:cNvPicPr>
-            <a:picLocks noChangeAspect="1"/>
-          </p:cNvPicPr>
-          <p:nvPr/>
         </p:nvPicPr>
         <p:blipFill>
           <a:blip r:embed="rId2"/>
@@ -4263,62 +4082,11 @@
         </p:blipFill>
         <p:spPr>
           <a:xfrm>
-            <a:off x="5181600" y="2667000"/>
-            <a:ext cx="3248025" cy="3238500"/>
+            <a:off x="1524000" y="1447800"/>
+            <a:ext cx="6379406" cy="4468019"/>
           </a:xfrm>
-          <a:prstGeom prst="rect">
-            <a:avLst/>
-          </a:prstGeom>
         </p:spPr>
       </p:pic>
-      <p:sp>
-        <p:nvSpPr>
-          <p:cNvPr id="5" name="右箭头 4"/>
-          <p:cNvSpPr/>
-          <p:nvPr/>
-        </p:nvSpPr>
-        <p:spPr>
-          <a:xfrm>
-            <a:off x="990600" y="4114800"/>
-            <a:ext cx="762000" cy="381000"/>
-          </a:xfrm>
-          <a:prstGeom prst="rightArrow">
-            <a:avLst/>
-          </a:prstGeom>
-          <a:solidFill>
-            <a:schemeClr val="accent2"/>
-          </a:solidFill>
-          <a:ln>
-            <a:solidFill>
-              <a:schemeClr val="bg1"/>
-            </a:solidFill>
-          </a:ln>
-        </p:spPr>
-        <p:style>
-          <a:lnRef idx="2">
-            <a:schemeClr val="accent1">
-              <a:shade val="50000"/>
-            </a:schemeClr>
-          </a:lnRef>
-          <a:fillRef idx="1">
-            <a:schemeClr val="accent1"/>
-          </a:fillRef>
-          <a:effectRef idx="0">
-            <a:schemeClr val="accent1"/>
-          </a:effectRef>
-          <a:fontRef idx="minor">
-            <a:schemeClr val="lt1"/>
-          </a:fontRef>
-        </p:style>
-        <p:txBody>
-          <a:bodyPr rtlCol="0" anchor="ctr"/>
-          <a:lstStyle/>
-          <a:p>
-            <a:pPr algn="ctr"/>
-            <a:endParaRPr lang="en-US" sz="2000"/>
-          </a:p>
-        </p:txBody>
-      </p:sp>
     </p:spTree>
   </p:cSld>
   <p:clrMapOvr>
@@ -4359,600 +4127,7 @@
           <a:bodyPr/>
           <a:lstStyle/>
           <a:p>
-            <a:r>
-              <a:rPr lang="en-US" dirty="0" smtClean="0"/>
-              <a:t>Fitness Function</a:t>
-            </a:r>
             <a:endParaRPr lang="en-US" dirty="0"/>
-          </a:p>
-        </p:txBody>
-      </p:sp>
-      <p:sp>
-        <p:nvSpPr>
-          <p:cNvPr id="3" name="内容占位符 2"/>
-          <p:cNvSpPr>
-            <a:spLocks noGrp="1"/>
-          </p:cNvSpPr>
-          <p:nvPr>
-            <p:ph idx="1"/>
-          </p:nvPr>
-        </p:nvSpPr>
-        <p:spPr/>
-        <p:txBody>
-          <a:bodyPr>
-            <a:normAutofit fontScale="77500" lnSpcReduction="20000"/>
-          </a:bodyPr>
-          <a:lstStyle/>
-          <a:p>
-            <a:pPr>
-              <a:buNone/>
-            </a:pPr>
-            <a:r>
-              <a:rPr lang="en-US" dirty="0" smtClean="0">
-                <a:solidFill>
-                  <a:schemeClr val="tx2"/>
-                </a:solidFill>
-              </a:rPr>
-              <a:t>Fitness Function: Measure the current state and the goal state.</a:t>
-            </a:r>
-          </a:p>
-          <a:p>
-            <a:pPr>
-              <a:buNone/>
-            </a:pPr>
-            <a:r>
-              <a:rPr lang="en-US" dirty="0" smtClean="0"/>
-              <a:t>Public  </a:t>
-            </a:r>
-            <a:r>
-              <a:rPr lang="en-US" dirty="0" err="1" smtClean="0"/>
-              <a:t>bool</a:t>
-            </a:r>
-            <a:r>
-              <a:rPr lang="en-US" dirty="0" smtClean="0"/>
-              <a:t> </a:t>
-            </a:r>
-            <a:r>
-              <a:rPr lang="en-US" dirty="0" err="1" smtClean="0"/>
-              <a:t>TestLoop</a:t>
-            </a:r>
-            <a:r>
-              <a:rPr lang="en-US" dirty="0" smtClean="0"/>
-              <a:t>(</a:t>
-            </a:r>
-            <a:r>
-              <a:rPr lang="en-US" dirty="0" err="1" smtClean="0"/>
-              <a:t>int</a:t>
-            </a:r>
-            <a:r>
-              <a:rPr lang="en-US" dirty="0" smtClean="0"/>
-              <a:t> x, </a:t>
-            </a:r>
-            <a:r>
-              <a:rPr lang="en-US" dirty="0" err="1" smtClean="0"/>
-              <a:t>int</a:t>
-            </a:r>
-            <a:r>
-              <a:rPr lang="en-US" dirty="0" smtClean="0"/>
-              <a:t>[] y){</a:t>
-            </a:r>
-          </a:p>
-          <a:p>
-            <a:pPr>
-              <a:buNone/>
-            </a:pPr>
-            <a:r>
-              <a:rPr lang="en-US" dirty="0" smtClean="0"/>
-              <a:t>	if(x==90){</a:t>
-            </a:r>
-          </a:p>
-          <a:p>
-            <a:pPr>
-              <a:buNone/>
-            </a:pPr>
-            <a:r>
-              <a:rPr lang="en-US" dirty="0" smtClean="0"/>
-              <a:t>		for(</a:t>
-            </a:r>
-            <a:r>
-              <a:rPr lang="en-US" dirty="0" err="1" smtClean="0"/>
-              <a:t>int</a:t>
-            </a:r>
-            <a:r>
-              <a:rPr lang="en-US" dirty="0" smtClean="0"/>
-              <a:t> </a:t>
-            </a:r>
-            <a:r>
-              <a:rPr lang="en-US" dirty="0" err="1" smtClean="0"/>
-              <a:t>i</a:t>
-            </a:r>
-            <a:r>
-              <a:rPr lang="en-US" dirty="0" smtClean="0"/>
-              <a:t>=0; </a:t>
-            </a:r>
-            <a:r>
-              <a:rPr lang="en-US" dirty="0" err="1" smtClean="0"/>
-              <a:t>i</a:t>
-            </a:r>
-            <a:r>
-              <a:rPr lang="en-US" dirty="0" smtClean="0"/>
-              <a:t>&lt;</a:t>
-            </a:r>
-            <a:r>
-              <a:rPr lang="en-US" dirty="0" err="1" smtClean="0"/>
-              <a:t>y.length;i</a:t>
-            </a:r>
-            <a:r>
-              <a:rPr lang="en-US" dirty="0" smtClean="0"/>
-              <a:t>++)</a:t>
-            </a:r>
-          </a:p>
-          <a:p>
-            <a:pPr>
-              <a:buNone/>
-            </a:pPr>
-            <a:r>
-              <a:rPr lang="en-US" dirty="0" smtClean="0"/>
-              <a:t>			if(y[</a:t>
-            </a:r>
-            <a:r>
-              <a:rPr lang="en-US" dirty="0" err="1" smtClean="0"/>
-              <a:t>i</a:t>
-            </a:r>
-            <a:r>
-              <a:rPr lang="en-US" dirty="0" smtClean="0"/>
-              <a:t>]==15)</a:t>
-            </a:r>
-          </a:p>
-          <a:p>
-            <a:pPr>
-              <a:buNone/>
-            </a:pPr>
-            <a:r>
-              <a:rPr lang="en-US" dirty="0" smtClean="0"/>
-              <a:t>				x++;</a:t>
-            </a:r>
-          </a:p>
-          <a:p>
-            <a:pPr>
-              <a:buNone/>
-            </a:pPr>
-            <a:r>
-              <a:rPr lang="en-US" dirty="0" smtClean="0"/>
-              <a:t>		If(x==110)		Fitness function:  |110-x|</a:t>
-            </a:r>
-          </a:p>
-          <a:p>
-            <a:pPr>
-              <a:buNone/>
-            </a:pPr>
-            <a:r>
-              <a:rPr lang="en-US" dirty="0" smtClean="0"/>
-              <a:t>			return true;</a:t>
-            </a:r>
-          </a:p>
-          <a:p>
-            <a:pPr>
-              <a:buNone/>
-            </a:pPr>
-            <a:r>
-              <a:rPr lang="en-US" dirty="0" smtClean="0"/>
-              <a:t>	}</a:t>
-            </a:r>
-          </a:p>
-          <a:p>
-            <a:pPr>
-              <a:buNone/>
-            </a:pPr>
-            <a:r>
-              <a:rPr lang="en-US" dirty="0" smtClean="0"/>
-              <a:t>	return false;</a:t>
-            </a:r>
-          </a:p>
-          <a:p>
-            <a:pPr>
-              <a:buNone/>
-            </a:pPr>
-            <a:r>
-              <a:rPr lang="en-US" dirty="0" smtClean="0"/>
-              <a:t>}</a:t>
-            </a:r>
-          </a:p>
-          <a:p>
-            <a:pPr>
-              <a:buNone/>
-            </a:pPr>
-            <a:endParaRPr lang="en-US" dirty="0"/>
-          </a:p>
-        </p:txBody>
-      </p:sp>
-      <p:sp>
-        <p:nvSpPr>
-          <p:cNvPr id="4" name="左箭头 3"/>
-          <p:cNvSpPr/>
-          <p:nvPr/>
-        </p:nvSpPr>
-        <p:spPr>
-          <a:xfrm>
-            <a:off x="3124200" y="4191000"/>
-            <a:ext cx="990600" cy="381000"/>
-          </a:xfrm>
-          <a:prstGeom prst="leftArrow">
-            <a:avLst/>
-          </a:prstGeom>
-        </p:spPr>
-        <p:style>
-          <a:lnRef idx="2">
-            <a:schemeClr val="accent1">
-              <a:shade val="50000"/>
-            </a:schemeClr>
-          </a:lnRef>
-          <a:fillRef idx="1">
-            <a:schemeClr val="accent1"/>
-          </a:fillRef>
-          <a:effectRef idx="0">
-            <a:schemeClr val="accent1"/>
-          </a:effectRef>
-          <a:fontRef idx="minor">
-            <a:schemeClr val="lt1"/>
-          </a:fontRef>
-        </p:style>
-        <p:txBody>
-          <a:bodyPr rtlCol="0" anchor="ctr"/>
-          <a:lstStyle/>
-          <a:p>
-            <a:pPr algn="ctr"/>
-            <a:endParaRPr lang="en-US"/>
-          </a:p>
-        </p:txBody>
-      </p:sp>
-    </p:spTree>
-  </p:cSld>
-  <p:clrMapOvr>
-    <a:masterClrMapping/>
-  </p:clrMapOvr>
-</p:sld>
-</file>
-
-<file path=ppt/slides/slide12.xml><?xml version="1.0" encoding="utf-8"?>
-<p:sld xmlns:a="http://schemas.openxmlformats.org/drawingml/2006/main" xmlns:r="http://schemas.openxmlformats.org/officeDocument/2006/relationships" xmlns:p="http://schemas.openxmlformats.org/presentationml/2006/main">
-  <p:cSld>
-    <p:spTree>
-      <p:nvGrpSpPr>
-        <p:cNvPr id="1" name=""/>
-        <p:cNvGrpSpPr/>
-        <p:nvPr/>
-      </p:nvGrpSpPr>
-      <p:grpSpPr>
-        <a:xfrm>
-          <a:off x="0" y="0"/>
-          <a:ext cx="0" cy="0"/>
-          <a:chOff x="0" y="0"/>
-          <a:chExt cx="0" cy="0"/>
-        </a:xfrm>
-      </p:grpSpPr>
-      <p:sp>
-        <p:nvSpPr>
-          <p:cNvPr id="2" name="标题 1"/>
-          <p:cNvSpPr>
-            <a:spLocks noGrp="1"/>
-          </p:cNvSpPr>
-          <p:nvPr>
-            <p:ph type="title"/>
-          </p:nvPr>
-        </p:nvSpPr>
-        <p:spPr/>
-        <p:txBody>
-          <a:bodyPr/>
-          <a:lstStyle/>
-          <a:p>
-            <a:r>
-              <a:rPr lang="en-US" dirty="0" smtClean="0"/>
-              <a:t>Using Fitness Function to Guide</a:t>
-            </a:r>
-            <a:endParaRPr lang="en-US" dirty="0"/>
-          </a:p>
-        </p:txBody>
-      </p:sp>
-      <p:sp>
-        <p:nvSpPr>
-          <p:cNvPr id="3" name="内容占位符 2"/>
-          <p:cNvSpPr>
-            <a:spLocks noGrp="1"/>
-          </p:cNvSpPr>
-          <p:nvPr>
-            <p:ph idx="1"/>
-          </p:nvPr>
-        </p:nvSpPr>
-        <p:spPr/>
-        <p:txBody>
-          <a:bodyPr>
-            <a:normAutofit fontScale="85000" lnSpcReduction="20000"/>
-          </a:bodyPr>
-          <a:lstStyle/>
-          <a:p>
-            <a:pPr>
-              <a:buNone/>
-            </a:pPr>
-            <a:r>
-              <a:rPr lang="en-US" dirty="0" smtClean="0"/>
-              <a:t>Public  </a:t>
-            </a:r>
-            <a:r>
-              <a:rPr lang="en-US" dirty="0" err="1" smtClean="0"/>
-              <a:t>bool</a:t>
-            </a:r>
-            <a:r>
-              <a:rPr lang="en-US" dirty="0" smtClean="0"/>
-              <a:t> </a:t>
-            </a:r>
-            <a:r>
-              <a:rPr lang="en-US" dirty="0" err="1" smtClean="0"/>
-              <a:t>TestLoop</a:t>
-            </a:r>
-            <a:r>
-              <a:rPr lang="en-US" dirty="0" smtClean="0"/>
-              <a:t>(</a:t>
-            </a:r>
-            <a:r>
-              <a:rPr lang="en-US" dirty="0" err="1" smtClean="0"/>
-              <a:t>int</a:t>
-            </a:r>
-            <a:r>
-              <a:rPr lang="en-US" dirty="0" smtClean="0"/>
-              <a:t> x, </a:t>
-            </a:r>
-            <a:r>
-              <a:rPr lang="en-US" dirty="0" err="1" smtClean="0"/>
-              <a:t>int</a:t>
-            </a:r>
-            <a:r>
-              <a:rPr lang="en-US" dirty="0" smtClean="0"/>
-              <a:t>[] y){</a:t>
-            </a:r>
-          </a:p>
-          <a:p>
-            <a:pPr>
-              <a:buNone/>
-            </a:pPr>
-            <a:r>
-              <a:rPr lang="en-US" dirty="0" smtClean="0"/>
-              <a:t>	if(x==90){</a:t>
-            </a:r>
-          </a:p>
-          <a:p>
-            <a:pPr>
-              <a:buNone/>
-            </a:pPr>
-            <a:r>
-              <a:rPr lang="en-US" dirty="0" smtClean="0"/>
-              <a:t>		for(</a:t>
-            </a:r>
-            <a:r>
-              <a:rPr lang="en-US" dirty="0" err="1" smtClean="0"/>
-              <a:t>int</a:t>
-            </a:r>
-            <a:r>
-              <a:rPr lang="en-US" dirty="0" smtClean="0"/>
-              <a:t> </a:t>
-            </a:r>
-            <a:r>
-              <a:rPr lang="en-US" dirty="0" err="1" smtClean="0"/>
-              <a:t>i</a:t>
-            </a:r>
-            <a:r>
-              <a:rPr lang="en-US" dirty="0" smtClean="0"/>
-              <a:t>=0; </a:t>
-            </a:r>
-            <a:r>
-              <a:rPr lang="en-US" dirty="0" err="1" smtClean="0"/>
-              <a:t>i</a:t>
-            </a:r>
-            <a:r>
-              <a:rPr lang="en-US" dirty="0" smtClean="0"/>
-              <a:t>&lt;</a:t>
-            </a:r>
-            <a:r>
-              <a:rPr lang="en-US" dirty="0" err="1" smtClean="0"/>
-              <a:t>y.length;i</a:t>
-            </a:r>
-            <a:r>
-              <a:rPr lang="en-US" dirty="0" smtClean="0"/>
-              <a:t>++)</a:t>
-            </a:r>
-          </a:p>
-          <a:p>
-            <a:pPr>
-              <a:buNone/>
-            </a:pPr>
-            <a:r>
-              <a:rPr lang="en-US" dirty="0" smtClean="0"/>
-              <a:t>			if(y[</a:t>
-            </a:r>
-            <a:r>
-              <a:rPr lang="en-US" dirty="0" err="1" smtClean="0"/>
-              <a:t>i</a:t>
-            </a:r>
-            <a:r>
-              <a:rPr lang="en-US" dirty="0" smtClean="0"/>
-              <a:t>]==15)</a:t>
-            </a:r>
-          </a:p>
-          <a:p>
-            <a:pPr>
-              <a:buNone/>
-            </a:pPr>
-            <a:r>
-              <a:rPr lang="en-US" dirty="0" smtClean="0"/>
-              <a:t>				x++;</a:t>
-            </a:r>
-          </a:p>
-          <a:p>
-            <a:pPr>
-              <a:buNone/>
-            </a:pPr>
-            <a:r>
-              <a:rPr lang="en-US" dirty="0" smtClean="0"/>
-              <a:t>		If(x==110)		</a:t>
-            </a:r>
-          </a:p>
-          <a:p>
-            <a:pPr>
-              <a:buNone/>
-            </a:pPr>
-            <a:r>
-              <a:rPr lang="en-US" dirty="0" smtClean="0"/>
-              <a:t>			return true;</a:t>
-            </a:r>
-          </a:p>
-          <a:p>
-            <a:pPr>
-              <a:buNone/>
-            </a:pPr>
-            <a:r>
-              <a:rPr lang="en-US" dirty="0" smtClean="0"/>
-              <a:t>	}</a:t>
-            </a:r>
-          </a:p>
-          <a:p>
-            <a:pPr>
-              <a:buNone/>
-            </a:pPr>
-            <a:r>
-              <a:rPr lang="en-US" dirty="0" smtClean="0"/>
-              <a:t>	return false;</a:t>
-            </a:r>
-          </a:p>
-          <a:p>
-            <a:pPr>
-              <a:buNone/>
-            </a:pPr>
-            <a:r>
-              <a:rPr lang="en-US" dirty="0" smtClean="0"/>
-              <a:t>}</a:t>
-            </a:r>
-          </a:p>
-          <a:p>
-            <a:pPr>
-              <a:buNone/>
-            </a:pPr>
-            <a:endParaRPr lang="en-US" dirty="0"/>
-          </a:p>
-        </p:txBody>
-      </p:sp>
-      <p:pic>
-        <p:nvPicPr>
-          <p:cNvPr id="4" name="图片 3" descr="fitnesstable.JPG"/>
-          <p:cNvPicPr>
-            <a:picLocks noChangeAspect="1"/>
-          </p:cNvPicPr>
-          <p:nvPr/>
-        </p:nvPicPr>
-        <p:blipFill>
-          <a:blip r:embed="rId2"/>
-          <a:stretch>
-            <a:fillRect/>
-          </a:stretch>
-        </p:blipFill>
-        <p:spPr>
-          <a:xfrm>
-            <a:off x="4572000" y="2895600"/>
-            <a:ext cx="3971925" cy="3352800"/>
-          </a:xfrm>
-          <a:prstGeom prst="rect">
-            <a:avLst/>
-          </a:prstGeom>
-        </p:spPr>
-      </p:pic>
-      <p:sp>
-        <p:nvSpPr>
-          <p:cNvPr id="5" name="右箭头 4"/>
-          <p:cNvSpPr/>
-          <p:nvPr/>
-        </p:nvSpPr>
-        <p:spPr>
-          <a:xfrm>
-            <a:off x="1066800" y="4114800"/>
-            <a:ext cx="762000" cy="381000"/>
-          </a:xfrm>
-          <a:prstGeom prst="rightArrow">
-            <a:avLst/>
-          </a:prstGeom>
-          <a:solidFill>
-            <a:schemeClr val="accent2"/>
-          </a:solidFill>
-          <a:ln>
-            <a:solidFill>
-              <a:schemeClr val="bg1"/>
-            </a:solidFill>
-          </a:ln>
-        </p:spPr>
-        <p:style>
-          <a:lnRef idx="2">
-            <a:schemeClr val="accent1">
-              <a:shade val="50000"/>
-            </a:schemeClr>
-          </a:lnRef>
-          <a:fillRef idx="1">
-            <a:schemeClr val="accent1"/>
-          </a:fillRef>
-          <a:effectRef idx="0">
-            <a:schemeClr val="accent1"/>
-          </a:effectRef>
-          <a:fontRef idx="minor">
-            <a:schemeClr val="lt1"/>
-          </a:fontRef>
-        </p:style>
-        <p:txBody>
-          <a:bodyPr rtlCol="0" anchor="ctr"/>
-          <a:lstStyle/>
-          <a:p>
-            <a:pPr algn="ctr"/>
-            <a:endParaRPr lang="en-US" sz="2000"/>
-          </a:p>
-        </p:txBody>
-      </p:sp>
-    </p:spTree>
-  </p:cSld>
-  <p:clrMapOvr>
-    <a:masterClrMapping/>
-  </p:clrMapOvr>
-</p:sld>
-</file>
-
-<file path=ppt/slides/slide13.xml><?xml version="1.0" encoding="utf-8"?>
-<p:sld xmlns:a="http://schemas.openxmlformats.org/drawingml/2006/main" xmlns:r="http://schemas.openxmlformats.org/officeDocument/2006/relationships" xmlns:p="http://schemas.openxmlformats.org/presentationml/2006/main">
-  <p:cSld>
-    <p:spTree>
-      <p:nvGrpSpPr>
-        <p:cNvPr id="1" name=""/>
-        <p:cNvGrpSpPr/>
-        <p:nvPr/>
-      </p:nvGrpSpPr>
-      <p:grpSpPr>
-        <a:xfrm>
-          <a:off x="0" y="0"/>
-          <a:ext cx="0" cy="0"/>
-          <a:chOff x="0" y="0"/>
-          <a:chExt cx="0" cy="0"/>
-        </a:xfrm>
-      </p:grpSpPr>
-      <p:sp>
-        <p:nvSpPr>
-          <p:cNvPr id="2" name="标题 1"/>
-          <p:cNvSpPr>
-            <a:spLocks noGrp="1"/>
-          </p:cNvSpPr>
-          <p:nvPr>
-            <p:ph type="title"/>
-          </p:nvPr>
-        </p:nvSpPr>
-        <p:spPr/>
-        <p:txBody>
-          <a:bodyPr/>
-          <a:lstStyle/>
-          <a:p>
-            <a:endParaRPr lang="en-US"/>
           </a:p>
         </p:txBody>
       </p:sp>
@@ -5042,38 +4217,20 @@
           <a:p>
             <a:r>
               <a:rPr lang="en-US" dirty="0" smtClean="0"/>
-              <a:t>Introduction to </a:t>
-            </a:r>
+              <a:t>Introduction to symbolic execution </a:t>
+            </a:r>
+          </a:p>
+          <a:p>
+            <a:pPr lvl="1"/>
+            <a:r>
+              <a:rPr lang="en-US" sz="2400" dirty="0" smtClean="0"/>
+              <a:t>Test generation using dynamic symbolic execution</a:t>
+            </a:r>
+          </a:p>
+          <a:p>
             <a:r>
               <a:rPr lang="en-US" dirty="0" smtClean="0"/>
-              <a:t>symbolic </a:t>
-            </a:r>
-            <a:r>
-              <a:rPr lang="en-US" dirty="0" smtClean="0"/>
-              <a:t>execution </a:t>
-            </a:r>
-            <a:endParaRPr lang="en-US" dirty="0" smtClean="0"/>
-          </a:p>
-          <a:p>
-            <a:pPr lvl="1"/>
-            <a:r>
-              <a:rPr lang="en-US" sz="2400" dirty="0" smtClean="0"/>
-              <a:t>Test </a:t>
-            </a:r>
-            <a:r>
-              <a:rPr lang="en-US" sz="2400" dirty="0" smtClean="0"/>
-              <a:t>generation using dynamic symbolic execution</a:t>
-            </a:r>
-            <a:endParaRPr lang="en-US" sz="2400" dirty="0" smtClean="0"/>
-          </a:p>
-          <a:p>
-            <a:r>
-              <a:rPr lang="en-US" dirty="0" smtClean="0"/>
-              <a:t>Path </a:t>
-            </a:r>
-            <a:r>
-              <a:rPr lang="en-US" dirty="0" smtClean="0"/>
-              <a:t>explosion problem </a:t>
+              <a:t>Path explosion problem </a:t>
             </a:r>
           </a:p>
           <a:p>
@@ -5100,6 +4257,11 @@
               <a:rPr lang="en-US" dirty="0" smtClean="0"/>
               <a:t>	Greedy algorithm:  fitness </a:t>
             </a:r>
+            <a:r>
+              <a:rPr lang="en-US" dirty="0" smtClean="0"/>
+              <a:t>guided exploration</a:t>
+            </a:r>
+            <a:endParaRPr lang="en-US" dirty="0" smtClean="0"/>
           </a:p>
           <a:p>
             <a:r>
@@ -5114,7 +4276,19 @@
             </a:pPr>
             <a:r>
               <a:rPr lang="en-US" dirty="0" smtClean="0"/>
-              <a:t>Context free grammar</a:t>
+              <a:t>Hampi</a:t>
+            </a:r>
+            <a:r>
+              <a:rPr lang="en-US" dirty="0" smtClean="0"/>
+              <a:t>: </a:t>
+            </a:r>
+            <a:r>
+              <a:rPr lang="en-US" dirty="0" smtClean="0"/>
+              <a:t>Context </a:t>
+            </a:r>
+            <a:r>
+              <a:rPr lang="en-US" dirty="0" smtClean="0"/>
+              <a:t>free grammar</a:t>
             </a:r>
           </a:p>
           <a:p>
@@ -5266,31 +4440,19 @@
           <a:p>
             <a:r>
               <a:rPr lang="en-US" dirty="0" smtClean="0"/>
-              <a:t> </a:t>
-            </a:r>
+              <a:t>     y = 2 * y;</a:t>
+            </a:r>
+          </a:p>
+          <a:p>
             <a:r>
               <a:rPr lang="en-US" dirty="0" smtClean="0"/>
-              <a:t>    y = 2 * y;</a:t>
+              <a:t>     if (y == 4){</a:t>
             </a:r>
           </a:p>
           <a:p>
             <a:r>
               <a:rPr lang="en-US" dirty="0" smtClean="0"/>
-              <a:t> </a:t>
-            </a:r>
-            <a:r>
-              <a:rPr lang="en-US" dirty="0" smtClean="0"/>
-              <a:t>    if (y == 4){</a:t>
-            </a:r>
-          </a:p>
-          <a:p>
-            <a:r>
-              <a:rPr lang="en-US" dirty="0" smtClean="0"/>
-              <a:t> </a:t>
-            </a:r>
-            <a:r>
-              <a:rPr lang="en-US" dirty="0" smtClean="0"/>
-              <a:t>         </a:t>
+              <a:t>          </a:t>
             </a:r>
             <a:r>
               <a:rPr lang="en-US" dirty="0" err="1" smtClean="0"/>
@@ -5304,21 +4466,13 @@
           <a:p>
             <a:r>
               <a:rPr lang="en-US" dirty="0" smtClean="0"/>
-              <a:t> </a:t>
-            </a:r>
+              <a:t>     }else {</a:t>
+            </a:r>
+          </a:p>
+          <a:p>
             <a:r>
               <a:rPr lang="en-US" dirty="0" smtClean="0"/>
-              <a:t>    }else {</a:t>
-            </a:r>
-          </a:p>
-          <a:p>
-            <a:r>
-              <a:rPr lang="en-US" dirty="0" smtClean="0"/>
-              <a:t> </a:t>
-            </a:r>
-            <a:r>
-              <a:rPr lang="en-US" dirty="0" smtClean="0"/>
-              <a:t>         </a:t>
+              <a:t>          </a:t>
             </a:r>
             <a:r>
               <a:rPr lang="en-US" dirty="0" err="1" smtClean="0"/>
@@ -5332,11 +4486,7 @@
           <a:p>
             <a:r>
               <a:rPr lang="en-US" dirty="0" smtClean="0"/>
-              <a:t> </a:t>
-            </a:r>
-            <a:r>
-              <a:rPr lang="en-US" dirty="0" smtClean="0"/>
-              <a:t>    }</a:t>
+              <a:t>     }</a:t>
             </a:r>
           </a:p>
           <a:p>
@@ -12688,7 +11838,7 @@
         <p:spPr/>
         <p:txBody>
           <a:bodyPr>
-            <a:normAutofit fontScale="70000" lnSpcReduction="20000"/>
+            <a:normAutofit fontScale="85000" lnSpcReduction="20000"/>
           </a:bodyPr>
           <a:lstStyle/>
           <a:p>
@@ -12696,46 +11846,6 @@
               <a:buNone/>
             </a:pPr>
             <a:r>
-              <a:rPr lang="en-US" dirty="0" smtClean="0">
-                <a:solidFill>
-                  <a:schemeClr val="accent2">
-                    <a:lumMod val="75000"/>
-                  </a:schemeClr>
-                </a:solidFill>
-              </a:rPr>
-              <a:t>Heuristic: Fitness Guided Explosion</a:t>
-            </a:r>
-          </a:p>
-          <a:p>
-            <a:pPr>
-              <a:buNone/>
-            </a:pPr>
-            <a:r>
-              <a:rPr lang="en-US" dirty="0" smtClean="0">
-                <a:solidFill>
-                  <a:schemeClr val="accent2">
-                    <a:lumMod val="75000"/>
-                  </a:schemeClr>
-                </a:solidFill>
-              </a:rPr>
-              <a:t>Fitness Function: Measure the current state and the goal state.</a:t>
-            </a:r>
-          </a:p>
-          <a:p>
-            <a:pPr>
-              <a:buNone/>
-            </a:pPr>
-            <a:endParaRPr lang="en-US" dirty="0" smtClean="0">
-              <a:solidFill>
-                <a:schemeClr val="tx2"/>
-              </a:solidFill>
-            </a:endParaRPr>
-          </a:p>
-          <a:p>
-            <a:pPr>
-              <a:buNone/>
-            </a:pPr>
-            <a:r>
               <a:rPr lang="en-US" dirty="0" smtClean="0"/>
               <a:t>Public  </a:t>
             </a:r>
@@ -12854,7 +11964,7 @@
             </a:pPr>
             <a:r>
               <a:rPr lang="en-US" dirty="0" smtClean="0"/>
-              <a:t>		If(x==110)		Fitness function:  |110-x|</a:t>
+              <a:t>		If(x==110)</a:t>
             </a:r>
           </a:p>
           <a:p>
@@ -12894,336 +12004,13 @@
             </a:r>
           </a:p>
           <a:p>
-            <a:pPr>
-              <a:buNone/>
-            </a:pPr>
-            <a:endParaRPr lang="en-US" dirty="0" smtClean="0"/>
-          </a:p>
-          <a:p>
-            <a:pPr>
-              <a:buNone/>
-            </a:pPr>
             <a:endParaRPr lang="en-US" dirty="0"/>
-          </a:p>
-        </p:txBody>
-      </p:sp>
-      <p:sp>
-        <p:nvSpPr>
-          <p:cNvPr id="4" name="左箭头 3"/>
-          <p:cNvSpPr/>
-          <p:nvPr/>
-        </p:nvSpPr>
-        <p:spPr>
-          <a:xfrm>
-            <a:off x="2819400" y="4343400"/>
-            <a:ext cx="1143000" cy="304800"/>
-          </a:xfrm>
-          <a:prstGeom prst="leftArrow">
-            <a:avLst/>
-          </a:prstGeom>
-        </p:spPr>
-        <p:style>
-          <a:lnRef idx="2">
-            <a:schemeClr val="accent1">
-              <a:shade val="50000"/>
-            </a:schemeClr>
-          </a:lnRef>
-          <a:fillRef idx="1">
-            <a:schemeClr val="accent1"/>
-          </a:fillRef>
-          <a:effectRef idx="0">
-            <a:schemeClr val="accent1"/>
-          </a:effectRef>
-          <a:fontRef idx="minor">
-            <a:schemeClr val="lt1"/>
-          </a:fontRef>
-        </p:style>
-        <p:txBody>
-          <a:bodyPr rtlCol="0" anchor="ctr"/>
-          <a:lstStyle/>
-          <a:p>
-            <a:pPr algn="ctr"/>
-            <a:endParaRPr lang="en-US"/>
-          </a:p>
-        </p:txBody>
-      </p:sp>
-    </p:spTree>
-  </p:cSld>
-  <p:clrMapOvr>
-    <a:masterClrMapping/>
-  </p:clrMapOvr>
-</p:sld>
-</file>
-
-<file path=ppt/slides/slide7.xml><?xml version="1.0" encoding="utf-8"?>
-<p:sld xmlns:a="http://schemas.openxmlformats.org/drawingml/2006/main" xmlns:r="http://schemas.openxmlformats.org/officeDocument/2006/relationships" xmlns:p="http://schemas.openxmlformats.org/presentationml/2006/main">
-  <p:cSld>
-    <p:spTree>
-      <p:nvGrpSpPr>
-        <p:cNvPr id="1" name=""/>
-        <p:cNvGrpSpPr/>
-        <p:nvPr/>
-      </p:nvGrpSpPr>
-      <p:grpSpPr>
-        <a:xfrm>
-          <a:off x="0" y="0"/>
-          <a:ext cx="0" cy="0"/>
-          <a:chOff x="0" y="0"/>
-          <a:chExt cx="0" cy="0"/>
-        </a:xfrm>
-      </p:grpSpPr>
-      <p:sp>
-        <p:nvSpPr>
-          <p:cNvPr id="2" name="标题 1"/>
-          <p:cNvSpPr>
-            <a:spLocks noGrp="1"/>
-          </p:cNvSpPr>
-          <p:nvPr>
-            <p:ph type="title"/>
-          </p:nvPr>
-        </p:nvSpPr>
-        <p:spPr/>
-        <p:txBody>
-          <a:bodyPr/>
-          <a:lstStyle/>
-          <a:p>
-            <a:r>
-              <a:rPr lang="en-US" dirty="0" smtClean="0"/>
-              <a:t>Example</a:t>
-            </a:r>
-            <a:endParaRPr lang="en-US" dirty="0"/>
-          </a:p>
-        </p:txBody>
-      </p:sp>
-      <p:sp>
-        <p:nvSpPr>
-          <p:cNvPr id="3" name="内容占位符 2"/>
-          <p:cNvSpPr>
-            <a:spLocks noGrp="1"/>
-          </p:cNvSpPr>
-          <p:nvPr>
-            <p:ph idx="1"/>
-          </p:nvPr>
-        </p:nvSpPr>
-        <p:spPr/>
-        <p:txBody>
-          <a:bodyPr>
-            <a:normAutofit fontScale="77500" lnSpcReduction="20000"/>
-          </a:bodyPr>
-          <a:lstStyle/>
-          <a:p>
-            <a:pPr>
-              <a:buNone/>
-            </a:pPr>
-            <a:r>
-              <a:rPr lang="en-US" dirty="0" smtClean="0"/>
-              <a:t>Public  </a:t>
-            </a:r>
-            <a:r>
-              <a:rPr lang="en-US" dirty="0" err="1" smtClean="0"/>
-              <a:t>bool</a:t>
-            </a:r>
-            <a:r>
-              <a:rPr lang="en-US" dirty="0" smtClean="0"/>
-              <a:t> </a:t>
-            </a:r>
-            <a:r>
-              <a:rPr lang="en-US" dirty="0" err="1" smtClean="0"/>
-              <a:t>TestLoop</a:t>
-            </a:r>
-            <a:r>
-              <a:rPr lang="en-US" dirty="0" smtClean="0"/>
-              <a:t>(</a:t>
-            </a:r>
-            <a:r>
-              <a:rPr lang="en-US" dirty="0" err="1" smtClean="0"/>
-              <a:t>int</a:t>
-            </a:r>
-            <a:r>
-              <a:rPr lang="en-US" dirty="0" smtClean="0"/>
-              <a:t> x, </a:t>
-            </a:r>
-            <a:r>
-              <a:rPr lang="en-US" dirty="0" err="1" smtClean="0"/>
-              <a:t>int</a:t>
-            </a:r>
-            <a:r>
-              <a:rPr lang="en-US" dirty="0" smtClean="0"/>
-              <a:t>[] y){</a:t>
-            </a:r>
-          </a:p>
-          <a:p>
-            <a:pPr>
-              <a:buNone/>
-            </a:pPr>
-            <a:r>
-              <a:rPr lang="en-US" dirty="0" smtClean="0"/>
-              <a:t>	if(x==90){</a:t>
-            </a:r>
-          </a:p>
-          <a:p>
-            <a:pPr>
-              <a:buNone/>
-            </a:pPr>
-            <a:r>
-              <a:rPr lang="en-US" dirty="0"/>
-              <a:t>	</a:t>
-            </a:r>
-            <a:r>
-              <a:rPr lang="en-US" dirty="0" smtClean="0"/>
-              <a:t>	for(</a:t>
-            </a:r>
-            <a:r>
-              <a:rPr lang="en-US" dirty="0" err="1" smtClean="0"/>
-              <a:t>int</a:t>
-            </a:r>
-            <a:r>
-              <a:rPr lang="en-US" dirty="0" smtClean="0"/>
-              <a:t> </a:t>
-            </a:r>
-            <a:r>
-              <a:rPr lang="en-US" dirty="0" err="1" smtClean="0"/>
-              <a:t>i</a:t>
-            </a:r>
-            <a:r>
-              <a:rPr lang="en-US" dirty="0" smtClean="0"/>
-              <a:t>=0; </a:t>
-            </a:r>
-            <a:r>
-              <a:rPr lang="en-US" dirty="0" err="1" smtClean="0"/>
-              <a:t>i</a:t>
-            </a:r>
-            <a:r>
-              <a:rPr lang="en-US" dirty="0" smtClean="0"/>
-              <a:t>&lt;</a:t>
-            </a:r>
-            <a:r>
-              <a:rPr lang="en-US" dirty="0" err="1" smtClean="0"/>
-              <a:t>y.length;i</a:t>
-            </a:r>
-            <a:r>
-              <a:rPr lang="en-US" dirty="0" smtClean="0"/>
-              <a:t>++)</a:t>
-            </a:r>
-          </a:p>
-          <a:p>
-            <a:pPr>
-              <a:buNone/>
-            </a:pPr>
-            <a:r>
-              <a:rPr lang="en-US" dirty="0"/>
-              <a:t>	</a:t>
-            </a:r>
-            <a:r>
-              <a:rPr lang="en-US" dirty="0" smtClean="0"/>
-              <a:t>		if(y[</a:t>
-            </a:r>
-            <a:r>
-              <a:rPr lang="en-US" dirty="0" err="1" smtClean="0"/>
-              <a:t>i</a:t>
-            </a:r>
-            <a:r>
-              <a:rPr lang="en-US" dirty="0" smtClean="0"/>
-              <a:t>]==15)</a:t>
-            </a:r>
-          </a:p>
-          <a:p>
-            <a:pPr>
-              <a:buNone/>
-            </a:pPr>
-            <a:r>
-              <a:rPr lang="en-US" dirty="0"/>
-              <a:t>	</a:t>
-            </a:r>
-            <a:r>
-              <a:rPr lang="en-US" dirty="0" smtClean="0"/>
-              <a:t>			x++;</a:t>
-            </a:r>
-          </a:p>
-          <a:p>
-            <a:pPr>
-              <a:buNone/>
-            </a:pPr>
-            <a:r>
-              <a:rPr lang="en-US" dirty="0" smtClean="0"/>
-              <a:t>		If(x==110)</a:t>
-            </a:r>
-          </a:p>
-          <a:p>
-            <a:pPr>
-              <a:buNone/>
-            </a:pPr>
-            <a:r>
-              <a:rPr lang="en-US" dirty="0"/>
-              <a:t>	</a:t>
-            </a:r>
-            <a:r>
-              <a:rPr lang="en-US" dirty="0" smtClean="0"/>
-              <a:t>		return true;</a:t>
-            </a:r>
-          </a:p>
-          <a:p>
-            <a:pPr>
-              <a:buNone/>
-            </a:pPr>
-            <a:r>
-              <a:rPr lang="en-US" dirty="0" smtClean="0"/>
-              <a:t>	}</a:t>
-            </a:r>
-          </a:p>
-          <a:p>
-            <a:pPr>
-              <a:buNone/>
-            </a:pPr>
-            <a:r>
-              <a:rPr lang="en-US" dirty="0"/>
-              <a:t>	</a:t>
-            </a:r>
-            <a:r>
-              <a:rPr lang="en-US" dirty="0" smtClean="0"/>
-              <a:t>return false;</a:t>
-            </a:r>
-          </a:p>
-          <a:p>
-            <a:pPr>
-              <a:buNone/>
-            </a:pPr>
-            <a:r>
-              <a:rPr lang="en-US" dirty="0" smtClean="0"/>
-              <a:t>}</a:t>
-            </a:r>
-          </a:p>
-          <a:p>
-            <a:pPr>
-              <a:buNone/>
-            </a:pPr>
-            <a:r>
-              <a:rPr lang="en-US" dirty="0" err="1" smtClean="0">
-                <a:solidFill>
-                  <a:schemeClr val="tx2"/>
-                </a:solidFill>
-              </a:rPr>
-              <a:t>TestLoop</a:t>
-            </a:r>
-            <a:r>
-              <a:rPr lang="en-US" dirty="0" smtClean="0">
-                <a:solidFill>
-                  <a:schemeClr val="tx2"/>
-                </a:solidFill>
-              </a:rPr>
-              <a:t>(0,{0})</a:t>
-            </a:r>
-            <a:endParaRPr lang="en-US" dirty="0">
-              <a:solidFill>
-                <a:schemeClr val="tx2"/>
-              </a:solidFill>
-            </a:endParaRPr>
           </a:p>
         </p:txBody>
       </p:sp>
       <p:pic>
         <p:nvPicPr>
-          <p:cNvPr id="4" name="图片 3" descr="1testcase.JPG"/>
+          <p:cNvPr id="4" name="图片 3" descr="test4.JPG"/>
           <p:cNvPicPr>
             <a:picLocks noChangeAspect="1"/>
           </p:cNvPicPr>
@@ -13237,8 +12024,8 @@
         </p:blipFill>
         <p:spPr>
           <a:xfrm>
-            <a:off x="5181600" y="2514600"/>
-            <a:ext cx="3167775" cy="3257550"/>
+            <a:off x="5181600" y="2667000"/>
+            <a:ext cx="3248025" cy="3238500"/>
           </a:xfrm>
           <a:prstGeom prst="rect">
             <a:avLst/>
@@ -13253,7 +12040,7 @@
         </p:nvSpPr>
         <p:spPr>
           <a:xfrm>
-            <a:off x="457200" y="2362200"/>
+            <a:off x="990600" y="4114800"/>
             <a:ext cx="762000" cy="381000"/>
           </a:xfrm>
           <a:prstGeom prst="rightArrow">
@@ -13301,6 +12088,320 @@
 </p:sld>
 </file>
 
+<file path=ppt/slides/slide7.xml><?xml version="1.0" encoding="utf-8"?>
+<p:sld xmlns:a="http://schemas.openxmlformats.org/drawingml/2006/main" xmlns:r="http://schemas.openxmlformats.org/officeDocument/2006/relationships" xmlns:p="http://schemas.openxmlformats.org/presentationml/2006/main">
+  <p:cSld>
+    <p:spTree>
+      <p:nvGrpSpPr>
+        <p:cNvPr id="1" name=""/>
+        <p:cNvGrpSpPr/>
+        <p:nvPr/>
+      </p:nvGrpSpPr>
+      <p:grpSpPr>
+        <a:xfrm>
+          <a:off x="0" y="0"/>
+          <a:ext cx="0" cy="0"/>
+          <a:chOff x="0" y="0"/>
+          <a:chExt cx="0" cy="0"/>
+        </a:xfrm>
+      </p:grpSpPr>
+      <p:sp>
+        <p:nvSpPr>
+          <p:cNvPr id="2" name="标题 1"/>
+          <p:cNvSpPr>
+            <a:spLocks noGrp="1"/>
+          </p:cNvSpPr>
+          <p:nvPr>
+            <p:ph type="title"/>
+          </p:nvPr>
+        </p:nvSpPr>
+        <p:spPr/>
+        <p:txBody>
+          <a:bodyPr/>
+          <a:lstStyle/>
+          <a:p>
+            <a:r>
+              <a:rPr lang="en-US" dirty="0" smtClean="0"/>
+              <a:t>Fitness</a:t>
+            </a:r>
+            <a:endParaRPr lang="en-US" dirty="0"/>
+          </a:p>
+        </p:txBody>
+      </p:sp>
+      <p:sp>
+        <p:nvSpPr>
+          <p:cNvPr id="3" name="内容占位符 2"/>
+          <p:cNvSpPr>
+            <a:spLocks noGrp="1"/>
+          </p:cNvSpPr>
+          <p:nvPr>
+            <p:ph idx="1"/>
+          </p:nvPr>
+        </p:nvSpPr>
+        <p:spPr/>
+        <p:txBody>
+          <a:bodyPr>
+            <a:normAutofit fontScale="70000" lnSpcReduction="20000"/>
+          </a:bodyPr>
+          <a:lstStyle/>
+          <a:p>
+            <a:pPr>
+              <a:buNone/>
+            </a:pPr>
+            <a:r>
+              <a:rPr lang="en-US" dirty="0" smtClean="0">
+                <a:solidFill>
+                  <a:schemeClr val="tx2"/>
+                </a:solidFill>
+              </a:rPr>
+              <a:t>Greedy algorithm: Fitness Guided Explosion</a:t>
+            </a:r>
+          </a:p>
+          <a:p>
+            <a:pPr>
+              <a:buNone/>
+            </a:pPr>
+            <a:r>
+              <a:rPr lang="en-US" dirty="0" smtClean="0">
+                <a:solidFill>
+                  <a:schemeClr val="tx2"/>
+                </a:solidFill>
+              </a:rPr>
+              <a:t>Fitness </a:t>
+            </a:r>
+            <a:r>
+              <a:rPr lang="en-US" dirty="0" smtClean="0">
+                <a:solidFill>
+                  <a:schemeClr val="tx2"/>
+                </a:solidFill>
+              </a:rPr>
+              <a:t>Function: Measure the current state and the goal state.</a:t>
+            </a:r>
+          </a:p>
+          <a:p>
+            <a:pPr>
+              <a:buNone/>
+            </a:pPr>
+            <a:endParaRPr lang="en-US" dirty="0" smtClean="0"/>
+          </a:p>
+          <a:p>
+            <a:pPr>
+              <a:buNone/>
+            </a:pPr>
+            <a:r>
+              <a:rPr lang="en-US" dirty="0" smtClean="0"/>
+              <a:t>Public  </a:t>
+            </a:r>
+            <a:r>
+              <a:rPr lang="en-US" dirty="0" err="1" smtClean="0"/>
+              <a:t>bool</a:t>
+            </a:r>
+            <a:r>
+              <a:rPr lang="en-US" dirty="0" smtClean="0"/>
+              <a:t> </a:t>
+            </a:r>
+            <a:r>
+              <a:rPr lang="en-US" dirty="0" err="1" smtClean="0"/>
+              <a:t>TestLoop</a:t>
+            </a:r>
+            <a:r>
+              <a:rPr lang="en-US" dirty="0" smtClean="0"/>
+              <a:t>(</a:t>
+            </a:r>
+            <a:r>
+              <a:rPr lang="en-US" dirty="0" err="1" smtClean="0"/>
+              <a:t>int</a:t>
+            </a:r>
+            <a:r>
+              <a:rPr lang="en-US" dirty="0" smtClean="0"/>
+              <a:t> x, </a:t>
+            </a:r>
+            <a:r>
+              <a:rPr lang="en-US" dirty="0" err="1" smtClean="0"/>
+              <a:t>int</a:t>
+            </a:r>
+            <a:r>
+              <a:rPr lang="en-US" dirty="0" smtClean="0"/>
+              <a:t>[] y){</a:t>
+            </a:r>
+          </a:p>
+          <a:p>
+            <a:pPr>
+              <a:buNone/>
+            </a:pPr>
+            <a:r>
+              <a:rPr lang="en-US" dirty="0" smtClean="0"/>
+              <a:t>	if(x==90){</a:t>
+            </a:r>
+          </a:p>
+          <a:p>
+            <a:pPr>
+              <a:buNone/>
+            </a:pPr>
+            <a:r>
+              <a:rPr lang="en-US" dirty="0" smtClean="0"/>
+              <a:t>		for(</a:t>
+            </a:r>
+            <a:r>
+              <a:rPr lang="en-US" dirty="0" err="1" smtClean="0"/>
+              <a:t>int</a:t>
+            </a:r>
+            <a:r>
+              <a:rPr lang="en-US" dirty="0" smtClean="0"/>
+              <a:t> </a:t>
+            </a:r>
+            <a:r>
+              <a:rPr lang="en-US" dirty="0" err="1" smtClean="0"/>
+              <a:t>i</a:t>
+            </a:r>
+            <a:r>
+              <a:rPr lang="en-US" dirty="0" smtClean="0"/>
+              <a:t>=0; </a:t>
+            </a:r>
+            <a:r>
+              <a:rPr lang="en-US" dirty="0" err="1" smtClean="0"/>
+              <a:t>i</a:t>
+            </a:r>
+            <a:r>
+              <a:rPr lang="en-US" dirty="0" smtClean="0"/>
+              <a:t>&lt;</a:t>
+            </a:r>
+            <a:r>
+              <a:rPr lang="en-US" dirty="0" err="1" smtClean="0"/>
+              <a:t>y.length;i</a:t>
+            </a:r>
+            <a:r>
+              <a:rPr lang="en-US" dirty="0" smtClean="0"/>
+              <a:t>++)</a:t>
+            </a:r>
+          </a:p>
+          <a:p>
+            <a:pPr>
+              <a:buNone/>
+            </a:pPr>
+            <a:r>
+              <a:rPr lang="en-US" dirty="0" smtClean="0"/>
+              <a:t>			if(y[</a:t>
+            </a:r>
+            <a:r>
+              <a:rPr lang="en-US" dirty="0" err="1" smtClean="0"/>
+              <a:t>i</a:t>
+            </a:r>
+            <a:r>
+              <a:rPr lang="en-US" dirty="0" smtClean="0"/>
+              <a:t>]==15)</a:t>
+            </a:r>
+          </a:p>
+          <a:p>
+            <a:pPr>
+              <a:buNone/>
+            </a:pPr>
+            <a:r>
+              <a:rPr lang="en-US" dirty="0" smtClean="0"/>
+              <a:t>				x++;</a:t>
+            </a:r>
+          </a:p>
+          <a:p>
+            <a:pPr>
+              <a:buNone/>
+            </a:pPr>
+            <a:r>
+              <a:rPr lang="en-US" dirty="0" smtClean="0"/>
+              <a:t>		If(x==110)		Fitness function:  |110-x|</a:t>
+            </a:r>
+          </a:p>
+          <a:p>
+            <a:pPr>
+              <a:buNone/>
+            </a:pPr>
+            <a:r>
+              <a:rPr lang="en-US" dirty="0" smtClean="0"/>
+              <a:t>			return true;</a:t>
+            </a:r>
+          </a:p>
+          <a:p>
+            <a:pPr>
+              <a:buNone/>
+            </a:pPr>
+            <a:r>
+              <a:rPr lang="en-US" dirty="0" smtClean="0"/>
+              <a:t>	}</a:t>
+            </a:r>
+          </a:p>
+          <a:p>
+            <a:pPr>
+              <a:buNone/>
+            </a:pPr>
+            <a:r>
+              <a:rPr lang="en-US" dirty="0" smtClean="0"/>
+              <a:t>	return false;</a:t>
+            </a:r>
+          </a:p>
+          <a:p>
+            <a:pPr>
+              <a:buNone/>
+            </a:pPr>
+            <a:r>
+              <a:rPr lang="en-US" dirty="0" smtClean="0"/>
+              <a:t>}</a:t>
+            </a:r>
+          </a:p>
+          <a:p>
+            <a:pPr>
+              <a:buNone/>
+            </a:pPr>
+            <a:endParaRPr lang="en-US" dirty="0"/>
+          </a:p>
+        </p:txBody>
+      </p:sp>
+      <p:sp>
+        <p:nvSpPr>
+          <p:cNvPr id="4" name="左箭头 3"/>
+          <p:cNvSpPr/>
+          <p:nvPr/>
+        </p:nvSpPr>
+        <p:spPr>
+          <a:xfrm>
+            <a:off x="2895600" y="4267200"/>
+            <a:ext cx="990600" cy="381000"/>
+          </a:xfrm>
+          <a:prstGeom prst="leftArrow">
+            <a:avLst/>
+          </a:prstGeom>
+        </p:spPr>
+        <p:style>
+          <a:lnRef idx="2">
+            <a:schemeClr val="accent1">
+              <a:shade val="50000"/>
+            </a:schemeClr>
+          </a:lnRef>
+          <a:fillRef idx="1">
+            <a:schemeClr val="accent1"/>
+          </a:fillRef>
+          <a:effectRef idx="0">
+            <a:schemeClr val="accent1"/>
+          </a:effectRef>
+          <a:fontRef idx="minor">
+            <a:schemeClr val="lt1"/>
+          </a:fontRef>
+        </p:style>
+        <p:txBody>
+          <a:bodyPr rtlCol="0" anchor="ctr"/>
+          <a:lstStyle/>
+          <a:p>
+            <a:pPr algn="ctr"/>
+            <a:endParaRPr lang="en-US"/>
+          </a:p>
+        </p:txBody>
+      </p:sp>
+    </p:spTree>
+  </p:cSld>
+  <p:clrMapOvr>
+    <a:masterClrMapping/>
+  </p:clrMapOvr>
+</p:sld>
+</file>
+
 <file path=ppt/slides/slide8.xml><?xml version="1.0" encoding="utf-8"?>
 <p:sld xmlns:a="http://schemas.openxmlformats.org/drawingml/2006/main" xmlns:r="http://schemas.openxmlformats.org/officeDocument/2006/relationships" xmlns:p="http://schemas.openxmlformats.org/presentationml/2006/main">
   <p:cSld>
@@ -13335,7 +12436,7 @@
           <a:p>
             <a:r>
               <a:rPr lang="en-US" dirty="0" smtClean="0"/>
-              <a:t>Example</a:t>
+              <a:t>Fitness</a:t>
             </a:r>
             <a:endParaRPr lang="en-US" dirty="0"/>
           </a:p>
@@ -13354,7 +12455,7 @@
         <p:spPr/>
         <p:txBody>
           <a:bodyPr>
-            <a:normAutofit fontScale="77500" lnSpcReduction="20000"/>
+            <a:normAutofit fontScale="85000" lnSpcReduction="20000"/>
           </a:bodyPr>
           <a:lstStyle/>
           <a:p>
@@ -13480,7 +12581,7 @@
             </a:pPr>
             <a:r>
               <a:rPr lang="en-US" dirty="0" smtClean="0"/>
-              <a:t>		If(x==110)</a:t>
+              <a:t>		If(x==110)		</a:t>
             </a:r>
           </a:p>
           <a:p>
@@ -13523,31 +12624,13 @@
             <a:pPr>
               <a:buNone/>
             </a:pPr>
-            <a:r>
-              <a:rPr lang="en-US" dirty="0" err="1" smtClean="0">
-                <a:solidFill>
-                  <a:schemeClr val="tx2"/>
-                </a:solidFill>
-              </a:rPr>
-              <a:t>TestLoop</a:t>
-            </a:r>
-            <a:r>
-              <a:rPr lang="en-US" dirty="0" smtClean="0">
-                <a:solidFill>
-                  <a:schemeClr val="tx2"/>
-                </a:solidFill>
-              </a:rPr>
-              <a:t>(90,{0})</a:t>
-            </a:r>
-          </a:p>
-          <a:p>
             <a:endParaRPr lang="en-US" dirty="0"/>
           </a:p>
         </p:txBody>
       </p:sp>
       <p:pic>
         <p:nvPicPr>
-          <p:cNvPr id="4" name="图片 3" descr="test2.JPG"/>
+          <p:cNvPr id="4" name="图片 3" descr="fitnesstable.JPG"/>
           <p:cNvPicPr>
             <a:picLocks noChangeAspect="1"/>
           </p:cNvPicPr>
@@ -13561,8 +12644,8 @@
         </p:blipFill>
         <p:spPr>
           <a:xfrm>
-            <a:off x="4724400" y="2743200"/>
-            <a:ext cx="3429000" cy="3209925"/>
+            <a:off x="4572000" y="2895600"/>
+            <a:ext cx="3971925" cy="3352800"/>
           </a:xfrm>
           <a:prstGeom prst="rect">
             <a:avLst/>
@@ -13577,7 +12660,7 @@
         </p:nvSpPr>
         <p:spPr>
           <a:xfrm>
-            <a:off x="990600" y="2743200"/>
+            <a:off x="1066800" y="4114800"/>
             <a:ext cx="762000" cy="381000"/>
           </a:xfrm>
           <a:prstGeom prst="rightArrow">
@@ -13659,7 +12742,7 @@
           <a:p>
             <a:r>
               <a:rPr lang="en-US" dirty="0" smtClean="0"/>
-              <a:t>Example</a:t>
+              <a:t>String Constraint Solver</a:t>
             </a:r>
             <a:endParaRPr lang="en-US" dirty="0"/>
           </a:p>
@@ -13677,264 +12760,61 @@
         </p:nvSpPr>
         <p:spPr/>
         <p:txBody>
-          <a:bodyPr>
-            <a:normAutofit fontScale="77500" lnSpcReduction="20000"/>
-          </a:bodyPr>
+          <a:bodyPr/>
           <a:lstStyle/>
           <a:p>
+            <a:r>
+              <a:rPr lang="en-US" dirty="0" smtClean="0"/>
+              <a:t>Testing tools could be reduced to constraint generation phase and constraint solving phase.</a:t>
+            </a:r>
+          </a:p>
+          <a:p>
+            <a:r>
+              <a:rPr lang="en-US" dirty="0" smtClean="0"/>
+              <a:t>String constraint solvers are needed by testing string-manipulating programs</a:t>
+            </a:r>
+          </a:p>
+          <a:p>
+            <a:pPr lvl="1">
+              <a:buFont typeface="Courier New" pitchFamily="49" charset="0"/>
+              <a:buChar char="o"/>
+            </a:pPr>
+            <a:r>
+              <a:rPr lang="en-US" dirty="0" smtClean="0"/>
+              <a:t>Web application</a:t>
+            </a:r>
+            <a:endParaRPr lang="en-US" dirty="0" smtClean="0"/>
+          </a:p>
+          <a:p>
+            <a:r>
+              <a:rPr lang="en-US" dirty="0" smtClean="0"/>
+              <a:t>Hampi</a:t>
+            </a:r>
+          </a:p>
+          <a:p>
+            <a:pPr lvl="1">
+              <a:buFont typeface="Courier New" pitchFamily="49" charset="0"/>
+              <a:buChar char="o"/>
+            </a:pPr>
+            <a:endParaRPr lang="en-US" dirty="0" smtClean="0"/>
+          </a:p>
+          <a:p>
             <a:pPr>
               <a:buNone/>
             </a:pPr>
-            <a:r>
-              <a:rPr lang="en-US" dirty="0" smtClean="0"/>
-              <a:t>Public  </a:t>
-            </a:r>
-            <a:r>
-              <a:rPr lang="en-US" dirty="0" err="1" smtClean="0"/>
-              <a:t>bool</a:t>
-            </a:r>
-            <a:r>
-              <a:rPr lang="en-US" dirty="0" smtClean="0"/>
-              <a:t> </a:t>
-            </a:r>
-            <a:r>
-              <a:rPr lang="en-US" dirty="0" err="1" smtClean="0"/>
-              <a:t>TestLoop</a:t>
-            </a:r>
-            <a:r>
-              <a:rPr lang="en-US" dirty="0" smtClean="0"/>
-              <a:t>(</a:t>
-            </a:r>
-            <a:r>
-              <a:rPr lang="en-US" dirty="0" err="1" smtClean="0"/>
-              <a:t>int</a:t>
-            </a:r>
-            <a:r>
-              <a:rPr lang="en-US" dirty="0" smtClean="0"/>
-              <a:t> x, </a:t>
-            </a:r>
-            <a:r>
-              <a:rPr lang="en-US" dirty="0" err="1" smtClean="0"/>
-              <a:t>int</a:t>
-            </a:r>
-            <a:r>
-              <a:rPr lang="en-US" dirty="0" smtClean="0"/>
-              <a:t>[] y){</a:t>
-            </a:r>
+            <a:endParaRPr lang="en-US" dirty="0" smtClean="0"/>
           </a:p>
           <a:p>
             <a:pPr>
               <a:buNone/>
             </a:pPr>
-            <a:r>
-              <a:rPr lang="en-US" dirty="0" smtClean="0"/>
-              <a:t>	if(x==90){</a:t>
-            </a:r>
+            <a:endParaRPr lang="en-US" dirty="0" smtClean="0"/>
           </a:p>
           <a:p>
             <a:pPr>
               <a:buNone/>
             </a:pPr>
-            <a:r>
-              <a:rPr lang="en-US" dirty="0" smtClean="0"/>
-              <a:t>		for(</a:t>
-            </a:r>
-            <a:r>
-              <a:rPr lang="en-US" dirty="0" err="1" smtClean="0"/>
-              <a:t>int</a:t>
-            </a:r>
-            <a:r>
-              <a:rPr lang="en-US" dirty="0" smtClean="0"/>
-              <a:t> </a:t>
-            </a:r>
-            <a:r>
-              <a:rPr lang="en-US" dirty="0" err="1" smtClean="0"/>
-              <a:t>i</a:t>
-            </a:r>
-            <a:r>
-              <a:rPr lang="en-US" dirty="0" smtClean="0"/>
-              <a:t>=0; </a:t>
-            </a:r>
-            <a:r>
-              <a:rPr lang="en-US" dirty="0" err="1" smtClean="0"/>
-              <a:t>i</a:t>
-            </a:r>
-            <a:r>
-              <a:rPr lang="en-US" dirty="0" smtClean="0"/>
-              <a:t>&lt;</a:t>
-            </a:r>
-            <a:r>
-              <a:rPr lang="en-US" dirty="0" err="1" smtClean="0"/>
-              <a:t>y.length;i</a:t>
-            </a:r>
-            <a:r>
-              <a:rPr lang="en-US" dirty="0" smtClean="0"/>
-              <a:t>++)</a:t>
-            </a:r>
-          </a:p>
-          <a:p>
-            <a:pPr>
-              <a:buNone/>
-            </a:pPr>
-            <a:r>
-              <a:rPr lang="en-US" dirty="0" smtClean="0"/>
-              <a:t>			if(y[</a:t>
-            </a:r>
-            <a:r>
-              <a:rPr lang="en-US" dirty="0" err="1" smtClean="0"/>
-              <a:t>i</a:t>
-            </a:r>
-            <a:r>
-              <a:rPr lang="en-US" dirty="0" smtClean="0"/>
-              <a:t>]==15)</a:t>
-            </a:r>
-          </a:p>
-          <a:p>
-            <a:pPr>
-              <a:buNone/>
-            </a:pPr>
-            <a:r>
-              <a:rPr lang="en-US" dirty="0" smtClean="0"/>
-              <a:t>				x++;</a:t>
-            </a:r>
-          </a:p>
-          <a:p>
-            <a:pPr>
-              <a:buNone/>
-            </a:pPr>
-            <a:r>
-              <a:rPr lang="en-US" dirty="0" smtClean="0"/>
-              <a:t>		If(x==110)</a:t>
-            </a:r>
-          </a:p>
-          <a:p>
-            <a:pPr>
-              <a:buNone/>
-            </a:pPr>
-            <a:r>
-              <a:rPr lang="en-US" dirty="0" smtClean="0"/>
-              <a:t>			return true;</a:t>
-            </a:r>
-          </a:p>
-          <a:p>
-            <a:pPr>
-              <a:buNone/>
-            </a:pPr>
-            <a:r>
-              <a:rPr lang="en-US" dirty="0" smtClean="0"/>
-              <a:t>	}</a:t>
-            </a:r>
-          </a:p>
-          <a:p>
-            <a:pPr>
-              <a:buNone/>
-            </a:pPr>
-            <a:r>
-              <a:rPr lang="en-US" dirty="0" smtClean="0"/>
-              <a:t>	return false;</a:t>
-            </a:r>
-          </a:p>
-          <a:p>
-            <a:pPr>
-              <a:buNone/>
-            </a:pPr>
-            <a:r>
-              <a:rPr lang="en-US" dirty="0" smtClean="0"/>
-              <a:t>}</a:t>
-            </a:r>
-          </a:p>
-          <a:p>
-            <a:pPr>
-              <a:buNone/>
-            </a:pPr>
-            <a:r>
-              <a:rPr lang="en-US" dirty="0" err="1" smtClean="0">
-                <a:solidFill>
-                  <a:schemeClr val="tx2"/>
-                </a:solidFill>
-              </a:rPr>
-              <a:t>TestLoop</a:t>
-            </a:r>
-            <a:r>
-              <a:rPr lang="en-US" dirty="0" smtClean="0">
-                <a:solidFill>
-                  <a:schemeClr val="tx2"/>
-                </a:solidFill>
-              </a:rPr>
-              <a:t>(90,{15})</a:t>
-            </a:r>
-          </a:p>
-        </p:txBody>
-      </p:sp>
-      <p:pic>
-        <p:nvPicPr>
-          <p:cNvPr id="4" name="图片 3" descr="test3.JPG"/>
-          <p:cNvPicPr>
-            <a:picLocks noChangeAspect="1"/>
-          </p:cNvPicPr>
-          <p:nvPr/>
-        </p:nvPicPr>
-        <p:blipFill>
-          <a:blip r:embed="rId2"/>
-          <a:stretch>
-            <a:fillRect/>
-          </a:stretch>
-        </p:blipFill>
-        <p:spPr>
-          <a:xfrm>
-            <a:off x="5105400" y="2438400"/>
-            <a:ext cx="2914650" cy="3448050"/>
-          </a:xfrm>
-          <a:prstGeom prst="rect">
-            <a:avLst/>
-          </a:prstGeom>
-        </p:spPr>
-      </p:pic>
-      <p:sp>
-        <p:nvSpPr>
-          <p:cNvPr id="5" name="右箭头 4"/>
-          <p:cNvSpPr/>
-          <p:nvPr/>
-        </p:nvSpPr>
-        <p:spPr>
-          <a:xfrm>
-            <a:off x="990600" y="3886200"/>
-            <a:ext cx="762000" cy="381000"/>
-          </a:xfrm>
-          <a:prstGeom prst="rightArrow">
-            <a:avLst/>
-          </a:prstGeom>
-          <a:solidFill>
-            <a:schemeClr val="accent2"/>
-          </a:solidFill>
-          <a:ln>
-            <a:solidFill>
-              <a:schemeClr val="bg1"/>
-            </a:solidFill>
-          </a:ln>
-        </p:spPr>
-        <p:style>
-          <a:lnRef idx="2">
-            <a:schemeClr val="accent1">
-              <a:shade val="50000"/>
-            </a:schemeClr>
-          </a:lnRef>
-          <a:fillRef idx="1">
-            <a:schemeClr val="accent1"/>
-          </a:fillRef>
-          <a:effectRef idx="0">
-            <a:schemeClr val="accent1"/>
-          </a:effectRef>
-          <a:fontRef idx="minor">
-            <a:schemeClr val="lt1"/>
-          </a:fontRef>
-        </p:style>
-        <p:txBody>
-          <a:bodyPr rtlCol="0" anchor="ctr"/>
-          <a:lstStyle/>
-          <a:p>
-            <a:pPr algn="ctr"/>
-            <a:endParaRPr lang="en-US" sz="2000"/>
+            <a:endParaRPr lang="en-US" dirty="0"/>
           </a:p>
         </p:txBody>
       </p:sp>
@@ -13960,7 +12840,7 @@
         <a:sysClr val="windowText" lastClr="000000"/>
       </a:dk1>
       <a:lt1>
-        <a:sysClr val="window" lastClr="FFFFFF"/>
+        <a:sysClr val="window" lastClr="C7EDCC"/>
       </a:lt1>
       <a:dk2>
         <a:srgbClr val="1F497D"/>
@@ -14243,7 +13123,7 @@
         <a:sysClr val="windowText" lastClr="000000"/>
       </a:dk1>
       <a:lt1>
-        <a:sysClr val="window" lastClr="FFFFFF"/>
+        <a:sysClr val="window" lastClr="C7EDCC"/>
       </a:lt1>
       <a:dk2>
         <a:srgbClr val="1F497D"/>

--- a/Course/707 Theory of Computation/Fitness Guided Path Exploration in Automated Test Generation.pptx
+++ b/Course/707 Theory of Computation/Fitness Guided Path Exploration in Automated Test Generation.pptx
@@ -5,7 +5,7 @@
     <p:sldMasterId id="2147483648" r:id="rId1"/>
   </p:sldMasterIdLst>
   <p:notesMasterIdLst>
-    <p:notesMasterId r:id="rId13"/>
+    <p:notesMasterId r:id="rId16"/>
   </p:notesMasterIdLst>
   <p:sldIdLst>
     <p:sldId id="256" r:id="rId2"/>
@@ -13,12 +13,15 @@
     <p:sldId id="270" r:id="rId4"/>
     <p:sldId id="269" r:id="rId5"/>
     <p:sldId id="266" r:id="rId6"/>
-    <p:sldId id="261" r:id="rId7"/>
-    <p:sldId id="262" r:id="rId8"/>
-    <p:sldId id="263" r:id="rId9"/>
-    <p:sldId id="264" r:id="rId10"/>
-    <p:sldId id="271" r:id="rId11"/>
-    <p:sldId id="272" r:id="rId12"/>
+    <p:sldId id="275" r:id="rId7"/>
+    <p:sldId id="276" r:id="rId8"/>
+    <p:sldId id="277" r:id="rId9"/>
+    <p:sldId id="278" r:id="rId10"/>
+    <p:sldId id="261" r:id="rId11"/>
+    <p:sldId id="262" r:id="rId12"/>
+    <p:sldId id="263" r:id="rId13"/>
+    <p:sldId id="264" r:id="rId14"/>
+    <p:sldId id="271" r:id="rId15"/>
   </p:sldIdLst>
   <p:sldSz cx="9144000" cy="6858000" type="screen4x3"/>
   <p:notesSz cx="6858000" cy="9144000"/>
@@ -4058,21 +4061,202 @@
           <a:p>
             <a:r>
               <a:rPr lang="en-US" dirty="0" smtClean="0"/>
-              <a:t>HAMPI</a:t>
-            </a:r>
+              <a:t>Path Explosion</a:t>
+            </a:r>
+            <a:endParaRPr lang="en-US" dirty="0"/>
+          </a:p>
+        </p:txBody>
+      </p:sp>
+      <p:sp>
+        <p:nvSpPr>
+          <p:cNvPr id="3" name="内容占位符 2"/>
+          <p:cNvSpPr>
+            <a:spLocks noGrp="1"/>
+          </p:cNvSpPr>
+          <p:nvPr>
+            <p:ph idx="1"/>
+          </p:nvPr>
+        </p:nvSpPr>
+        <p:spPr/>
+        <p:txBody>
+          <a:bodyPr>
+            <a:normAutofit fontScale="85000" lnSpcReduction="20000"/>
+          </a:bodyPr>
+          <a:lstStyle/>
+          <a:p>
+            <a:pPr>
+              <a:buNone/>
+            </a:pPr>
+            <a:r>
+              <a:rPr lang="en-US" dirty="0" smtClean="0"/>
+              <a:t>Public  </a:t>
+            </a:r>
+            <a:r>
+              <a:rPr lang="en-US" dirty="0" err="1" smtClean="0"/>
+              <a:t>bool</a:t>
+            </a:r>
+            <a:r>
+              <a:rPr lang="en-US" dirty="0" smtClean="0"/>
+              <a:t> </a:t>
+            </a:r>
+            <a:r>
+              <a:rPr lang="en-US" dirty="0" err="1" smtClean="0"/>
+              <a:t>TestLoop</a:t>
+            </a:r>
+            <a:r>
+              <a:rPr lang="en-US" dirty="0" smtClean="0"/>
+              <a:t>(</a:t>
+            </a:r>
+            <a:r>
+              <a:rPr lang="en-US" dirty="0" err="1" smtClean="0"/>
+              <a:t>int</a:t>
+            </a:r>
+            <a:r>
+              <a:rPr lang="en-US" dirty="0" smtClean="0"/>
+              <a:t> x, </a:t>
+            </a:r>
+            <a:r>
+              <a:rPr lang="en-US" dirty="0" err="1" smtClean="0"/>
+              <a:t>int</a:t>
+            </a:r>
+            <a:r>
+              <a:rPr lang="en-US" dirty="0" smtClean="0"/>
+              <a:t>[] y){</a:t>
+            </a:r>
+          </a:p>
+          <a:p>
+            <a:pPr>
+              <a:buNone/>
+            </a:pPr>
+            <a:r>
+              <a:rPr lang="en-US" dirty="0" smtClean="0"/>
+              <a:t>	if(x==90){</a:t>
+            </a:r>
+          </a:p>
+          <a:p>
+            <a:pPr>
+              <a:buNone/>
+            </a:pPr>
+            <a:r>
+              <a:rPr lang="en-US" dirty="0" smtClean="0"/>
+              <a:t>		for(</a:t>
+            </a:r>
+            <a:r>
+              <a:rPr lang="en-US" dirty="0" err="1" smtClean="0"/>
+              <a:t>int</a:t>
+            </a:r>
+            <a:r>
+              <a:rPr lang="en-US" dirty="0" smtClean="0"/>
+              <a:t> </a:t>
+            </a:r>
+            <a:r>
+              <a:rPr lang="en-US" dirty="0" err="1" smtClean="0"/>
+              <a:t>i</a:t>
+            </a:r>
+            <a:r>
+              <a:rPr lang="en-US" dirty="0" smtClean="0"/>
+              <a:t>=0; </a:t>
+            </a:r>
+            <a:r>
+              <a:rPr lang="en-US" dirty="0" err="1" smtClean="0"/>
+              <a:t>i</a:t>
+            </a:r>
+            <a:r>
+              <a:rPr lang="en-US" dirty="0" smtClean="0"/>
+              <a:t>&lt;</a:t>
+            </a:r>
+            <a:r>
+              <a:rPr lang="en-US" dirty="0" err="1" smtClean="0"/>
+              <a:t>y.length;i</a:t>
+            </a:r>
+            <a:r>
+              <a:rPr lang="en-US" dirty="0" smtClean="0"/>
+              <a:t>++)</a:t>
+            </a:r>
+          </a:p>
+          <a:p>
+            <a:pPr>
+              <a:buNone/>
+            </a:pPr>
+            <a:r>
+              <a:rPr lang="en-US" dirty="0" smtClean="0"/>
+              <a:t>			if(y[</a:t>
+            </a:r>
+            <a:r>
+              <a:rPr lang="en-US" dirty="0" err="1" smtClean="0"/>
+              <a:t>i</a:t>
+            </a:r>
+            <a:r>
+              <a:rPr lang="en-US" dirty="0" smtClean="0"/>
+              <a:t>]==15)</a:t>
+            </a:r>
+          </a:p>
+          <a:p>
+            <a:pPr>
+              <a:buNone/>
+            </a:pPr>
+            <a:r>
+              <a:rPr lang="en-US" dirty="0" smtClean="0"/>
+              <a:t>				x++;</a:t>
+            </a:r>
+          </a:p>
+          <a:p>
+            <a:pPr>
+              <a:buNone/>
+            </a:pPr>
+            <a:r>
+              <a:rPr lang="en-US" dirty="0" smtClean="0"/>
+              <a:t>		If(x==110)</a:t>
+            </a:r>
+          </a:p>
+          <a:p>
+            <a:pPr>
+              <a:buNone/>
+            </a:pPr>
+            <a:r>
+              <a:rPr lang="en-US" dirty="0" smtClean="0"/>
+              <a:t>			return true;</a:t>
+            </a:r>
+          </a:p>
+          <a:p>
+            <a:pPr>
+              <a:buNone/>
+            </a:pPr>
+            <a:r>
+              <a:rPr lang="en-US" dirty="0" smtClean="0"/>
+              <a:t>	}</a:t>
+            </a:r>
+          </a:p>
+          <a:p>
+            <a:pPr>
+              <a:buNone/>
+            </a:pPr>
+            <a:r>
+              <a:rPr lang="en-US" dirty="0" smtClean="0"/>
+              <a:t>	return false;</a:t>
+            </a:r>
+          </a:p>
+          <a:p>
+            <a:pPr>
+              <a:buNone/>
+            </a:pPr>
+            <a:r>
+              <a:rPr lang="en-US" dirty="0" smtClean="0"/>
+              <a:t>}</a:t>
+            </a:r>
+          </a:p>
+          <a:p>
             <a:endParaRPr lang="en-US" dirty="0"/>
           </a:p>
         </p:txBody>
       </p:sp>
       <p:pic>
         <p:nvPicPr>
-          <p:cNvPr id="4" name="内容占位符 3" descr="hampi.JPG"/>
+          <p:cNvPr id="4" name="图片 3" descr="test4.JPG"/>
           <p:cNvPicPr>
-            <a:picLocks noGrp="1" noChangeAspect="1"/>
+            <a:picLocks noChangeAspect="1"/>
           </p:cNvPicPr>
-          <p:nvPr>
-            <p:ph idx="1"/>
-          </p:nvPr>
+          <p:nvPr/>
         </p:nvPicPr>
         <p:blipFill>
           <a:blip r:embed="rId2"/>
@@ -4082,11 +4266,62 @@
         </p:blipFill>
         <p:spPr>
           <a:xfrm>
-            <a:off x="1524000" y="1447800"/>
-            <a:ext cx="6379406" cy="4468019"/>
+            <a:off x="5181600" y="2667000"/>
+            <a:ext cx="3248025" cy="3238500"/>
           </a:xfrm>
+          <a:prstGeom prst="rect">
+            <a:avLst/>
+          </a:prstGeom>
         </p:spPr>
       </p:pic>
+      <p:sp>
+        <p:nvSpPr>
+          <p:cNvPr id="5" name="右箭头 4"/>
+          <p:cNvSpPr/>
+          <p:nvPr/>
+        </p:nvSpPr>
+        <p:spPr>
+          <a:xfrm>
+            <a:off x="990600" y="4114800"/>
+            <a:ext cx="762000" cy="381000"/>
+          </a:xfrm>
+          <a:prstGeom prst="rightArrow">
+            <a:avLst/>
+          </a:prstGeom>
+          <a:solidFill>
+            <a:schemeClr val="accent2"/>
+          </a:solidFill>
+          <a:ln>
+            <a:solidFill>
+              <a:schemeClr val="bg1"/>
+            </a:solidFill>
+          </a:ln>
+        </p:spPr>
+        <p:style>
+          <a:lnRef idx="2">
+            <a:schemeClr val="accent1">
+              <a:shade val="50000"/>
+            </a:schemeClr>
+          </a:lnRef>
+          <a:fillRef idx="1">
+            <a:schemeClr val="accent1"/>
+          </a:fillRef>
+          <a:effectRef idx="0">
+            <a:schemeClr val="accent1"/>
+          </a:effectRef>
+          <a:fontRef idx="minor">
+            <a:schemeClr val="lt1"/>
+          </a:fontRef>
+        </p:style>
+        <p:txBody>
+          <a:bodyPr rtlCol="0" anchor="ctr"/>
+          <a:lstStyle/>
+          <a:p>
+            <a:pPr algn="ctr"/>
+            <a:endParaRPr lang="en-US" sz="2000"/>
+          </a:p>
+        </p:txBody>
+      </p:sp>
     </p:spTree>
   </p:cSld>
   <p:clrMapOvr>
@@ -4127,6 +4362,630 @@
           <a:bodyPr/>
           <a:lstStyle/>
           <a:p>
+            <a:r>
+              <a:rPr lang="en-US" dirty="0" smtClean="0"/>
+              <a:t>Fitness</a:t>
+            </a:r>
+            <a:endParaRPr lang="en-US" dirty="0"/>
+          </a:p>
+        </p:txBody>
+      </p:sp>
+      <p:sp>
+        <p:nvSpPr>
+          <p:cNvPr id="3" name="内容占位符 2"/>
+          <p:cNvSpPr>
+            <a:spLocks noGrp="1"/>
+          </p:cNvSpPr>
+          <p:nvPr>
+            <p:ph idx="1"/>
+          </p:nvPr>
+        </p:nvSpPr>
+        <p:spPr/>
+        <p:txBody>
+          <a:bodyPr>
+            <a:normAutofit fontScale="70000" lnSpcReduction="20000"/>
+          </a:bodyPr>
+          <a:lstStyle/>
+          <a:p>
+            <a:pPr>
+              <a:buNone/>
+            </a:pPr>
+            <a:r>
+              <a:rPr lang="en-US" dirty="0" smtClean="0">
+                <a:solidFill>
+                  <a:schemeClr val="tx2"/>
+                </a:solidFill>
+              </a:rPr>
+              <a:t>Greedy algorithm: Fitness Guided Explosion</a:t>
+            </a:r>
+          </a:p>
+          <a:p>
+            <a:pPr>
+              <a:buNone/>
+            </a:pPr>
+            <a:r>
+              <a:rPr lang="en-US" dirty="0" smtClean="0">
+                <a:solidFill>
+                  <a:schemeClr val="tx2"/>
+                </a:solidFill>
+              </a:rPr>
+              <a:t>Fitness </a:t>
+            </a:r>
+            <a:r>
+              <a:rPr lang="en-US" dirty="0" smtClean="0">
+                <a:solidFill>
+                  <a:schemeClr val="tx2"/>
+                </a:solidFill>
+              </a:rPr>
+              <a:t>Function: Measure the current state and the goal state.</a:t>
+            </a:r>
+          </a:p>
+          <a:p>
+            <a:pPr>
+              <a:buNone/>
+            </a:pPr>
+            <a:endParaRPr lang="en-US" dirty="0" smtClean="0"/>
+          </a:p>
+          <a:p>
+            <a:pPr>
+              <a:buNone/>
+            </a:pPr>
+            <a:r>
+              <a:rPr lang="en-US" dirty="0" smtClean="0"/>
+              <a:t>Public  </a:t>
+            </a:r>
+            <a:r>
+              <a:rPr lang="en-US" dirty="0" err="1" smtClean="0"/>
+              <a:t>bool</a:t>
+            </a:r>
+            <a:r>
+              <a:rPr lang="en-US" dirty="0" smtClean="0"/>
+              <a:t> </a:t>
+            </a:r>
+            <a:r>
+              <a:rPr lang="en-US" dirty="0" err="1" smtClean="0"/>
+              <a:t>TestLoop</a:t>
+            </a:r>
+            <a:r>
+              <a:rPr lang="en-US" dirty="0" smtClean="0"/>
+              <a:t>(</a:t>
+            </a:r>
+            <a:r>
+              <a:rPr lang="en-US" dirty="0" err="1" smtClean="0"/>
+              <a:t>int</a:t>
+            </a:r>
+            <a:r>
+              <a:rPr lang="en-US" dirty="0" smtClean="0"/>
+              <a:t> x, </a:t>
+            </a:r>
+            <a:r>
+              <a:rPr lang="en-US" dirty="0" err="1" smtClean="0"/>
+              <a:t>int</a:t>
+            </a:r>
+            <a:r>
+              <a:rPr lang="en-US" dirty="0" smtClean="0"/>
+              <a:t>[] y){</a:t>
+            </a:r>
+          </a:p>
+          <a:p>
+            <a:pPr>
+              <a:buNone/>
+            </a:pPr>
+            <a:r>
+              <a:rPr lang="en-US" dirty="0" smtClean="0"/>
+              <a:t>	if(x==90){</a:t>
+            </a:r>
+          </a:p>
+          <a:p>
+            <a:pPr>
+              <a:buNone/>
+            </a:pPr>
+            <a:r>
+              <a:rPr lang="en-US" dirty="0" smtClean="0"/>
+              <a:t>		for(</a:t>
+            </a:r>
+            <a:r>
+              <a:rPr lang="en-US" dirty="0" err="1" smtClean="0"/>
+              <a:t>int</a:t>
+            </a:r>
+            <a:r>
+              <a:rPr lang="en-US" dirty="0" smtClean="0"/>
+              <a:t> </a:t>
+            </a:r>
+            <a:r>
+              <a:rPr lang="en-US" dirty="0" err="1" smtClean="0"/>
+              <a:t>i</a:t>
+            </a:r>
+            <a:r>
+              <a:rPr lang="en-US" dirty="0" smtClean="0"/>
+              <a:t>=0; </a:t>
+            </a:r>
+            <a:r>
+              <a:rPr lang="en-US" dirty="0" err="1" smtClean="0"/>
+              <a:t>i</a:t>
+            </a:r>
+            <a:r>
+              <a:rPr lang="en-US" dirty="0" smtClean="0"/>
+              <a:t>&lt;</a:t>
+            </a:r>
+            <a:r>
+              <a:rPr lang="en-US" dirty="0" err="1" smtClean="0"/>
+              <a:t>y.length;i</a:t>
+            </a:r>
+            <a:r>
+              <a:rPr lang="en-US" dirty="0" smtClean="0"/>
+              <a:t>++)</a:t>
+            </a:r>
+          </a:p>
+          <a:p>
+            <a:pPr>
+              <a:buNone/>
+            </a:pPr>
+            <a:r>
+              <a:rPr lang="en-US" dirty="0" smtClean="0"/>
+              <a:t>			if(y[</a:t>
+            </a:r>
+            <a:r>
+              <a:rPr lang="en-US" dirty="0" err="1" smtClean="0"/>
+              <a:t>i</a:t>
+            </a:r>
+            <a:r>
+              <a:rPr lang="en-US" dirty="0" smtClean="0"/>
+              <a:t>]==15)</a:t>
+            </a:r>
+          </a:p>
+          <a:p>
+            <a:pPr>
+              <a:buNone/>
+            </a:pPr>
+            <a:r>
+              <a:rPr lang="en-US" dirty="0" smtClean="0"/>
+              <a:t>				x++;</a:t>
+            </a:r>
+          </a:p>
+          <a:p>
+            <a:pPr>
+              <a:buNone/>
+            </a:pPr>
+            <a:r>
+              <a:rPr lang="en-US" dirty="0" smtClean="0"/>
+              <a:t>		If(x==110)		Fitness function:  |110-x|</a:t>
+            </a:r>
+          </a:p>
+          <a:p>
+            <a:pPr>
+              <a:buNone/>
+            </a:pPr>
+            <a:r>
+              <a:rPr lang="en-US" dirty="0" smtClean="0"/>
+              <a:t>			return true;</a:t>
+            </a:r>
+          </a:p>
+          <a:p>
+            <a:pPr>
+              <a:buNone/>
+            </a:pPr>
+            <a:r>
+              <a:rPr lang="en-US" dirty="0" smtClean="0"/>
+              <a:t>	}</a:t>
+            </a:r>
+          </a:p>
+          <a:p>
+            <a:pPr>
+              <a:buNone/>
+            </a:pPr>
+            <a:r>
+              <a:rPr lang="en-US" dirty="0" smtClean="0"/>
+              <a:t>	return false;</a:t>
+            </a:r>
+          </a:p>
+          <a:p>
+            <a:pPr>
+              <a:buNone/>
+            </a:pPr>
+            <a:r>
+              <a:rPr lang="en-US" dirty="0" smtClean="0"/>
+              <a:t>}</a:t>
+            </a:r>
+          </a:p>
+          <a:p>
+            <a:pPr>
+              <a:buNone/>
+            </a:pPr>
+            <a:endParaRPr lang="en-US" dirty="0"/>
+          </a:p>
+        </p:txBody>
+      </p:sp>
+      <p:sp>
+        <p:nvSpPr>
+          <p:cNvPr id="4" name="左箭头 3"/>
+          <p:cNvSpPr/>
+          <p:nvPr/>
+        </p:nvSpPr>
+        <p:spPr>
+          <a:xfrm>
+            <a:off x="2895600" y="4267200"/>
+            <a:ext cx="990600" cy="381000"/>
+          </a:xfrm>
+          <a:prstGeom prst="leftArrow">
+            <a:avLst/>
+          </a:prstGeom>
+        </p:spPr>
+        <p:style>
+          <a:lnRef idx="2">
+            <a:schemeClr val="accent1">
+              <a:shade val="50000"/>
+            </a:schemeClr>
+          </a:lnRef>
+          <a:fillRef idx="1">
+            <a:schemeClr val="accent1"/>
+          </a:fillRef>
+          <a:effectRef idx="0">
+            <a:schemeClr val="accent1"/>
+          </a:effectRef>
+          <a:fontRef idx="minor">
+            <a:schemeClr val="lt1"/>
+          </a:fontRef>
+        </p:style>
+        <p:txBody>
+          <a:bodyPr rtlCol="0" anchor="ctr"/>
+          <a:lstStyle/>
+          <a:p>
+            <a:pPr algn="ctr"/>
+            <a:endParaRPr lang="en-US"/>
+          </a:p>
+        </p:txBody>
+      </p:sp>
+    </p:spTree>
+  </p:cSld>
+  <p:clrMapOvr>
+    <a:masterClrMapping/>
+  </p:clrMapOvr>
+</p:sld>
+</file>
+
+<file path=ppt/slides/slide12.xml><?xml version="1.0" encoding="utf-8"?>
+<p:sld xmlns:a="http://schemas.openxmlformats.org/drawingml/2006/main" xmlns:r="http://schemas.openxmlformats.org/officeDocument/2006/relationships" xmlns:p="http://schemas.openxmlformats.org/presentationml/2006/main">
+  <p:cSld>
+    <p:spTree>
+      <p:nvGrpSpPr>
+        <p:cNvPr id="1" name=""/>
+        <p:cNvGrpSpPr/>
+        <p:nvPr/>
+      </p:nvGrpSpPr>
+      <p:grpSpPr>
+        <a:xfrm>
+          <a:off x="0" y="0"/>
+          <a:ext cx="0" cy="0"/>
+          <a:chOff x="0" y="0"/>
+          <a:chExt cx="0" cy="0"/>
+        </a:xfrm>
+      </p:grpSpPr>
+      <p:sp>
+        <p:nvSpPr>
+          <p:cNvPr id="2" name="标题 1"/>
+          <p:cNvSpPr>
+            <a:spLocks noGrp="1"/>
+          </p:cNvSpPr>
+          <p:nvPr>
+            <p:ph type="title"/>
+          </p:nvPr>
+        </p:nvSpPr>
+        <p:spPr/>
+        <p:txBody>
+          <a:bodyPr/>
+          <a:lstStyle/>
+          <a:p>
+            <a:r>
+              <a:rPr lang="en-US" dirty="0" smtClean="0"/>
+              <a:t>Fitness</a:t>
+            </a:r>
+            <a:endParaRPr lang="en-US" dirty="0"/>
+          </a:p>
+        </p:txBody>
+      </p:sp>
+      <p:sp>
+        <p:nvSpPr>
+          <p:cNvPr id="3" name="内容占位符 2"/>
+          <p:cNvSpPr>
+            <a:spLocks noGrp="1"/>
+          </p:cNvSpPr>
+          <p:nvPr>
+            <p:ph idx="1"/>
+          </p:nvPr>
+        </p:nvSpPr>
+        <p:spPr/>
+        <p:txBody>
+          <a:bodyPr>
+            <a:normAutofit fontScale="85000" lnSpcReduction="20000"/>
+          </a:bodyPr>
+          <a:lstStyle/>
+          <a:p>
+            <a:pPr>
+              <a:buNone/>
+            </a:pPr>
+            <a:r>
+              <a:rPr lang="en-US" dirty="0" smtClean="0"/>
+              <a:t>Public  </a:t>
+            </a:r>
+            <a:r>
+              <a:rPr lang="en-US" dirty="0" err="1" smtClean="0"/>
+              <a:t>bool</a:t>
+            </a:r>
+            <a:r>
+              <a:rPr lang="en-US" dirty="0" smtClean="0"/>
+              <a:t> </a:t>
+            </a:r>
+            <a:r>
+              <a:rPr lang="en-US" dirty="0" err="1" smtClean="0"/>
+              <a:t>TestLoop</a:t>
+            </a:r>
+            <a:r>
+              <a:rPr lang="en-US" dirty="0" smtClean="0"/>
+              <a:t>(</a:t>
+            </a:r>
+            <a:r>
+              <a:rPr lang="en-US" dirty="0" err="1" smtClean="0"/>
+              <a:t>int</a:t>
+            </a:r>
+            <a:r>
+              <a:rPr lang="en-US" dirty="0" smtClean="0"/>
+              <a:t> x, </a:t>
+            </a:r>
+            <a:r>
+              <a:rPr lang="en-US" dirty="0" err="1" smtClean="0"/>
+              <a:t>int</a:t>
+            </a:r>
+            <a:r>
+              <a:rPr lang="en-US" dirty="0" smtClean="0"/>
+              <a:t>[] y){</a:t>
+            </a:r>
+          </a:p>
+          <a:p>
+            <a:pPr>
+              <a:buNone/>
+            </a:pPr>
+            <a:r>
+              <a:rPr lang="en-US" dirty="0" smtClean="0"/>
+              <a:t>	if(x==90){</a:t>
+            </a:r>
+          </a:p>
+          <a:p>
+            <a:pPr>
+              <a:buNone/>
+            </a:pPr>
+            <a:r>
+              <a:rPr lang="en-US" dirty="0" smtClean="0"/>
+              <a:t>		for(</a:t>
+            </a:r>
+            <a:r>
+              <a:rPr lang="en-US" dirty="0" err="1" smtClean="0"/>
+              <a:t>int</a:t>
+            </a:r>
+            <a:r>
+              <a:rPr lang="en-US" dirty="0" smtClean="0"/>
+              <a:t> </a:t>
+            </a:r>
+            <a:r>
+              <a:rPr lang="en-US" dirty="0" err="1" smtClean="0"/>
+              <a:t>i</a:t>
+            </a:r>
+            <a:r>
+              <a:rPr lang="en-US" dirty="0" smtClean="0"/>
+              <a:t>=0; </a:t>
+            </a:r>
+            <a:r>
+              <a:rPr lang="en-US" dirty="0" err="1" smtClean="0"/>
+              <a:t>i</a:t>
+            </a:r>
+            <a:r>
+              <a:rPr lang="en-US" dirty="0" smtClean="0"/>
+              <a:t>&lt;</a:t>
+            </a:r>
+            <a:r>
+              <a:rPr lang="en-US" dirty="0" err="1" smtClean="0"/>
+              <a:t>y.length;i</a:t>
+            </a:r>
+            <a:r>
+              <a:rPr lang="en-US" dirty="0" smtClean="0"/>
+              <a:t>++)</a:t>
+            </a:r>
+          </a:p>
+          <a:p>
+            <a:pPr>
+              <a:buNone/>
+            </a:pPr>
+            <a:r>
+              <a:rPr lang="en-US" dirty="0" smtClean="0"/>
+              <a:t>			if(y[</a:t>
+            </a:r>
+            <a:r>
+              <a:rPr lang="en-US" dirty="0" err="1" smtClean="0"/>
+              <a:t>i</a:t>
+            </a:r>
+            <a:r>
+              <a:rPr lang="en-US" dirty="0" smtClean="0"/>
+              <a:t>]==15)</a:t>
+            </a:r>
+          </a:p>
+          <a:p>
+            <a:pPr>
+              <a:buNone/>
+            </a:pPr>
+            <a:r>
+              <a:rPr lang="en-US" dirty="0" smtClean="0"/>
+              <a:t>				x++;</a:t>
+            </a:r>
+          </a:p>
+          <a:p>
+            <a:pPr>
+              <a:buNone/>
+            </a:pPr>
+            <a:r>
+              <a:rPr lang="en-US" dirty="0" smtClean="0"/>
+              <a:t>		If(x==110)		</a:t>
+            </a:r>
+          </a:p>
+          <a:p>
+            <a:pPr>
+              <a:buNone/>
+            </a:pPr>
+            <a:r>
+              <a:rPr lang="en-US" dirty="0" smtClean="0"/>
+              <a:t>			return true;</a:t>
+            </a:r>
+          </a:p>
+          <a:p>
+            <a:pPr>
+              <a:buNone/>
+            </a:pPr>
+            <a:r>
+              <a:rPr lang="en-US" dirty="0" smtClean="0"/>
+              <a:t>	}</a:t>
+            </a:r>
+          </a:p>
+          <a:p>
+            <a:pPr>
+              <a:buNone/>
+            </a:pPr>
+            <a:r>
+              <a:rPr lang="en-US" dirty="0" smtClean="0"/>
+              <a:t>	return false;</a:t>
+            </a:r>
+          </a:p>
+          <a:p>
+            <a:pPr>
+              <a:buNone/>
+            </a:pPr>
+            <a:r>
+              <a:rPr lang="en-US" dirty="0" smtClean="0"/>
+              <a:t>}</a:t>
+            </a:r>
+          </a:p>
+          <a:p>
+            <a:pPr>
+              <a:buNone/>
+            </a:pPr>
+            <a:endParaRPr lang="en-US" dirty="0"/>
+          </a:p>
+        </p:txBody>
+      </p:sp>
+      <p:pic>
+        <p:nvPicPr>
+          <p:cNvPr id="4" name="图片 3" descr="fitnesstable.JPG"/>
+          <p:cNvPicPr>
+            <a:picLocks noChangeAspect="1"/>
+          </p:cNvPicPr>
+          <p:nvPr/>
+        </p:nvPicPr>
+        <p:blipFill>
+          <a:blip r:embed="rId2"/>
+          <a:stretch>
+            <a:fillRect/>
+          </a:stretch>
+        </p:blipFill>
+        <p:spPr>
+          <a:xfrm>
+            <a:off x="4572000" y="2895600"/>
+            <a:ext cx="3971925" cy="3352800"/>
+          </a:xfrm>
+          <a:prstGeom prst="rect">
+            <a:avLst/>
+          </a:prstGeom>
+        </p:spPr>
+      </p:pic>
+      <p:sp>
+        <p:nvSpPr>
+          <p:cNvPr id="5" name="右箭头 4"/>
+          <p:cNvSpPr/>
+          <p:nvPr/>
+        </p:nvSpPr>
+        <p:spPr>
+          <a:xfrm>
+            <a:off x="1066800" y="4114800"/>
+            <a:ext cx="762000" cy="381000"/>
+          </a:xfrm>
+          <a:prstGeom prst="rightArrow">
+            <a:avLst/>
+          </a:prstGeom>
+          <a:solidFill>
+            <a:schemeClr val="accent2"/>
+          </a:solidFill>
+          <a:ln>
+            <a:solidFill>
+              <a:schemeClr val="bg1"/>
+            </a:solidFill>
+          </a:ln>
+        </p:spPr>
+        <p:style>
+          <a:lnRef idx="2">
+            <a:schemeClr val="accent1">
+              <a:shade val="50000"/>
+            </a:schemeClr>
+          </a:lnRef>
+          <a:fillRef idx="1">
+            <a:schemeClr val="accent1"/>
+          </a:fillRef>
+          <a:effectRef idx="0">
+            <a:schemeClr val="accent1"/>
+          </a:effectRef>
+          <a:fontRef idx="minor">
+            <a:schemeClr val="lt1"/>
+          </a:fontRef>
+        </p:style>
+        <p:txBody>
+          <a:bodyPr rtlCol="0" anchor="ctr"/>
+          <a:lstStyle/>
+          <a:p>
+            <a:pPr algn="ctr"/>
+            <a:endParaRPr lang="en-US" sz="2000"/>
+          </a:p>
+        </p:txBody>
+      </p:sp>
+    </p:spTree>
+  </p:cSld>
+  <p:clrMapOvr>
+    <a:masterClrMapping/>
+  </p:clrMapOvr>
+</p:sld>
+</file>
+
+<file path=ppt/slides/slide13.xml><?xml version="1.0" encoding="utf-8"?>
+<p:sld xmlns:a="http://schemas.openxmlformats.org/drawingml/2006/main" xmlns:r="http://schemas.openxmlformats.org/officeDocument/2006/relationships" xmlns:p="http://schemas.openxmlformats.org/presentationml/2006/main">
+  <p:cSld>
+    <p:spTree>
+      <p:nvGrpSpPr>
+        <p:cNvPr id="1" name=""/>
+        <p:cNvGrpSpPr/>
+        <p:nvPr/>
+      </p:nvGrpSpPr>
+      <p:grpSpPr>
+        <a:xfrm>
+          <a:off x="0" y="0"/>
+          <a:ext cx="0" cy="0"/>
+          <a:chOff x="0" y="0"/>
+          <a:chExt cx="0" cy="0"/>
+        </a:xfrm>
+      </p:grpSpPr>
+      <p:sp>
+        <p:nvSpPr>
+          <p:cNvPr id="2" name="标题 1"/>
+          <p:cNvSpPr>
+            <a:spLocks noGrp="1"/>
+          </p:cNvSpPr>
+          <p:nvPr>
+            <p:ph type="title"/>
+          </p:nvPr>
+        </p:nvSpPr>
+        <p:spPr/>
+        <p:txBody>
+          <a:bodyPr/>
+          <a:lstStyle/>
+          <a:p>
+            <a:r>
+              <a:rPr lang="en-US" dirty="0" smtClean="0"/>
+              <a:t>String Constraint Solver</a:t>
+            </a:r>
             <a:endParaRPr lang="en-US" dirty="0"/>
           </a:p>
         </p:txBody>
@@ -4146,10 +5005,132 @@
           <a:bodyPr/>
           <a:lstStyle/>
           <a:p>
-            <a:endParaRPr lang="en-US"/>
+            <a:r>
+              <a:rPr lang="en-US" dirty="0" smtClean="0"/>
+              <a:t>Testing tools could be reduced to constraint generation phase and constraint solving phase.</a:t>
+            </a:r>
+          </a:p>
+          <a:p>
+            <a:r>
+              <a:rPr lang="en-US" dirty="0" smtClean="0"/>
+              <a:t>String constraint solvers are needed by testing string-manipulating programs</a:t>
+            </a:r>
+          </a:p>
+          <a:p>
+            <a:pPr lvl="1">
+              <a:buFont typeface="Courier New" pitchFamily="49" charset="0"/>
+              <a:buChar char="o"/>
+            </a:pPr>
+            <a:r>
+              <a:rPr lang="en-US" dirty="0" smtClean="0"/>
+              <a:t>Web application</a:t>
+            </a:r>
+            <a:endParaRPr lang="en-US" dirty="0" smtClean="0"/>
+          </a:p>
+          <a:p>
+            <a:r>
+              <a:rPr lang="en-US" dirty="0" smtClean="0"/>
+              <a:t>Hampi</a:t>
+            </a:r>
+          </a:p>
+          <a:p>
+            <a:pPr lvl="1">
+              <a:buFont typeface="Courier New" pitchFamily="49" charset="0"/>
+              <a:buChar char="o"/>
+            </a:pPr>
+            <a:endParaRPr lang="en-US" dirty="0" smtClean="0"/>
+          </a:p>
+          <a:p>
+            <a:pPr>
+              <a:buNone/>
+            </a:pPr>
+            <a:endParaRPr lang="en-US" dirty="0" smtClean="0"/>
+          </a:p>
+          <a:p>
+            <a:pPr>
+              <a:buNone/>
+            </a:pPr>
+            <a:endParaRPr lang="en-US" dirty="0" smtClean="0"/>
+          </a:p>
+          <a:p>
+            <a:pPr>
+              <a:buNone/>
+            </a:pPr>
+            <a:endParaRPr lang="en-US" dirty="0"/>
           </a:p>
         </p:txBody>
       </p:sp>
+    </p:spTree>
+  </p:cSld>
+  <p:clrMapOvr>
+    <a:masterClrMapping/>
+  </p:clrMapOvr>
+</p:sld>
+</file>
+
+<file path=ppt/slides/slide14.xml><?xml version="1.0" encoding="utf-8"?>
+<p:sld xmlns:a="http://schemas.openxmlformats.org/drawingml/2006/main" xmlns:r="http://schemas.openxmlformats.org/officeDocument/2006/relationships" xmlns:p="http://schemas.openxmlformats.org/presentationml/2006/main">
+  <p:cSld>
+    <p:spTree>
+      <p:nvGrpSpPr>
+        <p:cNvPr id="1" name=""/>
+        <p:cNvGrpSpPr/>
+        <p:nvPr/>
+      </p:nvGrpSpPr>
+      <p:grpSpPr>
+        <a:xfrm>
+          <a:off x="0" y="0"/>
+          <a:ext cx="0" cy="0"/>
+          <a:chOff x="0" y="0"/>
+          <a:chExt cx="0" cy="0"/>
+        </a:xfrm>
+      </p:grpSpPr>
+      <p:sp>
+        <p:nvSpPr>
+          <p:cNvPr id="2" name="标题 1"/>
+          <p:cNvSpPr>
+            <a:spLocks noGrp="1"/>
+          </p:cNvSpPr>
+          <p:nvPr>
+            <p:ph type="title"/>
+          </p:nvPr>
+        </p:nvSpPr>
+        <p:spPr/>
+        <p:txBody>
+          <a:bodyPr/>
+          <a:lstStyle/>
+          <a:p>
+            <a:r>
+              <a:rPr lang="en-US" dirty="0" smtClean="0"/>
+              <a:t>HAMPI</a:t>
+            </a:r>
+            <a:endParaRPr lang="en-US" dirty="0"/>
+          </a:p>
+        </p:txBody>
+      </p:sp>
+      <p:pic>
+        <p:nvPicPr>
+          <p:cNvPr id="4" name="内容占位符 3" descr="hampi.JPG"/>
+          <p:cNvPicPr>
+            <a:picLocks noGrp="1" noChangeAspect="1"/>
+          </p:cNvPicPr>
+          <p:nvPr>
+            <p:ph idx="1"/>
+          </p:nvPr>
+        </p:nvPicPr>
+        <p:blipFill>
+          <a:blip r:embed="rId2"/>
+          <a:stretch>
+            <a:fillRect/>
+          </a:stretch>
+        </p:blipFill>
+        <p:spPr>
+          <a:xfrm>
+            <a:off x="1524000" y="1447800"/>
+            <a:ext cx="6379406" cy="4468019"/>
+          </a:xfrm>
+        </p:spPr>
+      </p:pic>
     </p:spTree>
   </p:cSld>
   <p:clrMapOvr>
@@ -11838,6 +12819,997 @@
         <p:spPr/>
         <p:txBody>
           <a:bodyPr>
+            <a:normAutofit fontScale="77500" lnSpcReduction="20000"/>
+          </a:bodyPr>
+          <a:lstStyle/>
+          <a:p>
+            <a:pPr>
+              <a:buNone/>
+            </a:pPr>
+            <a:r>
+              <a:rPr lang="en-US" dirty="0" smtClean="0"/>
+              <a:t>Public  </a:t>
+            </a:r>
+            <a:r>
+              <a:rPr lang="en-US" dirty="0" err="1" smtClean="0"/>
+              <a:t>bool</a:t>
+            </a:r>
+            <a:r>
+              <a:rPr lang="en-US" dirty="0" smtClean="0"/>
+              <a:t> </a:t>
+            </a:r>
+            <a:r>
+              <a:rPr lang="en-US" dirty="0" err="1" smtClean="0"/>
+              <a:t>TestLoop</a:t>
+            </a:r>
+            <a:r>
+              <a:rPr lang="en-US" dirty="0" smtClean="0"/>
+              <a:t>(</a:t>
+            </a:r>
+            <a:r>
+              <a:rPr lang="en-US" dirty="0" err="1" smtClean="0"/>
+              <a:t>int</a:t>
+            </a:r>
+            <a:r>
+              <a:rPr lang="en-US" dirty="0" smtClean="0"/>
+              <a:t> x, </a:t>
+            </a:r>
+            <a:r>
+              <a:rPr lang="en-US" dirty="0" err="1" smtClean="0"/>
+              <a:t>int</a:t>
+            </a:r>
+            <a:r>
+              <a:rPr lang="en-US" dirty="0" smtClean="0"/>
+              <a:t>[] y){</a:t>
+            </a:r>
+          </a:p>
+          <a:p>
+            <a:pPr>
+              <a:buNone/>
+            </a:pPr>
+            <a:r>
+              <a:rPr lang="en-US" dirty="0" smtClean="0"/>
+              <a:t>	if(x==90){</a:t>
+            </a:r>
+          </a:p>
+          <a:p>
+            <a:pPr>
+              <a:buNone/>
+            </a:pPr>
+            <a:r>
+              <a:rPr lang="en-US" dirty="0"/>
+              <a:t>	</a:t>
+            </a:r>
+            <a:r>
+              <a:rPr lang="en-US" dirty="0" smtClean="0"/>
+              <a:t>	for(</a:t>
+            </a:r>
+            <a:r>
+              <a:rPr lang="en-US" dirty="0" err="1" smtClean="0"/>
+              <a:t>int</a:t>
+            </a:r>
+            <a:r>
+              <a:rPr lang="en-US" dirty="0" smtClean="0"/>
+              <a:t> </a:t>
+            </a:r>
+            <a:r>
+              <a:rPr lang="en-US" dirty="0" err="1" smtClean="0"/>
+              <a:t>i</a:t>
+            </a:r>
+            <a:r>
+              <a:rPr lang="en-US" dirty="0" smtClean="0"/>
+              <a:t>=0; </a:t>
+            </a:r>
+            <a:r>
+              <a:rPr lang="en-US" dirty="0" err="1" smtClean="0"/>
+              <a:t>i</a:t>
+            </a:r>
+            <a:r>
+              <a:rPr lang="en-US" dirty="0" smtClean="0"/>
+              <a:t>&lt;</a:t>
+            </a:r>
+            <a:r>
+              <a:rPr lang="en-US" dirty="0" err="1" smtClean="0"/>
+              <a:t>y.length;i</a:t>
+            </a:r>
+            <a:r>
+              <a:rPr lang="en-US" dirty="0" smtClean="0"/>
+              <a:t>++)</a:t>
+            </a:r>
+          </a:p>
+          <a:p>
+            <a:pPr>
+              <a:buNone/>
+            </a:pPr>
+            <a:r>
+              <a:rPr lang="en-US" dirty="0"/>
+              <a:t>	</a:t>
+            </a:r>
+            <a:r>
+              <a:rPr lang="en-US" dirty="0" smtClean="0"/>
+              <a:t>		if(y[</a:t>
+            </a:r>
+            <a:r>
+              <a:rPr lang="en-US" dirty="0" err="1" smtClean="0"/>
+              <a:t>i</a:t>
+            </a:r>
+            <a:r>
+              <a:rPr lang="en-US" dirty="0" smtClean="0"/>
+              <a:t>]==15)</a:t>
+            </a:r>
+          </a:p>
+          <a:p>
+            <a:pPr>
+              <a:buNone/>
+            </a:pPr>
+            <a:r>
+              <a:rPr lang="en-US" dirty="0"/>
+              <a:t>	</a:t>
+            </a:r>
+            <a:r>
+              <a:rPr lang="en-US" dirty="0" smtClean="0"/>
+              <a:t>			x++;</a:t>
+            </a:r>
+          </a:p>
+          <a:p>
+            <a:pPr>
+              <a:buNone/>
+            </a:pPr>
+            <a:r>
+              <a:rPr lang="en-US" dirty="0" smtClean="0"/>
+              <a:t>		If(x==110)</a:t>
+            </a:r>
+          </a:p>
+          <a:p>
+            <a:pPr>
+              <a:buNone/>
+            </a:pPr>
+            <a:r>
+              <a:rPr lang="en-US" dirty="0"/>
+              <a:t>	</a:t>
+            </a:r>
+            <a:r>
+              <a:rPr lang="en-US" dirty="0" smtClean="0"/>
+              <a:t>		return true;</a:t>
+            </a:r>
+          </a:p>
+          <a:p>
+            <a:pPr>
+              <a:buNone/>
+            </a:pPr>
+            <a:r>
+              <a:rPr lang="en-US" dirty="0" smtClean="0"/>
+              <a:t>	}</a:t>
+            </a:r>
+          </a:p>
+          <a:p>
+            <a:pPr>
+              <a:buNone/>
+            </a:pPr>
+            <a:r>
+              <a:rPr lang="en-US" dirty="0"/>
+              <a:t>	</a:t>
+            </a:r>
+            <a:r>
+              <a:rPr lang="en-US" dirty="0" smtClean="0"/>
+              <a:t>return false;</a:t>
+            </a:r>
+          </a:p>
+          <a:p>
+            <a:pPr>
+              <a:buNone/>
+            </a:pPr>
+            <a:r>
+              <a:rPr lang="en-US" dirty="0" smtClean="0"/>
+              <a:t>}</a:t>
+            </a:r>
+          </a:p>
+          <a:p>
+            <a:pPr>
+              <a:buNone/>
+            </a:pPr>
+            <a:r>
+              <a:rPr lang="en-US" dirty="0" err="1" smtClean="0">
+                <a:solidFill>
+                  <a:schemeClr val="tx2"/>
+                </a:solidFill>
+              </a:rPr>
+              <a:t>TestLoop</a:t>
+            </a:r>
+            <a:r>
+              <a:rPr lang="en-US" dirty="0" smtClean="0">
+                <a:solidFill>
+                  <a:schemeClr val="tx2"/>
+                </a:solidFill>
+              </a:rPr>
+              <a:t>(0,{0})</a:t>
+            </a:r>
+            <a:endParaRPr lang="en-US" dirty="0">
+              <a:solidFill>
+                <a:schemeClr val="tx2"/>
+              </a:solidFill>
+            </a:endParaRPr>
+          </a:p>
+        </p:txBody>
+      </p:sp>
+      <p:pic>
+        <p:nvPicPr>
+          <p:cNvPr id="4" name="图片 3" descr="1testcase.JPG"/>
+          <p:cNvPicPr>
+            <a:picLocks noChangeAspect="1"/>
+          </p:cNvPicPr>
+          <p:nvPr/>
+        </p:nvPicPr>
+        <p:blipFill>
+          <a:blip r:embed="rId2"/>
+          <a:stretch>
+            <a:fillRect/>
+          </a:stretch>
+        </p:blipFill>
+        <p:spPr>
+          <a:xfrm>
+            <a:off x="5181600" y="2514600"/>
+            <a:ext cx="3167775" cy="3257550"/>
+          </a:xfrm>
+          <a:prstGeom prst="rect">
+            <a:avLst/>
+          </a:prstGeom>
+        </p:spPr>
+      </p:pic>
+      <p:sp>
+        <p:nvSpPr>
+          <p:cNvPr id="5" name="右箭头 4"/>
+          <p:cNvSpPr/>
+          <p:nvPr/>
+        </p:nvSpPr>
+        <p:spPr>
+          <a:xfrm>
+            <a:off x="457200" y="2362200"/>
+            <a:ext cx="762000" cy="381000"/>
+          </a:xfrm>
+          <a:prstGeom prst="rightArrow">
+            <a:avLst/>
+          </a:prstGeom>
+          <a:solidFill>
+            <a:schemeClr val="accent2"/>
+          </a:solidFill>
+          <a:ln>
+            <a:solidFill>
+              <a:schemeClr val="bg1"/>
+            </a:solidFill>
+          </a:ln>
+        </p:spPr>
+        <p:style>
+          <a:lnRef idx="2">
+            <a:schemeClr val="accent1">
+              <a:shade val="50000"/>
+            </a:schemeClr>
+          </a:lnRef>
+          <a:fillRef idx="1">
+            <a:schemeClr val="accent1"/>
+          </a:fillRef>
+          <a:effectRef idx="0">
+            <a:schemeClr val="accent1"/>
+          </a:effectRef>
+          <a:fontRef idx="minor">
+            <a:schemeClr val="lt1"/>
+          </a:fontRef>
+        </p:style>
+        <p:txBody>
+          <a:bodyPr rtlCol="0" anchor="ctr"/>
+          <a:lstStyle/>
+          <a:p>
+            <a:pPr algn="ctr"/>
+            <a:endParaRPr lang="en-US" sz="2000"/>
+          </a:p>
+        </p:txBody>
+      </p:sp>
+    </p:spTree>
+  </p:cSld>
+  <p:clrMapOvr>
+    <a:masterClrMapping/>
+  </p:clrMapOvr>
+</p:sld>
+</file>
+
+<file path=ppt/slides/slide7.xml><?xml version="1.0" encoding="utf-8"?>
+<p:sld xmlns:a="http://schemas.openxmlformats.org/drawingml/2006/main" xmlns:r="http://schemas.openxmlformats.org/officeDocument/2006/relationships" xmlns:p="http://schemas.openxmlformats.org/presentationml/2006/main">
+  <p:cSld>
+    <p:spTree>
+      <p:nvGrpSpPr>
+        <p:cNvPr id="1" name=""/>
+        <p:cNvGrpSpPr/>
+        <p:nvPr/>
+      </p:nvGrpSpPr>
+      <p:grpSpPr>
+        <a:xfrm>
+          <a:off x="0" y="0"/>
+          <a:ext cx="0" cy="0"/>
+          <a:chOff x="0" y="0"/>
+          <a:chExt cx="0" cy="0"/>
+        </a:xfrm>
+      </p:grpSpPr>
+      <p:sp>
+        <p:nvSpPr>
+          <p:cNvPr id="2" name="标题 1"/>
+          <p:cNvSpPr>
+            <a:spLocks noGrp="1"/>
+          </p:cNvSpPr>
+          <p:nvPr>
+            <p:ph type="title"/>
+          </p:nvPr>
+        </p:nvSpPr>
+        <p:spPr/>
+        <p:txBody>
+          <a:bodyPr/>
+          <a:lstStyle/>
+          <a:p>
+            <a:r>
+              <a:rPr lang="en-US" dirty="0" smtClean="0"/>
+              <a:t>Path Explosion</a:t>
+            </a:r>
+            <a:endParaRPr lang="en-US" dirty="0"/>
+          </a:p>
+        </p:txBody>
+      </p:sp>
+      <p:sp>
+        <p:nvSpPr>
+          <p:cNvPr id="3" name="内容占位符 2"/>
+          <p:cNvSpPr>
+            <a:spLocks noGrp="1"/>
+          </p:cNvSpPr>
+          <p:nvPr>
+            <p:ph idx="1"/>
+          </p:nvPr>
+        </p:nvSpPr>
+        <p:spPr/>
+        <p:txBody>
+          <a:bodyPr>
+            <a:normAutofit fontScale="77500" lnSpcReduction="20000"/>
+          </a:bodyPr>
+          <a:lstStyle/>
+          <a:p>
+            <a:pPr>
+              <a:buNone/>
+            </a:pPr>
+            <a:r>
+              <a:rPr lang="en-US" dirty="0" smtClean="0"/>
+              <a:t>Public  </a:t>
+            </a:r>
+            <a:r>
+              <a:rPr lang="en-US" dirty="0" err="1" smtClean="0"/>
+              <a:t>bool</a:t>
+            </a:r>
+            <a:r>
+              <a:rPr lang="en-US" dirty="0" smtClean="0"/>
+              <a:t> </a:t>
+            </a:r>
+            <a:r>
+              <a:rPr lang="en-US" dirty="0" err="1" smtClean="0"/>
+              <a:t>TestLoop</a:t>
+            </a:r>
+            <a:r>
+              <a:rPr lang="en-US" dirty="0" smtClean="0"/>
+              <a:t>(</a:t>
+            </a:r>
+            <a:r>
+              <a:rPr lang="en-US" dirty="0" err="1" smtClean="0"/>
+              <a:t>int</a:t>
+            </a:r>
+            <a:r>
+              <a:rPr lang="en-US" dirty="0" smtClean="0"/>
+              <a:t> x, </a:t>
+            </a:r>
+            <a:r>
+              <a:rPr lang="en-US" dirty="0" err="1" smtClean="0"/>
+              <a:t>int</a:t>
+            </a:r>
+            <a:r>
+              <a:rPr lang="en-US" dirty="0" smtClean="0"/>
+              <a:t>[] y){</a:t>
+            </a:r>
+          </a:p>
+          <a:p>
+            <a:pPr>
+              <a:buNone/>
+            </a:pPr>
+            <a:r>
+              <a:rPr lang="en-US" dirty="0" smtClean="0"/>
+              <a:t>	if(x==90){</a:t>
+            </a:r>
+          </a:p>
+          <a:p>
+            <a:pPr>
+              <a:buNone/>
+            </a:pPr>
+            <a:r>
+              <a:rPr lang="en-US" dirty="0" smtClean="0"/>
+              <a:t>		for(</a:t>
+            </a:r>
+            <a:r>
+              <a:rPr lang="en-US" dirty="0" err="1" smtClean="0"/>
+              <a:t>int</a:t>
+            </a:r>
+            <a:r>
+              <a:rPr lang="en-US" dirty="0" smtClean="0"/>
+              <a:t> </a:t>
+            </a:r>
+            <a:r>
+              <a:rPr lang="en-US" dirty="0" err="1" smtClean="0"/>
+              <a:t>i</a:t>
+            </a:r>
+            <a:r>
+              <a:rPr lang="en-US" dirty="0" smtClean="0"/>
+              <a:t>=0; </a:t>
+            </a:r>
+            <a:r>
+              <a:rPr lang="en-US" dirty="0" err="1" smtClean="0"/>
+              <a:t>i</a:t>
+            </a:r>
+            <a:r>
+              <a:rPr lang="en-US" dirty="0" smtClean="0"/>
+              <a:t>&lt;</a:t>
+            </a:r>
+            <a:r>
+              <a:rPr lang="en-US" dirty="0" err="1" smtClean="0"/>
+              <a:t>y.length;i</a:t>
+            </a:r>
+            <a:r>
+              <a:rPr lang="en-US" dirty="0" smtClean="0"/>
+              <a:t>++)</a:t>
+            </a:r>
+          </a:p>
+          <a:p>
+            <a:pPr>
+              <a:buNone/>
+            </a:pPr>
+            <a:r>
+              <a:rPr lang="en-US" dirty="0" smtClean="0"/>
+              <a:t>			if(y[</a:t>
+            </a:r>
+            <a:r>
+              <a:rPr lang="en-US" dirty="0" err="1" smtClean="0"/>
+              <a:t>i</a:t>
+            </a:r>
+            <a:r>
+              <a:rPr lang="en-US" dirty="0" smtClean="0"/>
+              <a:t>]==15)</a:t>
+            </a:r>
+          </a:p>
+          <a:p>
+            <a:pPr>
+              <a:buNone/>
+            </a:pPr>
+            <a:r>
+              <a:rPr lang="en-US" dirty="0" smtClean="0"/>
+              <a:t>				x++;</a:t>
+            </a:r>
+          </a:p>
+          <a:p>
+            <a:pPr>
+              <a:buNone/>
+            </a:pPr>
+            <a:r>
+              <a:rPr lang="en-US" dirty="0" smtClean="0"/>
+              <a:t>		If(x==110)</a:t>
+            </a:r>
+          </a:p>
+          <a:p>
+            <a:pPr>
+              <a:buNone/>
+            </a:pPr>
+            <a:r>
+              <a:rPr lang="en-US" dirty="0" smtClean="0"/>
+              <a:t>			return true;</a:t>
+            </a:r>
+          </a:p>
+          <a:p>
+            <a:pPr>
+              <a:buNone/>
+            </a:pPr>
+            <a:r>
+              <a:rPr lang="en-US" dirty="0" smtClean="0"/>
+              <a:t>	}</a:t>
+            </a:r>
+          </a:p>
+          <a:p>
+            <a:pPr>
+              <a:buNone/>
+            </a:pPr>
+            <a:r>
+              <a:rPr lang="en-US" dirty="0" smtClean="0"/>
+              <a:t>	return false;</a:t>
+            </a:r>
+          </a:p>
+          <a:p>
+            <a:pPr>
+              <a:buNone/>
+            </a:pPr>
+            <a:r>
+              <a:rPr lang="en-US" dirty="0" smtClean="0"/>
+              <a:t>}</a:t>
+            </a:r>
+          </a:p>
+          <a:p>
+            <a:pPr>
+              <a:buNone/>
+            </a:pPr>
+            <a:r>
+              <a:rPr lang="en-US" dirty="0" err="1" smtClean="0">
+                <a:solidFill>
+                  <a:schemeClr val="tx2"/>
+                </a:solidFill>
+              </a:rPr>
+              <a:t>TestLoop</a:t>
+            </a:r>
+            <a:r>
+              <a:rPr lang="en-US" dirty="0" smtClean="0">
+                <a:solidFill>
+                  <a:schemeClr val="tx2"/>
+                </a:solidFill>
+              </a:rPr>
+              <a:t>(90,{0})</a:t>
+            </a:r>
+          </a:p>
+          <a:p>
+            <a:endParaRPr lang="en-US" dirty="0"/>
+          </a:p>
+        </p:txBody>
+      </p:sp>
+      <p:pic>
+        <p:nvPicPr>
+          <p:cNvPr id="4" name="图片 3" descr="test2.JPG"/>
+          <p:cNvPicPr>
+            <a:picLocks noChangeAspect="1"/>
+          </p:cNvPicPr>
+          <p:nvPr/>
+        </p:nvPicPr>
+        <p:blipFill>
+          <a:blip r:embed="rId2"/>
+          <a:stretch>
+            <a:fillRect/>
+          </a:stretch>
+        </p:blipFill>
+        <p:spPr>
+          <a:xfrm>
+            <a:off x="4724400" y="2743200"/>
+            <a:ext cx="3429000" cy="3209925"/>
+          </a:xfrm>
+          <a:prstGeom prst="rect">
+            <a:avLst/>
+          </a:prstGeom>
+        </p:spPr>
+      </p:pic>
+      <p:sp>
+        <p:nvSpPr>
+          <p:cNvPr id="5" name="右箭头 4"/>
+          <p:cNvSpPr/>
+          <p:nvPr/>
+        </p:nvSpPr>
+        <p:spPr>
+          <a:xfrm>
+            <a:off x="990600" y="2743200"/>
+            <a:ext cx="762000" cy="381000"/>
+          </a:xfrm>
+          <a:prstGeom prst="rightArrow">
+            <a:avLst/>
+          </a:prstGeom>
+          <a:solidFill>
+            <a:schemeClr val="accent2"/>
+          </a:solidFill>
+          <a:ln>
+            <a:solidFill>
+              <a:schemeClr val="bg1"/>
+            </a:solidFill>
+          </a:ln>
+        </p:spPr>
+        <p:style>
+          <a:lnRef idx="2">
+            <a:schemeClr val="accent1">
+              <a:shade val="50000"/>
+            </a:schemeClr>
+          </a:lnRef>
+          <a:fillRef idx="1">
+            <a:schemeClr val="accent1"/>
+          </a:fillRef>
+          <a:effectRef idx="0">
+            <a:schemeClr val="accent1"/>
+          </a:effectRef>
+          <a:fontRef idx="minor">
+            <a:schemeClr val="lt1"/>
+          </a:fontRef>
+        </p:style>
+        <p:txBody>
+          <a:bodyPr rtlCol="0" anchor="ctr"/>
+          <a:lstStyle/>
+          <a:p>
+            <a:pPr algn="ctr"/>
+            <a:endParaRPr lang="en-US" sz="2000"/>
+          </a:p>
+        </p:txBody>
+      </p:sp>
+    </p:spTree>
+  </p:cSld>
+  <p:clrMapOvr>
+    <a:masterClrMapping/>
+  </p:clrMapOvr>
+</p:sld>
+</file>
+
+<file path=ppt/slides/slide8.xml><?xml version="1.0" encoding="utf-8"?>
+<p:sld xmlns:a="http://schemas.openxmlformats.org/drawingml/2006/main" xmlns:r="http://schemas.openxmlformats.org/officeDocument/2006/relationships" xmlns:p="http://schemas.openxmlformats.org/presentationml/2006/main">
+  <p:cSld>
+    <p:spTree>
+      <p:nvGrpSpPr>
+        <p:cNvPr id="1" name=""/>
+        <p:cNvGrpSpPr/>
+        <p:nvPr/>
+      </p:nvGrpSpPr>
+      <p:grpSpPr>
+        <a:xfrm>
+          <a:off x="0" y="0"/>
+          <a:ext cx="0" cy="0"/>
+          <a:chOff x="0" y="0"/>
+          <a:chExt cx="0" cy="0"/>
+        </a:xfrm>
+      </p:grpSpPr>
+      <p:sp>
+        <p:nvSpPr>
+          <p:cNvPr id="2" name="标题 1"/>
+          <p:cNvSpPr>
+            <a:spLocks noGrp="1"/>
+          </p:cNvSpPr>
+          <p:nvPr>
+            <p:ph type="title"/>
+          </p:nvPr>
+        </p:nvSpPr>
+        <p:spPr/>
+        <p:txBody>
+          <a:bodyPr/>
+          <a:lstStyle/>
+          <a:p>
+            <a:r>
+              <a:rPr lang="en-US" dirty="0" smtClean="0"/>
+              <a:t>Path Explosion</a:t>
+            </a:r>
+            <a:endParaRPr lang="en-US" dirty="0"/>
+          </a:p>
+        </p:txBody>
+      </p:sp>
+      <p:sp>
+        <p:nvSpPr>
+          <p:cNvPr id="3" name="内容占位符 2"/>
+          <p:cNvSpPr>
+            <a:spLocks noGrp="1"/>
+          </p:cNvSpPr>
+          <p:nvPr>
+            <p:ph idx="1"/>
+          </p:nvPr>
+        </p:nvSpPr>
+        <p:spPr/>
+        <p:txBody>
+          <a:bodyPr>
+            <a:normAutofit fontScale="77500" lnSpcReduction="20000"/>
+          </a:bodyPr>
+          <a:lstStyle/>
+          <a:p>
+            <a:pPr>
+              <a:buNone/>
+            </a:pPr>
+            <a:r>
+              <a:rPr lang="en-US" dirty="0" smtClean="0"/>
+              <a:t>Public  </a:t>
+            </a:r>
+            <a:r>
+              <a:rPr lang="en-US" dirty="0" err="1" smtClean="0"/>
+              <a:t>bool</a:t>
+            </a:r>
+            <a:r>
+              <a:rPr lang="en-US" dirty="0" smtClean="0"/>
+              <a:t> </a:t>
+            </a:r>
+            <a:r>
+              <a:rPr lang="en-US" dirty="0" err="1" smtClean="0"/>
+              <a:t>TestLoop</a:t>
+            </a:r>
+            <a:r>
+              <a:rPr lang="en-US" dirty="0" smtClean="0"/>
+              <a:t>(</a:t>
+            </a:r>
+            <a:r>
+              <a:rPr lang="en-US" dirty="0" err="1" smtClean="0"/>
+              <a:t>int</a:t>
+            </a:r>
+            <a:r>
+              <a:rPr lang="en-US" dirty="0" smtClean="0"/>
+              <a:t> x, </a:t>
+            </a:r>
+            <a:r>
+              <a:rPr lang="en-US" dirty="0" err="1" smtClean="0"/>
+              <a:t>int</a:t>
+            </a:r>
+            <a:r>
+              <a:rPr lang="en-US" dirty="0" smtClean="0"/>
+              <a:t>[] y){</a:t>
+            </a:r>
+          </a:p>
+          <a:p>
+            <a:pPr>
+              <a:buNone/>
+            </a:pPr>
+            <a:r>
+              <a:rPr lang="en-US" dirty="0" smtClean="0"/>
+              <a:t>	if(x==90){</a:t>
+            </a:r>
+          </a:p>
+          <a:p>
+            <a:pPr>
+              <a:buNone/>
+            </a:pPr>
+            <a:r>
+              <a:rPr lang="en-US" dirty="0" smtClean="0"/>
+              <a:t>		for(</a:t>
+            </a:r>
+            <a:r>
+              <a:rPr lang="en-US" dirty="0" err="1" smtClean="0"/>
+              <a:t>int</a:t>
+            </a:r>
+            <a:r>
+              <a:rPr lang="en-US" dirty="0" smtClean="0"/>
+              <a:t> </a:t>
+            </a:r>
+            <a:r>
+              <a:rPr lang="en-US" dirty="0" err="1" smtClean="0"/>
+              <a:t>i</a:t>
+            </a:r>
+            <a:r>
+              <a:rPr lang="en-US" dirty="0" smtClean="0"/>
+              <a:t>=0; </a:t>
+            </a:r>
+            <a:r>
+              <a:rPr lang="en-US" dirty="0" err="1" smtClean="0"/>
+              <a:t>i</a:t>
+            </a:r>
+            <a:r>
+              <a:rPr lang="en-US" dirty="0" smtClean="0"/>
+              <a:t>&lt;</a:t>
+            </a:r>
+            <a:r>
+              <a:rPr lang="en-US" dirty="0" err="1" smtClean="0"/>
+              <a:t>y.length;i</a:t>
+            </a:r>
+            <a:r>
+              <a:rPr lang="en-US" dirty="0" smtClean="0"/>
+              <a:t>++)</a:t>
+            </a:r>
+          </a:p>
+          <a:p>
+            <a:pPr>
+              <a:buNone/>
+            </a:pPr>
+            <a:r>
+              <a:rPr lang="en-US" dirty="0" smtClean="0"/>
+              <a:t>			if(y[</a:t>
+            </a:r>
+            <a:r>
+              <a:rPr lang="en-US" dirty="0" err="1" smtClean="0"/>
+              <a:t>i</a:t>
+            </a:r>
+            <a:r>
+              <a:rPr lang="en-US" dirty="0" smtClean="0"/>
+              <a:t>]==15)</a:t>
+            </a:r>
+          </a:p>
+          <a:p>
+            <a:pPr>
+              <a:buNone/>
+            </a:pPr>
+            <a:r>
+              <a:rPr lang="en-US" dirty="0" smtClean="0"/>
+              <a:t>				x++;</a:t>
+            </a:r>
+          </a:p>
+          <a:p>
+            <a:pPr>
+              <a:buNone/>
+            </a:pPr>
+            <a:r>
+              <a:rPr lang="en-US" dirty="0" smtClean="0"/>
+              <a:t>		If(x==110)</a:t>
+            </a:r>
+          </a:p>
+          <a:p>
+            <a:pPr>
+              <a:buNone/>
+            </a:pPr>
+            <a:r>
+              <a:rPr lang="en-US" dirty="0" smtClean="0"/>
+              <a:t>			return true;</a:t>
+            </a:r>
+          </a:p>
+          <a:p>
+            <a:pPr>
+              <a:buNone/>
+            </a:pPr>
+            <a:r>
+              <a:rPr lang="en-US" dirty="0" smtClean="0"/>
+              <a:t>	}</a:t>
+            </a:r>
+          </a:p>
+          <a:p>
+            <a:pPr>
+              <a:buNone/>
+            </a:pPr>
+            <a:r>
+              <a:rPr lang="en-US" dirty="0" smtClean="0"/>
+              <a:t>	return false;</a:t>
+            </a:r>
+          </a:p>
+          <a:p>
+            <a:pPr>
+              <a:buNone/>
+            </a:pPr>
+            <a:r>
+              <a:rPr lang="en-US" dirty="0" smtClean="0"/>
+              <a:t>}</a:t>
+            </a:r>
+          </a:p>
+          <a:p>
+            <a:pPr>
+              <a:buNone/>
+            </a:pPr>
+            <a:r>
+              <a:rPr lang="en-US" dirty="0" err="1" smtClean="0">
+                <a:solidFill>
+                  <a:schemeClr val="tx2"/>
+                </a:solidFill>
+              </a:rPr>
+              <a:t>TestLoop</a:t>
+            </a:r>
+            <a:r>
+              <a:rPr lang="en-US" dirty="0" smtClean="0">
+                <a:solidFill>
+                  <a:schemeClr val="tx2"/>
+                </a:solidFill>
+              </a:rPr>
+              <a:t>(90,{15})</a:t>
+            </a:r>
+          </a:p>
+        </p:txBody>
+      </p:sp>
+      <p:pic>
+        <p:nvPicPr>
+          <p:cNvPr id="4" name="图片 3" descr="test3.JPG"/>
+          <p:cNvPicPr>
+            <a:picLocks noChangeAspect="1"/>
+          </p:cNvPicPr>
+          <p:nvPr/>
+        </p:nvPicPr>
+        <p:blipFill>
+          <a:blip r:embed="rId2"/>
+          <a:stretch>
+            <a:fillRect/>
+          </a:stretch>
+        </p:blipFill>
+        <p:spPr>
+          <a:xfrm>
+            <a:off x="5105400" y="2438400"/>
+            <a:ext cx="2914650" cy="3448050"/>
+          </a:xfrm>
+          <a:prstGeom prst="rect">
+            <a:avLst/>
+          </a:prstGeom>
+        </p:spPr>
+      </p:pic>
+      <p:sp>
+        <p:nvSpPr>
+          <p:cNvPr id="5" name="右箭头 4"/>
+          <p:cNvSpPr/>
+          <p:nvPr/>
+        </p:nvSpPr>
+        <p:spPr>
+          <a:xfrm>
+            <a:off x="990600" y="3886200"/>
+            <a:ext cx="762000" cy="381000"/>
+          </a:xfrm>
+          <a:prstGeom prst="rightArrow">
+            <a:avLst/>
+          </a:prstGeom>
+          <a:solidFill>
+            <a:schemeClr val="accent2"/>
+          </a:solidFill>
+          <a:ln>
+            <a:solidFill>
+              <a:schemeClr val="bg1"/>
+            </a:solidFill>
+          </a:ln>
+        </p:spPr>
+        <p:style>
+          <a:lnRef idx="2">
+            <a:schemeClr val="accent1">
+              <a:shade val="50000"/>
+            </a:schemeClr>
+          </a:lnRef>
+          <a:fillRef idx="1">
+            <a:schemeClr val="accent1"/>
+          </a:fillRef>
+          <a:effectRef idx="0">
+            <a:schemeClr val="accent1"/>
+          </a:effectRef>
+          <a:fontRef idx="minor">
+            <a:schemeClr val="lt1"/>
+          </a:fontRef>
+        </p:style>
+        <p:txBody>
+          <a:bodyPr rtlCol="0" anchor="ctr"/>
+          <a:lstStyle/>
+          <a:p>
+            <a:pPr algn="ctr"/>
+            <a:endParaRPr lang="en-US" sz="2000"/>
+          </a:p>
+        </p:txBody>
+      </p:sp>
+    </p:spTree>
+  </p:cSld>
+  <p:clrMapOvr>
+    <a:masterClrMapping/>
+  </p:clrMapOvr>
+</p:sld>
+</file>
+
+<file path=ppt/slides/slide9.xml><?xml version="1.0" encoding="utf-8"?>
+<p:sld xmlns:a="http://schemas.openxmlformats.org/drawingml/2006/main" xmlns:r="http://schemas.openxmlformats.org/officeDocument/2006/relationships" xmlns:p="http://schemas.openxmlformats.org/presentationml/2006/main">
+  <p:cSld>
+    <p:spTree>
+      <p:nvGrpSpPr>
+        <p:cNvPr id="1" name=""/>
+        <p:cNvGrpSpPr/>
+        <p:nvPr/>
+      </p:nvGrpSpPr>
+      <p:grpSpPr>
+        <a:xfrm>
+          <a:off x="0" y="0"/>
+          <a:ext cx="0" cy="0"/>
+          <a:chOff x="0" y="0"/>
+          <a:chExt cx="0" cy="0"/>
+        </a:xfrm>
+      </p:grpSpPr>
+      <p:sp>
+        <p:nvSpPr>
+          <p:cNvPr id="2" name="标题 1"/>
+          <p:cNvSpPr>
+            <a:spLocks noGrp="1"/>
+          </p:cNvSpPr>
+          <p:nvPr>
+            <p:ph type="title"/>
+          </p:nvPr>
+        </p:nvSpPr>
+        <p:spPr/>
+        <p:txBody>
+          <a:bodyPr/>
+          <a:lstStyle/>
+          <a:p>
+            <a:r>
+              <a:rPr lang="en-US" dirty="0" smtClean="0"/>
+              <a:t>Path Explosion</a:t>
+            </a:r>
+            <a:endParaRPr lang="en-US" dirty="0"/>
+          </a:p>
+        </p:txBody>
+      </p:sp>
+      <p:sp>
+        <p:nvSpPr>
+          <p:cNvPr id="3" name="内容占位符 2"/>
+          <p:cNvSpPr>
+            <a:spLocks noGrp="1"/>
+          </p:cNvSpPr>
+          <p:nvPr>
+            <p:ph idx="1"/>
+          </p:nvPr>
+        </p:nvSpPr>
+        <p:spPr/>
+        <p:txBody>
+          <a:bodyPr>
             <a:normAutofit fontScale="85000" lnSpcReduction="20000"/>
           </a:bodyPr>
           <a:lstStyle/>
@@ -12077,744 +14049,6 @@
           <a:p>
             <a:pPr algn="ctr"/>
             <a:endParaRPr lang="en-US" sz="2000"/>
-          </a:p>
-        </p:txBody>
-      </p:sp>
-    </p:spTree>
-  </p:cSld>
-  <p:clrMapOvr>
-    <a:masterClrMapping/>
-  </p:clrMapOvr>
-</p:sld>
-</file>
-
-<file path=ppt/slides/slide7.xml><?xml version="1.0" encoding="utf-8"?>
-<p:sld xmlns:a="http://schemas.openxmlformats.org/drawingml/2006/main" xmlns:r="http://schemas.openxmlformats.org/officeDocument/2006/relationships" xmlns:p="http://schemas.openxmlformats.org/presentationml/2006/main">
-  <p:cSld>
-    <p:spTree>
-      <p:nvGrpSpPr>
-        <p:cNvPr id="1" name=""/>
-        <p:cNvGrpSpPr/>
-        <p:nvPr/>
-      </p:nvGrpSpPr>
-      <p:grpSpPr>
-        <a:xfrm>
-          <a:off x="0" y="0"/>
-          <a:ext cx="0" cy="0"/>
-          <a:chOff x="0" y="0"/>
-          <a:chExt cx="0" cy="0"/>
-        </a:xfrm>
-      </p:grpSpPr>
-      <p:sp>
-        <p:nvSpPr>
-          <p:cNvPr id="2" name="标题 1"/>
-          <p:cNvSpPr>
-            <a:spLocks noGrp="1"/>
-          </p:cNvSpPr>
-          <p:nvPr>
-            <p:ph type="title"/>
-          </p:nvPr>
-        </p:nvSpPr>
-        <p:spPr/>
-        <p:txBody>
-          <a:bodyPr/>
-          <a:lstStyle/>
-          <a:p>
-            <a:r>
-              <a:rPr lang="en-US" dirty="0" smtClean="0"/>
-              <a:t>Fitness</a:t>
-            </a:r>
-            <a:endParaRPr lang="en-US" dirty="0"/>
-          </a:p>
-        </p:txBody>
-      </p:sp>
-      <p:sp>
-        <p:nvSpPr>
-          <p:cNvPr id="3" name="内容占位符 2"/>
-          <p:cNvSpPr>
-            <a:spLocks noGrp="1"/>
-          </p:cNvSpPr>
-          <p:nvPr>
-            <p:ph idx="1"/>
-          </p:nvPr>
-        </p:nvSpPr>
-        <p:spPr/>
-        <p:txBody>
-          <a:bodyPr>
-            <a:normAutofit fontScale="70000" lnSpcReduction="20000"/>
-          </a:bodyPr>
-          <a:lstStyle/>
-          <a:p>
-            <a:pPr>
-              <a:buNone/>
-            </a:pPr>
-            <a:r>
-              <a:rPr lang="en-US" dirty="0" smtClean="0">
-                <a:solidFill>
-                  <a:schemeClr val="tx2"/>
-                </a:solidFill>
-              </a:rPr>
-              <a:t>Greedy algorithm: Fitness Guided Explosion</a:t>
-            </a:r>
-          </a:p>
-          <a:p>
-            <a:pPr>
-              <a:buNone/>
-            </a:pPr>
-            <a:r>
-              <a:rPr lang="en-US" dirty="0" smtClean="0">
-                <a:solidFill>
-                  <a:schemeClr val="tx2"/>
-                </a:solidFill>
-              </a:rPr>
-              <a:t>Fitness </a:t>
-            </a:r>
-            <a:r>
-              <a:rPr lang="en-US" dirty="0" smtClean="0">
-                <a:solidFill>
-                  <a:schemeClr val="tx2"/>
-                </a:solidFill>
-              </a:rPr>
-              <a:t>Function: Measure the current state and the goal state.</a:t>
-            </a:r>
-          </a:p>
-          <a:p>
-            <a:pPr>
-              <a:buNone/>
-            </a:pPr>
-            <a:endParaRPr lang="en-US" dirty="0" smtClean="0"/>
-          </a:p>
-          <a:p>
-            <a:pPr>
-              <a:buNone/>
-            </a:pPr>
-            <a:r>
-              <a:rPr lang="en-US" dirty="0" smtClean="0"/>
-              <a:t>Public  </a:t>
-            </a:r>
-            <a:r>
-              <a:rPr lang="en-US" dirty="0" err="1" smtClean="0"/>
-              <a:t>bool</a:t>
-            </a:r>
-            <a:r>
-              <a:rPr lang="en-US" dirty="0" smtClean="0"/>
-              <a:t> </a:t>
-            </a:r>
-            <a:r>
-              <a:rPr lang="en-US" dirty="0" err="1" smtClean="0"/>
-              <a:t>TestLoop</a:t>
-            </a:r>
-            <a:r>
-              <a:rPr lang="en-US" dirty="0" smtClean="0"/>
-              <a:t>(</a:t>
-            </a:r>
-            <a:r>
-              <a:rPr lang="en-US" dirty="0" err="1" smtClean="0"/>
-              <a:t>int</a:t>
-            </a:r>
-            <a:r>
-              <a:rPr lang="en-US" dirty="0" smtClean="0"/>
-              <a:t> x, </a:t>
-            </a:r>
-            <a:r>
-              <a:rPr lang="en-US" dirty="0" err="1" smtClean="0"/>
-              <a:t>int</a:t>
-            </a:r>
-            <a:r>
-              <a:rPr lang="en-US" dirty="0" smtClean="0"/>
-              <a:t>[] y){</a:t>
-            </a:r>
-          </a:p>
-          <a:p>
-            <a:pPr>
-              <a:buNone/>
-            </a:pPr>
-            <a:r>
-              <a:rPr lang="en-US" dirty="0" smtClean="0"/>
-              <a:t>	if(x==90){</a:t>
-            </a:r>
-          </a:p>
-          <a:p>
-            <a:pPr>
-              <a:buNone/>
-            </a:pPr>
-            <a:r>
-              <a:rPr lang="en-US" dirty="0" smtClean="0"/>
-              <a:t>		for(</a:t>
-            </a:r>
-            <a:r>
-              <a:rPr lang="en-US" dirty="0" err="1" smtClean="0"/>
-              <a:t>int</a:t>
-            </a:r>
-            <a:r>
-              <a:rPr lang="en-US" dirty="0" smtClean="0"/>
-              <a:t> </a:t>
-            </a:r>
-            <a:r>
-              <a:rPr lang="en-US" dirty="0" err="1" smtClean="0"/>
-              <a:t>i</a:t>
-            </a:r>
-            <a:r>
-              <a:rPr lang="en-US" dirty="0" smtClean="0"/>
-              <a:t>=0; </a:t>
-            </a:r>
-            <a:r>
-              <a:rPr lang="en-US" dirty="0" err="1" smtClean="0"/>
-              <a:t>i</a:t>
-            </a:r>
-            <a:r>
-              <a:rPr lang="en-US" dirty="0" smtClean="0"/>
-              <a:t>&lt;</a:t>
-            </a:r>
-            <a:r>
-              <a:rPr lang="en-US" dirty="0" err="1" smtClean="0"/>
-              <a:t>y.length;i</a:t>
-            </a:r>
-            <a:r>
-              <a:rPr lang="en-US" dirty="0" smtClean="0"/>
-              <a:t>++)</a:t>
-            </a:r>
-          </a:p>
-          <a:p>
-            <a:pPr>
-              <a:buNone/>
-            </a:pPr>
-            <a:r>
-              <a:rPr lang="en-US" dirty="0" smtClean="0"/>
-              <a:t>			if(y[</a:t>
-            </a:r>
-            <a:r>
-              <a:rPr lang="en-US" dirty="0" err="1" smtClean="0"/>
-              <a:t>i</a:t>
-            </a:r>
-            <a:r>
-              <a:rPr lang="en-US" dirty="0" smtClean="0"/>
-              <a:t>]==15)</a:t>
-            </a:r>
-          </a:p>
-          <a:p>
-            <a:pPr>
-              <a:buNone/>
-            </a:pPr>
-            <a:r>
-              <a:rPr lang="en-US" dirty="0" smtClean="0"/>
-              <a:t>				x++;</a:t>
-            </a:r>
-          </a:p>
-          <a:p>
-            <a:pPr>
-              <a:buNone/>
-            </a:pPr>
-            <a:r>
-              <a:rPr lang="en-US" dirty="0" smtClean="0"/>
-              <a:t>		If(x==110)		Fitness function:  |110-x|</a:t>
-            </a:r>
-          </a:p>
-          <a:p>
-            <a:pPr>
-              <a:buNone/>
-            </a:pPr>
-            <a:r>
-              <a:rPr lang="en-US" dirty="0" smtClean="0"/>
-              <a:t>			return true;</a:t>
-            </a:r>
-          </a:p>
-          <a:p>
-            <a:pPr>
-              <a:buNone/>
-            </a:pPr>
-            <a:r>
-              <a:rPr lang="en-US" dirty="0" smtClean="0"/>
-              <a:t>	}</a:t>
-            </a:r>
-          </a:p>
-          <a:p>
-            <a:pPr>
-              <a:buNone/>
-            </a:pPr>
-            <a:r>
-              <a:rPr lang="en-US" dirty="0" smtClean="0"/>
-              <a:t>	return false;</a:t>
-            </a:r>
-          </a:p>
-          <a:p>
-            <a:pPr>
-              <a:buNone/>
-            </a:pPr>
-            <a:r>
-              <a:rPr lang="en-US" dirty="0" smtClean="0"/>
-              <a:t>}</a:t>
-            </a:r>
-          </a:p>
-          <a:p>
-            <a:pPr>
-              <a:buNone/>
-            </a:pPr>
-            <a:endParaRPr lang="en-US" dirty="0"/>
-          </a:p>
-        </p:txBody>
-      </p:sp>
-      <p:sp>
-        <p:nvSpPr>
-          <p:cNvPr id="4" name="左箭头 3"/>
-          <p:cNvSpPr/>
-          <p:nvPr/>
-        </p:nvSpPr>
-        <p:spPr>
-          <a:xfrm>
-            <a:off x="2895600" y="4267200"/>
-            <a:ext cx="990600" cy="381000"/>
-          </a:xfrm>
-          <a:prstGeom prst="leftArrow">
-            <a:avLst/>
-          </a:prstGeom>
-        </p:spPr>
-        <p:style>
-          <a:lnRef idx="2">
-            <a:schemeClr val="accent1">
-              <a:shade val="50000"/>
-            </a:schemeClr>
-          </a:lnRef>
-          <a:fillRef idx="1">
-            <a:schemeClr val="accent1"/>
-          </a:fillRef>
-          <a:effectRef idx="0">
-            <a:schemeClr val="accent1"/>
-          </a:effectRef>
-          <a:fontRef idx="minor">
-            <a:schemeClr val="lt1"/>
-          </a:fontRef>
-        </p:style>
-        <p:txBody>
-          <a:bodyPr rtlCol="0" anchor="ctr"/>
-          <a:lstStyle/>
-          <a:p>
-            <a:pPr algn="ctr"/>
-            <a:endParaRPr lang="en-US"/>
-          </a:p>
-        </p:txBody>
-      </p:sp>
-    </p:spTree>
-  </p:cSld>
-  <p:clrMapOvr>
-    <a:masterClrMapping/>
-  </p:clrMapOvr>
-</p:sld>
-</file>
-
-<file path=ppt/slides/slide8.xml><?xml version="1.0" encoding="utf-8"?>
-<p:sld xmlns:a="http://schemas.openxmlformats.org/drawingml/2006/main" xmlns:r="http://schemas.openxmlformats.org/officeDocument/2006/relationships" xmlns:p="http://schemas.openxmlformats.org/presentationml/2006/main">
-  <p:cSld>
-    <p:spTree>
-      <p:nvGrpSpPr>
-        <p:cNvPr id="1" name=""/>
-        <p:cNvGrpSpPr/>
-        <p:nvPr/>
-      </p:nvGrpSpPr>
-      <p:grpSpPr>
-        <a:xfrm>
-          <a:off x="0" y="0"/>
-          <a:ext cx="0" cy="0"/>
-          <a:chOff x="0" y="0"/>
-          <a:chExt cx="0" cy="0"/>
-        </a:xfrm>
-      </p:grpSpPr>
-      <p:sp>
-        <p:nvSpPr>
-          <p:cNvPr id="2" name="标题 1"/>
-          <p:cNvSpPr>
-            <a:spLocks noGrp="1"/>
-          </p:cNvSpPr>
-          <p:nvPr>
-            <p:ph type="title"/>
-          </p:nvPr>
-        </p:nvSpPr>
-        <p:spPr/>
-        <p:txBody>
-          <a:bodyPr/>
-          <a:lstStyle/>
-          <a:p>
-            <a:r>
-              <a:rPr lang="en-US" dirty="0" smtClean="0"/>
-              <a:t>Fitness</a:t>
-            </a:r>
-            <a:endParaRPr lang="en-US" dirty="0"/>
-          </a:p>
-        </p:txBody>
-      </p:sp>
-      <p:sp>
-        <p:nvSpPr>
-          <p:cNvPr id="3" name="内容占位符 2"/>
-          <p:cNvSpPr>
-            <a:spLocks noGrp="1"/>
-          </p:cNvSpPr>
-          <p:nvPr>
-            <p:ph idx="1"/>
-          </p:nvPr>
-        </p:nvSpPr>
-        <p:spPr/>
-        <p:txBody>
-          <a:bodyPr>
-            <a:normAutofit fontScale="85000" lnSpcReduction="20000"/>
-          </a:bodyPr>
-          <a:lstStyle/>
-          <a:p>
-            <a:pPr>
-              <a:buNone/>
-            </a:pPr>
-            <a:r>
-              <a:rPr lang="en-US" dirty="0" smtClean="0"/>
-              <a:t>Public  </a:t>
-            </a:r>
-            <a:r>
-              <a:rPr lang="en-US" dirty="0" err="1" smtClean="0"/>
-              <a:t>bool</a:t>
-            </a:r>
-            <a:r>
-              <a:rPr lang="en-US" dirty="0" smtClean="0"/>
-              <a:t> </a:t>
-            </a:r>
-            <a:r>
-              <a:rPr lang="en-US" dirty="0" err="1" smtClean="0"/>
-              <a:t>TestLoop</a:t>
-            </a:r>
-            <a:r>
-              <a:rPr lang="en-US" dirty="0" smtClean="0"/>
-              <a:t>(</a:t>
-            </a:r>
-            <a:r>
-              <a:rPr lang="en-US" dirty="0" err="1" smtClean="0"/>
-              <a:t>int</a:t>
-            </a:r>
-            <a:r>
-              <a:rPr lang="en-US" dirty="0" smtClean="0"/>
-              <a:t> x, </a:t>
-            </a:r>
-            <a:r>
-              <a:rPr lang="en-US" dirty="0" err="1" smtClean="0"/>
-              <a:t>int</a:t>
-            </a:r>
-            <a:r>
-              <a:rPr lang="en-US" dirty="0" smtClean="0"/>
-              <a:t>[] y){</a:t>
-            </a:r>
-          </a:p>
-          <a:p>
-            <a:pPr>
-              <a:buNone/>
-            </a:pPr>
-            <a:r>
-              <a:rPr lang="en-US" dirty="0" smtClean="0"/>
-              <a:t>	if(x==90){</a:t>
-            </a:r>
-          </a:p>
-          <a:p>
-            <a:pPr>
-              <a:buNone/>
-            </a:pPr>
-            <a:r>
-              <a:rPr lang="en-US" dirty="0" smtClean="0"/>
-              <a:t>		for(</a:t>
-            </a:r>
-            <a:r>
-              <a:rPr lang="en-US" dirty="0" err="1" smtClean="0"/>
-              <a:t>int</a:t>
-            </a:r>
-            <a:r>
-              <a:rPr lang="en-US" dirty="0" smtClean="0"/>
-              <a:t> </a:t>
-            </a:r>
-            <a:r>
-              <a:rPr lang="en-US" dirty="0" err="1" smtClean="0"/>
-              <a:t>i</a:t>
-            </a:r>
-            <a:r>
-              <a:rPr lang="en-US" dirty="0" smtClean="0"/>
-              <a:t>=0; </a:t>
-            </a:r>
-            <a:r>
-              <a:rPr lang="en-US" dirty="0" err="1" smtClean="0"/>
-              <a:t>i</a:t>
-            </a:r>
-            <a:r>
-              <a:rPr lang="en-US" dirty="0" smtClean="0"/>
-              <a:t>&lt;</a:t>
-            </a:r>
-            <a:r>
-              <a:rPr lang="en-US" dirty="0" err="1" smtClean="0"/>
-              <a:t>y.length;i</a:t>
-            </a:r>
-            <a:r>
-              <a:rPr lang="en-US" dirty="0" smtClean="0"/>
-              <a:t>++)</a:t>
-            </a:r>
-          </a:p>
-          <a:p>
-            <a:pPr>
-              <a:buNone/>
-            </a:pPr>
-            <a:r>
-              <a:rPr lang="en-US" dirty="0" smtClean="0"/>
-              <a:t>			if(y[</a:t>
-            </a:r>
-            <a:r>
-              <a:rPr lang="en-US" dirty="0" err="1" smtClean="0"/>
-              <a:t>i</a:t>
-            </a:r>
-            <a:r>
-              <a:rPr lang="en-US" dirty="0" smtClean="0"/>
-              <a:t>]==15)</a:t>
-            </a:r>
-          </a:p>
-          <a:p>
-            <a:pPr>
-              <a:buNone/>
-            </a:pPr>
-            <a:r>
-              <a:rPr lang="en-US" dirty="0" smtClean="0"/>
-              <a:t>				x++;</a:t>
-            </a:r>
-          </a:p>
-          <a:p>
-            <a:pPr>
-              <a:buNone/>
-            </a:pPr>
-            <a:r>
-              <a:rPr lang="en-US" dirty="0" smtClean="0"/>
-              <a:t>		If(x==110)		</a:t>
-            </a:r>
-          </a:p>
-          <a:p>
-            <a:pPr>
-              <a:buNone/>
-            </a:pPr>
-            <a:r>
-              <a:rPr lang="en-US" dirty="0" smtClean="0"/>
-              <a:t>			return true;</a:t>
-            </a:r>
-          </a:p>
-          <a:p>
-            <a:pPr>
-              <a:buNone/>
-            </a:pPr>
-            <a:r>
-              <a:rPr lang="en-US" dirty="0" smtClean="0"/>
-              <a:t>	}</a:t>
-            </a:r>
-          </a:p>
-          <a:p>
-            <a:pPr>
-              <a:buNone/>
-            </a:pPr>
-            <a:r>
-              <a:rPr lang="en-US" dirty="0" smtClean="0"/>
-              <a:t>	return false;</a:t>
-            </a:r>
-          </a:p>
-          <a:p>
-            <a:pPr>
-              <a:buNone/>
-            </a:pPr>
-            <a:r>
-              <a:rPr lang="en-US" dirty="0" smtClean="0"/>
-              <a:t>}</a:t>
-            </a:r>
-          </a:p>
-          <a:p>
-            <a:pPr>
-              <a:buNone/>
-            </a:pPr>
-            <a:endParaRPr lang="en-US" dirty="0"/>
-          </a:p>
-        </p:txBody>
-      </p:sp>
-      <p:pic>
-        <p:nvPicPr>
-          <p:cNvPr id="4" name="图片 3" descr="fitnesstable.JPG"/>
-          <p:cNvPicPr>
-            <a:picLocks noChangeAspect="1"/>
-          </p:cNvPicPr>
-          <p:nvPr/>
-        </p:nvPicPr>
-        <p:blipFill>
-          <a:blip r:embed="rId2"/>
-          <a:stretch>
-            <a:fillRect/>
-          </a:stretch>
-        </p:blipFill>
-        <p:spPr>
-          <a:xfrm>
-            <a:off x="4572000" y="2895600"/>
-            <a:ext cx="3971925" cy="3352800"/>
-          </a:xfrm>
-          <a:prstGeom prst="rect">
-            <a:avLst/>
-          </a:prstGeom>
-        </p:spPr>
-      </p:pic>
-      <p:sp>
-        <p:nvSpPr>
-          <p:cNvPr id="5" name="右箭头 4"/>
-          <p:cNvSpPr/>
-          <p:nvPr/>
-        </p:nvSpPr>
-        <p:spPr>
-          <a:xfrm>
-            <a:off x="1066800" y="4114800"/>
-            <a:ext cx="762000" cy="381000"/>
-          </a:xfrm>
-          <a:prstGeom prst="rightArrow">
-            <a:avLst/>
-          </a:prstGeom>
-          <a:solidFill>
-            <a:schemeClr val="accent2"/>
-          </a:solidFill>
-          <a:ln>
-            <a:solidFill>
-              <a:schemeClr val="bg1"/>
-            </a:solidFill>
-          </a:ln>
-        </p:spPr>
-        <p:style>
-          <a:lnRef idx="2">
-            <a:schemeClr val="accent1">
-              <a:shade val="50000"/>
-            </a:schemeClr>
-          </a:lnRef>
-          <a:fillRef idx="1">
-            <a:schemeClr val="accent1"/>
-          </a:fillRef>
-          <a:effectRef idx="0">
-            <a:schemeClr val="accent1"/>
-          </a:effectRef>
-          <a:fontRef idx="minor">
-            <a:schemeClr val="lt1"/>
-          </a:fontRef>
-        </p:style>
-        <p:txBody>
-          <a:bodyPr rtlCol="0" anchor="ctr"/>
-          <a:lstStyle/>
-          <a:p>
-            <a:pPr algn="ctr"/>
-            <a:endParaRPr lang="en-US" sz="2000"/>
-          </a:p>
-        </p:txBody>
-      </p:sp>
-    </p:spTree>
-  </p:cSld>
-  <p:clrMapOvr>
-    <a:masterClrMapping/>
-  </p:clrMapOvr>
-</p:sld>
-</file>
-
-<file path=ppt/slides/slide9.xml><?xml version="1.0" encoding="utf-8"?>
-<p:sld xmlns:a="http://schemas.openxmlformats.org/drawingml/2006/main" xmlns:r="http://schemas.openxmlformats.org/officeDocument/2006/relationships" xmlns:p="http://schemas.openxmlformats.org/presentationml/2006/main">
-  <p:cSld>
-    <p:spTree>
-      <p:nvGrpSpPr>
-        <p:cNvPr id="1" name=""/>
-        <p:cNvGrpSpPr/>
-        <p:nvPr/>
-      </p:nvGrpSpPr>
-      <p:grpSpPr>
-        <a:xfrm>
-          <a:off x="0" y="0"/>
-          <a:ext cx="0" cy="0"/>
-          <a:chOff x="0" y="0"/>
-          <a:chExt cx="0" cy="0"/>
-        </a:xfrm>
-      </p:grpSpPr>
-      <p:sp>
-        <p:nvSpPr>
-          <p:cNvPr id="2" name="标题 1"/>
-          <p:cNvSpPr>
-            <a:spLocks noGrp="1"/>
-          </p:cNvSpPr>
-          <p:nvPr>
-            <p:ph type="title"/>
-          </p:nvPr>
-        </p:nvSpPr>
-        <p:spPr/>
-        <p:txBody>
-          <a:bodyPr/>
-          <a:lstStyle/>
-          <a:p>
-            <a:r>
-              <a:rPr lang="en-US" dirty="0" smtClean="0"/>
-              <a:t>String Constraint Solver</a:t>
-            </a:r>
-            <a:endParaRPr lang="en-US" dirty="0"/>
-          </a:p>
-        </p:txBody>
-      </p:sp>
-      <p:sp>
-        <p:nvSpPr>
-          <p:cNvPr id="3" name="内容占位符 2"/>
-          <p:cNvSpPr>
-            <a:spLocks noGrp="1"/>
-          </p:cNvSpPr>
-          <p:nvPr>
-            <p:ph idx="1"/>
-          </p:nvPr>
-        </p:nvSpPr>
-        <p:spPr/>
-        <p:txBody>
-          <a:bodyPr/>
-          <a:lstStyle/>
-          <a:p>
-            <a:r>
-              <a:rPr lang="en-US" dirty="0" smtClean="0"/>
-              <a:t>Testing tools could be reduced to constraint generation phase and constraint solving phase.</a:t>
-            </a:r>
-          </a:p>
-          <a:p>
-            <a:r>
-              <a:rPr lang="en-US" dirty="0" smtClean="0"/>
-              <a:t>String constraint solvers are needed by testing string-manipulating programs</a:t>
-            </a:r>
-          </a:p>
-          <a:p>
-            <a:pPr lvl="1">
-              <a:buFont typeface="Courier New" pitchFamily="49" charset="0"/>
-              <a:buChar char="o"/>
-            </a:pPr>
-            <a:r>
-              <a:rPr lang="en-US" dirty="0" smtClean="0"/>
-              <a:t>Web application</a:t>
-            </a:r>
-            <a:endParaRPr lang="en-US" dirty="0" smtClean="0"/>
-          </a:p>
-          <a:p>
-            <a:r>
-              <a:rPr lang="en-US" dirty="0" smtClean="0"/>
-              <a:t>Hampi</a:t>
-            </a:r>
-          </a:p>
-          <a:p>
-            <a:pPr lvl="1">
-              <a:buFont typeface="Courier New" pitchFamily="49" charset="0"/>
-              <a:buChar char="o"/>
-            </a:pPr>
-            <a:endParaRPr lang="en-US" dirty="0" smtClean="0"/>
-          </a:p>
-          <a:p>
-            <a:pPr>
-              <a:buNone/>
-            </a:pPr>
-            <a:endParaRPr lang="en-US" dirty="0" smtClean="0"/>
-          </a:p>
-          <a:p>
-            <a:pPr>
-              <a:buNone/>
-            </a:pPr>
-            <a:endParaRPr lang="en-US" dirty="0" smtClean="0"/>
-          </a:p>
-          <a:p>
-            <a:pPr>
-              <a:buNone/>
-            </a:pPr>
-            <a:endParaRPr lang="en-US" dirty="0"/>
           </a:p>
         </p:txBody>
       </p:sp>
